--- a/Powerpoints/finalpresentationintro.pptx
+++ b/Powerpoints/finalpresentationintro.pptx
@@ -6,9 +6,10 @@
   </p:sldMasterIdLst>
   <p:sldIdLst>
     <p:sldId id="256" r:id="rId2"/>
-    <p:sldId id="257" r:id="rId3"/>
+    <p:sldId id="261" r:id="rId3"/>
     <p:sldId id="258" r:id="rId4"/>
-    <p:sldId id="259" r:id="rId5"/>
+    <p:sldId id="257" r:id="rId5"/>
+    <p:sldId id="259" r:id="rId6"/>
   </p:sldIdLst>
   <p:sldSz cx="12192000" cy="6858000"/>
   <p:notesSz cx="6858000" cy="9144000"/>
@@ -345,7 +346,7 @@
             <a:fld id="{B61BEF0D-F0BB-DE4B-95CE-6DB70DBA9567}" type="datetimeFigureOut">
               <a:rPr lang="en-US" dirty="0"/>
               <a:pPr/>
-              <a:t>7/2/2019</a:t>
+              <a:t>7/3/2019</a:t>
             </a:fld>
             <a:endParaRPr lang="en-US" dirty="0"/>
           </a:p>
@@ -676,7 +677,7 @@
             <a:fld id="{B61BEF0D-F0BB-DE4B-95CE-6DB70DBA9567}" type="datetimeFigureOut">
               <a:rPr lang="en-US" dirty="0"/>
               <a:pPr/>
-              <a:t>7/2/2019</a:t>
+              <a:t>7/3/2019</a:t>
             </a:fld>
             <a:endParaRPr lang="en-US" dirty="0"/>
           </a:p>
@@ -951,7 +952,7 @@
             <a:fld id="{B61BEF0D-F0BB-DE4B-95CE-6DB70DBA9567}" type="datetimeFigureOut">
               <a:rPr lang="en-US" dirty="0"/>
               <a:pPr/>
-              <a:t>7/2/2019</a:t>
+              <a:t>7/3/2019</a:t>
             </a:fld>
             <a:endParaRPr lang="en-US" dirty="0"/>
           </a:p>
@@ -1516,7 +1517,7 @@
             <a:fld id="{B61BEF0D-F0BB-DE4B-95CE-6DB70DBA9567}" type="datetimeFigureOut">
               <a:rPr lang="en-US" dirty="0"/>
               <a:pPr/>
-              <a:t>7/2/2019</a:t>
+              <a:t>7/3/2019</a:t>
             </a:fld>
             <a:endParaRPr lang="en-US" dirty="0"/>
           </a:p>
@@ -1791,7 +1792,7 @@
             <a:fld id="{B61BEF0D-F0BB-DE4B-95CE-6DB70DBA9567}" type="datetimeFigureOut">
               <a:rPr lang="en-US" dirty="0"/>
               <a:pPr/>
-              <a:t>7/2/2019</a:t>
+              <a:t>7/3/2019</a:t>
             </a:fld>
             <a:endParaRPr lang="en-US" dirty="0"/>
           </a:p>
@@ -2350,7 +2351,7 @@
             <a:fld id="{B61BEF0D-F0BB-DE4B-95CE-6DB70DBA9567}" type="datetimeFigureOut">
               <a:rPr lang="en-US" dirty="0"/>
               <a:pPr/>
-              <a:t>7/2/2019</a:t>
+              <a:t>7/3/2019</a:t>
             </a:fld>
             <a:endParaRPr lang="en-US" dirty="0"/>
           </a:p>
@@ -2674,7 +2675,7 @@
             <a:fld id="{B61BEF0D-F0BB-DE4B-95CE-6DB70DBA9567}" type="datetimeFigureOut">
               <a:rPr lang="en-US" dirty="0"/>
               <a:pPr/>
-              <a:t>7/2/2019</a:t>
+              <a:t>7/3/2019</a:t>
             </a:fld>
             <a:endParaRPr lang="en-US" dirty="0"/>
           </a:p>
@@ -2848,7 +2849,7 @@
             <a:fld id="{B61BEF0D-F0BB-DE4B-95CE-6DB70DBA9567}" type="datetimeFigureOut">
               <a:rPr lang="en-US" dirty="0"/>
               <a:pPr/>
-              <a:t>7/2/2019</a:t>
+              <a:t>7/3/2019</a:t>
             </a:fld>
             <a:endParaRPr lang="en-US" dirty="0"/>
           </a:p>
@@ -3083,7 +3084,7 @@
             <a:fld id="{B61BEF0D-F0BB-DE4B-95CE-6DB70DBA9567}" type="datetimeFigureOut">
               <a:rPr lang="en-US" dirty="0"/>
               <a:pPr/>
-              <a:t>7/2/2019</a:t>
+              <a:t>7/3/2019</a:t>
             </a:fld>
             <a:endParaRPr lang="en-US" dirty="0"/>
           </a:p>
@@ -3280,7 +3281,7 @@
             <a:fld id="{B61BEF0D-F0BB-DE4B-95CE-6DB70DBA9567}" type="datetimeFigureOut">
               <a:rPr lang="en-US" dirty="0"/>
               <a:pPr/>
-              <a:t>7/2/2019</a:t>
+              <a:t>7/3/2019</a:t>
             </a:fld>
             <a:endParaRPr lang="en-US" dirty="0"/>
           </a:p>
@@ -3553,7 +3554,7 @@
             <a:fld id="{B61BEF0D-F0BB-DE4B-95CE-6DB70DBA9567}" type="datetimeFigureOut">
               <a:rPr lang="en-US" dirty="0"/>
               <a:pPr/>
-              <a:t>7/2/2019</a:t>
+              <a:t>7/3/2019</a:t>
             </a:fld>
             <a:endParaRPr lang="en-US" dirty="0"/>
           </a:p>
@@ -3816,7 +3817,7 @@
             <a:fld id="{B61BEF0D-F0BB-DE4B-95CE-6DB70DBA9567}" type="datetimeFigureOut">
               <a:rPr lang="en-US" dirty="0"/>
               <a:pPr/>
-              <a:t>7/2/2019</a:t>
+              <a:t>7/3/2019</a:t>
             </a:fld>
             <a:endParaRPr lang="en-US" dirty="0"/>
           </a:p>
@@ -4187,7 +4188,7 @@
             <a:fld id="{B61BEF0D-F0BB-DE4B-95CE-6DB70DBA9567}" type="datetimeFigureOut">
               <a:rPr lang="en-US" dirty="0"/>
               <a:pPr/>
-              <a:t>7/2/2019</a:t>
+              <a:t>7/3/2019</a:t>
             </a:fld>
             <a:endParaRPr lang="en-US" dirty="0"/>
           </a:p>
@@ -4332,7 +4333,7 @@
             <a:fld id="{B61BEF0D-F0BB-DE4B-95CE-6DB70DBA9567}" type="datetimeFigureOut">
               <a:rPr lang="en-US" dirty="0"/>
               <a:pPr/>
-              <a:t>7/2/2019</a:t>
+              <a:t>7/3/2019</a:t>
             </a:fld>
             <a:endParaRPr lang="en-US" dirty="0"/>
           </a:p>
@@ -4454,7 +4455,7 @@
             <a:fld id="{B61BEF0D-F0BB-DE4B-95CE-6DB70DBA9567}" type="datetimeFigureOut">
               <a:rPr lang="en-US" dirty="0"/>
               <a:pPr/>
-              <a:t>7/2/2019</a:t>
+              <a:t>7/3/2019</a:t>
             </a:fld>
             <a:endParaRPr lang="en-US" dirty="0"/>
           </a:p>
@@ -4736,7 +4737,7 @@
             <a:fld id="{B61BEF0D-F0BB-DE4B-95CE-6DB70DBA9567}" type="datetimeFigureOut">
               <a:rPr lang="en-US" dirty="0"/>
               <a:pPr/>
-              <a:t>7/2/2019</a:t>
+              <a:t>7/3/2019</a:t>
             </a:fld>
             <a:endParaRPr lang="en-US" dirty="0"/>
           </a:p>
@@ -5057,7 +5058,7 @@
             <a:fld id="{B61BEF0D-F0BB-DE4B-95CE-6DB70DBA9567}" type="datetimeFigureOut">
               <a:rPr lang="en-US" dirty="0"/>
               <a:pPr/>
-              <a:t>7/2/2019</a:t>
+              <a:t>7/3/2019</a:t>
             </a:fld>
             <a:endParaRPr lang="en-US" dirty="0"/>
           </a:p>
@@ -5268,7 +5269,7 @@
             <a:fld id="{B61BEF0D-F0BB-DE4B-95CE-6DB70DBA9567}" type="datetimeFigureOut">
               <a:rPr lang="en-US" dirty="0"/>
               <a:pPr/>
-              <a:t>7/2/2019</a:t>
+              <a:t>7/3/2019</a:t>
             </a:fld>
             <a:endParaRPr lang="en-US" dirty="0"/>
           </a:p>
@@ -5835,6 +5836,9403 @@
 <file path=ppt/slides/slide2.xml><?xml version="1.0" encoding="utf-8"?>
 <p:sld xmlns:a="http://schemas.openxmlformats.org/drawingml/2006/main" xmlns:r="http://schemas.openxmlformats.org/officeDocument/2006/relationships" xmlns:p="http://schemas.openxmlformats.org/presentationml/2006/main">
   <p:cSld>
+    <p:bg>
+      <p:bgPr>
+        <a:blipFill>
+          <a:blip r:embed="rId2">
+            <a:extLst/>
+          </a:blip>
+          <a:stretch/>
+        </a:blipFill>
+        <a:effectLst/>
+      </p:bgPr>
+    </p:bg>
+    <p:spTree>
+      <p:nvGrpSpPr>
+        <p:cNvPr id="1" name=""/>
+        <p:cNvGrpSpPr/>
+        <p:nvPr/>
+      </p:nvGrpSpPr>
+      <p:grpSpPr>
+        <a:xfrm>
+          <a:off x="0" y="0"/>
+          <a:ext cx="0" cy="0"/>
+          <a:chOff x="0" y="0"/>
+          <a:chExt cx="0" cy="0"/>
+        </a:xfrm>
+      </p:grpSpPr>
+      <p:sp>
+        <p:nvSpPr>
+          <p:cNvPr id="2" name="Title 1">
+            <a:extLst>
+              <a:ext uri="{FF2B5EF4-FFF2-40B4-BE49-F238E27FC236}">
+                <a16:creationId xmlns:a16="http://schemas.microsoft.com/office/drawing/2014/main" id="{19483F61-14FA-45B2-AC7D-91436E002A52}"/>
+              </a:ext>
+            </a:extLst>
+          </p:cNvPr>
+          <p:cNvSpPr>
+            <a:spLocks noGrp="1"/>
+          </p:cNvSpPr>
+          <p:nvPr>
+            <p:ph type="title"/>
+          </p:nvPr>
+        </p:nvSpPr>
+        <p:spPr>
+          <a:xfrm>
+            <a:off x="685801" y="609600"/>
+            <a:ext cx="6143423" cy="1456267"/>
+          </a:xfrm>
+        </p:spPr>
+        <p:txBody>
+          <a:bodyPr>
+            <a:normAutofit/>
+          </a:bodyPr>
+          <a:lstStyle/>
+          <a:p>
+            <a:r>
+              <a:rPr lang="en-US" dirty="0"/>
+              <a:t>Introduction </a:t>
+            </a:r>
+          </a:p>
+        </p:txBody>
+      </p:sp>
+      <p:sp>
+        <p:nvSpPr>
+          <p:cNvPr id="3" name="Content Placeholder 2">
+            <a:extLst>
+              <a:ext uri="{FF2B5EF4-FFF2-40B4-BE49-F238E27FC236}">
+                <a16:creationId xmlns:a16="http://schemas.microsoft.com/office/drawing/2014/main" id="{11A46E63-FAF6-4C56-AA91-B9BADBF82C9F}"/>
+              </a:ext>
+            </a:extLst>
+          </p:cNvPr>
+          <p:cNvSpPr>
+            <a:spLocks noGrp="1"/>
+          </p:cNvSpPr>
+          <p:nvPr>
+            <p:ph idx="1"/>
+          </p:nvPr>
+        </p:nvSpPr>
+        <p:spPr>
+          <a:xfrm>
+            <a:off x="685801" y="2142067"/>
+            <a:ext cx="6143423" cy="3649133"/>
+          </a:xfrm>
+        </p:spPr>
+        <p:txBody>
+          <a:bodyPr>
+            <a:normAutofit lnSpcReduction="10000"/>
+          </a:bodyPr>
+          <a:lstStyle/>
+          <a:p>
+            <a:pPr>
+              <a:lnSpc>
+                <a:spcPct val="90000"/>
+              </a:lnSpc>
+            </a:pPr>
+            <a:r>
+              <a:rPr lang="en-US" sz="1500" dirty="0"/>
+              <a:t>Hope Lutheran Church</a:t>
+            </a:r>
+          </a:p>
+          <a:p>
+            <a:pPr>
+              <a:lnSpc>
+                <a:spcPct val="90000"/>
+              </a:lnSpc>
+            </a:pPr>
+            <a:r>
+              <a:rPr lang="en-US" sz="1500" dirty="0"/>
+              <a:t>Church interior:</a:t>
+            </a:r>
+          </a:p>
+          <a:p>
+            <a:pPr lvl="1">
+              <a:lnSpc>
+                <a:spcPct val="90000"/>
+              </a:lnSpc>
+            </a:pPr>
+            <a:r>
+              <a:rPr lang="en-US" sz="1500" dirty="0"/>
+              <a:t> Paraments </a:t>
+            </a:r>
+          </a:p>
+          <a:p>
+            <a:pPr lvl="2">
+              <a:lnSpc>
+                <a:spcPct val="90000"/>
+              </a:lnSpc>
+            </a:pPr>
+            <a:r>
+              <a:rPr lang="en-US" sz="1500" dirty="0"/>
+              <a:t> Cloths on Altar, Pulpit and Lectern</a:t>
+            </a:r>
+          </a:p>
+          <a:p>
+            <a:pPr lvl="2">
+              <a:lnSpc>
+                <a:spcPct val="90000"/>
+              </a:lnSpc>
+            </a:pPr>
+            <a:r>
+              <a:rPr lang="en-US" sz="1500" dirty="0"/>
+              <a:t> Different Colors for Different Seasons</a:t>
+            </a:r>
+          </a:p>
+          <a:p>
+            <a:pPr lvl="1">
+              <a:lnSpc>
+                <a:spcPct val="90000"/>
+              </a:lnSpc>
+            </a:pPr>
+            <a:r>
+              <a:rPr lang="en-US" sz="1500" dirty="0"/>
+              <a:t>Banners – Change with season and holidays</a:t>
+            </a:r>
+          </a:p>
+          <a:p>
+            <a:pPr lvl="2">
+              <a:lnSpc>
+                <a:spcPct val="90000"/>
+              </a:lnSpc>
+            </a:pPr>
+            <a:r>
+              <a:rPr lang="en-US" sz="1500" dirty="0"/>
+              <a:t>       2 front banners</a:t>
+            </a:r>
+          </a:p>
+          <a:p>
+            <a:pPr lvl="2">
+              <a:lnSpc>
+                <a:spcPct val="90000"/>
+              </a:lnSpc>
+            </a:pPr>
+            <a:r>
+              <a:rPr lang="en-US" sz="1500" dirty="0"/>
+              <a:t>       1 side banner</a:t>
+            </a:r>
+          </a:p>
+          <a:p>
+            <a:pPr lvl="2">
+              <a:lnSpc>
+                <a:spcPct val="90000"/>
+              </a:lnSpc>
+            </a:pPr>
+            <a:r>
+              <a:rPr lang="en-US" sz="1500" dirty="0"/>
+              <a:t>       Small Aisle banners</a:t>
+            </a:r>
+          </a:p>
+          <a:p>
+            <a:pPr>
+              <a:lnSpc>
+                <a:spcPct val="90000"/>
+              </a:lnSpc>
+            </a:pPr>
+            <a:r>
+              <a:rPr lang="en-US" sz="1500" dirty="0"/>
+              <a:t>Committee of 10 members</a:t>
+            </a:r>
+          </a:p>
+          <a:p>
+            <a:pPr>
+              <a:lnSpc>
+                <a:spcPct val="90000"/>
+              </a:lnSpc>
+            </a:pPr>
+            <a:r>
+              <a:rPr lang="en-US" sz="1500" dirty="0"/>
+              <a:t>Church year	</a:t>
+            </a:r>
+          </a:p>
+          <a:p>
+            <a:pPr lvl="2">
+              <a:lnSpc>
+                <a:spcPct val="90000"/>
+              </a:lnSpc>
+            </a:pPr>
+            <a:endParaRPr lang="en-US" sz="1500" dirty="0"/>
+          </a:p>
+          <a:p>
+            <a:pPr>
+              <a:lnSpc>
+                <a:spcPct val="90000"/>
+              </a:lnSpc>
+            </a:pPr>
+            <a:endParaRPr lang="en-US" sz="1500" dirty="0"/>
+          </a:p>
+        </p:txBody>
+      </p:sp>
+      <p:pic>
+        <p:nvPicPr>
+          <p:cNvPr id="4" name="Content Placeholder 6">
+            <a:extLst>
+              <a:ext uri="{FF2B5EF4-FFF2-40B4-BE49-F238E27FC236}">
+                <a16:creationId xmlns:a16="http://schemas.microsoft.com/office/drawing/2014/main" id="{53870810-374B-44AE-90D1-6A3B4CFDEB99}"/>
+              </a:ext>
+            </a:extLst>
+          </p:cNvPr>
+          <p:cNvPicPr>
+            <a:picLocks noChangeAspect="1"/>
+          </p:cNvPicPr>
+          <p:nvPr/>
+        </p:nvPicPr>
+        <p:blipFill rotWithShape="1">
+          <a:blip r:embed="rId3">
+            <a:extLst>
+              <a:ext uri="{28A0092B-C50C-407E-A947-70E740481C1C}">
+                <a14:useLocalDpi xmlns:a14="http://schemas.microsoft.com/office/drawing/2010/main" val="0"/>
+              </a:ext>
+            </a:extLst>
+          </a:blip>
+          <a:srcRect l="10654" r="16413" b="-1"/>
+          <a:stretch/>
+        </p:blipFill>
+        <p:spPr>
+          <a:xfrm>
+            <a:off x="8888133" y="4144246"/>
+            <a:ext cx="3302966" cy="2717299"/>
+          </a:xfrm>
+          <a:custGeom>
+            <a:avLst/>
+            <a:gdLst>
+              <a:gd name="connsiteX0" fmla="*/ 1663658 w 3039855"/>
+              <a:gd name="connsiteY0" fmla="*/ 0 h 2500842"/>
+              <a:gd name="connsiteX1" fmla="*/ 2947417 w 3039855"/>
+              <a:gd name="connsiteY1" fmla="*/ 605417 h 2500842"/>
+              <a:gd name="connsiteX2" fmla="*/ 3039855 w 3039855"/>
+              <a:gd name="connsiteY2" fmla="*/ 729032 h 2500842"/>
+              <a:gd name="connsiteX3" fmla="*/ 3039855 w 3039855"/>
+              <a:gd name="connsiteY3" fmla="*/ 2500842 h 2500842"/>
+              <a:gd name="connsiteX4" fmla="*/ 226952 w 3039855"/>
+              <a:gd name="connsiteY4" fmla="*/ 2500842 h 2500842"/>
+              <a:gd name="connsiteX5" fmla="*/ 155401 w 3039855"/>
+              <a:gd name="connsiteY5" fmla="*/ 2366679 h 2500842"/>
+              <a:gd name="connsiteX6" fmla="*/ 0 w 3039855"/>
+              <a:gd name="connsiteY6" fmla="*/ 1663658 h 2500842"/>
+              <a:gd name="connsiteX7" fmla="*/ 1663658 w 3039855"/>
+              <a:gd name="connsiteY7" fmla="*/ 0 h 2500842"/>
+            </a:gdLst>
+            <a:ahLst/>
+            <a:cxnLst>
+              <a:cxn ang="0">
+                <a:pos x="connsiteX0" y="connsiteY0"/>
+              </a:cxn>
+              <a:cxn ang="0">
+                <a:pos x="connsiteX1" y="connsiteY1"/>
+              </a:cxn>
+              <a:cxn ang="0">
+                <a:pos x="connsiteX2" y="connsiteY2"/>
+              </a:cxn>
+              <a:cxn ang="0">
+                <a:pos x="connsiteX3" y="connsiteY3"/>
+              </a:cxn>
+              <a:cxn ang="0">
+                <a:pos x="connsiteX4" y="connsiteY4"/>
+              </a:cxn>
+              <a:cxn ang="0">
+                <a:pos x="connsiteX5" y="connsiteY5"/>
+              </a:cxn>
+              <a:cxn ang="0">
+                <a:pos x="connsiteX6" y="connsiteY6"/>
+              </a:cxn>
+              <a:cxn ang="0">
+                <a:pos x="connsiteX7" y="connsiteY7"/>
+              </a:cxn>
+            </a:cxnLst>
+            <a:rect l="l" t="t" r="r" b="b"/>
+            <a:pathLst>
+              <a:path w="3039855" h="2500842">
+                <a:moveTo>
+                  <a:pt x="1663658" y="0"/>
+                </a:moveTo>
+                <a:cubicBezTo>
+                  <a:pt x="2180490" y="0"/>
+                  <a:pt x="2642278" y="235674"/>
+                  <a:pt x="2947417" y="605417"/>
+                </a:cubicBezTo>
+                <a:lnTo>
+                  <a:pt x="3039855" y="729032"/>
+                </a:lnTo>
+                <a:lnTo>
+                  <a:pt x="3039855" y="2500842"/>
+                </a:lnTo>
+                <a:lnTo>
+                  <a:pt x="226952" y="2500842"/>
+                </a:lnTo>
+                <a:lnTo>
+                  <a:pt x="155401" y="2366679"/>
+                </a:lnTo>
+                <a:cubicBezTo>
+                  <a:pt x="55691" y="2153127"/>
+                  <a:pt x="0" y="1914896"/>
+                  <a:pt x="0" y="1663658"/>
+                </a:cubicBezTo>
+                <a:cubicBezTo>
+                  <a:pt x="0" y="744845"/>
+                  <a:pt x="744845" y="0"/>
+                  <a:pt x="1663658" y="0"/>
+                </a:cubicBezTo>
+                <a:close/>
+              </a:path>
+            </a:pathLst>
+          </a:custGeom>
+        </p:spPr>
+      </p:pic>
+      <p:grpSp>
+        <p:nvGrpSpPr>
+          <p:cNvPr id="175" name="Group 113">
+            <a:extLst>
+              <a:ext uri="{FF2B5EF4-FFF2-40B4-BE49-F238E27FC236}">
+                <a16:creationId xmlns:a16="http://schemas.microsoft.com/office/drawing/2014/main" id="{58B25CAD-A790-499A-926B-116E10915ED3}"/>
+              </a:ext>
+              <a:ext uri="{C183D7F6-B498-43B3-948B-1728B52AA6E4}">
+                <adec:decorative xmlns:adec="http://schemas.microsoft.com/office/drawing/2017/decorative" val="1"/>
+              </a:ext>
+            </a:extLst>
+          </p:cNvPr>
+          <p:cNvGrpSpPr>
+            <a:grpSpLocks noGrp="1" noUngrp="1" noRot="1" noChangeAspect="1" noMove="1" noResize="1"/>
+          </p:cNvGrpSpPr>
+          <p:nvPr>
+            <p:extLst>
+              <p:ext uri="{386F3935-93C4-4BCD-93E2-E3B085C9AB24}">
+                <p16:designElem xmlns:p16="http://schemas.microsoft.com/office/powerpoint/2015/main" val="1"/>
+              </p:ext>
+            </p:extLst>
+          </p:nvPr>
+        </p:nvGrpSpPr>
+        <p:grpSpPr>
+          <a:xfrm rot="21267604">
+            <a:off x="8565602" y="3905595"/>
+            <a:ext cx="3639934" cy="3163289"/>
+            <a:chOff x="5281603" y="104899"/>
+            <a:chExt cx="6910397" cy="6005491"/>
+          </a:xfrm>
+        </p:grpSpPr>
+        <p:sp>
+          <p:nvSpPr>
+            <p:cNvPr id="115" name="Freeform 98">
+              <a:extLst>
+                <a:ext uri="{FF2B5EF4-FFF2-40B4-BE49-F238E27FC236}">
+                  <a16:creationId xmlns:a16="http://schemas.microsoft.com/office/drawing/2014/main" id="{76E29510-9A59-43B9-BA40-BF403A9F63E3}"/>
+                </a:ext>
+                <a:ext uri="{C183D7F6-B498-43B3-948B-1728B52AA6E4}">
+                  <adec:decorative xmlns:adec="http://schemas.microsoft.com/office/drawing/2017/decorative" val="1"/>
+                </a:ext>
+              </a:extLst>
+            </p:cNvPr>
+            <p:cNvSpPr/>
+            <p:nvPr>
+              <p:extLst>
+                <p:ext uri="{386F3935-93C4-4BCD-93E2-E3B085C9AB24}">
+                  <p16:designElem xmlns:p16="http://schemas.microsoft.com/office/powerpoint/2015/main" val="1"/>
+                </p:ext>
+              </p:extLst>
+            </p:nvPr>
+          </p:nvSpPr>
+          <p:spPr>
+            <a:xfrm>
+              <a:off x="5281603" y="104899"/>
+              <a:ext cx="6896713" cy="6005491"/>
+            </a:xfrm>
+            <a:custGeom>
+              <a:avLst/>
+              <a:gdLst>
+                <a:gd name="connsiteX0" fmla="*/ 3912717 w 6896713"/>
+                <a:gd name="connsiteY0" fmla="*/ 0 h 6005491"/>
+                <a:gd name="connsiteX1" fmla="*/ 6679426 w 6896713"/>
+                <a:gd name="connsiteY1" fmla="*/ 1146008 h 6005491"/>
+                <a:gd name="connsiteX2" fmla="*/ 6896713 w 6896713"/>
+                <a:gd name="connsiteY2" fmla="*/ 1385085 h 6005491"/>
+                <a:gd name="connsiteX3" fmla="*/ 6896713 w 6896713"/>
+                <a:gd name="connsiteY3" fmla="*/ 1431256 h 6005491"/>
+                <a:gd name="connsiteX4" fmla="*/ 6657442 w 6896713"/>
+                <a:gd name="connsiteY4" fmla="*/ 1167992 h 6005491"/>
+                <a:gd name="connsiteX5" fmla="*/ 3912717 w 6896713"/>
+                <a:gd name="connsiteY5" fmla="*/ 31089 h 6005491"/>
+                <a:gd name="connsiteX6" fmla="*/ 31089 w 6896713"/>
+                <a:gd name="connsiteY6" fmla="*/ 3912717 h 6005491"/>
+                <a:gd name="connsiteX7" fmla="*/ 593046 w 6896713"/>
+                <a:gd name="connsiteY7" fmla="*/ 5925483 h 6005491"/>
+                <a:gd name="connsiteX8" fmla="*/ 633874 w 6896713"/>
+                <a:gd name="connsiteY8" fmla="*/ 5989169 h 6005491"/>
+                <a:gd name="connsiteX9" fmla="*/ 607415 w 6896713"/>
+                <a:gd name="connsiteY9" fmla="*/ 6005491 h 6005491"/>
+                <a:gd name="connsiteX10" fmla="*/ 566458 w 6896713"/>
+                <a:gd name="connsiteY10" fmla="*/ 5941603 h 6005491"/>
+                <a:gd name="connsiteX11" fmla="*/ 0 w 6896713"/>
+                <a:gd name="connsiteY11" fmla="*/ 3912717 h 6005491"/>
+                <a:gd name="connsiteX12" fmla="*/ 3912717 w 6896713"/>
+                <a:gd name="connsiteY12" fmla="*/ 0 h 6005491"/>
+              </a:gdLst>
+              <a:ahLst/>
+              <a:cxnLst>
+                <a:cxn ang="0">
+                  <a:pos x="connsiteX0" y="connsiteY0"/>
+                </a:cxn>
+                <a:cxn ang="0">
+                  <a:pos x="connsiteX1" y="connsiteY1"/>
+                </a:cxn>
+                <a:cxn ang="0">
+                  <a:pos x="connsiteX2" y="connsiteY2"/>
+                </a:cxn>
+                <a:cxn ang="0">
+                  <a:pos x="connsiteX3" y="connsiteY3"/>
+                </a:cxn>
+                <a:cxn ang="0">
+                  <a:pos x="connsiteX4" y="connsiteY4"/>
+                </a:cxn>
+                <a:cxn ang="0">
+                  <a:pos x="connsiteX5" y="connsiteY5"/>
+                </a:cxn>
+                <a:cxn ang="0">
+                  <a:pos x="connsiteX6" y="connsiteY6"/>
+                </a:cxn>
+                <a:cxn ang="0">
+                  <a:pos x="connsiteX7" y="connsiteY7"/>
+                </a:cxn>
+                <a:cxn ang="0">
+                  <a:pos x="connsiteX8" y="connsiteY8"/>
+                </a:cxn>
+                <a:cxn ang="0">
+                  <a:pos x="connsiteX9" y="connsiteY9"/>
+                </a:cxn>
+                <a:cxn ang="0">
+                  <a:pos x="connsiteX10" y="connsiteY10"/>
+                </a:cxn>
+                <a:cxn ang="0">
+                  <a:pos x="connsiteX11" y="connsiteY11"/>
+                </a:cxn>
+                <a:cxn ang="0">
+                  <a:pos x="connsiteX12" y="connsiteY12"/>
+                </a:cxn>
+              </a:cxnLst>
+              <a:rect l="l" t="t" r="r" b="b"/>
+              <a:pathLst>
+                <a:path w="6896713" h="6005491">
+                  <a:moveTo>
+                    <a:pt x="3912717" y="0"/>
+                  </a:moveTo>
+                  <a:cubicBezTo>
+                    <a:pt x="4993184" y="0"/>
+                    <a:pt x="5971363" y="437946"/>
+                    <a:pt x="6679426" y="1146008"/>
+                  </a:cubicBezTo>
+                  <a:lnTo>
+                    <a:pt x="6896713" y="1385085"/>
+                  </a:lnTo>
+                  <a:lnTo>
+                    <a:pt x="6896713" y="1431256"/>
+                  </a:lnTo>
+                  <a:lnTo>
+                    <a:pt x="6657442" y="1167992"/>
+                  </a:lnTo>
+                  <a:cubicBezTo>
+                    <a:pt x="5955006" y="465555"/>
+                    <a:pt x="4984599" y="31089"/>
+                    <a:pt x="3912717" y="31089"/>
+                  </a:cubicBezTo>
+                  <a:cubicBezTo>
+                    <a:pt x="1768953" y="31089"/>
+                    <a:pt x="31089" y="1768953"/>
+                    <a:pt x="31089" y="3912717"/>
+                  </a:cubicBezTo>
+                  <a:cubicBezTo>
+                    <a:pt x="31089" y="4649636"/>
+                    <a:pt x="236442" y="5338592"/>
+                    <a:pt x="593046" y="5925483"/>
+                  </a:cubicBezTo>
+                  <a:lnTo>
+                    <a:pt x="633874" y="5989169"/>
+                  </a:lnTo>
+                  <a:lnTo>
+                    <a:pt x="607415" y="6005491"/>
+                  </a:lnTo>
+                  <a:lnTo>
+                    <a:pt x="566458" y="5941603"/>
+                  </a:lnTo>
+                  <a:cubicBezTo>
+                    <a:pt x="206998" y="5350013"/>
+                    <a:pt x="0" y="4655538"/>
+                    <a:pt x="0" y="3912717"/>
+                  </a:cubicBezTo>
+                  <a:cubicBezTo>
+                    <a:pt x="0" y="1751783"/>
+                    <a:pt x="1751783" y="0"/>
+                    <a:pt x="3912717" y="0"/>
+                  </a:cubicBezTo>
+                  <a:close/>
+                </a:path>
+              </a:pathLst>
+            </a:custGeom>
+            <a:solidFill>
+              <a:srgbClr val="FFFFFF">
+                <a:alpha val="15000"/>
+              </a:srgbClr>
+            </a:solidFill>
+            <a:ln>
+              <a:noFill/>
+            </a:ln>
+          </p:spPr>
+          <p:style>
+            <a:lnRef idx="2">
+              <a:schemeClr val="accent1">
+                <a:shade val="50000"/>
+              </a:schemeClr>
+            </a:lnRef>
+            <a:fillRef idx="1">
+              <a:schemeClr val="accent1"/>
+            </a:fillRef>
+            <a:effectRef idx="0">
+              <a:schemeClr val="accent1"/>
+            </a:effectRef>
+            <a:fontRef idx="minor">
+              <a:schemeClr val="lt1"/>
+            </a:fontRef>
+          </p:style>
+          <p:txBody>
+            <a:bodyPr rtlCol="0" anchor="ctr"/>
+            <a:lstStyle/>
+            <a:p>
+              <a:pPr algn="ctr"/>
+              <a:endParaRPr lang="en-US"/>
+            </a:p>
+          </p:txBody>
+        </p:sp>
+        <p:grpSp>
+          <p:nvGrpSpPr>
+            <p:cNvPr id="116" name="Group 115">
+              <a:extLst>
+                <a:ext uri="{FF2B5EF4-FFF2-40B4-BE49-F238E27FC236}">
+                  <a16:creationId xmlns:a16="http://schemas.microsoft.com/office/drawing/2014/main" id="{D41DCF14-C3EC-4A84-9BCB-CE737430638C}"/>
+                </a:ext>
+                <a:ext uri="{C183D7F6-B498-43B3-948B-1728B52AA6E4}">
+                  <adec:decorative xmlns:adec="http://schemas.microsoft.com/office/drawing/2017/decorative" val="1"/>
+                </a:ext>
+              </a:extLst>
+            </p:cNvPr>
+            <p:cNvGrpSpPr/>
+            <p:nvPr>
+              <p:extLst>
+                <p:ext uri="{386F3935-93C4-4BCD-93E2-E3B085C9AB24}">
+                  <p16:designElem xmlns:p16="http://schemas.microsoft.com/office/powerpoint/2015/main" val="1"/>
+                </p:ext>
+              </p:extLst>
+            </p:nvPr>
+          </p:nvGrpSpPr>
+          <p:grpSpPr>
+            <a:xfrm>
+              <a:off x="5516018" y="331504"/>
+              <a:ext cx="6675982" cy="5235326"/>
+              <a:chOff x="5516018" y="331504"/>
+              <a:chExt cx="6675982" cy="5235326"/>
+            </a:xfrm>
+          </p:grpSpPr>
+          <p:cxnSp>
+            <p:nvCxnSpPr>
+              <p:cNvPr id="117" name="Straight Connector 116">
+                <a:extLst>
+                  <a:ext uri="{FF2B5EF4-FFF2-40B4-BE49-F238E27FC236}">
+                    <a16:creationId xmlns:a16="http://schemas.microsoft.com/office/drawing/2014/main" id="{323473CE-82AD-4D8D-A232-68772F8249A0}"/>
+                  </a:ext>
+                  <a:ext uri="{C183D7F6-B498-43B3-948B-1728B52AA6E4}">
+                    <adec:decorative xmlns:adec="http://schemas.microsoft.com/office/drawing/2017/decorative" val="1"/>
+                  </a:ext>
+                </a:extLst>
+              </p:cNvPr>
+              <p:cNvCxnSpPr/>
+              <p:nvPr>
+                <p:extLst>
+                  <p:ext uri="{386F3935-93C4-4BCD-93E2-E3B085C9AB24}">
+                    <p16:designElem xmlns:p16="http://schemas.microsoft.com/office/powerpoint/2015/main" val="1"/>
+                  </p:ext>
+                </p:extLst>
+              </p:nvPr>
+            </p:nvCxnSpPr>
+            <p:spPr>
+              <a:xfrm flipH="1">
+                <a:off x="9266830" y="331504"/>
+                <a:ext cx="3394" cy="182880"/>
+              </a:xfrm>
+              <a:prstGeom prst="line">
+                <a:avLst/>
+              </a:prstGeom>
+              <a:ln>
+                <a:solidFill>
+                  <a:srgbClr val="FFFFFF">
+                    <a:alpha val="30196"/>
+                  </a:srgbClr>
+                </a:solidFill>
+              </a:ln>
+            </p:spPr>
+            <p:style>
+              <a:lnRef idx="1">
+                <a:schemeClr val="accent1"/>
+              </a:lnRef>
+              <a:fillRef idx="0">
+                <a:schemeClr val="accent1"/>
+              </a:fillRef>
+              <a:effectRef idx="0">
+                <a:schemeClr val="accent1"/>
+              </a:effectRef>
+              <a:fontRef idx="minor">
+                <a:schemeClr val="tx1"/>
+              </a:fontRef>
+            </p:style>
+          </p:cxnSp>
+          <p:cxnSp>
+            <p:nvCxnSpPr>
+              <p:cNvPr id="118" name="Straight Connector 117">
+                <a:extLst>
+                  <a:ext uri="{FF2B5EF4-FFF2-40B4-BE49-F238E27FC236}">
+                    <a16:creationId xmlns:a16="http://schemas.microsoft.com/office/drawing/2014/main" id="{6C67ADA3-E620-4348-8071-F9721E422B0D}"/>
+                  </a:ext>
+                  <a:ext uri="{C183D7F6-B498-43B3-948B-1728B52AA6E4}">
+                    <adec:decorative xmlns:adec="http://schemas.microsoft.com/office/drawing/2017/decorative" val="1"/>
+                  </a:ext>
+                </a:extLst>
+              </p:cNvPr>
+              <p:cNvCxnSpPr/>
+              <p:nvPr>
+                <p:extLst>
+                  <p:ext uri="{386F3935-93C4-4BCD-93E2-E3B085C9AB24}">
+                    <p16:designElem xmlns:p16="http://schemas.microsoft.com/office/powerpoint/2015/main" val="1"/>
+                  </p:ext>
+                </p:extLst>
+              </p:nvPr>
+            </p:nvCxnSpPr>
+            <p:spPr>
+              <a:xfrm rot="120000" flipH="1">
+                <a:off x="9408861" y="338328"/>
+                <a:ext cx="3394" cy="182880"/>
+              </a:xfrm>
+              <a:prstGeom prst="line">
+                <a:avLst/>
+              </a:prstGeom>
+              <a:ln>
+                <a:solidFill>
+                  <a:srgbClr val="FFFFFF">
+                    <a:alpha val="30196"/>
+                  </a:srgbClr>
+                </a:solidFill>
+              </a:ln>
+            </p:spPr>
+            <p:style>
+              <a:lnRef idx="1">
+                <a:schemeClr val="accent1"/>
+              </a:lnRef>
+              <a:fillRef idx="0">
+                <a:schemeClr val="accent1"/>
+              </a:fillRef>
+              <a:effectRef idx="0">
+                <a:schemeClr val="accent1"/>
+              </a:effectRef>
+              <a:fontRef idx="minor">
+                <a:schemeClr val="tx1"/>
+              </a:fontRef>
+            </p:style>
+          </p:cxnSp>
+          <p:cxnSp>
+            <p:nvCxnSpPr>
+              <p:cNvPr id="119" name="Straight Connector 118">
+                <a:extLst>
+                  <a:ext uri="{FF2B5EF4-FFF2-40B4-BE49-F238E27FC236}">
+                    <a16:creationId xmlns:a16="http://schemas.microsoft.com/office/drawing/2014/main" id="{221526D8-6171-42B9-BB1D-D4EBD07C93AA}"/>
+                  </a:ext>
+                  <a:ext uri="{C183D7F6-B498-43B3-948B-1728B52AA6E4}">
+                    <adec:decorative xmlns:adec="http://schemas.microsoft.com/office/drawing/2017/decorative" val="1"/>
+                  </a:ext>
+                </a:extLst>
+              </p:cNvPr>
+              <p:cNvCxnSpPr/>
+              <p:nvPr>
+                <p:extLst>
+                  <p:ext uri="{386F3935-93C4-4BCD-93E2-E3B085C9AB24}">
+                    <p16:designElem xmlns:p16="http://schemas.microsoft.com/office/powerpoint/2015/main" val="1"/>
+                  </p:ext>
+                </p:extLst>
+              </p:nvPr>
+            </p:nvCxnSpPr>
+            <p:spPr>
+              <a:xfrm rot="240000" flipH="1">
+                <a:off x="9551700" y="347636"/>
+                <a:ext cx="3394" cy="182880"/>
+              </a:xfrm>
+              <a:prstGeom prst="line">
+                <a:avLst/>
+              </a:prstGeom>
+              <a:ln>
+                <a:solidFill>
+                  <a:srgbClr val="FFFFFF">
+                    <a:alpha val="30196"/>
+                  </a:srgbClr>
+                </a:solidFill>
+              </a:ln>
+            </p:spPr>
+            <p:style>
+              <a:lnRef idx="1">
+                <a:schemeClr val="accent1"/>
+              </a:lnRef>
+              <a:fillRef idx="0">
+                <a:schemeClr val="accent1"/>
+              </a:fillRef>
+              <a:effectRef idx="0">
+                <a:schemeClr val="accent1"/>
+              </a:effectRef>
+              <a:fontRef idx="minor">
+                <a:schemeClr val="tx1"/>
+              </a:fontRef>
+            </p:style>
+          </p:cxnSp>
+          <p:cxnSp>
+            <p:nvCxnSpPr>
+              <p:cNvPr id="120" name="Straight Connector 119">
+                <a:extLst>
+                  <a:ext uri="{FF2B5EF4-FFF2-40B4-BE49-F238E27FC236}">
+                    <a16:creationId xmlns:a16="http://schemas.microsoft.com/office/drawing/2014/main" id="{D918272C-9574-485F-8DBA-E779254B6C7B}"/>
+                  </a:ext>
+                  <a:ext uri="{C183D7F6-B498-43B3-948B-1728B52AA6E4}">
+                    <adec:decorative xmlns:adec="http://schemas.microsoft.com/office/drawing/2017/decorative" val="1"/>
+                  </a:ext>
+                </a:extLst>
+              </p:cNvPr>
+              <p:cNvCxnSpPr/>
+              <p:nvPr>
+                <p:extLst>
+                  <p:ext uri="{386F3935-93C4-4BCD-93E2-E3B085C9AB24}">
+                    <p16:designElem xmlns:p16="http://schemas.microsoft.com/office/powerpoint/2015/main" val="1"/>
+                  </p:ext>
+                </p:extLst>
+              </p:nvPr>
+            </p:nvCxnSpPr>
+            <p:spPr>
+              <a:xfrm rot="360000" flipH="1">
+                <a:off x="9688748" y="368088"/>
+                <a:ext cx="3394" cy="182880"/>
+              </a:xfrm>
+              <a:prstGeom prst="line">
+                <a:avLst/>
+              </a:prstGeom>
+              <a:ln>
+                <a:solidFill>
+                  <a:srgbClr val="FFFFFF">
+                    <a:alpha val="30196"/>
+                  </a:srgbClr>
+                </a:solidFill>
+              </a:ln>
+            </p:spPr>
+            <p:style>
+              <a:lnRef idx="1">
+                <a:schemeClr val="accent1"/>
+              </a:lnRef>
+              <a:fillRef idx="0">
+                <a:schemeClr val="accent1"/>
+              </a:fillRef>
+              <a:effectRef idx="0">
+                <a:schemeClr val="accent1"/>
+              </a:effectRef>
+              <a:fontRef idx="minor">
+                <a:schemeClr val="tx1"/>
+              </a:fontRef>
+            </p:style>
+          </p:cxnSp>
+          <p:cxnSp>
+            <p:nvCxnSpPr>
+              <p:cNvPr id="121" name="Straight Connector 120">
+                <a:extLst>
+                  <a:ext uri="{FF2B5EF4-FFF2-40B4-BE49-F238E27FC236}">
+                    <a16:creationId xmlns:a16="http://schemas.microsoft.com/office/drawing/2014/main" id="{414CAA3E-D915-4597-85D4-DF416AF53991}"/>
+                  </a:ext>
+                  <a:ext uri="{C183D7F6-B498-43B3-948B-1728B52AA6E4}">
+                    <adec:decorative xmlns:adec="http://schemas.microsoft.com/office/drawing/2017/decorative" val="1"/>
+                  </a:ext>
+                </a:extLst>
+              </p:cNvPr>
+              <p:cNvCxnSpPr/>
+              <p:nvPr>
+                <p:extLst>
+                  <p:ext uri="{386F3935-93C4-4BCD-93E2-E3B085C9AB24}">
+                    <p16:designElem xmlns:p16="http://schemas.microsoft.com/office/powerpoint/2015/main" val="1"/>
+                  </p:ext>
+                </p:extLst>
+              </p:nvPr>
+            </p:nvCxnSpPr>
+            <p:spPr>
+              <a:xfrm rot="540000" flipH="1">
+                <a:off x="9824866" y="389224"/>
+                <a:ext cx="3394" cy="182880"/>
+              </a:xfrm>
+              <a:prstGeom prst="line">
+                <a:avLst/>
+              </a:prstGeom>
+              <a:ln>
+                <a:solidFill>
+                  <a:srgbClr val="FFFFFF">
+                    <a:alpha val="30196"/>
+                  </a:srgbClr>
+                </a:solidFill>
+              </a:ln>
+            </p:spPr>
+            <p:style>
+              <a:lnRef idx="1">
+                <a:schemeClr val="accent1"/>
+              </a:lnRef>
+              <a:fillRef idx="0">
+                <a:schemeClr val="accent1"/>
+              </a:fillRef>
+              <a:effectRef idx="0">
+                <a:schemeClr val="accent1"/>
+              </a:effectRef>
+              <a:fontRef idx="minor">
+                <a:schemeClr val="tx1"/>
+              </a:fontRef>
+            </p:style>
+          </p:cxnSp>
+          <p:cxnSp>
+            <p:nvCxnSpPr>
+              <p:cNvPr id="122" name="Straight Connector 121">
+                <a:extLst>
+                  <a:ext uri="{FF2B5EF4-FFF2-40B4-BE49-F238E27FC236}">
+                    <a16:creationId xmlns:a16="http://schemas.microsoft.com/office/drawing/2014/main" id="{8749FF6F-6DEA-46A3-A01C-82BD294181C4}"/>
+                  </a:ext>
+                  <a:ext uri="{C183D7F6-B498-43B3-948B-1728B52AA6E4}">
+                    <adec:decorative xmlns:adec="http://schemas.microsoft.com/office/drawing/2017/decorative" val="1"/>
+                  </a:ext>
+                </a:extLst>
+              </p:cNvPr>
+              <p:cNvCxnSpPr/>
+              <p:nvPr>
+                <p:extLst>
+                  <p:ext uri="{386F3935-93C4-4BCD-93E2-E3B085C9AB24}">
+                    <p16:designElem xmlns:p16="http://schemas.microsoft.com/office/powerpoint/2015/main" val="1"/>
+                  </p:ext>
+                </p:extLst>
+              </p:nvPr>
+            </p:nvCxnSpPr>
+            <p:spPr>
+              <a:xfrm rot="660000" flipH="1">
+                <a:off x="9966867" y="417549"/>
+                <a:ext cx="3394" cy="182880"/>
+              </a:xfrm>
+              <a:prstGeom prst="line">
+                <a:avLst/>
+              </a:prstGeom>
+              <a:ln>
+                <a:solidFill>
+                  <a:srgbClr val="FFFFFF">
+                    <a:alpha val="30196"/>
+                  </a:srgbClr>
+                </a:solidFill>
+              </a:ln>
+            </p:spPr>
+            <p:style>
+              <a:lnRef idx="1">
+                <a:schemeClr val="accent1"/>
+              </a:lnRef>
+              <a:fillRef idx="0">
+                <a:schemeClr val="accent1"/>
+              </a:fillRef>
+              <a:effectRef idx="0">
+                <a:schemeClr val="accent1"/>
+              </a:effectRef>
+              <a:fontRef idx="minor">
+                <a:schemeClr val="tx1"/>
+              </a:fontRef>
+            </p:style>
+          </p:cxnSp>
+          <p:cxnSp>
+            <p:nvCxnSpPr>
+              <p:cNvPr id="123" name="Straight Connector 122">
+                <a:extLst>
+                  <a:ext uri="{FF2B5EF4-FFF2-40B4-BE49-F238E27FC236}">
+                    <a16:creationId xmlns:a16="http://schemas.microsoft.com/office/drawing/2014/main" id="{8853F97E-C428-43BB-903E-E63D7A05DE1C}"/>
+                  </a:ext>
+                  <a:ext uri="{C183D7F6-B498-43B3-948B-1728B52AA6E4}">
+                    <adec:decorative xmlns:adec="http://schemas.microsoft.com/office/drawing/2017/decorative" val="1"/>
+                  </a:ext>
+                </a:extLst>
+              </p:cNvPr>
+              <p:cNvCxnSpPr/>
+              <p:nvPr>
+                <p:extLst>
+                  <p:ext uri="{386F3935-93C4-4BCD-93E2-E3B085C9AB24}">
+                    <p16:designElem xmlns:p16="http://schemas.microsoft.com/office/powerpoint/2015/main" val="1"/>
+                  </p:ext>
+                </p:extLst>
+              </p:nvPr>
+            </p:nvCxnSpPr>
+            <p:spPr>
+              <a:xfrm rot="780000" flipH="1">
+                <a:off x="10104425" y="445874"/>
+                <a:ext cx="3394" cy="182880"/>
+              </a:xfrm>
+              <a:prstGeom prst="line">
+                <a:avLst/>
+              </a:prstGeom>
+              <a:ln>
+                <a:solidFill>
+                  <a:srgbClr val="FFFFFF">
+                    <a:alpha val="30196"/>
+                  </a:srgbClr>
+                </a:solidFill>
+              </a:ln>
+            </p:spPr>
+            <p:style>
+              <a:lnRef idx="1">
+                <a:schemeClr val="accent1"/>
+              </a:lnRef>
+              <a:fillRef idx="0">
+                <a:schemeClr val="accent1"/>
+              </a:fillRef>
+              <a:effectRef idx="0">
+                <a:schemeClr val="accent1"/>
+              </a:effectRef>
+              <a:fontRef idx="minor">
+                <a:schemeClr val="tx1"/>
+              </a:fontRef>
+            </p:style>
+          </p:cxnSp>
+          <p:cxnSp>
+            <p:nvCxnSpPr>
+              <p:cNvPr id="124" name="Straight Connector 123">
+                <a:extLst>
+                  <a:ext uri="{FF2B5EF4-FFF2-40B4-BE49-F238E27FC236}">
+                    <a16:creationId xmlns:a16="http://schemas.microsoft.com/office/drawing/2014/main" id="{FD4EE22F-D9F6-499B-8595-2CA950937EB9}"/>
+                  </a:ext>
+                  <a:ext uri="{C183D7F6-B498-43B3-948B-1728B52AA6E4}">
+                    <adec:decorative xmlns:adec="http://schemas.microsoft.com/office/drawing/2017/decorative" val="1"/>
+                  </a:ext>
+                </a:extLst>
+              </p:cNvPr>
+              <p:cNvCxnSpPr/>
+              <p:nvPr>
+                <p:extLst>
+                  <p:ext uri="{386F3935-93C4-4BCD-93E2-E3B085C9AB24}">
+                    <p16:designElem xmlns:p16="http://schemas.microsoft.com/office/powerpoint/2015/main" val="1"/>
+                  </p:ext>
+                </p:extLst>
+              </p:nvPr>
+            </p:nvCxnSpPr>
+            <p:spPr>
+              <a:xfrm rot="900000" flipH="1">
+                <a:off x="10240513" y="479483"/>
+                <a:ext cx="3394" cy="182880"/>
+              </a:xfrm>
+              <a:prstGeom prst="line">
+                <a:avLst/>
+              </a:prstGeom>
+              <a:ln>
+                <a:solidFill>
+                  <a:srgbClr val="FFFFFF">
+                    <a:alpha val="30196"/>
+                  </a:srgbClr>
+                </a:solidFill>
+              </a:ln>
+            </p:spPr>
+            <p:style>
+              <a:lnRef idx="1">
+                <a:schemeClr val="accent1"/>
+              </a:lnRef>
+              <a:fillRef idx="0">
+                <a:schemeClr val="accent1"/>
+              </a:fillRef>
+              <a:effectRef idx="0">
+                <a:schemeClr val="accent1"/>
+              </a:effectRef>
+              <a:fontRef idx="minor">
+                <a:schemeClr val="tx1"/>
+              </a:fontRef>
+            </p:style>
+          </p:cxnSp>
+          <p:cxnSp>
+            <p:nvCxnSpPr>
+              <p:cNvPr id="125" name="Straight Connector 124">
+                <a:extLst>
+                  <a:ext uri="{FF2B5EF4-FFF2-40B4-BE49-F238E27FC236}">
+                    <a16:creationId xmlns:a16="http://schemas.microsoft.com/office/drawing/2014/main" id="{0A598804-7127-47FC-8A02-C6E2FD0D7AB0}"/>
+                  </a:ext>
+                  <a:ext uri="{C183D7F6-B498-43B3-948B-1728B52AA6E4}">
+                    <adec:decorative xmlns:adec="http://schemas.microsoft.com/office/drawing/2017/decorative" val="1"/>
+                  </a:ext>
+                </a:extLst>
+              </p:cNvPr>
+              <p:cNvCxnSpPr/>
+              <p:nvPr>
+                <p:extLst>
+                  <p:ext uri="{386F3935-93C4-4BCD-93E2-E3B085C9AB24}">
+                    <p16:designElem xmlns:p16="http://schemas.microsoft.com/office/powerpoint/2015/main" val="1"/>
+                  </p:ext>
+                </p:extLst>
+              </p:nvPr>
+            </p:nvCxnSpPr>
+            <p:spPr>
+              <a:xfrm rot="1080000" flipH="1">
+                <a:off x="10373882" y="524355"/>
+                <a:ext cx="3394" cy="182880"/>
+              </a:xfrm>
+              <a:prstGeom prst="line">
+                <a:avLst/>
+              </a:prstGeom>
+              <a:ln>
+                <a:solidFill>
+                  <a:srgbClr val="FFFFFF">
+                    <a:alpha val="30196"/>
+                  </a:srgbClr>
+                </a:solidFill>
+              </a:ln>
+            </p:spPr>
+            <p:style>
+              <a:lnRef idx="1">
+                <a:schemeClr val="accent1"/>
+              </a:lnRef>
+              <a:fillRef idx="0">
+                <a:schemeClr val="accent1"/>
+              </a:fillRef>
+              <a:effectRef idx="0">
+                <a:schemeClr val="accent1"/>
+              </a:effectRef>
+              <a:fontRef idx="minor">
+                <a:schemeClr val="tx1"/>
+              </a:fontRef>
+            </p:style>
+          </p:cxnSp>
+          <p:cxnSp>
+            <p:nvCxnSpPr>
+              <p:cNvPr id="126" name="Straight Connector 125">
+                <a:extLst>
+                  <a:ext uri="{FF2B5EF4-FFF2-40B4-BE49-F238E27FC236}">
+                    <a16:creationId xmlns:a16="http://schemas.microsoft.com/office/drawing/2014/main" id="{12A35C24-2BAE-4314-BBF5-81A17F92E10F}"/>
+                  </a:ext>
+                  <a:ext uri="{C183D7F6-B498-43B3-948B-1728B52AA6E4}">
+                    <adec:decorative xmlns:adec="http://schemas.microsoft.com/office/drawing/2017/decorative" val="1"/>
+                  </a:ext>
+                </a:extLst>
+              </p:cNvPr>
+              <p:cNvCxnSpPr/>
+              <p:nvPr>
+                <p:extLst>
+                  <p:ext uri="{386F3935-93C4-4BCD-93E2-E3B085C9AB24}">
+                    <p16:designElem xmlns:p16="http://schemas.microsoft.com/office/powerpoint/2015/main" val="1"/>
+                  </p:ext>
+                </p:extLst>
+              </p:nvPr>
+            </p:nvCxnSpPr>
+            <p:spPr>
+              <a:xfrm rot="1200000" flipH="1">
+                <a:off x="10505632" y="570628"/>
+                <a:ext cx="3394" cy="182880"/>
+              </a:xfrm>
+              <a:prstGeom prst="line">
+                <a:avLst/>
+              </a:prstGeom>
+              <a:ln>
+                <a:solidFill>
+                  <a:srgbClr val="FFFFFF">
+                    <a:alpha val="30196"/>
+                  </a:srgbClr>
+                </a:solidFill>
+              </a:ln>
+            </p:spPr>
+            <p:style>
+              <a:lnRef idx="1">
+                <a:schemeClr val="accent1"/>
+              </a:lnRef>
+              <a:fillRef idx="0">
+                <a:schemeClr val="accent1"/>
+              </a:fillRef>
+              <a:effectRef idx="0">
+                <a:schemeClr val="accent1"/>
+              </a:effectRef>
+              <a:fontRef idx="minor">
+                <a:schemeClr val="tx1"/>
+              </a:fontRef>
+            </p:style>
+          </p:cxnSp>
+          <p:cxnSp>
+            <p:nvCxnSpPr>
+              <p:cNvPr id="127" name="Straight Connector 126">
+                <a:extLst>
+                  <a:ext uri="{FF2B5EF4-FFF2-40B4-BE49-F238E27FC236}">
+                    <a16:creationId xmlns:a16="http://schemas.microsoft.com/office/drawing/2014/main" id="{73A33BF9-E8C7-47A3-BFF6-5419153F723E}"/>
+                  </a:ext>
+                  <a:ext uri="{C183D7F6-B498-43B3-948B-1728B52AA6E4}">
+                    <adec:decorative xmlns:adec="http://schemas.microsoft.com/office/drawing/2017/decorative" val="1"/>
+                  </a:ext>
+                </a:extLst>
+              </p:cNvPr>
+              <p:cNvCxnSpPr/>
+              <p:nvPr>
+                <p:extLst>
+                  <p:ext uri="{386F3935-93C4-4BCD-93E2-E3B085C9AB24}">
+                    <p16:designElem xmlns:p16="http://schemas.microsoft.com/office/powerpoint/2015/main" val="1"/>
+                  </p:ext>
+                </p:extLst>
+              </p:nvPr>
+            </p:nvCxnSpPr>
+            <p:spPr>
+              <a:xfrm rot="1320000" flipH="1">
+                <a:off x="10637382" y="621344"/>
+                <a:ext cx="3394" cy="182880"/>
+              </a:xfrm>
+              <a:prstGeom prst="line">
+                <a:avLst/>
+              </a:prstGeom>
+              <a:ln>
+                <a:solidFill>
+                  <a:srgbClr val="FFFFFF">
+                    <a:alpha val="30196"/>
+                  </a:srgbClr>
+                </a:solidFill>
+              </a:ln>
+            </p:spPr>
+            <p:style>
+              <a:lnRef idx="1">
+                <a:schemeClr val="accent1"/>
+              </a:lnRef>
+              <a:fillRef idx="0">
+                <a:schemeClr val="accent1"/>
+              </a:fillRef>
+              <a:effectRef idx="0">
+                <a:schemeClr val="accent1"/>
+              </a:effectRef>
+              <a:fontRef idx="minor">
+                <a:schemeClr val="tx1"/>
+              </a:fontRef>
+            </p:style>
+          </p:cxnSp>
+          <p:cxnSp>
+            <p:nvCxnSpPr>
+              <p:cNvPr id="178" name="Straight Connector 177">
+                <a:extLst>
+                  <a:ext uri="{FF2B5EF4-FFF2-40B4-BE49-F238E27FC236}">
+                    <a16:creationId xmlns:a16="http://schemas.microsoft.com/office/drawing/2014/main" id="{B8707F62-2F29-4FF0-A976-55E19960036D}"/>
+                  </a:ext>
+                  <a:ext uri="{C183D7F6-B498-43B3-948B-1728B52AA6E4}">
+                    <adec:decorative xmlns:adec="http://schemas.microsoft.com/office/drawing/2017/decorative" val="1"/>
+                  </a:ext>
+                </a:extLst>
+              </p:cNvPr>
+              <p:cNvCxnSpPr/>
+              <p:nvPr>
+                <p:extLst>
+                  <p:ext uri="{386F3935-93C4-4BCD-93E2-E3B085C9AB24}">
+                    <p16:designElem xmlns:p16="http://schemas.microsoft.com/office/powerpoint/2015/main" val="1"/>
+                  </p:ext>
+                </p:extLst>
+              </p:nvPr>
+            </p:nvCxnSpPr>
+            <p:spPr>
+              <a:xfrm rot="1440000" flipH="1">
+                <a:off x="10760965" y="690439"/>
+                <a:ext cx="3394" cy="182880"/>
+              </a:xfrm>
+              <a:prstGeom prst="line">
+                <a:avLst/>
+              </a:prstGeom>
+              <a:ln>
+                <a:solidFill>
+                  <a:srgbClr val="FFFFFF">
+                    <a:alpha val="30196"/>
+                  </a:srgbClr>
+                </a:solidFill>
+              </a:ln>
+            </p:spPr>
+            <p:style>
+              <a:lnRef idx="1">
+                <a:schemeClr val="accent1"/>
+              </a:lnRef>
+              <a:fillRef idx="0">
+                <a:schemeClr val="accent1"/>
+              </a:fillRef>
+              <a:effectRef idx="0">
+                <a:schemeClr val="accent1"/>
+              </a:effectRef>
+              <a:fontRef idx="minor">
+                <a:schemeClr val="tx1"/>
+              </a:fontRef>
+            </p:style>
+          </p:cxnSp>
+          <p:cxnSp>
+            <p:nvCxnSpPr>
+              <p:cNvPr id="179" name="Straight Connector 178">
+                <a:extLst>
+                  <a:ext uri="{FF2B5EF4-FFF2-40B4-BE49-F238E27FC236}">
+                    <a16:creationId xmlns:a16="http://schemas.microsoft.com/office/drawing/2014/main" id="{3D9DB8BF-BBA2-4465-8B80-B354B3A5BA88}"/>
+                  </a:ext>
+                  <a:ext uri="{C183D7F6-B498-43B3-948B-1728B52AA6E4}">
+                    <adec:decorative xmlns:adec="http://schemas.microsoft.com/office/drawing/2017/decorative" val="1"/>
+                  </a:ext>
+                </a:extLst>
+              </p:cNvPr>
+              <p:cNvCxnSpPr/>
+              <p:nvPr>
+                <p:extLst>
+                  <p:ext uri="{386F3935-93C4-4BCD-93E2-E3B085C9AB24}">
+                    <p16:designElem xmlns:p16="http://schemas.microsoft.com/office/powerpoint/2015/main" val="1"/>
+                  </p:ext>
+                </p:extLst>
+              </p:nvPr>
+            </p:nvCxnSpPr>
+            <p:spPr>
+              <a:xfrm rot="1620000" flipH="1">
+                <a:off x="10888991" y="755091"/>
+                <a:ext cx="3394" cy="182880"/>
+              </a:xfrm>
+              <a:prstGeom prst="line">
+                <a:avLst/>
+              </a:prstGeom>
+              <a:ln>
+                <a:solidFill>
+                  <a:srgbClr val="FFFFFF">
+                    <a:alpha val="30196"/>
+                  </a:srgbClr>
+                </a:solidFill>
+              </a:ln>
+            </p:spPr>
+            <p:style>
+              <a:lnRef idx="1">
+                <a:schemeClr val="accent1"/>
+              </a:lnRef>
+              <a:fillRef idx="0">
+                <a:schemeClr val="accent1"/>
+              </a:fillRef>
+              <a:effectRef idx="0">
+                <a:schemeClr val="accent1"/>
+              </a:effectRef>
+              <a:fontRef idx="minor">
+                <a:schemeClr val="tx1"/>
+              </a:fontRef>
+            </p:style>
+          </p:cxnSp>
+          <p:cxnSp>
+            <p:nvCxnSpPr>
+              <p:cNvPr id="180" name="Straight Connector 179">
+                <a:extLst>
+                  <a:ext uri="{FF2B5EF4-FFF2-40B4-BE49-F238E27FC236}">
+                    <a16:creationId xmlns:a16="http://schemas.microsoft.com/office/drawing/2014/main" id="{1C237BA7-462C-4ABE-B089-4C8938F821B7}"/>
+                  </a:ext>
+                  <a:ext uri="{C183D7F6-B498-43B3-948B-1728B52AA6E4}">
+                    <adec:decorative xmlns:adec="http://schemas.microsoft.com/office/drawing/2017/decorative" val="1"/>
+                  </a:ext>
+                </a:extLst>
+              </p:cNvPr>
+              <p:cNvCxnSpPr/>
+              <p:nvPr>
+                <p:extLst>
+                  <p:ext uri="{386F3935-93C4-4BCD-93E2-E3B085C9AB24}">
+                    <p16:designElem xmlns:p16="http://schemas.microsoft.com/office/powerpoint/2015/main" val="1"/>
+                  </p:ext>
+                </p:extLst>
+              </p:nvPr>
+            </p:nvCxnSpPr>
+            <p:spPr>
+              <a:xfrm rot="1740000" flipH="1">
+                <a:off x="11010193" y="819743"/>
+                <a:ext cx="3394" cy="182880"/>
+              </a:xfrm>
+              <a:prstGeom prst="line">
+                <a:avLst/>
+              </a:prstGeom>
+              <a:ln>
+                <a:solidFill>
+                  <a:srgbClr val="FFFFFF">
+                    <a:alpha val="30196"/>
+                  </a:srgbClr>
+                </a:solidFill>
+              </a:ln>
+            </p:spPr>
+            <p:style>
+              <a:lnRef idx="1">
+                <a:schemeClr val="accent1"/>
+              </a:lnRef>
+              <a:fillRef idx="0">
+                <a:schemeClr val="accent1"/>
+              </a:fillRef>
+              <a:effectRef idx="0">
+                <a:schemeClr val="accent1"/>
+              </a:effectRef>
+              <a:fontRef idx="minor">
+                <a:schemeClr val="tx1"/>
+              </a:fontRef>
+            </p:style>
+          </p:cxnSp>
+          <p:cxnSp>
+            <p:nvCxnSpPr>
+              <p:cNvPr id="181" name="Straight Connector 180">
+                <a:extLst>
+                  <a:ext uri="{FF2B5EF4-FFF2-40B4-BE49-F238E27FC236}">
+                    <a16:creationId xmlns:a16="http://schemas.microsoft.com/office/drawing/2014/main" id="{E14D5F33-8377-427F-B4D1-8B783BF48EF7}"/>
+                  </a:ext>
+                  <a:ext uri="{C183D7F6-B498-43B3-948B-1728B52AA6E4}">
+                    <adec:decorative xmlns:adec="http://schemas.microsoft.com/office/drawing/2017/decorative" val="1"/>
+                  </a:ext>
+                </a:extLst>
+              </p:cNvPr>
+              <p:cNvCxnSpPr/>
+              <p:nvPr>
+                <p:extLst>
+                  <p:ext uri="{386F3935-93C4-4BCD-93E2-E3B085C9AB24}">
+                    <p16:designElem xmlns:p16="http://schemas.microsoft.com/office/powerpoint/2015/main" val="1"/>
+                  </p:ext>
+                </p:extLst>
+              </p:nvPr>
+            </p:nvCxnSpPr>
+            <p:spPr>
+              <a:xfrm rot="1860000" flipH="1">
+                <a:off x="11129014" y="895662"/>
+                <a:ext cx="3394" cy="182880"/>
+              </a:xfrm>
+              <a:prstGeom prst="line">
+                <a:avLst/>
+              </a:prstGeom>
+              <a:ln>
+                <a:solidFill>
+                  <a:srgbClr val="FFFFFF">
+                    <a:alpha val="30196"/>
+                  </a:srgbClr>
+                </a:solidFill>
+              </a:ln>
+            </p:spPr>
+            <p:style>
+              <a:lnRef idx="1">
+                <a:schemeClr val="accent1"/>
+              </a:lnRef>
+              <a:fillRef idx="0">
+                <a:schemeClr val="accent1"/>
+              </a:fillRef>
+              <a:effectRef idx="0">
+                <a:schemeClr val="accent1"/>
+              </a:effectRef>
+              <a:fontRef idx="minor">
+                <a:schemeClr val="tx1"/>
+              </a:fontRef>
+            </p:style>
+          </p:cxnSp>
+          <p:cxnSp>
+            <p:nvCxnSpPr>
+              <p:cNvPr id="182" name="Straight Connector 181">
+                <a:extLst>
+                  <a:ext uri="{FF2B5EF4-FFF2-40B4-BE49-F238E27FC236}">
+                    <a16:creationId xmlns:a16="http://schemas.microsoft.com/office/drawing/2014/main" id="{68114C18-86CF-412F-81BD-4856E83CDB3A}"/>
+                  </a:ext>
+                  <a:ext uri="{C183D7F6-B498-43B3-948B-1728B52AA6E4}">
+                    <adec:decorative xmlns:adec="http://schemas.microsoft.com/office/drawing/2017/decorative" val="1"/>
+                  </a:ext>
+                </a:extLst>
+              </p:cNvPr>
+              <p:cNvCxnSpPr/>
+              <p:nvPr>
+                <p:extLst>
+                  <p:ext uri="{386F3935-93C4-4BCD-93E2-E3B085C9AB24}">
+                    <p16:designElem xmlns:p16="http://schemas.microsoft.com/office/powerpoint/2015/main" val="1"/>
+                  </p:ext>
+                </p:extLst>
+              </p:nvPr>
+            </p:nvCxnSpPr>
+            <p:spPr>
+              <a:xfrm rot="1980000" flipH="1">
+                <a:off x="11249872" y="968091"/>
+                <a:ext cx="3394" cy="182880"/>
+              </a:xfrm>
+              <a:prstGeom prst="line">
+                <a:avLst/>
+              </a:prstGeom>
+              <a:ln>
+                <a:solidFill>
+                  <a:srgbClr val="FFFFFF">
+                    <a:alpha val="30196"/>
+                  </a:srgbClr>
+                </a:solidFill>
+              </a:ln>
+            </p:spPr>
+            <p:style>
+              <a:lnRef idx="1">
+                <a:schemeClr val="accent1"/>
+              </a:lnRef>
+              <a:fillRef idx="0">
+                <a:schemeClr val="accent1"/>
+              </a:fillRef>
+              <a:effectRef idx="0">
+                <a:schemeClr val="accent1"/>
+              </a:effectRef>
+              <a:fontRef idx="minor">
+                <a:schemeClr val="tx1"/>
+              </a:fontRef>
+            </p:style>
+          </p:cxnSp>
+          <p:cxnSp>
+            <p:nvCxnSpPr>
+              <p:cNvPr id="183" name="Straight Connector 182">
+                <a:extLst>
+                  <a:ext uri="{FF2B5EF4-FFF2-40B4-BE49-F238E27FC236}">
+                    <a16:creationId xmlns:a16="http://schemas.microsoft.com/office/drawing/2014/main" id="{ECF1CFD5-877F-4D23-9186-ABBE6060582D}"/>
+                  </a:ext>
+                  <a:ext uri="{C183D7F6-B498-43B3-948B-1728B52AA6E4}">
+                    <adec:decorative xmlns:adec="http://schemas.microsoft.com/office/drawing/2017/decorative" val="1"/>
+                  </a:ext>
+                </a:extLst>
+              </p:cNvPr>
+              <p:cNvCxnSpPr/>
+              <p:nvPr>
+                <p:extLst>
+                  <p:ext uri="{386F3935-93C4-4BCD-93E2-E3B085C9AB24}">
+                    <p16:designElem xmlns:p16="http://schemas.microsoft.com/office/powerpoint/2015/main" val="1"/>
+                  </p:ext>
+                </p:extLst>
+              </p:nvPr>
+            </p:nvCxnSpPr>
+            <p:spPr>
+              <a:xfrm rot="2160000" flipH="1">
+                <a:off x="11366875" y="1048084"/>
+                <a:ext cx="3394" cy="182880"/>
+              </a:xfrm>
+              <a:prstGeom prst="line">
+                <a:avLst/>
+              </a:prstGeom>
+              <a:ln>
+                <a:solidFill>
+                  <a:srgbClr val="FFFFFF">
+                    <a:alpha val="30196"/>
+                  </a:srgbClr>
+                </a:solidFill>
+              </a:ln>
+            </p:spPr>
+            <p:style>
+              <a:lnRef idx="1">
+                <a:schemeClr val="accent1"/>
+              </a:lnRef>
+              <a:fillRef idx="0">
+                <a:schemeClr val="accent1"/>
+              </a:fillRef>
+              <a:effectRef idx="0">
+                <a:schemeClr val="accent1"/>
+              </a:effectRef>
+              <a:fontRef idx="minor">
+                <a:schemeClr val="tx1"/>
+              </a:fontRef>
+            </p:style>
+          </p:cxnSp>
+          <p:cxnSp>
+            <p:nvCxnSpPr>
+              <p:cNvPr id="184" name="Straight Connector 183">
+                <a:extLst>
+                  <a:ext uri="{FF2B5EF4-FFF2-40B4-BE49-F238E27FC236}">
+                    <a16:creationId xmlns:a16="http://schemas.microsoft.com/office/drawing/2014/main" id="{FD718FB9-83BB-4BFB-ACF6-7D0A681BB7D7}"/>
+                  </a:ext>
+                  <a:ext uri="{C183D7F6-B498-43B3-948B-1728B52AA6E4}">
+                    <adec:decorative xmlns:adec="http://schemas.microsoft.com/office/drawing/2017/decorative" val="1"/>
+                  </a:ext>
+                </a:extLst>
+              </p:cNvPr>
+              <p:cNvCxnSpPr/>
+              <p:nvPr>
+                <p:extLst>
+                  <p:ext uri="{386F3935-93C4-4BCD-93E2-E3B085C9AB24}">
+                    <p16:designElem xmlns:p16="http://schemas.microsoft.com/office/powerpoint/2015/main" val="1"/>
+                  </p:ext>
+                </p:extLst>
+              </p:nvPr>
+            </p:nvCxnSpPr>
+            <p:spPr>
+              <a:xfrm rot="2280000" flipH="1">
+                <a:off x="11474058" y="1131525"/>
+                <a:ext cx="3394" cy="182880"/>
+              </a:xfrm>
+              <a:prstGeom prst="line">
+                <a:avLst/>
+              </a:prstGeom>
+              <a:ln>
+                <a:solidFill>
+                  <a:srgbClr val="FFFFFF">
+                    <a:alpha val="30196"/>
+                  </a:srgbClr>
+                </a:solidFill>
+              </a:ln>
+            </p:spPr>
+            <p:style>
+              <a:lnRef idx="1">
+                <a:schemeClr val="accent1"/>
+              </a:lnRef>
+              <a:fillRef idx="0">
+                <a:schemeClr val="accent1"/>
+              </a:fillRef>
+              <a:effectRef idx="0">
+                <a:schemeClr val="accent1"/>
+              </a:effectRef>
+              <a:fontRef idx="minor">
+                <a:schemeClr val="tx1"/>
+              </a:fontRef>
+            </p:style>
+          </p:cxnSp>
+          <p:cxnSp>
+            <p:nvCxnSpPr>
+              <p:cNvPr id="185" name="Straight Connector 184">
+                <a:extLst>
+                  <a:ext uri="{FF2B5EF4-FFF2-40B4-BE49-F238E27FC236}">
+                    <a16:creationId xmlns:a16="http://schemas.microsoft.com/office/drawing/2014/main" id="{99B007F5-E4FE-4A8F-813F-CC2740BD2EFF}"/>
+                  </a:ext>
+                  <a:ext uri="{C183D7F6-B498-43B3-948B-1728B52AA6E4}">
+                    <adec:decorative xmlns:adec="http://schemas.microsoft.com/office/drawing/2017/decorative" val="1"/>
+                  </a:ext>
+                </a:extLst>
+              </p:cNvPr>
+              <p:cNvCxnSpPr/>
+              <p:nvPr>
+                <p:extLst>
+                  <p:ext uri="{386F3935-93C4-4BCD-93E2-E3B085C9AB24}">
+                    <p16:designElem xmlns:p16="http://schemas.microsoft.com/office/powerpoint/2015/main" val="1"/>
+                  </p:ext>
+                </p:extLst>
+              </p:nvPr>
+            </p:nvCxnSpPr>
+            <p:spPr>
+              <a:xfrm rot="2400000" flipH="1">
+                <a:off x="11583303" y="1221790"/>
+                <a:ext cx="3394" cy="182880"/>
+              </a:xfrm>
+              <a:prstGeom prst="line">
+                <a:avLst/>
+              </a:prstGeom>
+              <a:ln>
+                <a:solidFill>
+                  <a:srgbClr val="FFFFFF">
+                    <a:alpha val="30196"/>
+                  </a:srgbClr>
+                </a:solidFill>
+              </a:ln>
+            </p:spPr>
+            <p:style>
+              <a:lnRef idx="1">
+                <a:schemeClr val="accent1"/>
+              </a:lnRef>
+              <a:fillRef idx="0">
+                <a:schemeClr val="accent1"/>
+              </a:fillRef>
+              <a:effectRef idx="0">
+                <a:schemeClr val="accent1"/>
+              </a:effectRef>
+              <a:fontRef idx="minor">
+                <a:schemeClr val="tx1"/>
+              </a:fontRef>
+            </p:style>
+          </p:cxnSp>
+          <p:cxnSp>
+            <p:nvCxnSpPr>
+              <p:cNvPr id="186" name="Straight Connector 185">
+                <a:extLst>
+                  <a:ext uri="{FF2B5EF4-FFF2-40B4-BE49-F238E27FC236}">
+                    <a16:creationId xmlns:a16="http://schemas.microsoft.com/office/drawing/2014/main" id="{41345DFB-742B-4F09-B75A-05377FD401E3}"/>
+                  </a:ext>
+                  <a:ext uri="{C183D7F6-B498-43B3-948B-1728B52AA6E4}">
+                    <adec:decorative xmlns:adec="http://schemas.microsoft.com/office/drawing/2017/decorative" val="1"/>
+                  </a:ext>
+                </a:extLst>
+              </p:cNvPr>
+              <p:cNvCxnSpPr/>
+              <p:nvPr>
+                <p:extLst>
+                  <p:ext uri="{386F3935-93C4-4BCD-93E2-E3B085C9AB24}">
+                    <p16:designElem xmlns:p16="http://schemas.microsoft.com/office/powerpoint/2015/main" val="1"/>
+                  </p:ext>
+                </p:extLst>
+              </p:nvPr>
+            </p:nvCxnSpPr>
+            <p:spPr>
+              <a:xfrm rot="2520000" flipH="1">
+                <a:off x="11685344" y="1321772"/>
+                <a:ext cx="3394" cy="182880"/>
+              </a:xfrm>
+              <a:prstGeom prst="line">
+                <a:avLst/>
+              </a:prstGeom>
+              <a:ln>
+                <a:solidFill>
+                  <a:srgbClr val="FFFFFF">
+                    <a:alpha val="30196"/>
+                  </a:srgbClr>
+                </a:solidFill>
+              </a:ln>
+            </p:spPr>
+            <p:style>
+              <a:lnRef idx="1">
+                <a:schemeClr val="accent1"/>
+              </a:lnRef>
+              <a:fillRef idx="0">
+                <a:schemeClr val="accent1"/>
+              </a:fillRef>
+              <a:effectRef idx="0">
+                <a:schemeClr val="accent1"/>
+              </a:effectRef>
+              <a:fontRef idx="minor">
+                <a:schemeClr val="tx1"/>
+              </a:fontRef>
+            </p:style>
+          </p:cxnSp>
+          <p:cxnSp>
+            <p:nvCxnSpPr>
+              <p:cNvPr id="187" name="Straight Connector 186">
+                <a:extLst>
+                  <a:ext uri="{FF2B5EF4-FFF2-40B4-BE49-F238E27FC236}">
+                    <a16:creationId xmlns:a16="http://schemas.microsoft.com/office/drawing/2014/main" id="{7B4845AC-E70E-40A2-9491-05B2DBB92D9F}"/>
+                  </a:ext>
+                  <a:ext uri="{C183D7F6-B498-43B3-948B-1728B52AA6E4}">
+                    <adec:decorative xmlns:adec="http://schemas.microsoft.com/office/drawing/2017/decorative" val="1"/>
+                  </a:ext>
+                </a:extLst>
+              </p:cNvPr>
+              <p:cNvCxnSpPr/>
+              <p:nvPr>
+                <p:extLst>
+                  <p:ext uri="{386F3935-93C4-4BCD-93E2-E3B085C9AB24}">
+                    <p16:designElem xmlns:p16="http://schemas.microsoft.com/office/powerpoint/2015/main" val="1"/>
+                  </p:ext>
+                </p:extLst>
+              </p:nvPr>
+            </p:nvCxnSpPr>
+            <p:spPr>
+              <a:xfrm rot="2700000" flipH="1">
+                <a:off x="11787704" y="1417630"/>
+                <a:ext cx="3394" cy="182880"/>
+              </a:xfrm>
+              <a:prstGeom prst="line">
+                <a:avLst/>
+              </a:prstGeom>
+              <a:ln>
+                <a:solidFill>
+                  <a:srgbClr val="FFFFFF">
+                    <a:alpha val="30196"/>
+                  </a:srgbClr>
+                </a:solidFill>
+              </a:ln>
+            </p:spPr>
+            <p:style>
+              <a:lnRef idx="1">
+                <a:schemeClr val="accent1"/>
+              </a:lnRef>
+              <a:fillRef idx="0">
+                <a:schemeClr val="accent1"/>
+              </a:fillRef>
+              <a:effectRef idx="0">
+                <a:schemeClr val="accent1"/>
+              </a:effectRef>
+              <a:fontRef idx="minor">
+                <a:schemeClr val="tx1"/>
+              </a:fontRef>
+            </p:style>
+          </p:cxnSp>
+          <p:cxnSp>
+            <p:nvCxnSpPr>
+              <p:cNvPr id="188" name="Straight Connector 187">
+                <a:extLst>
+                  <a:ext uri="{FF2B5EF4-FFF2-40B4-BE49-F238E27FC236}">
+                    <a16:creationId xmlns:a16="http://schemas.microsoft.com/office/drawing/2014/main" id="{F4111F64-514D-4447-86EB-D6654552481C}"/>
+                  </a:ext>
+                  <a:ext uri="{C183D7F6-B498-43B3-948B-1728B52AA6E4}">
+                    <adec:decorative xmlns:adec="http://schemas.microsoft.com/office/drawing/2017/decorative" val="1"/>
+                  </a:ext>
+                </a:extLst>
+              </p:cNvPr>
+              <p:cNvCxnSpPr/>
+              <p:nvPr>
+                <p:extLst>
+                  <p:ext uri="{386F3935-93C4-4BCD-93E2-E3B085C9AB24}">
+                    <p16:designElem xmlns:p16="http://schemas.microsoft.com/office/powerpoint/2015/main" val="1"/>
+                  </p:ext>
+                </p:extLst>
+              </p:nvPr>
+            </p:nvCxnSpPr>
+            <p:spPr>
+              <a:xfrm rot="2820000" flipH="1">
+                <a:off x="11880859" y="1517931"/>
+                <a:ext cx="3394" cy="182880"/>
+              </a:xfrm>
+              <a:prstGeom prst="line">
+                <a:avLst/>
+              </a:prstGeom>
+              <a:ln>
+                <a:solidFill>
+                  <a:srgbClr val="FFFFFF">
+                    <a:alpha val="30196"/>
+                  </a:srgbClr>
+                </a:solidFill>
+              </a:ln>
+            </p:spPr>
+            <p:style>
+              <a:lnRef idx="1">
+                <a:schemeClr val="accent1"/>
+              </a:lnRef>
+              <a:fillRef idx="0">
+                <a:schemeClr val="accent1"/>
+              </a:fillRef>
+              <a:effectRef idx="0">
+                <a:schemeClr val="accent1"/>
+              </a:effectRef>
+              <a:fontRef idx="minor">
+                <a:schemeClr val="tx1"/>
+              </a:fontRef>
+            </p:style>
+          </p:cxnSp>
+          <p:cxnSp>
+            <p:nvCxnSpPr>
+              <p:cNvPr id="189" name="Straight Connector 188">
+                <a:extLst>
+                  <a:ext uri="{FF2B5EF4-FFF2-40B4-BE49-F238E27FC236}">
+                    <a16:creationId xmlns:a16="http://schemas.microsoft.com/office/drawing/2014/main" id="{B20169F1-F2D1-4726-8423-DBB5FE071457}"/>
+                  </a:ext>
+                  <a:ext uri="{C183D7F6-B498-43B3-948B-1728B52AA6E4}">
+                    <adec:decorative xmlns:adec="http://schemas.microsoft.com/office/drawing/2017/decorative" val="1"/>
+                  </a:ext>
+                </a:extLst>
+              </p:cNvPr>
+              <p:cNvCxnSpPr/>
+              <p:nvPr>
+                <p:extLst>
+                  <p:ext uri="{386F3935-93C4-4BCD-93E2-E3B085C9AB24}">
+                    <p16:designElem xmlns:p16="http://schemas.microsoft.com/office/powerpoint/2015/main" val="1"/>
+                  </p:ext>
+                </p:extLst>
+              </p:nvPr>
+            </p:nvCxnSpPr>
+            <p:spPr>
+              <a:xfrm rot="2940000" flipH="1">
+                <a:off x="11969252" y="1627437"/>
+                <a:ext cx="3394" cy="182880"/>
+              </a:xfrm>
+              <a:prstGeom prst="line">
+                <a:avLst/>
+              </a:prstGeom>
+              <a:ln>
+                <a:solidFill>
+                  <a:srgbClr val="FFFFFF">
+                    <a:alpha val="30196"/>
+                  </a:srgbClr>
+                </a:solidFill>
+              </a:ln>
+            </p:spPr>
+            <p:style>
+              <a:lnRef idx="1">
+                <a:schemeClr val="accent1"/>
+              </a:lnRef>
+              <a:fillRef idx="0">
+                <a:schemeClr val="accent1"/>
+              </a:fillRef>
+              <a:effectRef idx="0">
+                <a:schemeClr val="accent1"/>
+              </a:effectRef>
+              <a:fontRef idx="minor">
+                <a:schemeClr val="tx1"/>
+              </a:fontRef>
+            </p:style>
+          </p:cxnSp>
+          <p:cxnSp>
+            <p:nvCxnSpPr>
+              <p:cNvPr id="190" name="Straight Connector 189">
+                <a:extLst>
+                  <a:ext uri="{FF2B5EF4-FFF2-40B4-BE49-F238E27FC236}">
+                    <a16:creationId xmlns:a16="http://schemas.microsoft.com/office/drawing/2014/main" id="{69F80247-CF53-4374-81E2-475BDD5210B6}"/>
+                  </a:ext>
+                  <a:ext uri="{C183D7F6-B498-43B3-948B-1728B52AA6E4}">
+                    <adec:decorative xmlns:adec="http://schemas.microsoft.com/office/drawing/2017/decorative" val="1"/>
+                  </a:ext>
+                </a:extLst>
+              </p:cNvPr>
+              <p:cNvCxnSpPr/>
+              <p:nvPr>
+                <p:extLst>
+                  <p:ext uri="{386F3935-93C4-4BCD-93E2-E3B085C9AB24}">
+                    <p16:designElem xmlns:p16="http://schemas.microsoft.com/office/powerpoint/2015/main" val="1"/>
+                  </p:ext>
+                </p:extLst>
+              </p:nvPr>
+            </p:nvCxnSpPr>
+            <p:spPr>
+              <a:xfrm rot="3060000" flipH="1">
+                <a:off x="12062016" y="1736011"/>
+                <a:ext cx="3394" cy="182880"/>
+              </a:xfrm>
+              <a:prstGeom prst="line">
+                <a:avLst/>
+              </a:prstGeom>
+              <a:ln>
+                <a:solidFill>
+                  <a:srgbClr val="FFFFFF">
+                    <a:alpha val="30196"/>
+                  </a:srgbClr>
+                </a:solidFill>
+              </a:ln>
+            </p:spPr>
+            <p:style>
+              <a:lnRef idx="1">
+                <a:schemeClr val="accent1"/>
+              </a:lnRef>
+              <a:fillRef idx="0">
+                <a:schemeClr val="accent1"/>
+              </a:fillRef>
+              <a:effectRef idx="0">
+                <a:schemeClr val="accent1"/>
+              </a:effectRef>
+              <a:fontRef idx="minor">
+                <a:schemeClr val="tx1"/>
+              </a:fontRef>
+            </p:style>
+          </p:cxnSp>
+          <p:cxnSp>
+            <p:nvCxnSpPr>
+              <p:cNvPr id="191" name="Straight Connector 190">
+                <a:extLst>
+                  <a:ext uri="{FF2B5EF4-FFF2-40B4-BE49-F238E27FC236}">
+                    <a16:creationId xmlns:a16="http://schemas.microsoft.com/office/drawing/2014/main" id="{FA5F5D72-947B-414E-8FDD-BBA2BCB95B75}"/>
+                  </a:ext>
+                  <a:ext uri="{C183D7F6-B498-43B3-948B-1728B52AA6E4}">
+                    <adec:decorative xmlns:adec="http://schemas.microsoft.com/office/drawing/2017/decorative" val="1"/>
+                  </a:ext>
+                </a:extLst>
+              </p:cNvPr>
+              <p:cNvCxnSpPr/>
+              <p:nvPr>
+                <p:extLst>
+                  <p:ext uri="{386F3935-93C4-4BCD-93E2-E3B085C9AB24}">
+                    <p16:designElem xmlns:p16="http://schemas.microsoft.com/office/powerpoint/2015/main" val="1"/>
+                  </p:ext>
+                </p:extLst>
+              </p:nvPr>
+            </p:nvCxnSpPr>
+            <p:spPr>
+              <a:xfrm flipH="1">
+                <a:off x="12074680" y="1910249"/>
+                <a:ext cx="117320" cy="82912"/>
+              </a:xfrm>
+              <a:prstGeom prst="line">
+                <a:avLst/>
+              </a:prstGeom>
+              <a:ln>
+                <a:solidFill>
+                  <a:srgbClr val="FFFFFF">
+                    <a:alpha val="30196"/>
+                  </a:srgbClr>
+                </a:solidFill>
+              </a:ln>
+            </p:spPr>
+            <p:style>
+              <a:lnRef idx="1">
+                <a:schemeClr val="accent1"/>
+              </a:lnRef>
+              <a:fillRef idx="0">
+                <a:schemeClr val="accent1"/>
+              </a:fillRef>
+              <a:effectRef idx="0">
+                <a:schemeClr val="accent1"/>
+              </a:effectRef>
+              <a:fontRef idx="minor">
+                <a:schemeClr val="tx1"/>
+              </a:fontRef>
+            </p:style>
+          </p:cxnSp>
+          <p:cxnSp>
+            <p:nvCxnSpPr>
+              <p:cNvPr id="192" name="Straight Connector 191">
+                <a:extLst>
+                  <a:ext uri="{FF2B5EF4-FFF2-40B4-BE49-F238E27FC236}">
+                    <a16:creationId xmlns:a16="http://schemas.microsoft.com/office/drawing/2014/main" id="{C3AECE77-F2AF-4FCA-9C0E-A3E154EF49E9}"/>
+                  </a:ext>
+                  <a:ext uri="{C183D7F6-B498-43B3-948B-1728B52AA6E4}">
+                    <adec:decorative xmlns:adec="http://schemas.microsoft.com/office/drawing/2017/decorative" val="1"/>
+                  </a:ext>
+                </a:extLst>
+              </p:cNvPr>
+              <p:cNvCxnSpPr/>
+              <p:nvPr>
+                <p:extLst>
+                  <p:ext uri="{386F3935-93C4-4BCD-93E2-E3B085C9AB24}">
+                    <p16:designElem xmlns:p16="http://schemas.microsoft.com/office/powerpoint/2015/main" val="1"/>
+                  </p:ext>
+                </p:extLst>
+              </p:nvPr>
+            </p:nvCxnSpPr>
+            <p:spPr>
+              <a:xfrm flipH="1">
+                <a:off x="12149943" y="2083594"/>
+                <a:ext cx="39676" cy="21436"/>
+              </a:xfrm>
+              <a:prstGeom prst="line">
+                <a:avLst/>
+              </a:prstGeom>
+              <a:ln>
+                <a:solidFill>
+                  <a:srgbClr val="FFFFFF">
+                    <a:alpha val="30196"/>
+                  </a:srgbClr>
+                </a:solidFill>
+              </a:ln>
+            </p:spPr>
+            <p:style>
+              <a:lnRef idx="1">
+                <a:schemeClr val="accent1"/>
+              </a:lnRef>
+              <a:fillRef idx="0">
+                <a:schemeClr val="accent1"/>
+              </a:fillRef>
+              <a:effectRef idx="0">
+                <a:schemeClr val="accent1"/>
+              </a:effectRef>
+              <a:fontRef idx="minor">
+                <a:schemeClr val="tx1"/>
+              </a:fontRef>
+            </p:style>
+          </p:cxnSp>
+          <p:cxnSp>
+            <p:nvCxnSpPr>
+              <p:cNvPr id="193" name="Straight Connector 192">
+                <a:extLst>
+                  <a:ext uri="{FF2B5EF4-FFF2-40B4-BE49-F238E27FC236}">
+                    <a16:creationId xmlns:a16="http://schemas.microsoft.com/office/drawing/2014/main" id="{A357807F-7199-418E-A0A9-B64105ECD235}"/>
+                  </a:ext>
+                  <a:ext uri="{C183D7F6-B498-43B3-948B-1728B52AA6E4}">
+                    <adec:decorative xmlns:adec="http://schemas.microsoft.com/office/drawing/2017/decorative" val="1"/>
+                  </a:ext>
+                </a:extLst>
+              </p:cNvPr>
+              <p:cNvCxnSpPr/>
+              <p:nvPr>
+                <p:extLst>
+                  <p:ext uri="{386F3935-93C4-4BCD-93E2-E3B085C9AB24}">
+                    <p16:designElem xmlns:p16="http://schemas.microsoft.com/office/powerpoint/2015/main" val="1"/>
+                  </p:ext>
+                </p:extLst>
+              </p:nvPr>
+            </p:nvCxnSpPr>
+            <p:spPr>
+              <a:xfrm rot="-180000" flipH="1">
+                <a:off x="9127990" y="334251"/>
+                <a:ext cx="3394" cy="182880"/>
+              </a:xfrm>
+              <a:prstGeom prst="line">
+                <a:avLst/>
+              </a:prstGeom>
+              <a:ln>
+                <a:solidFill>
+                  <a:srgbClr val="FFFFFF">
+                    <a:alpha val="30196"/>
+                  </a:srgbClr>
+                </a:solidFill>
+              </a:ln>
+            </p:spPr>
+            <p:style>
+              <a:lnRef idx="1">
+                <a:schemeClr val="accent1"/>
+              </a:lnRef>
+              <a:fillRef idx="0">
+                <a:schemeClr val="accent1"/>
+              </a:fillRef>
+              <a:effectRef idx="0">
+                <a:schemeClr val="accent1"/>
+              </a:effectRef>
+              <a:fontRef idx="minor">
+                <a:schemeClr val="tx1"/>
+              </a:fontRef>
+            </p:style>
+          </p:cxnSp>
+          <p:cxnSp>
+            <p:nvCxnSpPr>
+              <p:cNvPr id="194" name="Straight Connector 193">
+                <a:extLst>
+                  <a:ext uri="{FF2B5EF4-FFF2-40B4-BE49-F238E27FC236}">
+                    <a16:creationId xmlns:a16="http://schemas.microsoft.com/office/drawing/2014/main" id="{374400BB-9AFD-4FE0-890E-888B089C2618}"/>
+                  </a:ext>
+                  <a:ext uri="{C183D7F6-B498-43B3-948B-1728B52AA6E4}">
+                    <adec:decorative xmlns:adec="http://schemas.microsoft.com/office/drawing/2017/decorative" val="1"/>
+                  </a:ext>
+                </a:extLst>
+              </p:cNvPr>
+              <p:cNvCxnSpPr/>
+              <p:nvPr>
+                <p:extLst>
+                  <p:ext uri="{386F3935-93C4-4BCD-93E2-E3B085C9AB24}">
+                    <p16:designElem xmlns:p16="http://schemas.microsoft.com/office/powerpoint/2015/main" val="1"/>
+                  </p:ext>
+                </p:extLst>
+              </p:nvPr>
+            </p:nvCxnSpPr>
+            <p:spPr>
+              <a:xfrm rot="-300000" flipH="1">
+                <a:off x="8987576" y="336633"/>
+                <a:ext cx="3394" cy="182880"/>
+              </a:xfrm>
+              <a:prstGeom prst="line">
+                <a:avLst/>
+              </a:prstGeom>
+              <a:ln>
+                <a:solidFill>
+                  <a:srgbClr val="FFFFFF">
+                    <a:alpha val="30196"/>
+                  </a:srgbClr>
+                </a:solidFill>
+              </a:ln>
+            </p:spPr>
+            <p:style>
+              <a:lnRef idx="1">
+                <a:schemeClr val="accent1"/>
+              </a:lnRef>
+              <a:fillRef idx="0">
+                <a:schemeClr val="accent1"/>
+              </a:fillRef>
+              <a:effectRef idx="0">
+                <a:schemeClr val="accent1"/>
+              </a:effectRef>
+              <a:fontRef idx="minor">
+                <a:schemeClr val="tx1"/>
+              </a:fontRef>
+            </p:style>
+          </p:cxnSp>
+          <p:cxnSp>
+            <p:nvCxnSpPr>
+              <p:cNvPr id="195" name="Straight Connector 194">
+                <a:extLst>
+                  <a:ext uri="{FF2B5EF4-FFF2-40B4-BE49-F238E27FC236}">
+                    <a16:creationId xmlns:a16="http://schemas.microsoft.com/office/drawing/2014/main" id="{6B161EE8-5F23-490A-9728-F35D68DF906C}"/>
+                  </a:ext>
+                  <a:ext uri="{C183D7F6-B498-43B3-948B-1728B52AA6E4}">
+                    <adec:decorative xmlns:adec="http://schemas.microsoft.com/office/drawing/2017/decorative" val="1"/>
+                  </a:ext>
+                </a:extLst>
+              </p:cNvPr>
+              <p:cNvCxnSpPr/>
+              <p:nvPr>
+                <p:extLst>
+                  <p:ext uri="{386F3935-93C4-4BCD-93E2-E3B085C9AB24}">
+                    <p16:designElem xmlns:p16="http://schemas.microsoft.com/office/powerpoint/2015/main" val="1"/>
+                  </p:ext>
+                </p:extLst>
+              </p:nvPr>
+            </p:nvCxnSpPr>
+            <p:spPr>
+              <a:xfrm rot="-420000" flipH="1">
+                <a:off x="8844859" y="351176"/>
+                <a:ext cx="3394" cy="182880"/>
+              </a:xfrm>
+              <a:prstGeom prst="line">
+                <a:avLst/>
+              </a:prstGeom>
+              <a:ln>
+                <a:solidFill>
+                  <a:srgbClr val="FFFFFF">
+                    <a:alpha val="30196"/>
+                  </a:srgbClr>
+                </a:solidFill>
+              </a:ln>
+            </p:spPr>
+            <p:style>
+              <a:lnRef idx="1">
+                <a:schemeClr val="accent1"/>
+              </a:lnRef>
+              <a:fillRef idx="0">
+                <a:schemeClr val="accent1"/>
+              </a:fillRef>
+              <a:effectRef idx="0">
+                <a:schemeClr val="accent1"/>
+              </a:effectRef>
+              <a:fontRef idx="minor">
+                <a:schemeClr val="tx1"/>
+              </a:fontRef>
+            </p:style>
+          </p:cxnSp>
+          <p:cxnSp>
+            <p:nvCxnSpPr>
+              <p:cNvPr id="196" name="Straight Connector 195">
+                <a:extLst>
+                  <a:ext uri="{FF2B5EF4-FFF2-40B4-BE49-F238E27FC236}">
+                    <a16:creationId xmlns:a16="http://schemas.microsoft.com/office/drawing/2014/main" id="{EF4E71C7-716A-43DB-8B25-45D376E5D10A}"/>
+                  </a:ext>
+                  <a:ext uri="{C183D7F6-B498-43B3-948B-1728B52AA6E4}">
+                    <adec:decorative xmlns:adec="http://schemas.microsoft.com/office/drawing/2017/decorative" val="1"/>
+                  </a:ext>
+                </a:extLst>
+              </p:cNvPr>
+              <p:cNvCxnSpPr/>
+              <p:nvPr>
+                <p:extLst>
+                  <p:ext uri="{386F3935-93C4-4BCD-93E2-E3B085C9AB24}">
+                    <p16:designElem xmlns:p16="http://schemas.microsoft.com/office/powerpoint/2015/main" val="1"/>
+                  </p:ext>
+                </p:extLst>
+              </p:nvPr>
+            </p:nvCxnSpPr>
+            <p:spPr>
+              <a:xfrm rot="-540000" flipH="1">
+                <a:off x="8706904" y="365719"/>
+                <a:ext cx="3394" cy="182880"/>
+              </a:xfrm>
+              <a:prstGeom prst="line">
+                <a:avLst/>
+              </a:prstGeom>
+              <a:ln>
+                <a:solidFill>
+                  <a:srgbClr val="FFFFFF">
+                    <a:alpha val="30196"/>
+                  </a:srgbClr>
+                </a:solidFill>
+              </a:ln>
+            </p:spPr>
+            <p:style>
+              <a:lnRef idx="1">
+                <a:schemeClr val="accent1"/>
+              </a:lnRef>
+              <a:fillRef idx="0">
+                <a:schemeClr val="accent1"/>
+              </a:fillRef>
+              <a:effectRef idx="0">
+                <a:schemeClr val="accent1"/>
+              </a:effectRef>
+              <a:fontRef idx="minor">
+                <a:schemeClr val="tx1"/>
+              </a:fontRef>
+            </p:style>
+          </p:cxnSp>
+          <p:cxnSp>
+            <p:nvCxnSpPr>
+              <p:cNvPr id="197" name="Straight Connector 196">
+                <a:extLst>
+                  <a:ext uri="{FF2B5EF4-FFF2-40B4-BE49-F238E27FC236}">
+                    <a16:creationId xmlns:a16="http://schemas.microsoft.com/office/drawing/2014/main" id="{CCC85AEA-CCD1-4DF7-8916-0F72027ED7C1}"/>
+                  </a:ext>
+                  <a:ext uri="{C183D7F6-B498-43B3-948B-1728B52AA6E4}">
+                    <adec:decorative xmlns:adec="http://schemas.microsoft.com/office/drawing/2017/decorative" val="1"/>
+                  </a:ext>
+                </a:extLst>
+              </p:cNvPr>
+              <p:cNvCxnSpPr/>
+              <p:nvPr>
+                <p:extLst>
+                  <p:ext uri="{386F3935-93C4-4BCD-93E2-E3B085C9AB24}">
+                    <p16:designElem xmlns:p16="http://schemas.microsoft.com/office/powerpoint/2015/main" val="1"/>
+                  </p:ext>
+                </p:extLst>
+              </p:nvPr>
+            </p:nvCxnSpPr>
+            <p:spPr>
+              <a:xfrm rot="-720000" flipH="1">
+                <a:off x="8568008" y="387891"/>
+                <a:ext cx="3394" cy="182880"/>
+              </a:xfrm>
+              <a:prstGeom prst="line">
+                <a:avLst/>
+              </a:prstGeom>
+              <a:ln>
+                <a:solidFill>
+                  <a:srgbClr val="FFFFFF">
+                    <a:alpha val="30196"/>
+                  </a:srgbClr>
+                </a:solidFill>
+              </a:ln>
+            </p:spPr>
+            <p:style>
+              <a:lnRef idx="1">
+                <a:schemeClr val="accent1"/>
+              </a:lnRef>
+              <a:fillRef idx="0">
+                <a:schemeClr val="accent1"/>
+              </a:fillRef>
+              <a:effectRef idx="0">
+                <a:schemeClr val="accent1"/>
+              </a:effectRef>
+              <a:fontRef idx="minor">
+                <a:schemeClr val="tx1"/>
+              </a:fontRef>
+            </p:style>
+          </p:cxnSp>
+          <p:cxnSp>
+            <p:nvCxnSpPr>
+              <p:cNvPr id="198" name="Straight Connector 197">
+                <a:extLst>
+                  <a:ext uri="{FF2B5EF4-FFF2-40B4-BE49-F238E27FC236}">
+                    <a16:creationId xmlns:a16="http://schemas.microsoft.com/office/drawing/2014/main" id="{2135A1AE-41A5-4D62-8EDA-7E2AE30EF6F2}"/>
+                  </a:ext>
+                  <a:ext uri="{C183D7F6-B498-43B3-948B-1728B52AA6E4}">
+                    <adec:decorative xmlns:adec="http://schemas.microsoft.com/office/drawing/2017/decorative" val="1"/>
+                  </a:ext>
+                </a:extLst>
+              </p:cNvPr>
+              <p:cNvCxnSpPr/>
+              <p:nvPr>
+                <p:extLst>
+                  <p:ext uri="{386F3935-93C4-4BCD-93E2-E3B085C9AB24}">
+                    <p16:designElem xmlns:p16="http://schemas.microsoft.com/office/powerpoint/2015/main" val="1"/>
+                  </p:ext>
+                </p:extLst>
+              </p:nvPr>
+            </p:nvCxnSpPr>
+            <p:spPr>
+              <a:xfrm rot="-840000" flipH="1">
+                <a:off x="8429112" y="410063"/>
+                <a:ext cx="3394" cy="182880"/>
+              </a:xfrm>
+              <a:prstGeom prst="line">
+                <a:avLst/>
+              </a:prstGeom>
+              <a:ln>
+                <a:solidFill>
+                  <a:srgbClr val="FFFFFF">
+                    <a:alpha val="30196"/>
+                  </a:srgbClr>
+                </a:solidFill>
+              </a:ln>
+            </p:spPr>
+            <p:style>
+              <a:lnRef idx="1">
+                <a:schemeClr val="accent1"/>
+              </a:lnRef>
+              <a:fillRef idx="0">
+                <a:schemeClr val="accent1"/>
+              </a:fillRef>
+              <a:effectRef idx="0">
+                <a:schemeClr val="accent1"/>
+              </a:effectRef>
+              <a:fontRef idx="minor">
+                <a:schemeClr val="tx1"/>
+              </a:fontRef>
+            </p:style>
+          </p:cxnSp>
+          <p:cxnSp>
+            <p:nvCxnSpPr>
+              <p:cNvPr id="199" name="Straight Connector 198">
+                <a:extLst>
+                  <a:ext uri="{FF2B5EF4-FFF2-40B4-BE49-F238E27FC236}">
+                    <a16:creationId xmlns:a16="http://schemas.microsoft.com/office/drawing/2014/main" id="{F3CFD903-54FF-40B5-8645-48F3E463AE9E}"/>
+                  </a:ext>
+                  <a:ext uri="{C183D7F6-B498-43B3-948B-1728B52AA6E4}">
+                    <adec:decorative xmlns:adec="http://schemas.microsoft.com/office/drawing/2017/decorative" val="1"/>
+                  </a:ext>
+                </a:extLst>
+              </p:cNvPr>
+              <p:cNvCxnSpPr/>
+              <p:nvPr>
+                <p:extLst>
+                  <p:ext uri="{386F3935-93C4-4BCD-93E2-E3B085C9AB24}">
+                    <p16:designElem xmlns:p16="http://schemas.microsoft.com/office/powerpoint/2015/main" val="1"/>
+                  </p:ext>
+                </p:extLst>
+              </p:nvPr>
+            </p:nvCxnSpPr>
+            <p:spPr>
+              <a:xfrm rot="-960000" flipH="1">
+                <a:off x="8294968" y="446219"/>
+                <a:ext cx="3394" cy="182880"/>
+              </a:xfrm>
+              <a:prstGeom prst="line">
+                <a:avLst/>
+              </a:prstGeom>
+              <a:ln>
+                <a:solidFill>
+                  <a:srgbClr val="FFFFFF">
+                    <a:alpha val="30196"/>
+                  </a:srgbClr>
+                </a:solidFill>
+              </a:ln>
+            </p:spPr>
+            <p:style>
+              <a:lnRef idx="1">
+                <a:schemeClr val="accent1"/>
+              </a:lnRef>
+              <a:fillRef idx="0">
+                <a:schemeClr val="accent1"/>
+              </a:fillRef>
+              <a:effectRef idx="0">
+                <a:schemeClr val="accent1"/>
+              </a:effectRef>
+              <a:fontRef idx="minor">
+                <a:schemeClr val="tx1"/>
+              </a:fontRef>
+            </p:style>
+          </p:cxnSp>
+          <p:cxnSp>
+            <p:nvCxnSpPr>
+              <p:cNvPr id="200" name="Straight Connector 199">
+                <a:extLst>
+                  <a:ext uri="{FF2B5EF4-FFF2-40B4-BE49-F238E27FC236}">
+                    <a16:creationId xmlns:a16="http://schemas.microsoft.com/office/drawing/2014/main" id="{250B0D3E-699D-4045-9BD5-B4CF69C20B29}"/>
+                  </a:ext>
+                  <a:ext uri="{C183D7F6-B498-43B3-948B-1728B52AA6E4}">
+                    <adec:decorative xmlns:adec="http://schemas.microsoft.com/office/drawing/2017/decorative" val="1"/>
+                  </a:ext>
+                </a:extLst>
+              </p:cNvPr>
+              <p:cNvCxnSpPr/>
+              <p:nvPr>
+                <p:extLst>
+                  <p:ext uri="{386F3935-93C4-4BCD-93E2-E3B085C9AB24}">
+                    <p16:designElem xmlns:p16="http://schemas.microsoft.com/office/powerpoint/2015/main" val="1"/>
+                  </p:ext>
+                </p:extLst>
+              </p:nvPr>
+            </p:nvCxnSpPr>
+            <p:spPr>
+              <a:xfrm rot="-1080000" flipH="1">
+                <a:off x="8160824" y="482375"/>
+                <a:ext cx="3394" cy="182880"/>
+              </a:xfrm>
+              <a:prstGeom prst="line">
+                <a:avLst/>
+              </a:prstGeom>
+              <a:ln>
+                <a:solidFill>
+                  <a:srgbClr val="FFFFFF">
+                    <a:alpha val="30196"/>
+                  </a:srgbClr>
+                </a:solidFill>
+              </a:ln>
+            </p:spPr>
+            <p:style>
+              <a:lnRef idx="1">
+                <a:schemeClr val="accent1"/>
+              </a:lnRef>
+              <a:fillRef idx="0">
+                <a:schemeClr val="accent1"/>
+              </a:fillRef>
+              <a:effectRef idx="0">
+                <a:schemeClr val="accent1"/>
+              </a:effectRef>
+              <a:fontRef idx="minor">
+                <a:schemeClr val="tx1"/>
+              </a:fontRef>
+            </p:style>
+          </p:cxnSp>
+          <p:cxnSp>
+            <p:nvCxnSpPr>
+              <p:cNvPr id="201" name="Straight Connector 200">
+                <a:extLst>
+                  <a:ext uri="{FF2B5EF4-FFF2-40B4-BE49-F238E27FC236}">
+                    <a16:creationId xmlns:a16="http://schemas.microsoft.com/office/drawing/2014/main" id="{B430A3E5-50DB-4A25-A497-A9AABF4CD8AD}"/>
+                  </a:ext>
+                  <a:ext uri="{C183D7F6-B498-43B3-948B-1728B52AA6E4}">
+                    <adec:decorative xmlns:adec="http://schemas.microsoft.com/office/drawing/2017/decorative" val="1"/>
+                  </a:ext>
+                </a:extLst>
+              </p:cNvPr>
+              <p:cNvCxnSpPr/>
+              <p:nvPr>
+                <p:extLst>
+                  <p:ext uri="{386F3935-93C4-4BCD-93E2-E3B085C9AB24}">
+                    <p16:designElem xmlns:p16="http://schemas.microsoft.com/office/powerpoint/2015/main" val="1"/>
+                  </p:ext>
+                </p:extLst>
+              </p:nvPr>
+            </p:nvCxnSpPr>
+            <p:spPr>
+              <a:xfrm rot="-1260000" flipH="1">
+                <a:off x="8027689" y="531848"/>
+                <a:ext cx="3394" cy="182880"/>
+              </a:xfrm>
+              <a:prstGeom prst="line">
+                <a:avLst/>
+              </a:prstGeom>
+              <a:ln>
+                <a:solidFill>
+                  <a:srgbClr val="FFFFFF">
+                    <a:alpha val="30196"/>
+                  </a:srgbClr>
+                </a:solidFill>
+              </a:ln>
+            </p:spPr>
+            <p:style>
+              <a:lnRef idx="1">
+                <a:schemeClr val="accent1"/>
+              </a:lnRef>
+              <a:fillRef idx="0">
+                <a:schemeClr val="accent1"/>
+              </a:fillRef>
+              <a:effectRef idx="0">
+                <a:schemeClr val="accent1"/>
+              </a:effectRef>
+              <a:fontRef idx="minor">
+                <a:schemeClr val="tx1"/>
+              </a:fontRef>
+            </p:style>
+          </p:cxnSp>
+          <p:cxnSp>
+            <p:nvCxnSpPr>
+              <p:cNvPr id="202" name="Straight Connector 201">
+                <a:extLst>
+                  <a:ext uri="{FF2B5EF4-FFF2-40B4-BE49-F238E27FC236}">
+                    <a16:creationId xmlns:a16="http://schemas.microsoft.com/office/drawing/2014/main" id="{A1B0E32C-6B1D-4061-8FE9-49FE8F48E2C0}"/>
+                  </a:ext>
+                  <a:ext uri="{C183D7F6-B498-43B3-948B-1728B52AA6E4}">
+                    <adec:decorative xmlns:adec="http://schemas.microsoft.com/office/drawing/2017/decorative" val="1"/>
+                  </a:ext>
+                </a:extLst>
+              </p:cNvPr>
+              <p:cNvCxnSpPr/>
+              <p:nvPr>
+                <p:extLst>
+                  <p:ext uri="{386F3935-93C4-4BCD-93E2-E3B085C9AB24}">
+                    <p16:designElem xmlns:p16="http://schemas.microsoft.com/office/powerpoint/2015/main" val="1"/>
+                  </p:ext>
+                </p:extLst>
+              </p:nvPr>
+            </p:nvCxnSpPr>
+            <p:spPr>
+              <a:xfrm rot="-1380000" flipH="1">
+                <a:off x="7894554" y="581321"/>
+                <a:ext cx="3394" cy="182880"/>
+              </a:xfrm>
+              <a:prstGeom prst="line">
+                <a:avLst/>
+              </a:prstGeom>
+              <a:ln>
+                <a:solidFill>
+                  <a:srgbClr val="FFFFFF">
+                    <a:alpha val="30196"/>
+                  </a:srgbClr>
+                </a:solidFill>
+              </a:ln>
+            </p:spPr>
+            <p:style>
+              <a:lnRef idx="1">
+                <a:schemeClr val="accent1"/>
+              </a:lnRef>
+              <a:fillRef idx="0">
+                <a:schemeClr val="accent1"/>
+              </a:fillRef>
+              <a:effectRef idx="0">
+                <a:schemeClr val="accent1"/>
+              </a:effectRef>
+              <a:fontRef idx="minor">
+                <a:schemeClr val="tx1"/>
+              </a:fontRef>
+            </p:style>
+          </p:cxnSp>
+          <p:cxnSp>
+            <p:nvCxnSpPr>
+              <p:cNvPr id="203" name="Straight Connector 202">
+                <a:extLst>
+                  <a:ext uri="{FF2B5EF4-FFF2-40B4-BE49-F238E27FC236}">
+                    <a16:creationId xmlns:a16="http://schemas.microsoft.com/office/drawing/2014/main" id="{5933DD09-EE89-4852-AAB4-7C42FEB01CF4}"/>
+                  </a:ext>
+                  <a:ext uri="{C183D7F6-B498-43B3-948B-1728B52AA6E4}">
+                    <adec:decorative xmlns:adec="http://schemas.microsoft.com/office/drawing/2017/decorative" val="1"/>
+                  </a:ext>
+                </a:extLst>
+              </p:cNvPr>
+              <p:cNvCxnSpPr/>
+              <p:nvPr>
+                <p:extLst>
+                  <p:ext uri="{386F3935-93C4-4BCD-93E2-E3B085C9AB24}">
+                    <p16:designElem xmlns:p16="http://schemas.microsoft.com/office/powerpoint/2015/main" val="1"/>
+                  </p:ext>
+                </p:extLst>
+              </p:nvPr>
+            </p:nvCxnSpPr>
+            <p:spPr>
+              <a:xfrm rot="-1500000" flipH="1">
+                <a:off x="7761419" y="630794"/>
+                <a:ext cx="3394" cy="182880"/>
+              </a:xfrm>
+              <a:prstGeom prst="line">
+                <a:avLst/>
+              </a:prstGeom>
+              <a:ln>
+                <a:solidFill>
+                  <a:srgbClr val="FFFFFF">
+                    <a:alpha val="30196"/>
+                  </a:srgbClr>
+                </a:solidFill>
+              </a:ln>
+            </p:spPr>
+            <p:style>
+              <a:lnRef idx="1">
+                <a:schemeClr val="accent1"/>
+              </a:lnRef>
+              <a:fillRef idx="0">
+                <a:schemeClr val="accent1"/>
+              </a:fillRef>
+              <a:effectRef idx="0">
+                <a:schemeClr val="accent1"/>
+              </a:effectRef>
+              <a:fontRef idx="minor">
+                <a:schemeClr val="tx1"/>
+              </a:fontRef>
+            </p:style>
+          </p:cxnSp>
+          <p:cxnSp>
+            <p:nvCxnSpPr>
+              <p:cNvPr id="204" name="Straight Connector 203">
+                <a:extLst>
+                  <a:ext uri="{FF2B5EF4-FFF2-40B4-BE49-F238E27FC236}">
+                    <a16:creationId xmlns:a16="http://schemas.microsoft.com/office/drawing/2014/main" id="{211394FF-3D41-4AC3-BF43-D84C4453F975}"/>
+                  </a:ext>
+                  <a:ext uri="{C183D7F6-B498-43B3-948B-1728B52AA6E4}">
+                    <adec:decorative xmlns:adec="http://schemas.microsoft.com/office/drawing/2017/decorative" val="1"/>
+                  </a:ext>
+                </a:extLst>
+              </p:cNvPr>
+              <p:cNvCxnSpPr/>
+              <p:nvPr>
+                <p:extLst>
+                  <p:ext uri="{386F3935-93C4-4BCD-93E2-E3B085C9AB24}">
+                    <p16:designElem xmlns:p16="http://schemas.microsoft.com/office/powerpoint/2015/main" val="1"/>
+                  </p:ext>
+                </p:extLst>
+              </p:nvPr>
+            </p:nvCxnSpPr>
+            <p:spPr>
+              <a:xfrm rot="-1620000" flipH="1">
+                <a:off x="7636645" y="689804"/>
+                <a:ext cx="3394" cy="182880"/>
+              </a:xfrm>
+              <a:prstGeom prst="line">
+                <a:avLst/>
+              </a:prstGeom>
+              <a:ln>
+                <a:solidFill>
+                  <a:srgbClr val="FFFFFF">
+                    <a:alpha val="30196"/>
+                  </a:srgbClr>
+                </a:solidFill>
+              </a:ln>
+            </p:spPr>
+            <p:style>
+              <a:lnRef idx="1">
+                <a:schemeClr val="accent1"/>
+              </a:lnRef>
+              <a:fillRef idx="0">
+                <a:schemeClr val="accent1"/>
+              </a:fillRef>
+              <a:effectRef idx="0">
+                <a:schemeClr val="accent1"/>
+              </a:effectRef>
+              <a:fontRef idx="minor">
+                <a:schemeClr val="tx1"/>
+              </a:fontRef>
+            </p:style>
+          </p:cxnSp>
+          <p:cxnSp>
+            <p:nvCxnSpPr>
+              <p:cNvPr id="205" name="Straight Connector 204">
+                <a:extLst>
+                  <a:ext uri="{FF2B5EF4-FFF2-40B4-BE49-F238E27FC236}">
+                    <a16:creationId xmlns:a16="http://schemas.microsoft.com/office/drawing/2014/main" id="{8E419255-A9D6-42DD-A394-F5330A6F3672}"/>
+                  </a:ext>
+                  <a:ext uri="{C183D7F6-B498-43B3-948B-1728B52AA6E4}">
+                    <adec:decorative xmlns:adec="http://schemas.microsoft.com/office/drawing/2017/decorative" val="1"/>
+                  </a:ext>
+                </a:extLst>
+              </p:cNvPr>
+              <p:cNvCxnSpPr/>
+              <p:nvPr>
+                <p:extLst>
+                  <p:ext uri="{386F3935-93C4-4BCD-93E2-E3B085C9AB24}">
+                    <p16:designElem xmlns:p16="http://schemas.microsoft.com/office/powerpoint/2015/main" val="1"/>
+                  </p:ext>
+                </p:extLst>
+              </p:nvPr>
+            </p:nvCxnSpPr>
+            <p:spPr>
+              <a:xfrm rot="-1800000" flipH="1">
+                <a:off x="7511871" y="751195"/>
+                <a:ext cx="3394" cy="182880"/>
+              </a:xfrm>
+              <a:prstGeom prst="line">
+                <a:avLst/>
+              </a:prstGeom>
+              <a:ln>
+                <a:solidFill>
+                  <a:srgbClr val="FFFFFF">
+                    <a:alpha val="30196"/>
+                  </a:srgbClr>
+                </a:solidFill>
+              </a:ln>
+            </p:spPr>
+            <p:style>
+              <a:lnRef idx="1">
+                <a:schemeClr val="accent1"/>
+              </a:lnRef>
+              <a:fillRef idx="0">
+                <a:schemeClr val="accent1"/>
+              </a:fillRef>
+              <a:effectRef idx="0">
+                <a:schemeClr val="accent1"/>
+              </a:effectRef>
+              <a:fontRef idx="minor">
+                <a:schemeClr val="tx1"/>
+              </a:fontRef>
+            </p:style>
+          </p:cxnSp>
+          <p:cxnSp>
+            <p:nvCxnSpPr>
+              <p:cNvPr id="206" name="Straight Connector 205">
+                <a:extLst>
+                  <a:ext uri="{FF2B5EF4-FFF2-40B4-BE49-F238E27FC236}">
+                    <a16:creationId xmlns:a16="http://schemas.microsoft.com/office/drawing/2014/main" id="{7B92B858-83FE-42E7-B526-734880D077C9}"/>
+                  </a:ext>
+                  <a:ext uri="{C183D7F6-B498-43B3-948B-1728B52AA6E4}">
+                    <adec:decorative xmlns:adec="http://schemas.microsoft.com/office/drawing/2017/decorative" val="1"/>
+                  </a:ext>
+                </a:extLst>
+              </p:cNvPr>
+              <p:cNvCxnSpPr/>
+              <p:nvPr>
+                <p:extLst>
+                  <p:ext uri="{386F3935-93C4-4BCD-93E2-E3B085C9AB24}">
+                    <p16:designElem xmlns:p16="http://schemas.microsoft.com/office/powerpoint/2015/main" val="1"/>
+                  </p:ext>
+                </p:extLst>
+              </p:nvPr>
+            </p:nvCxnSpPr>
+            <p:spPr>
+              <a:xfrm rot="-1920000" flipH="1">
+                <a:off x="7387899" y="819771"/>
+                <a:ext cx="3394" cy="182880"/>
+              </a:xfrm>
+              <a:prstGeom prst="line">
+                <a:avLst/>
+              </a:prstGeom>
+              <a:ln>
+                <a:solidFill>
+                  <a:srgbClr val="FFFFFF">
+                    <a:alpha val="30196"/>
+                  </a:srgbClr>
+                </a:solidFill>
+              </a:ln>
+            </p:spPr>
+            <p:style>
+              <a:lnRef idx="1">
+                <a:schemeClr val="accent1"/>
+              </a:lnRef>
+              <a:fillRef idx="0">
+                <a:schemeClr val="accent1"/>
+              </a:fillRef>
+              <a:effectRef idx="0">
+                <a:schemeClr val="accent1"/>
+              </a:effectRef>
+              <a:fontRef idx="minor">
+                <a:schemeClr val="tx1"/>
+              </a:fontRef>
+            </p:style>
+          </p:cxnSp>
+          <p:cxnSp>
+            <p:nvCxnSpPr>
+              <p:cNvPr id="207" name="Straight Connector 206">
+                <a:extLst>
+                  <a:ext uri="{FF2B5EF4-FFF2-40B4-BE49-F238E27FC236}">
+                    <a16:creationId xmlns:a16="http://schemas.microsoft.com/office/drawing/2014/main" id="{1AC09C3A-8718-4FF6-89BE-385091356D1B}"/>
+                  </a:ext>
+                  <a:ext uri="{C183D7F6-B498-43B3-948B-1728B52AA6E4}">
+                    <adec:decorative xmlns:adec="http://schemas.microsoft.com/office/drawing/2017/decorative" val="1"/>
+                  </a:ext>
+                </a:extLst>
+              </p:cNvPr>
+              <p:cNvCxnSpPr/>
+              <p:nvPr>
+                <p:extLst>
+                  <p:ext uri="{386F3935-93C4-4BCD-93E2-E3B085C9AB24}">
+                    <p16:designElem xmlns:p16="http://schemas.microsoft.com/office/powerpoint/2015/main" val="1"/>
+                  </p:ext>
+                </p:extLst>
+              </p:nvPr>
+            </p:nvCxnSpPr>
+            <p:spPr>
+              <a:xfrm rot="-2040000" flipH="1">
+                <a:off x="7268530" y="893163"/>
+                <a:ext cx="3394" cy="182880"/>
+              </a:xfrm>
+              <a:prstGeom prst="line">
+                <a:avLst/>
+              </a:prstGeom>
+              <a:ln>
+                <a:solidFill>
+                  <a:srgbClr val="FFFFFF">
+                    <a:alpha val="30196"/>
+                  </a:srgbClr>
+                </a:solidFill>
+              </a:ln>
+            </p:spPr>
+            <p:style>
+              <a:lnRef idx="1">
+                <a:schemeClr val="accent1"/>
+              </a:lnRef>
+              <a:fillRef idx="0">
+                <a:schemeClr val="accent1"/>
+              </a:fillRef>
+              <a:effectRef idx="0">
+                <a:schemeClr val="accent1"/>
+              </a:effectRef>
+              <a:fontRef idx="minor">
+                <a:schemeClr val="tx1"/>
+              </a:fontRef>
+            </p:style>
+          </p:cxnSp>
+          <p:cxnSp>
+            <p:nvCxnSpPr>
+              <p:cNvPr id="208" name="Straight Connector 207">
+                <a:extLst>
+                  <a:ext uri="{FF2B5EF4-FFF2-40B4-BE49-F238E27FC236}">
+                    <a16:creationId xmlns:a16="http://schemas.microsoft.com/office/drawing/2014/main" id="{1ACA67A3-5C58-4B01-9A72-136D48845EF4}"/>
+                  </a:ext>
+                  <a:ext uri="{C183D7F6-B498-43B3-948B-1728B52AA6E4}">
+                    <adec:decorative xmlns:adec="http://schemas.microsoft.com/office/drawing/2017/decorative" val="1"/>
+                  </a:ext>
+                </a:extLst>
+              </p:cNvPr>
+              <p:cNvCxnSpPr/>
+              <p:nvPr>
+                <p:extLst>
+                  <p:ext uri="{386F3935-93C4-4BCD-93E2-E3B085C9AB24}">
+                    <p16:designElem xmlns:p16="http://schemas.microsoft.com/office/powerpoint/2015/main" val="1"/>
+                  </p:ext>
+                </p:extLst>
+              </p:nvPr>
+            </p:nvCxnSpPr>
+            <p:spPr>
+              <a:xfrm rot="-2160000" flipH="1">
+                <a:off x="7152030" y="976584"/>
+                <a:ext cx="3394" cy="182880"/>
+              </a:xfrm>
+              <a:prstGeom prst="line">
+                <a:avLst/>
+              </a:prstGeom>
+              <a:ln>
+                <a:solidFill>
+                  <a:srgbClr val="FFFFFF">
+                    <a:alpha val="30196"/>
+                  </a:srgbClr>
+                </a:solidFill>
+              </a:ln>
+            </p:spPr>
+            <p:style>
+              <a:lnRef idx="1">
+                <a:schemeClr val="accent1"/>
+              </a:lnRef>
+              <a:fillRef idx="0">
+                <a:schemeClr val="accent1"/>
+              </a:fillRef>
+              <a:effectRef idx="0">
+                <a:schemeClr val="accent1"/>
+              </a:effectRef>
+              <a:fontRef idx="minor">
+                <a:schemeClr val="tx1"/>
+              </a:fontRef>
+            </p:style>
+          </p:cxnSp>
+          <p:cxnSp>
+            <p:nvCxnSpPr>
+              <p:cNvPr id="209" name="Straight Connector 208">
+                <a:extLst>
+                  <a:ext uri="{FF2B5EF4-FFF2-40B4-BE49-F238E27FC236}">
+                    <a16:creationId xmlns:a16="http://schemas.microsoft.com/office/drawing/2014/main" id="{9C479D8B-24CE-4B25-A4B4-1D411A450292}"/>
+                  </a:ext>
+                  <a:ext uri="{C183D7F6-B498-43B3-948B-1728B52AA6E4}">
+                    <adec:decorative xmlns:adec="http://schemas.microsoft.com/office/drawing/2017/decorative" val="1"/>
+                  </a:ext>
+                </a:extLst>
+              </p:cNvPr>
+              <p:cNvCxnSpPr/>
+              <p:nvPr>
+                <p:extLst>
+                  <p:ext uri="{386F3935-93C4-4BCD-93E2-E3B085C9AB24}">
+                    <p16:designElem xmlns:p16="http://schemas.microsoft.com/office/powerpoint/2015/main" val="1"/>
+                  </p:ext>
+                </p:extLst>
+              </p:nvPr>
+            </p:nvCxnSpPr>
+            <p:spPr>
+              <a:xfrm rot="-2340000" flipH="1">
+                <a:off x="7041695" y="1060025"/>
+                <a:ext cx="3394" cy="182880"/>
+              </a:xfrm>
+              <a:prstGeom prst="line">
+                <a:avLst/>
+              </a:prstGeom>
+              <a:ln>
+                <a:solidFill>
+                  <a:srgbClr val="FFFFFF">
+                    <a:alpha val="30196"/>
+                  </a:srgbClr>
+                </a:solidFill>
+              </a:ln>
+            </p:spPr>
+            <p:style>
+              <a:lnRef idx="1">
+                <a:schemeClr val="accent1"/>
+              </a:lnRef>
+              <a:fillRef idx="0">
+                <a:schemeClr val="accent1"/>
+              </a:fillRef>
+              <a:effectRef idx="0">
+                <a:schemeClr val="accent1"/>
+              </a:effectRef>
+              <a:fontRef idx="minor">
+                <a:schemeClr val="tx1"/>
+              </a:fontRef>
+            </p:style>
+          </p:cxnSp>
+          <p:cxnSp>
+            <p:nvCxnSpPr>
+              <p:cNvPr id="210" name="Straight Connector 209">
+                <a:extLst>
+                  <a:ext uri="{FF2B5EF4-FFF2-40B4-BE49-F238E27FC236}">
+                    <a16:creationId xmlns:a16="http://schemas.microsoft.com/office/drawing/2014/main" id="{9BF48C75-7374-42F2-A159-526789C34308}"/>
+                  </a:ext>
+                  <a:ext uri="{C183D7F6-B498-43B3-948B-1728B52AA6E4}">
+                    <adec:decorative xmlns:adec="http://schemas.microsoft.com/office/drawing/2017/decorative" val="1"/>
+                  </a:ext>
+                </a:extLst>
+              </p:cNvPr>
+              <p:cNvCxnSpPr/>
+              <p:nvPr>
+                <p:extLst>
+                  <p:ext uri="{386F3935-93C4-4BCD-93E2-E3B085C9AB24}">
+                    <p16:designElem xmlns:p16="http://schemas.microsoft.com/office/powerpoint/2015/main" val="1"/>
+                  </p:ext>
+                </p:extLst>
+              </p:nvPr>
+            </p:nvCxnSpPr>
+            <p:spPr>
+              <a:xfrm rot="-2460000" flipH="1">
+                <a:off x="6931360" y="1143466"/>
+                <a:ext cx="3394" cy="182880"/>
+              </a:xfrm>
+              <a:prstGeom prst="line">
+                <a:avLst/>
+              </a:prstGeom>
+              <a:ln>
+                <a:solidFill>
+                  <a:srgbClr val="FFFFFF">
+                    <a:alpha val="30196"/>
+                  </a:srgbClr>
+                </a:solidFill>
+              </a:ln>
+            </p:spPr>
+            <p:style>
+              <a:lnRef idx="1">
+                <a:schemeClr val="accent1"/>
+              </a:lnRef>
+              <a:fillRef idx="0">
+                <a:schemeClr val="accent1"/>
+              </a:fillRef>
+              <a:effectRef idx="0">
+                <a:schemeClr val="accent1"/>
+              </a:effectRef>
+              <a:fontRef idx="minor">
+                <a:schemeClr val="tx1"/>
+              </a:fontRef>
+            </p:style>
+          </p:cxnSp>
+          <p:cxnSp>
+            <p:nvCxnSpPr>
+              <p:cNvPr id="211" name="Straight Connector 210">
+                <a:extLst>
+                  <a:ext uri="{FF2B5EF4-FFF2-40B4-BE49-F238E27FC236}">
+                    <a16:creationId xmlns:a16="http://schemas.microsoft.com/office/drawing/2014/main" id="{D809A4AF-4DE5-4BEA-9D5A-A5236E9AF33F}"/>
+                  </a:ext>
+                  <a:ext uri="{C183D7F6-B498-43B3-948B-1728B52AA6E4}">
+                    <adec:decorative xmlns:adec="http://schemas.microsoft.com/office/drawing/2017/decorative" val="1"/>
+                  </a:ext>
+                </a:extLst>
+              </p:cNvPr>
+              <p:cNvCxnSpPr/>
+              <p:nvPr>
+                <p:extLst>
+                  <p:ext uri="{386F3935-93C4-4BCD-93E2-E3B085C9AB24}">
+                    <p16:designElem xmlns:p16="http://schemas.microsoft.com/office/powerpoint/2015/main" val="1"/>
+                  </p:ext>
+                </p:extLst>
+              </p:nvPr>
+            </p:nvCxnSpPr>
+            <p:spPr>
+              <a:xfrm rot="-2580000" flipH="1">
+                <a:off x="6819070" y="1235864"/>
+                <a:ext cx="3394" cy="182880"/>
+              </a:xfrm>
+              <a:prstGeom prst="line">
+                <a:avLst/>
+              </a:prstGeom>
+              <a:ln>
+                <a:solidFill>
+                  <a:srgbClr val="FFFFFF">
+                    <a:alpha val="30196"/>
+                  </a:srgbClr>
+                </a:solidFill>
+              </a:ln>
+            </p:spPr>
+            <p:style>
+              <a:lnRef idx="1">
+                <a:schemeClr val="accent1"/>
+              </a:lnRef>
+              <a:fillRef idx="0">
+                <a:schemeClr val="accent1"/>
+              </a:fillRef>
+              <a:effectRef idx="0">
+                <a:schemeClr val="accent1"/>
+              </a:effectRef>
+              <a:fontRef idx="minor">
+                <a:schemeClr val="tx1"/>
+              </a:fontRef>
+            </p:style>
+          </p:cxnSp>
+          <p:cxnSp>
+            <p:nvCxnSpPr>
+              <p:cNvPr id="212" name="Straight Connector 211">
+                <a:extLst>
+                  <a:ext uri="{FF2B5EF4-FFF2-40B4-BE49-F238E27FC236}">
+                    <a16:creationId xmlns:a16="http://schemas.microsoft.com/office/drawing/2014/main" id="{B3EF6033-DAB6-40AE-904A-9B445DBD6EFB}"/>
+                  </a:ext>
+                  <a:ext uri="{C183D7F6-B498-43B3-948B-1728B52AA6E4}">
+                    <adec:decorative xmlns:adec="http://schemas.microsoft.com/office/drawing/2017/decorative" val="1"/>
+                  </a:ext>
+                </a:extLst>
+              </p:cNvPr>
+              <p:cNvCxnSpPr/>
+              <p:nvPr>
+                <p:extLst>
+                  <p:ext uri="{386F3935-93C4-4BCD-93E2-E3B085C9AB24}">
+                    <p16:designElem xmlns:p16="http://schemas.microsoft.com/office/powerpoint/2015/main" val="1"/>
+                  </p:ext>
+                </p:extLst>
+              </p:nvPr>
+            </p:nvCxnSpPr>
+            <p:spPr>
+              <a:xfrm rot="-2700000" flipH="1">
+                <a:off x="6721359" y="1332746"/>
+                <a:ext cx="3394" cy="182880"/>
+              </a:xfrm>
+              <a:prstGeom prst="line">
+                <a:avLst/>
+              </a:prstGeom>
+              <a:ln>
+                <a:solidFill>
+                  <a:srgbClr val="FFFFFF">
+                    <a:alpha val="30196"/>
+                  </a:srgbClr>
+                </a:solidFill>
+              </a:ln>
+            </p:spPr>
+            <p:style>
+              <a:lnRef idx="1">
+                <a:schemeClr val="accent1"/>
+              </a:lnRef>
+              <a:fillRef idx="0">
+                <a:schemeClr val="accent1"/>
+              </a:fillRef>
+              <a:effectRef idx="0">
+                <a:schemeClr val="accent1"/>
+              </a:effectRef>
+              <a:fontRef idx="minor">
+                <a:schemeClr val="tx1"/>
+              </a:fontRef>
+            </p:style>
+          </p:cxnSp>
+          <p:cxnSp>
+            <p:nvCxnSpPr>
+              <p:cNvPr id="213" name="Straight Connector 212">
+                <a:extLst>
+                  <a:ext uri="{FF2B5EF4-FFF2-40B4-BE49-F238E27FC236}">
+                    <a16:creationId xmlns:a16="http://schemas.microsoft.com/office/drawing/2014/main" id="{B6FAF6D3-9004-48E4-9A1F-BF36CEF7C760}"/>
+                  </a:ext>
+                  <a:ext uri="{C183D7F6-B498-43B3-948B-1728B52AA6E4}">
+                    <adec:decorative xmlns:adec="http://schemas.microsoft.com/office/drawing/2017/decorative" val="1"/>
+                  </a:ext>
+                </a:extLst>
+              </p:cNvPr>
+              <p:cNvCxnSpPr/>
+              <p:nvPr>
+                <p:extLst>
+                  <p:ext uri="{386F3935-93C4-4BCD-93E2-E3B085C9AB24}">
+                    <p16:designElem xmlns:p16="http://schemas.microsoft.com/office/powerpoint/2015/main" val="1"/>
+                  </p:ext>
+                </p:extLst>
+              </p:nvPr>
+            </p:nvCxnSpPr>
+            <p:spPr>
+              <a:xfrm rot="-2880000" flipH="1">
+                <a:off x="6617467" y="1429423"/>
+                <a:ext cx="3394" cy="182880"/>
+              </a:xfrm>
+              <a:prstGeom prst="line">
+                <a:avLst/>
+              </a:prstGeom>
+              <a:ln>
+                <a:solidFill>
+                  <a:srgbClr val="FFFFFF">
+                    <a:alpha val="30196"/>
+                  </a:srgbClr>
+                </a:solidFill>
+              </a:ln>
+            </p:spPr>
+            <p:style>
+              <a:lnRef idx="1">
+                <a:schemeClr val="accent1"/>
+              </a:lnRef>
+              <a:fillRef idx="0">
+                <a:schemeClr val="accent1"/>
+              </a:fillRef>
+              <a:effectRef idx="0">
+                <a:schemeClr val="accent1"/>
+              </a:effectRef>
+              <a:fontRef idx="minor">
+                <a:schemeClr val="tx1"/>
+              </a:fontRef>
+            </p:style>
+          </p:cxnSp>
+          <p:cxnSp>
+            <p:nvCxnSpPr>
+              <p:cNvPr id="214" name="Straight Connector 213">
+                <a:extLst>
+                  <a:ext uri="{FF2B5EF4-FFF2-40B4-BE49-F238E27FC236}">
+                    <a16:creationId xmlns:a16="http://schemas.microsoft.com/office/drawing/2014/main" id="{45BF9CAE-C7FC-4A40-83EC-8D4FA543E00B}"/>
+                  </a:ext>
+                  <a:ext uri="{C183D7F6-B498-43B3-948B-1728B52AA6E4}">
+                    <adec:decorative xmlns:adec="http://schemas.microsoft.com/office/drawing/2017/decorative" val="1"/>
+                  </a:ext>
+                </a:extLst>
+              </p:cNvPr>
+              <p:cNvCxnSpPr/>
+              <p:nvPr>
+                <p:extLst>
+                  <p:ext uri="{386F3935-93C4-4BCD-93E2-E3B085C9AB24}">
+                    <p16:designElem xmlns:p16="http://schemas.microsoft.com/office/powerpoint/2015/main" val="1"/>
+                  </p:ext>
+                </p:extLst>
+              </p:nvPr>
+            </p:nvCxnSpPr>
+            <p:spPr>
+              <a:xfrm rot="-3000000" flipH="1">
+                <a:off x="6520032" y="1527285"/>
+                <a:ext cx="3394" cy="182880"/>
+              </a:xfrm>
+              <a:prstGeom prst="line">
+                <a:avLst/>
+              </a:prstGeom>
+              <a:ln>
+                <a:solidFill>
+                  <a:srgbClr val="FFFFFF">
+                    <a:alpha val="30196"/>
+                  </a:srgbClr>
+                </a:solidFill>
+              </a:ln>
+            </p:spPr>
+            <p:style>
+              <a:lnRef idx="1">
+                <a:schemeClr val="accent1"/>
+              </a:lnRef>
+              <a:fillRef idx="0">
+                <a:schemeClr val="accent1"/>
+              </a:fillRef>
+              <a:effectRef idx="0">
+                <a:schemeClr val="accent1"/>
+              </a:effectRef>
+              <a:fontRef idx="minor">
+                <a:schemeClr val="tx1"/>
+              </a:fontRef>
+            </p:style>
+          </p:cxnSp>
+          <p:cxnSp>
+            <p:nvCxnSpPr>
+              <p:cNvPr id="215" name="Straight Connector 214">
+                <a:extLst>
+                  <a:ext uri="{FF2B5EF4-FFF2-40B4-BE49-F238E27FC236}">
+                    <a16:creationId xmlns:a16="http://schemas.microsoft.com/office/drawing/2014/main" id="{C9D1F7A5-8E54-4E36-9FBB-68F82877C24B}"/>
+                  </a:ext>
+                  <a:ext uri="{C183D7F6-B498-43B3-948B-1728B52AA6E4}">
+                    <adec:decorative xmlns:adec="http://schemas.microsoft.com/office/drawing/2017/decorative" val="1"/>
+                  </a:ext>
+                </a:extLst>
+              </p:cNvPr>
+              <p:cNvCxnSpPr/>
+              <p:nvPr>
+                <p:extLst>
+                  <p:ext uri="{386F3935-93C4-4BCD-93E2-E3B085C9AB24}">
+                    <p16:designElem xmlns:p16="http://schemas.microsoft.com/office/powerpoint/2015/main" val="1"/>
+                  </p:ext>
+                </p:extLst>
+              </p:nvPr>
+            </p:nvCxnSpPr>
+            <p:spPr>
+              <a:xfrm rot="-3120000" flipH="1">
+                <a:off x="6429579" y="1641610"/>
+                <a:ext cx="3394" cy="182880"/>
+              </a:xfrm>
+              <a:prstGeom prst="line">
+                <a:avLst/>
+              </a:prstGeom>
+              <a:ln>
+                <a:solidFill>
+                  <a:srgbClr val="FFFFFF">
+                    <a:alpha val="30196"/>
+                  </a:srgbClr>
+                </a:solidFill>
+              </a:ln>
+            </p:spPr>
+            <p:style>
+              <a:lnRef idx="1">
+                <a:schemeClr val="accent1"/>
+              </a:lnRef>
+              <a:fillRef idx="0">
+                <a:schemeClr val="accent1"/>
+              </a:fillRef>
+              <a:effectRef idx="0">
+                <a:schemeClr val="accent1"/>
+              </a:effectRef>
+              <a:fontRef idx="minor">
+                <a:schemeClr val="tx1"/>
+              </a:fontRef>
+            </p:style>
+          </p:cxnSp>
+          <p:cxnSp>
+            <p:nvCxnSpPr>
+              <p:cNvPr id="216" name="Straight Connector 215">
+                <a:extLst>
+                  <a:ext uri="{FF2B5EF4-FFF2-40B4-BE49-F238E27FC236}">
+                    <a16:creationId xmlns:a16="http://schemas.microsoft.com/office/drawing/2014/main" id="{2E9B55B9-3B64-43D0-B20B-63D1E69CE3CC}"/>
+                  </a:ext>
+                  <a:ext uri="{C183D7F6-B498-43B3-948B-1728B52AA6E4}">
+                    <adec:decorative xmlns:adec="http://schemas.microsoft.com/office/drawing/2017/decorative" val="1"/>
+                  </a:ext>
+                </a:extLst>
+              </p:cNvPr>
+              <p:cNvCxnSpPr/>
+              <p:nvPr>
+                <p:extLst>
+                  <p:ext uri="{386F3935-93C4-4BCD-93E2-E3B085C9AB24}">
+                    <p16:designElem xmlns:p16="http://schemas.microsoft.com/office/powerpoint/2015/main" val="1"/>
+                  </p:ext>
+                </p:extLst>
+              </p:nvPr>
+            </p:nvCxnSpPr>
+            <p:spPr>
+              <a:xfrm rot="-3240000" flipH="1">
+                <a:off x="6340532" y="1750423"/>
+                <a:ext cx="3394" cy="182880"/>
+              </a:xfrm>
+              <a:prstGeom prst="line">
+                <a:avLst/>
+              </a:prstGeom>
+              <a:ln>
+                <a:solidFill>
+                  <a:srgbClr val="FFFFFF">
+                    <a:alpha val="30196"/>
+                  </a:srgbClr>
+                </a:solidFill>
+              </a:ln>
+            </p:spPr>
+            <p:style>
+              <a:lnRef idx="1">
+                <a:schemeClr val="accent1"/>
+              </a:lnRef>
+              <a:fillRef idx="0">
+                <a:schemeClr val="accent1"/>
+              </a:fillRef>
+              <a:effectRef idx="0">
+                <a:schemeClr val="accent1"/>
+              </a:effectRef>
+              <a:fontRef idx="minor">
+                <a:schemeClr val="tx1"/>
+              </a:fontRef>
+            </p:style>
+          </p:cxnSp>
+          <p:cxnSp>
+            <p:nvCxnSpPr>
+              <p:cNvPr id="217" name="Straight Connector 216">
+                <a:extLst>
+                  <a:ext uri="{FF2B5EF4-FFF2-40B4-BE49-F238E27FC236}">
+                    <a16:creationId xmlns:a16="http://schemas.microsoft.com/office/drawing/2014/main" id="{AD5DB75D-0B80-49D5-ABF8-FB393DC83BA6}"/>
+                  </a:ext>
+                  <a:ext uri="{C183D7F6-B498-43B3-948B-1728B52AA6E4}">
+                    <adec:decorative xmlns:adec="http://schemas.microsoft.com/office/drawing/2017/decorative" val="1"/>
+                  </a:ext>
+                </a:extLst>
+              </p:cNvPr>
+              <p:cNvCxnSpPr/>
+              <p:nvPr>
+                <p:extLst>
+                  <p:ext uri="{386F3935-93C4-4BCD-93E2-E3B085C9AB24}">
+                    <p16:designElem xmlns:p16="http://schemas.microsoft.com/office/powerpoint/2015/main" val="1"/>
+                  </p:ext>
+                </p:extLst>
+              </p:nvPr>
+            </p:nvCxnSpPr>
+            <p:spPr>
+              <a:xfrm rot="-3420000" flipH="1">
+                <a:off x="6261757" y="1860178"/>
+                <a:ext cx="3394" cy="182880"/>
+              </a:xfrm>
+              <a:prstGeom prst="line">
+                <a:avLst/>
+              </a:prstGeom>
+              <a:ln>
+                <a:solidFill>
+                  <a:srgbClr val="FFFFFF">
+                    <a:alpha val="30196"/>
+                  </a:srgbClr>
+                </a:solidFill>
+              </a:ln>
+            </p:spPr>
+            <p:style>
+              <a:lnRef idx="1">
+                <a:schemeClr val="accent1"/>
+              </a:lnRef>
+              <a:fillRef idx="0">
+                <a:schemeClr val="accent1"/>
+              </a:fillRef>
+              <a:effectRef idx="0">
+                <a:schemeClr val="accent1"/>
+              </a:effectRef>
+              <a:fontRef idx="minor">
+                <a:schemeClr val="tx1"/>
+              </a:fontRef>
+            </p:style>
+          </p:cxnSp>
+          <p:cxnSp>
+            <p:nvCxnSpPr>
+              <p:cNvPr id="218" name="Straight Connector 217">
+                <a:extLst>
+                  <a:ext uri="{FF2B5EF4-FFF2-40B4-BE49-F238E27FC236}">
+                    <a16:creationId xmlns:a16="http://schemas.microsoft.com/office/drawing/2014/main" id="{F3F5F929-EAAF-471A-9E35-6DCDC3566C80}"/>
+                  </a:ext>
+                  <a:ext uri="{C183D7F6-B498-43B3-948B-1728B52AA6E4}">
+                    <adec:decorative xmlns:adec="http://schemas.microsoft.com/office/drawing/2017/decorative" val="1"/>
+                  </a:ext>
+                </a:extLst>
+              </p:cNvPr>
+              <p:cNvCxnSpPr/>
+              <p:nvPr>
+                <p:extLst>
+                  <p:ext uri="{386F3935-93C4-4BCD-93E2-E3B085C9AB24}">
+                    <p16:designElem xmlns:p16="http://schemas.microsoft.com/office/powerpoint/2015/main" val="1"/>
+                  </p:ext>
+                </p:extLst>
+              </p:nvPr>
+            </p:nvCxnSpPr>
+            <p:spPr>
+              <a:xfrm rot="-3540000" flipH="1">
+                <a:off x="6184144" y="1979619"/>
+                <a:ext cx="3394" cy="182880"/>
+              </a:xfrm>
+              <a:prstGeom prst="line">
+                <a:avLst/>
+              </a:prstGeom>
+              <a:ln>
+                <a:solidFill>
+                  <a:srgbClr val="FFFFFF">
+                    <a:alpha val="30196"/>
+                  </a:srgbClr>
+                </a:solidFill>
+              </a:ln>
+            </p:spPr>
+            <p:style>
+              <a:lnRef idx="1">
+                <a:schemeClr val="accent1"/>
+              </a:lnRef>
+              <a:fillRef idx="0">
+                <a:schemeClr val="accent1"/>
+              </a:fillRef>
+              <a:effectRef idx="0">
+                <a:schemeClr val="accent1"/>
+              </a:effectRef>
+              <a:fontRef idx="minor">
+                <a:schemeClr val="tx1"/>
+              </a:fontRef>
+            </p:style>
+          </p:cxnSp>
+          <p:cxnSp>
+            <p:nvCxnSpPr>
+              <p:cNvPr id="219" name="Straight Connector 218">
+                <a:extLst>
+                  <a:ext uri="{FF2B5EF4-FFF2-40B4-BE49-F238E27FC236}">
+                    <a16:creationId xmlns:a16="http://schemas.microsoft.com/office/drawing/2014/main" id="{E4C2BEB3-0299-4A25-830D-6E2DF9FDC8D8}"/>
+                  </a:ext>
+                  <a:ext uri="{C183D7F6-B498-43B3-948B-1728B52AA6E4}">
+                    <adec:decorative xmlns:adec="http://schemas.microsoft.com/office/drawing/2017/decorative" val="1"/>
+                  </a:ext>
+                </a:extLst>
+              </p:cNvPr>
+              <p:cNvCxnSpPr/>
+              <p:nvPr>
+                <p:extLst>
+                  <p:ext uri="{386F3935-93C4-4BCD-93E2-E3B085C9AB24}">
+                    <p16:designElem xmlns:p16="http://schemas.microsoft.com/office/powerpoint/2015/main" val="1"/>
+                  </p:ext>
+                </p:extLst>
+              </p:nvPr>
+            </p:nvCxnSpPr>
+            <p:spPr>
+              <a:xfrm rot="-3660000" flipH="1">
+                <a:off x="6106531" y="2099060"/>
+                <a:ext cx="3394" cy="182880"/>
+              </a:xfrm>
+              <a:prstGeom prst="line">
+                <a:avLst/>
+              </a:prstGeom>
+              <a:ln>
+                <a:solidFill>
+                  <a:srgbClr val="FFFFFF">
+                    <a:alpha val="30196"/>
+                  </a:srgbClr>
+                </a:solidFill>
+              </a:ln>
+            </p:spPr>
+            <p:style>
+              <a:lnRef idx="1">
+                <a:schemeClr val="accent1"/>
+              </a:lnRef>
+              <a:fillRef idx="0">
+                <a:schemeClr val="accent1"/>
+              </a:fillRef>
+              <a:effectRef idx="0">
+                <a:schemeClr val="accent1"/>
+              </a:effectRef>
+              <a:fontRef idx="minor">
+                <a:schemeClr val="tx1"/>
+              </a:fontRef>
+            </p:style>
+          </p:cxnSp>
+          <p:cxnSp>
+            <p:nvCxnSpPr>
+              <p:cNvPr id="220" name="Straight Connector 219">
+                <a:extLst>
+                  <a:ext uri="{FF2B5EF4-FFF2-40B4-BE49-F238E27FC236}">
+                    <a16:creationId xmlns:a16="http://schemas.microsoft.com/office/drawing/2014/main" id="{04E342A0-615D-466D-9404-CA8BBCEEFC3B}"/>
+                  </a:ext>
+                  <a:ext uri="{C183D7F6-B498-43B3-948B-1728B52AA6E4}">
+                    <adec:decorative xmlns:adec="http://schemas.microsoft.com/office/drawing/2017/decorative" val="1"/>
+                  </a:ext>
+                </a:extLst>
+              </p:cNvPr>
+              <p:cNvCxnSpPr/>
+              <p:nvPr>
+                <p:extLst>
+                  <p:ext uri="{386F3935-93C4-4BCD-93E2-E3B085C9AB24}">
+                    <p16:designElem xmlns:p16="http://schemas.microsoft.com/office/powerpoint/2015/main" val="1"/>
+                  </p:ext>
+                </p:extLst>
+              </p:nvPr>
+            </p:nvCxnSpPr>
+            <p:spPr>
+              <a:xfrm rot="-3780000" flipH="1">
+                <a:off x="6043206" y="2222556"/>
+                <a:ext cx="3394" cy="182880"/>
+              </a:xfrm>
+              <a:prstGeom prst="line">
+                <a:avLst/>
+              </a:prstGeom>
+              <a:ln>
+                <a:solidFill>
+                  <a:srgbClr val="FFFFFF">
+                    <a:alpha val="30196"/>
+                  </a:srgbClr>
+                </a:solidFill>
+              </a:ln>
+            </p:spPr>
+            <p:style>
+              <a:lnRef idx="1">
+                <a:schemeClr val="accent1"/>
+              </a:lnRef>
+              <a:fillRef idx="0">
+                <a:schemeClr val="accent1"/>
+              </a:fillRef>
+              <a:effectRef idx="0">
+                <a:schemeClr val="accent1"/>
+              </a:effectRef>
+              <a:fontRef idx="minor">
+                <a:schemeClr val="tx1"/>
+              </a:fontRef>
+            </p:style>
+          </p:cxnSp>
+          <p:cxnSp>
+            <p:nvCxnSpPr>
+              <p:cNvPr id="221" name="Straight Connector 220">
+                <a:extLst>
+                  <a:ext uri="{FF2B5EF4-FFF2-40B4-BE49-F238E27FC236}">
+                    <a16:creationId xmlns:a16="http://schemas.microsoft.com/office/drawing/2014/main" id="{6BDFFE1C-1E19-4EF4-A1B2-204A04E34195}"/>
+                  </a:ext>
+                  <a:ext uri="{C183D7F6-B498-43B3-948B-1728B52AA6E4}">
+                    <adec:decorative xmlns:adec="http://schemas.microsoft.com/office/drawing/2017/decorative" val="1"/>
+                  </a:ext>
+                </a:extLst>
+              </p:cNvPr>
+              <p:cNvCxnSpPr/>
+              <p:nvPr>
+                <p:extLst>
+                  <p:ext uri="{386F3935-93C4-4BCD-93E2-E3B085C9AB24}">
+                    <p16:designElem xmlns:p16="http://schemas.microsoft.com/office/powerpoint/2015/main" val="1"/>
+                  </p:ext>
+                </p:extLst>
+              </p:nvPr>
+            </p:nvCxnSpPr>
+            <p:spPr>
+              <a:xfrm rot="-3960000" flipH="1">
+                <a:off x="5978913" y="2344301"/>
+                <a:ext cx="3394" cy="182880"/>
+              </a:xfrm>
+              <a:prstGeom prst="line">
+                <a:avLst/>
+              </a:prstGeom>
+              <a:ln>
+                <a:solidFill>
+                  <a:srgbClr val="FFFFFF">
+                    <a:alpha val="30196"/>
+                  </a:srgbClr>
+                </a:solidFill>
+              </a:ln>
+            </p:spPr>
+            <p:style>
+              <a:lnRef idx="1">
+                <a:schemeClr val="accent1"/>
+              </a:lnRef>
+              <a:fillRef idx="0">
+                <a:schemeClr val="accent1"/>
+              </a:fillRef>
+              <a:effectRef idx="0">
+                <a:schemeClr val="accent1"/>
+              </a:effectRef>
+              <a:fontRef idx="minor">
+                <a:schemeClr val="tx1"/>
+              </a:fontRef>
+            </p:style>
+          </p:cxnSp>
+          <p:cxnSp>
+            <p:nvCxnSpPr>
+              <p:cNvPr id="222" name="Straight Connector 221">
+                <a:extLst>
+                  <a:ext uri="{FF2B5EF4-FFF2-40B4-BE49-F238E27FC236}">
+                    <a16:creationId xmlns:a16="http://schemas.microsoft.com/office/drawing/2014/main" id="{6731123C-8680-4E7A-AF54-969919D30C58}"/>
+                  </a:ext>
+                  <a:ext uri="{C183D7F6-B498-43B3-948B-1728B52AA6E4}">
+                    <adec:decorative xmlns:adec="http://schemas.microsoft.com/office/drawing/2017/decorative" val="1"/>
+                  </a:ext>
+                </a:extLst>
+              </p:cNvPr>
+              <p:cNvCxnSpPr/>
+              <p:nvPr>
+                <p:extLst>
+                  <p:ext uri="{386F3935-93C4-4BCD-93E2-E3B085C9AB24}">
+                    <p16:designElem xmlns:p16="http://schemas.microsoft.com/office/powerpoint/2015/main" val="1"/>
+                  </p:ext>
+                </p:extLst>
+              </p:nvPr>
+            </p:nvCxnSpPr>
+            <p:spPr>
+              <a:xfrm rot="-4080000" flipH="1">
+                <a:off x="5912438" y="2470678"/>
+                <a:ext cx="3394" cy="182880"/>
+              </a:xfrm>
+              <a:prstGeom prst="line">
+                <a:avLst/>
+              </a:prstGeom>
+              <a:ln>
+                <a:solidFill>
+                  <a:srgbClr val="FFFFFF">
+                    <a:alpha val="30196"/>
+                  </a:srgbClr>
+                </a:solidFill>
+              </a:ln>
+            </p:spPr>
+            <p:style>
+              <a:lnRef idx="1">
+                <a:schemeClr val="accent1"/>
+              </a:lnRef>
+              <a:fillRef idx="0">
+                <a:schemeClr val="accent1"/>
+              </a:fillRef>
+              <a:effectRef idx="0">
+                <a:schemeClr val="accent1"/>
+              </a:effectRef>
+              <a:fontRef idx="minor">
+                <a:schemeClr val="tx1"/>
+              </a:fontRef>
+            </p:style>
+          </p:cxnSp>
+          <p:cxnSp>
+            <p:nvCxnSpPr>
+              <p:cNvPr id="223" name="Straight Connector 222">
+                <a:extLst>
+                  <a:ext uri="{FF2B5EF4-FFF2-40B4-BE49-F238E27FC236}">
+                    <a16:creationId xmlns:a16="http://schemas.microsoft.com/office/drawing/2014/main" id="{8F1F0F71-5F67-496A-85EC-C8272FC6DE8F}"/>
+                  </a:ext>
+                  <a:ext uri="{C183D7F6-B498-43B3-948B-1728B52AA6E4}">
+                    <adec:decorative xmlns:adec="http://schemas.microsoft.com/office/drawing/2017/decorative" val="1"/>
+                  </a:ext>
+                </a:extLst>
+              </p:cNvPr>
+              <p:cNvCxnSpPr/>
+              <p:nvPr>
+                <p:extLst>
+                  <p:ext uri="{386F3935-93C4-4BCD-93E2-E3B085C9AB24}">
+                    <p16:designElem xmlns:p16="http://schemas.microsoft.com/office/powerpoint/2015/main" val="1"/>
+                  </p:ext>
+                </p:extLst>
+              </p:nvPr>
+            </p:nvCxnSpPr>
+            <p:spPr>
+              <a:xfrm rot="-4200000" flipH="1">
+                <a:off x="5858875" y="2600922"/>
+                <a:ext cx="3394" cy="182880"/>
+              </a:xfrm>
+              <a:prstGeom prst="line">
+                <a:avLst/>
+              </a:prstGeom>
+              <a:ln>
+                <a:solidFill>
+                  <a:srgbClr val="FFFFFF">
+                    <a:alpha val="30196"/>
+                  </a:srgbClr>
+                </a:solidFill>
+              </a:ln>
+            </p:spPr>
+            <p:style>
+              <a:lnRef idx="1">
+                <a:schemeClr val="accent1"/>
+              </a:lnRef>
+              <a:fillRef idx="0">
+                <a:schemeClr val="accent1"/>
+              </a:fillRef>
+              <a:effectRef idx="0">
+                <a:schemeClr val="accent1"/>
+              </a:effectRef>
+              <a:fontRef idx="minor">
+                <a:schemeClr val="tx1"/>
+              </a:fontRef>
+            </p:style>
+          </p:cxnSp>
+          <p:cxnSp>
+            <p:nvCxnSpPr>
+              <p:cNvPr id="224" name="Straight Connector 223">
+                <a:extLst>
+                  <a:ext uri="{FF2B5EF4-FFF2-40B4-BE49-F238E27FC236}">
+                    <a16:creationId xmlns:a16="http://schemas.microsoft.com/office/drawing/2014/main" id="{4EE0D13E-74B4-46D8-9CEB-993A9B02BBA4}"/>
+                  </a:ext>
+                  <a:ext uri="{C183D7F6-B498-43B3-948B-1728B52AA6E4}">
+                    <adec:decorative xmlns:adec="http://schemas.microsoft.com/office/drawing/2017/decorative" val="1"/>
+                  </a:ext>
+                </a:extLst>
+              </p:cNvPr>
+              <p:cNvCxnSpPr/>
+              <p:nvPr>
+                <p:extLst>
+                  <p:ext uri="{386F3935-93C4-4BCD-93E2-E3B085C9AB24}">
+                    <p16:designElem xmlns:p16="http://schemas.microsoft.com/office/powerpoint/2015/main" val="1"/>
+                  </p:ext>
+                </p:extLst>
+              </p:nvPr>
+            </p:nvCxnSpPr>
+            <p:spPr>
+              <a:xfrm rot="-4320000" flipH="1">
+                <a:off x="5808182" y="2734040"/>
+                <a:ext cx="3394" cy="182880"/>
+              </a:xfrm>
+              <a:prstGeom prst="line">
+                <a:avLst/>
+              </a:prstGeom>
+              <a:ln>
+                <a:solidFill>
+                  <a:srgbClr val="FFFFFF">
+                    <a:alpha val="30196"/>
+                  </a:srgbClr>
+                </a:solidFill>
+              </a:ln>
+            </p:spPr>
+            <p:style>
+              <a:lnRef idx="1">
+                <a:schemeClr val="accent1"/>
+              </a:lnRef>
+              <a:fillRef idx="0">
+                <a:schemeClr val="accent1"/>
+              </a:fillRef>
+              <a:effectRef idx="0">
+                <a:schemeClr val="accent1"/>
+              </a:effectRef>
+              <a:fontRef idx="minor">
+                <a:schemeClr val="tx1"/>
+              </a:fontRef>
+            </p:style>
+          </p:cxnSp>
+          <p:cxnSp>
+            <p:nvCxnSpPr>
+              <p:cNvPr id="225" name="Straight Connector 224">
+                <a:extLst>
+                  <a:ext uri="{FF2B5EF4-FFF2-40B4-BE49-F238E27FC236}">
+                    <a16:creationId xmlns:a16="http://schemas.microsoft.com/office/drawing/2014/main" id="{BBC0AC4E-E40A-4D25-B178-B28024D5DB1F}"/>
+                  </a:ext>
+                  <a:ext uri="{C183D7F6-B498-43B3-948B-1728B52AA6E4}">
+                    <adec:decorative xmlns:adec="http://schemas.microsoft.com/office/drawing/2017/decorative" val="1"/>
+                  </a:ext>
+                </a:extLst>
+              </p:cNvPr>
+              <p:cNvCxnSpPr/>
+              <p:nvPr>
+                <p:extLst>
+                  <p:ext uri="{386F3935-93C4-4BCD-93E2-E3B085C9AB24}">
+                    <p16:designElem xmlns:p16="http://schemas.microsoft.com/office/powerpoint/2015/main" val="1"/>
+                  </p:ext>
+                </p:extLst>
+              </p:nvPr>
+            </p:nvCxnSpPr>
+            <p:spPr>
+              <a:xfrm rot="-4500000" flipH="1">
+                <a:off x="5773263" y="2866860"/>
+                <a:ext cx="3394" cy="182880"/>
+              </a:xfrm>
+              <a:prstGeom prst="line">
+                <a:avLst/>
+              </a:prstGeom>
+              <a:ln>
+                <a:solidFill>
+                  <a:srgbClr val="FFFFFF">
+                    <a:alpha val="30196"/>
+                  </a:srgbClr>
+                </a:solidFill>
+              </a:ln>
+            </p:spPr>
+            <p:style>
+              <a:lnRef idx="1">
+                <a:schemeClr val="accent1"/>
+              </a:lnRef>
+              <a:fillRef idx="0">
+                <a:schemeClr val="accent1"/>
+              </a:fillRef>
+              <a:effectRef idx="0">
+                <a:schemeClr val="accent1"/>
+              </a:effectRef>
+              <a:fontRef idx="minor">
+                <a:schemeClr val="tx1"/>
+              </a:fontRef>
+            </p:style>
+          </p:cxnSp>
+          <p:cxnSp>
+            <p:nvCxnSpPr>
+              <p:cNvPr id="226" name="Straight Connector 225">
+                <a:extLst>
+                  <a:ext uri="{FF2B5EF4-FFF2-40B4-BE49-F238E27FC236}">
+                    <a16:creationId xmlns:a16="http://schemas.microsoft.com/office/drawing/2014/main" id="{A143B7E6-35F6-4AAF-B75E-D0E3B1CC3BD6}"/>
+                  </a:ext>
+                  <a:ext uri="{C183D7F6-B498-43B3-948B-1728B52AA6E4}">
+                    <adec:decorative xmlns:adec="http://schemas.microsoft.com/office/drawing/2017/decorative" val="1"/>
+                  </a:ext>
+                </a:extLst>
+              </p:cNvPr>
+              <p:cNvCxnSpPr/>
+              <p:nvPr>
+                <p:extLst>
+                  <p:ext uri="{386F3935-93C4-4BCD-93E2-E3B085C9AB24}">
+                    <p16:designElem xmlns:p16="http://schemas.microsoft.com/office/powerpoint/2015/main" val="1"/>
+                  </p:ext>
+                </p:extLst>
+              </p:nvPr>
+            </p:nvCxnSpPr>
+            <p:spPr>
+              <a:xfrm rot="-4620000" flipH="1">
+                <a:off x="5735963" y="3002061"/>
+                <a:ext cx="3394" cy="182880"/>
+              </a:xfrm>
+              <a:prstGeom prst="line">
+                <a:avLst/>
+              </a:prstGeom>
+              <a:ln>
+                <a:solidFill>
+                  <a:srgbClr val="FFFFFF">
+                    <a:alpha val="30196"/>
+                  </a:srgbClr>
+                </a:solidFill>
+              </a:ln>
+            </p:spPr>
+            <p:style>
+              <a:lnRef idx="1">
+                <a:schemeClr val="accent1"/>
+              </a:lnRef>
+              <a:fillRef idx="0">
+                <a:schemeClr val="accent1"/>
+              </a:fillRef>
+              <a:effectRef idx="0">
+                <a:schemeClr val="accent1"/>
+              </a:effectRef>
+              <a:fontRef idx="minor">
+                <a:schemeClr val="tx1"/>
+              </a:fontRef>
+            </p:style>
+          </p:cxnSp>
+          <p:cxnSp>
+            <p:nvCxnSpPr>
+              <p:cNvPr id="227" name="Straight Connector 226">
+                <a:extLst>
+                  <a:ext uri="{FF2B5EF4-FFF2-40B4-BE49-F238E27FC236}">
+                    <a16:creationId xmlns:a16="http://schemas.microsoft.com/office/drawing/2014/main" id="{8DAAF768-2A67-4FCC-B682-7B14D469938C}"/>
+                  </a:ext>
+                  <a:ext uri="{C183D7F6-B498-43B3-948B-1728B52AA6E4}">
+                    <adec:decorative xmlns:adec="http://schemas.microsoft.com/office/drawing/2017/decorative" val="1"/>
+                  </a:ext>
+                </a:extLst>
+              </p:cNvPr>
+              <p:cNvCxnSpPr/>
+              <p:nvPr>
+                <p:extLst>
+                  <p:ext uri="{386F3935-93C4-4BCD-93E2-E3B085C9AB24}">
+                    <p16:designElem xmlns:p16="http://schemas.microsoft.com/office/powerpoint/2015/main" val="1"/>
+                  </p:ext>
+                </p:extLst>
+              </p:nvPr>
+            </p:nvCxnSpPr>
+            <p:spPr>
+              <a:xfrm rot="-4740000" flipH="1">
+                <a:off x="5700105" y="3138910"/>
+                <a:ext cx="3394" cy="182880"/>
+              </a:xfrm>
+              <a:prstGeom prst="line">
+                <a:avLst/>
+              </a:prstGeom>
+              <a:ln>
+                <a:solidFill>
+                  <a:srgbClr val="FFFFFF">
+                    <a:alpha val="30196"/>
+                  </a:srgbClr>
+                </a:solidFill>
+              </a:ln>
+            </p:spPr>
+            <p:style>
+              <a:lnRef idx="1">
+                <a:schemeClr val="accent1"/>
+              </a:lnRef>
+              <a:fillRef idx="0">
+                <a:schemeClr val="accent1"/>
+              </a:fillRef>
+              <a:effectRef idx="0">
+                <a:schemeClr val="accent1"/>
+              </a:effectRef>
+              <a:fontRef idx="minor">
+                <a:schemeClr val="tx1"/>
+              </a:fontRef>
+            </p:style>
+          </p:cxnSp>
+          <p:cxnSp>
+            <p:nvCxnSpPr>
+              <p:cNvPr id="228" name="Straight Connector 227">
+                <a:extLst>
+                  <a:ext uri="{FF2B5EF4-FFF2-40B4-BE49-F238E27FC236}">
+                    <a16:creationId xmlns:a16="http://schemas.microsoft.com/office/drawing/2014/main" id="{9A5A9193-6968-40A2-9E95-40B9A300A19C}"/>
+                  </a:ext>
+                  <a:ext uri="{C183D7F6-B498-43B3-948B-1728B52AA6E4}">
+                    <adec:decorative xmlns:adec="http://schemas.microsoft.com/office/drawing/2017/decorative" val="1"/>
+                  </a:ext>
+                </a:extLst>
+              </p:cNvPr>
+              <p:cNvCxnSpPr/>
+              <p:nvPr>
+                <p:extLst>
+                  <p:ext uri="{386F3935-93C4-4BCD-93E2-E3B085C9AB24}">
+                    <p16:designElem xmlns:p16="http://schemas.microsoft.com/office/powerpoint/2015/main" val="1"/>
+                  </p:ext>
+                </p:extLst>
+              </p:nvPr>
+            </p:nvCxnSpPr>
+            <p:spPr>
+              <a:xfrm rot="-4860000" flipH="1">
+                <a:off x="5665939" y="3275489"/>
+                <a:ext cx="3394" cy="182880"/>
+              </a:xfrm>
+              <a:prstGeom prst="line">
+                <a:avLst/>
+              </a:prstGeom>
+              <a:ln>
+                <a:solidFill>
+                  <a:srgbClr val="FFFFFF">
+                    <a:alpha val="30196"/>
+                  </a:srgbClr>
+                </a:solidFill>
+              </a:ln>
+            </p:spPr>
+            <p:style>
+              <a:lnRef idx="1">
+                <a:schemeClr val="accent1"/>
+              </a:lnRef>
+              <a:fillRef idx="0">
+                <a:schemeClr val="accent1"/>
+              </a:fillRef>
+              <a:effectRef idx="0">
+                <a:schemeClr val="accent1"/>
+              </a:effectRef>
+              <a:fontRef idx="minor">
+                <a:schemeClr val="tx1"/>
+              </a:fontRef>
+            </p:style>
+          </p:cxnSp>
+          <p:cxnSp>
+            <p:nvCxnSpPr>
+              <p:cNvPr id="229" name="Straight Connector 228">
+                <a:extLst>
+                  <a:ext uri="{FF2B5EF4-FFF2-40B4-BE49-F238E27FC236}">
+                    <a16:creationId xmlns:a16="http://schemas.microsoft.com/office/drawing/2014/main" id="{85F665EA-A27F-453A-9F57-4D4B9CE646D5}"/>
+                  </a:ext>
+                  <a:ext uri="{C183D7F6-B498-43B3-948B-1728B52AA6E4}">
+                    <adec:decorative xmlns:adec="http://schemas.microsoft.com/office/drawing/2017/decorative" val="1"/>
+                  </a:ext>
+                </a:extLst>
+              </p:cNvPr>
+              <p:cNvCxnSpPr/>
+              <p:nvPr>
+                <p:extLst>
+                  <p:ext uri="{386F3935-93C4-4BCD-93E2-E3B085C9AB24}">
+                    <p16:designElem xmlns:p16="http://schemas.microsoft.com/office/powerpoint/2015/main" val="1"/>
+                  </p:ext>
+                </p:extLst>
+              </p:nvPr>
+            </p:nvCxnSpPr>
+            <p:spPr>
+              <a:xfrm rot="-5040000" flipH="1">
+                <a:off x="5644476" y="3414251"/>
+                <a:ext cx="3394" cy="182880"/>
+              </a:xfrm>
+              <a:prstGeom prst="line">
+                <a:avLst/>
+              </a:prstGeom>
+              <a:ln>
+                <a:solidFill>
+                  <a:srgbClr val="FFFFFF">
+                    <a:alpha val="30196"/>
+                  </a:srgbClr>
+                </a:solidFill>
+              </a:ln>
+            </p:spPr>
+            <p:style>
+              <a:lnRef idx="1">
+                <a:schemeClr val="accent1"/>
+              </a:lnRef>
+              <a:fillRef idx="0">
+                <a:schemeClr val="accent1"/>
+              </a:fillRef>
+              <a:effectRef idx="0">
+                <a:schemeClr val="accent1"/>
+              </a:effectRef>
+              <a:fontRef idx="minor">
+                <a:schemeClr val="tx1"/>
+              </a:fontRef>
+            </p:style>
+          </p:cxnSp>
+          <p:cxnSp>
+            <p:nvCxnSpPr>
+              <p:cNvPr id="230" name="Straight Connector 229">
+                <a:extLst>
+                  <a:ext uri="{FF2B5EF4-FFF2-40B4-BE49-F238E27FC236}">
+                    <a16:creationId xmlns:a16="http://schemas.microsoft.com/office/drawing/2014/main" id="{4F6B94B3-C73B-4B26-A066-A4A6EB692078}"/>
+                  </a:ext>
+                  <a:ext uri="{C183D7F6-B498-43B3-948B-1728B52AA6E4}">
+                    <adec:decorative xmlns:adec="http://schemas.microsoft.com/office/drawing/2017/decorative" val="1"/>
+                  </a:ext>
+                </a:extLst>
+              </p:cNvPr>
+              <p:cNvCxnSpPr/>
+              <p:nvPr>
+                <p:extLst>
+                  <p:ext uri="{386F3935-93C4-4BCD-93E2-E3B085C9AB24}">
+                    <p16:designElem xmlns:p16="http://schemas.microsoft.com/office/powerpoint/2015/main" val="1"/>
+                  </p:ext>
+                </p:extLst>
+              </p:nvPr>
+            </p:nvCxnSpPr>
+            <p:spPr>
+              <a:xfrm rot="-5160000" flipH="1">
+                <a:off x="5626530" y="3554628"/>
+                <a:ext cx="3394" cy="182880"/>
+              </a:xfrm>
+              <a:prstGeom prst="line">
+                <a:avLst/>
+              </a:prstGeom>
+              <a:ln>
+                <a:solidFill>
+                  <a:srgbClr val="FFFFFF">
+                    <a:alpha val="30196"/>
+                  </a:srgbClr>
+                </a:solidFill>
+              </a:ln>
+            </p:spPr>
+            <p:style>
+              <a:lnRef idx="1">
+                <a:schemeClr val="accent1"/>
+              </a:lnRef>
+              <a:fillRef idx="0">
+                <a:schemeClr val="accent1"/>
+              </a:fillRef>
+              <a:effectRef idx="0">
+                <a:schemeClr val="accent1"/>
+              </a:effectRef>
+              <a:fontRef idx="minor">
+                <a:schemeClr val="tx1"/>
+              </a:fontRef>
+            </p:style>
+          </p:cxnSp>
+          <p:cxnSp>
+            <p:nvCxnSpPr>
+              <p:cNvPr id="231" name="Straight Connector 230">
+                <a:extLst>
+                  <a:ext uri="{FF2B5EF4-FFF2-40B4-BE49-F238E27FC236}">
+                    <a16:creationId xmlns:a16="http://schemas.microsoft.com/office/drawing/2014/main" id="{2C87A408-F5B1-4397-9A9F-65844D7EFBE2}"/>
+                  </a:ext>
+                  <a:ext uri="{C183D7F6-B498-43B3-948B-1728B52AA6E4}">
+                    <adec:decorative xmlns:adec="http://schemas.microsoft.com/office/drawing/2017/decorative" val="1"/>
+                  </a:ext>
+                </a:extLst>
+              </p:cNvPr>
+              <p:cNvCxnSpPr/>
+              <p:nvPr>
+                <p:extLst>
+                  <p:ext uri="{386F3935-93C4-4BCD-93E2-E3B085C9AB24}">
+                    <p16:designElem xmlns:p16="http://schemas.microsoft.com/office/powerpoint/2015/main" val="1"/>
+                  </p:ext>
+                </p:extLst>
+              </p:nvPr>
+            </p:nvCxnSpPr>
+            <p:spPr>
+              <a:xfrm rot="-5280000" flipH="1">
+                <a:off x="5616429" y="3691831"/>
+                <a:ext cx="3394" cy="182880"/>
+              </a:xfrm>
+              <a:prstGeom prst="line">
+                <a:avLst/>
+              </a:prstGeom>
+              <a:ln>
+                <a:solidFill>
+                  <a:srgbClr val="FFFFFF">
+                    <a:alpha val="30196"/>
+                  </a:srgbClr>
+                </a:solidFill>
+              </a:ln>
+            </p:spPr>
+            <p:style>
+              <a:lnRef idx="1">
+                <a:schemeClr val="accent1"/>
+              </a:lnRef>
+              <a:fillRef idx="0">
+                <a:schemeClr val="accent1"/>
+              </a:fillRef>
+              <a:effectRef idx="0">
+                <a:schemeClr val="accent1"/>
+              </a:effectRef>
+              <a:fontRef idx="minor">
+                <a:schemeClr val="tx1"/>
+              </a:fontRef>
+            </p:style>
+          </p:cxnSp>
+          <p:cxnSp>
+            <p:nvCxnSpPr>
+              <p:cNvPr id="232" name="Straight Connector 231">
+                <a:extLst>
+                  <a:ext uri="{FF2B5EF4-FFF2-40B4-BE49-F238E27FC236}">
+                    <a16:creationId xmlns:a16="http://schemas.microsoft.com/office/drawing/2014/main" id="{B9AC2E82-FE6E-420B-9AB8-7939E196CE54}"/>
+                  </a:ext>
+                  <a:ext uri="{C183D7F6-B498-43B3-948B-1728B52AA6E4}">
+                    <adec:decorative xmlns:adec="http://schemas.microsoft.com/office/drawing/2017/decorative" val="1"/>
+                  </a:ext>
+                </a:extLst>
+              </p:cNvPr>
+              <p:cNvCxnSpPr/>
+              <p:nvPr>
+                <p:extLst>
+                  <p:ext uri="{386F3935-93C4-4BCD-93E2-E3B085C9AB24}">
+                    <p16:designElem xmlns:p16="http://schemas.microsoft.com/office/powerpoint/2015/main" val="1"/>
+                  </p:ext>
+                </p:extLst>
+              </p:nvPr>
+            </p:nvCxnSpPr>
+            <p:spPr>
+              <a:xfrm rot="-5400000" flipH="1">
+                <a:off x="5611319" y="3835374"/>
+                <a:ext cx="3394" cy="182880"/>
+              </a:xfrm>
+              <a:prstGeom prst="line">
+                <a:avLst/>
+              </a:prstGeom>
+              <a:ln>
+                <a:solidFill>
+                  <a:srgbClr val="FFFFFF">
+                    <a:alpha val="30196"/>
+                  </a:srgbClr>
+                </a:solidFill>
+              </a:ln>
+            </p:spPr>
+            <p:style>
+              <a:lnRef idx="1">
+                <a:schemeClr val="accent1"/>
+              </a:lnRef>
+              <a:fillRef idx="0">
+                <a:schemeClr val="accent1"/>
+              </a:fillRef>
+              <a:effectRef idx="0">
+                <a:schemeClr val="accent1"/>
+              </a:effectRef>
+              <a:fontRef idx="minor">
+                <a:schemeClr val="tx1"/>
+              </a:fontRef>
+            </p:style>
+          </p:cxnSp>
+          <p:cxnSp>
+            <p:nvCxnSpPr>
+              <p:cNvPr id="233" name="Straight Connector 232">
+                <a:extLst>
+                  <a:ext uri="{FF2B5EF4-FFF2-40B4-BE49-F238E27FC236}">
+                    <a16:creationId xmlns:a16="http://schemas.microsoft.com/office/drawing/2014/main" id="{BAE5E1C4-5F11-44DF-9A63-A3AB706FCCBF}"/>
+                  </a:ext>
+                  <a:ext uri="{C183D7F6-B498-43B3-948B-1728B52AA6E4}">
+                    <adec:decorative xmlns:adec="http://schemas.microsoft.com/office/drawing/2017/decorative" val="1"/>
+                  </a:ext>
+                </a:extLst>
+              </p:cNvPr>
+              <p:cNvCxnSpPr/>
+              <p:nvPr>
+                <p:extLst>
+                  <p:ext uri="{386F3935-93C4-4BCD-93E2-E3B085C9AB24}">
+                    <p16:designElem xmlns:p16="http://schemas.microsoft.com/office/powerpoint/2015/main" val="1"/>
+                  </p:ext>
+                </p:extLst>
+              </p:nvPr>
+            </p:nvCxnSpPr>
+            <p:spPr>
+              <a:xfrm rot="-5580000" flipH="1">
+                <a:off x="5608540" y="3975726"/>
+                <a:ext cx="3394" cy="182880"/>
+              </a:xfrm>
+              <a:prstGeom prst="line">
+                <a:avLst/>
+              </a:prstGeom>
+              <a:ln>
+                <a:solidFill>
+                  <a:srgbClr val="FFFFFF">
+                    <a:alpha val="30196"/>
+                  </a:srgbClr>
+                </a:solidFill>
+              </a:ln>
+            </p:spPr>
+            <p:style>
+              <a:lnRef idx="1">
+                <a:schemeClr val="accent1"/>
+              </a:lnRef>
+              <a:fillRef idx="0">
+                <a:schemeClr val="accent1"/>
+              </a:fillRef>
+              <a:effectRef idx="0">
+                <a:schemeClr val="accent1"/>
+              </a:effectRef>
+              <a:fontRef idx="minor">
+                <a:schemeClr val="tx1"/>
+              </a:fontRef>
+            </p:style>
+          </p:cxnSp>
+          <p:cxnSp>
+            <p:nvCxnSpPr>
+              <p:cNvPr id="234" name="Straight Connector 233">
+                <a:extLst>
+                  <a:ext uri="{FF2B5EF4-FFF2-40B4-BE49-F238E27FC236}">
+                    <a16:creationId xmlns:a16="http://schemas.microsoft.com/office/drawing/2014/main" id="{3236581D-1127-4822-B364-203311850BD7}"/>
+                  </a:ext>
+                  <a:ext uri="{C183D7F6-B498-43B3-948B-1728B52AA6E4}">
+                    <adec:decorative xmlns:adec="http://schemas.microsoft.com/office/drawing/2017/decorative" val="1"/>
+                  </a:ext>
+                </a:extLst>
+              </p:cNvPr>
+              <p:cNvCxnSpPr/>
+              <p:nvPr>
+                <p:extLst>
+                  <p:ext uri="{386F3935-93C4-4BCD-93E2-E3B085C9AB24}">
+                    <p16:designElem xmlns:p16="http://schemas.microsoft.com/office/powerpoint/2015/main" val="1"/>
+                  </p:ext>
+                </p:extLst>
+              </p:nvPr>
+            </p:nvCxnSpPr>
+            <p:spPr>
+              <a:xfrm rot="-5700000" flipH="1">
+                <a:off x="5605761" y="4116078"/>
+                <a:ext cx="3394" cy="182880"/>
+              </a:xfrm>
+              <a:prstGeom prst="line">
+                <a:avLst/>
+              </a:prstGeom>
+              <a:ln>
+                <a:solidFill>
+                  <a:srgbClr val="FFFFFF">
+                    <a:alpha val="30196"/>
+                  </a:srgbClr>
+                </a:solidFill>
+              </a:ln>
+            </p:spPr>
+            <p:style>
+              <a:lnRef idx="1">
+                <a:schemeClr val="accent1"/>
+              </a:lnRef>
+              <a:fillRef idx="0">
+                <a:schemeClr val="accent1"/>
+              </a:fillRef>
+              <a:effectRef idx="0">
+                <a:schemeClr val="accent1"/>
+              </a:effectRef>
+              <a:fontRef idx="minor">
+                <a:schemeClr val="tx1"/>
+              </a:fontRef>
+            </p:style>
+          </p:cxnSp>
+          <p:cxnSp>
+            <p:nvCxnSpPr>
+              <p:cNvPr id="235" name="Straight Connector 234">
+                <a:extLst>
+                  <a:ext uri="{FF2B5EF4-FFF2-40B4-BE49-F238E27FC236}">
+                    <a16:creationId xmlns:a16="http://schemas.microsoft.com/office/drawing/2014/main" id="{CF6AFBC9-9C55-4BB4-8DD3-CBFB9D95967D}"/>
+                  </a:ext>
+                  <a:ext uri="{C183D7F6-B498-43B3-948B-1728B52AA6E4}">
+                    <adec:decorative xmlns:adec="http://schemas.microsoft.com/office/drawing/2017/decorative" val="1"/>
+                  </a:ext>
+                </a:extLst>
+              </p:cNvPr>
+              <p:cNvCxnSpPr/>
+              <p:nvPr>
+                <p:extLst>
+                  <p:ext uri="{386F3935-93C4-4BCD-93E2-E3B085C9AB24}">
+                    <p16:designElem xmlns:p16="http://schemas.microsoft.com/office/powerpoint/2015/main" val="1"/>
+                  </p:ext>
+                </p:extLst>
+              </p:nvPr>
+            </p:nvCxnSpPr>
+            <p:spPr>
+              <a:xfrm rot="-5820000" flipH="1">
+                <a:off x="5624195" y="4254218"/>
+                <a:ext cx="3394" cy="182880"/>
+              </a:xfrm>
+              <a:prstGeom prst="line">
+                <a:avLst/>
+              </a:prstGeom>
+              <a:ln>
+                <a:solidFill>
+                  <a:srgbClr val="FFFFFF">
+                    <a:alpha val="30196"/>
+                  </a:srgbClr>
+                </a:solidFill>
+              </a:ln>
+            </p:spPr>
+            <p:style>
+              <a:lnRef idx="1">
+                <a:schemeClr val="accent1"/>
+              </a:lnRef>
+              <a:fillRef idx="0">
+                <a:schemeClr val="accent1"/>
+              </a:fillRef>
+              <a:effectRef idx="0">
+                <a:schemeClr val="accent1"/>
+              </a:effectRef>
+              <a:fontRef idx="minor">
+                <a:schemeClr val="tx1"/>
+              </a:fontRef>
+            </p:style>
+          </p:cxnSp>
+          <p:cxnSp>
+            <p:nvCxnSpPr>
+              <p:cNvPr id="236" name="Straight Connector 235">
+                <a:extLst>
+                  <a:ext uri="{FF2B5EF4-FFF2-40B4-BE49-F238E27FC236}">
+                    <a16:creationId xmlns:a16="http://schemas.microsoft.com/office/drawing/2014/main" id="{3312F76C-C542-4FF1-88A9-12DED608E7BB}"/>
+                  </a:ext>
+                  <a:ext uri="{C183D7F6-B498-43B3-948B-1728B52AA6E4}">
+                    <adec:decorative xmlns:adec="http://schemas.microsoft.com/office/drawing/2017/decorative" val="1"/>
+                  </a:ext>
+                </a:extLst>
+              </p:cNvPr>
+              <p:cNvCxnSpPr/>
+              <p:nvPr>
+                <p:extLst>
+                  <p:ext uri="{386F3935-93C4-4BCD-93E2-E3B085C9AB24}">
+                    <p16:designElem xmlns:p16="http://schemas.microsoft.com/office/powerpoint/2015/main" val="1"/>
+                  </p:ext>
+                </p:extLst>
+              </p:nvPr>
+            </p:nvCxnSpPr>
+            <p:spPr>
+              <a:xfrm rot="-5940000" flipH="1">
+                <a:off x="5642629" y="4392358"/>
+                <a:ext cx="3394" cy="182880"/>
+              </a:xfrm>
+              <a:prstGeom prst="line">
+                <a:avLst/>
+              </a:prstGeom>
+              <a:ln>
+                <a:solidFill>
+                  <a:srgbClr val="FFFFFF">
+                    <a:alpha val="30196"/>
+                  </a:srgbClr>
+                </a:solidFill>
+              </a:ln>
+            </p:spPr>
+            <p:style>
+              <a:lnRef idx="1">
+                <a:schemeClr val="accent1"/>
+              </a:lnRef>
+              <a:fillRef idx="0">
+                <a:schemeClr val="accent1"/>
+              </a:fillRef>
+              <a:effectRef idx="0">
+                <a:schemeClr val="accent1"/>
+              </a:effectRef>
+              <a:fontRef idx="minor">
+                <a:schemeClr val="tx1"/>
+              </a:fontRef>
+            </p:style>
+          </p:cxnSp>
+          <p:cxnSp>
+            <p:nvCxnSpPr>
+              <p:cNvPr id="237" name="Straight Connector 236">
+                <a:extLst>
+                  <a:ext uri="{FF2B5EF4-FFF2-40B4-BE49-F238E27FC236}">
+                    <a16:creationId xmlns:a16="http://schemas.microsoft.com/office/drawing/2014/main" id="{AC1AEC1F-364C-4A2C-8798-18571170F73F}"/>
+                  </a:ext>
+                  <a:ext uri="{C183D7F6-B498-43B3-948B-1728B52AA6E4}">
+                    <adec:decorative xmlns:adec="http://schemas.microsoft.com/office/drawing/2017/decorative" val="1"/>
+                  </a:ext>
+                </a:extLst>
+              </p:cNvPr>
+              <p:cNvCxnSpPr/>
+              <p:nvPr>
+                <p:extLst>
+                  <p:ext uri="{386F3935-93C4-4BCD-93E2-E3B085C9AB24}">
+                    <p16:designElem xmlns:p16="http://schemas.microsoft.com/office/powerpoint/2015/main" val="1"/>
+                  </p:ext>
+                </p:extLst>
+              </p:nvPr>
+            </p:nvCxnSpPr>
+            <p:spPr>
+              <a:xfrm rot="-6120000" flipH="1">
+                <a:off x="5654818" y="4536385"/>
+                <a:ext cx="3394" cy="182880"/>
+              </a:xfrm>
+              <a:prstGeom prst="line">
+                <a:avLst/>
+              </a:prstGeom>
+              <a:ln>
+                <a:solidFill>
+                  <a:srgbClr val="FFFFFF">
+                    <a:alpha val="30196"/>
+                  </a:srgbClr>
+                </a:solidFill>
+              </a:ln>
+            </p:spPr>
+            <p:style>
+              <a:lnRef idx="1">
+                <a:schemeClr val="accent1"/>
+              </a:lnRef>
+              <a:fillRef idx="0">
+                <a:schemeClr val="accent1"/>
+              </a:fillRef>
+              <a:effectRef idx="0">
+                <a:schemeClr val="accent1"/>
+              </a:effectRef>
+              <a:fontRef idx="minor">
+                <a:schemeClr val="tx1"/>
+              </a:fontRef>
+            </p:style>
+          </p:cxnSp>
+          <p:cxnSp>
+            <p:nvCxnSpPr>
+              <p:cNvPr id="238" name="Straight Connector 237">
+                <a:extLst>
+                  <a:ext uri="{FF2B5EF4-FFF2-40B4-BE49-F238E27FC236}">
+                    <a16:creationId xmlns:a16="http://schemas.microsoft.com/office/drawing/2014/main" id="{4960AF63-51EE-4474-9693-18C3FFC5F54D}"/>
+                  </a:ext>
+                  <a:ext uri="{C183D7F6-B498-43B3-948B-1728B52AA6E4}">
+                    <adec:decorative xmlns:adec="http://schemas.microsoft.com/office/drawing/2017/decorative" val="1"/>
+                  </a:ext>
+                </a:extLst>
+              </p:cNvPr>
+              <p:cNvCxnSpPr/>
+              <p:nvPr>
+                <p:extLst>
+                  <p:ext uri="{386F3935-93C4-4BCD-93E2-E3B085C9AB24}">
+                    <p16:designElem xmlns:p16="http://schemas.microsoft.com/office/powerpoint/2015/main" val="1"/>
+                  </p:ext>
+                </p:extLst>
+              </p:nvPr>
+            </p:nvCxnSpPr>
+            <p:spPr>
+              <a:xfrm rot="-6240000" flipH="1">
+                <a:off x="5684446" y="4671367"/>
+                <a:ext cx="3394" cy="182880"/>
+              </a:xfrm>
+              <a:prstGeom prst="line">
+                <a:avLst/>
+              </a:prstGeom>
+              <a:ln>
+                <a:solidFill>
+                  <a:srgbClr val="FFFFFF">
+                    <a:alpha val="30196"/>
+                  </a:srgbClr>
+                </a:solidFill>
+              </a:ln>
+            </p:spPr>
+            <p:style>
+              <a:lnRef idx="1">
+                <a:schemeClr val="accent1"/>
+              </a:lnRef>
+              <a:fillRef idx="0">
+                <a:schemeClr val="accent1"/>
+              </a:fillRef>
+              <a:effectRef idx="0">
+                <a:schemeClr val="accent1"/>
+              </a:effectRef>
+              <a:fontRef idx="minor">
+                <a:schemeClr val="tx1"/>
+              </a:fontRef>
+            </p:style>
+          </p:cxnSp>
+          <p:cxnSp>
+            <p:nvCxnSpPr>
+              <p:cNvPr id="239" name="Straight Connector 238">
+                <a:extLst>
+                  <a:ext uri="{FF2B5EF4-FFF2-40B4-BE49-F238E27FC236}">
+                    <a16:creationId xmlns:a16="http://schemas.microsoft.com/office/drawing/2014/main" id="{1E186998-8FFC-4B8E-9664-A3EB3DA93F3F}"/>
+                  </a:ext>
+                  <a:ext uri="{C183D7F6-B498-43B3-948B-1728B52AA6E4}">
+                    <adec:decorative xmlns:adec="http://schemas.microsoft.com/office/drawing/2017/decorative" val="1"/>
+                  </a:ext>
+                </a:extLst>
+              </p:cNvPr>
+              <p:cNvCxnSpPr/>
+              <p:nvPr>
+                <p:extLst>
+                  <p:ext uri="{386F3935-93C4-4BCD-93E2-E3B085C9AB24}">
+                    <p16:designElem xmlns:p16="http://schemas.microsoft.com/office/powerpoint/2015/main" val="1"/>
+                  </p:ext>
+                </p:extLst>
+              </p:nvPr>
+            </p:nvCxnSpPr>
+            <p:spPr>
+              <a:xfrm rot="-6360000" flipH="1">
+                <a:off x="5714074" y="4808730"/>
+                <a:ext cx="3394" cy="182880"/>
+              </a:xfrm>
+              <a:prstGeom prst="line">
+                <a:avLst/>
+              </a:prstGeom>
+              <a:ln>
+                <a:solidFill>
+                  <a:srgbClr val="FFFFFF">
+                    <a:alpha val="30196"/>
+                  </a:srgbClr>
+                </a:solidFill>
+              </a:ln>
+            </p:spPr>
+            <p:style>
+              <a:lnRef idx="1">
+                <a:schemeClr val="accent1"/>
+              </a:lnRef>
+              <a:fillRef idx="0">
+                <a:schemeClr val="accent1"/>
+              </a:fillRef>
+              <a:effectRef idx="0">
+                <a:schemeClr val="accent1"/>
+              </a:effectRef>
+              <a:fontRef idx="minor">
+                <a:schemeClr val="tx1"/>
+              </a:fontRef>
+            </p:style>
+          </p:cxnSp>
+          <p:cxnSp>
+            <p:nvCxnSpPr>
+              <p:cNvPr id="240" name="Straight Connector 239">
+                <a:extLst>
+                  <a:ext uri="{FF2B5EF4-FFF2-40B4-BE49-F238E27FC236}">
+                    <a16:creationId xmlns:a16="http://schemas.microsoft.com/office/drawing/2014/main" id="{A00B2A7C-644E-4B02-8949-68AC413D1461}"/>
+                  </a:ext>
+                  <a:ext uri="{C183D7F6-B498-43B3-948B-1728B52AA6E4}">
+                    <adec:decorative xmlns:adec="http://schemas.microsoft.com/office/drawing/2017/decorative" val="1"/>
+                  </a:ext>
+                </a:extLst>
+              </p:cNvPr>
+              <p:cNvCxnSpPr/>
+              <p:nvPr>
+                <p:extLst>
+                  <p:ext uri="{386F3935-93C4-4BCD-93E2-E3B085C9AB24}">
+                    <p16:designElem xmlns:p16="http://schemas.microsoft.com/office/powerpoint/2015/main" val="1"/>
+                  </p:ext>
+                </p:extLst>
+              </p:nvPr>
+            </p:nvCxnSpPr>
+            <p:spPr>
+              <a:xfrm rot="-6480000" flipH="1">
+                <a:off x="5748464" y="4948474"/>
+                <a:ext cx="3394" cy="182880"/>
+              </a:xfrm>
+              <a:prstGeom prst="line">
+                <a:avLst/>
+              </a:prstGeom>
+              <a:ln>
+                <a:solidFill>
+                  <a:srgbClr val="FFFFFF">
+                    <a:alpha val="30196"/>
+                  </a:srgbClr>
+                </a:solidFill>
+              </a:ln>
+            </p:spPr>
+            <p:style>
+              <a:lnRef idx="1">
+                <a:schemeClr val="accent1"/>
+              </a:lnRef>
+              <a:fillRef idx="0">
+                <a:schemeClr val="accent1"/>
+              </a:fillRef>
+              <a:effectRef idx="0">
+                <a:schemeClr val="accent1"/>
+              </a:effectRef>
+              <a:fontRef idx="minor">
+                <a:schemeClr val="tx1"/>
+              </a:fontRef>
+            </p:style>
+          </p:cxnSp>
+          <p:cxnSp>
+            <p:nvCxnSpPr>
+              <p:cNvPr id="241" name="Straight Connector 240">
+                <a:extLst>
+                  <a:ext uri="{FF2B5EF4-FFF2-40B4-BE49-F238E27FC236}">
+                    <a16:creationId xmlns:a16="http://schemas.microsoft.com/office/drawing/2014/main" id="{0923CE8B-E88E-4585-A698-30BB686DFEDD}"/>
+                  </a:ext>
+                  <a:ext uri="{C183D7F6-B498-43B3-948B-1728B52AA6E4}">
+                    <adec:decorative xmlns:adec="http://schemas.microsoft.com/office/drawing/2017/decorative" val="1"/>
+                  </a:ext>
+                </a:extLst>
+              </p:cNvPr>
+              <p:cNvCxnSpPr/>
+              <p:nvPr>
+                <p:extLst>
+                  <p:ext uri="{386F3935-93C4-4BCD-93E2-E3B085C9AB24}">
+                    <p16:designElem xmlns:p16="http://schemas.microsoft.com/office/powerpoint/2015/main" val="1"/>
+                  </p:ext>
+                </p:extLst>
+              </p:nvPr>
+            </p:nvCxnSpPr>
+            <p:spPr>
+              <a:xfrm rot="-6660000" flipH="1">
+                <a:off x="5792091" y="5077607"/>
+                <a:ext cx="3394" cy="182880"/>
+              </a:xfrm>
+              <a:prstGeom prst="line">
+                <a:avLst/>
+              </a:prstGeom>
+              <a:ln>
+                <a:solidFill>
+                  <a:srgbClr val="FFFFFF">
+                    <a:alpha val="30196"/>
+                  </a:srgbClr>
+                </a:solidFill>
+              </a:ln>
+            </p:spPr>
+            <p:style>
+              <a:lnRef idx="1">
+                <a:schemeClr val="accent1"/>
+              </a:lnRef>
+              <a:fillRef idx="0">
+                <a:schemeClr val="accent1"/>
+              </a:fillRef>
+              <a:effectRef idx="0">
+                <a:schemeClr val="accent1"/>
+              </a:effectRef>
+              <a:fontRef idx="minor">
+                <a:schemeClr val="tx1"/>
+              </a:fontRef>
+            </p:style>
+          </p:cxnSp>
+          <p:cxnSp>
+            <p:nvCxnSpPr>
+              <p:cNvPr id="242" name="Straight Connector 241">
+                <a:extLst>
+                  <a:ext uri="{FF2B5EF4-FFF2-40B4-BE49-F238E27FC236}">
+                    <a16:creationId xmlns:a16="http://schemas.microsoft.com/office/drawing/2014/main" id="{21148CFA-ECD4-4847-91CE-7E8206F840A3}"/>
+                  </a:ext>
+                  <a:ext uri="{C183D7F6-B498-43B3-948B-1728B52AA6E4}">
+                    <adec:decorative xmlns:adec="http://schemas.microsoft.com/office/drawing/2017/decorative" val="1"/>
+                  </a:ext>
+                </a:extLst>
+              </p:cNvPr>
+              <p:cNvCxnSpPr/>
+              <p:nvPr>
+                <p:extLst>
+                  <p:ext uri="{386F3935-93C4-4BCD-93E2-E3B085C9AB24}">
+                    <p16:designElem xmlns:p16="http://schemas.microsoft.com/office/powerpoint/2015/main" val="1"/>
+                  </p:ext>
+                </p:extLst>
+              </p:nvPr>
+            </p:nvCxnSpPr>
+            <p:spPr>
+              <a:xfrm rot="-6780000" flipH="1">
+                <a:off x="5847441" y="5211223"/>
+                <a:ext cx="3394" cy="182880"/>
+              </a:xfrm>
+              <a:prstGeom prst="line">
+                <a:avLst/>
+              </a:prstGeom>
+              <a:ln>
+                <a:solidFill>
+                  <a:srgbClr val="FFFFFF">
+                    <a:alpha val="30196"/>
+                  </a:srgbClr>
+                </a:solidFill>
+              </a:ln>
+            </p:spPr>
+            <p:style>
+              <a:lnRef idx="1">
+                <a:schemeClr val="accent1"/>
+              </a:lnRef>
+              <a:fillRef idx="0">
+                <a:schemeClr val="accent1"/>
+              </a:fillRef>
+              <a:effectRef idx="0">
+                <a:schemeClr val="accent1"/>
+              </a:effectRef>
+              <a:fontRef idx="minor">
+                <a:schemeClr val="tx1"/>
+              </a:fontRef>
+            </p:style>
+          </p:cxnSp>
+          <p:cxnSp>
+            <p:nvCxnSpPr>
+              <p:cNvPr id="243" name="Straight Connector 242">
+                <a:extLst>
+                  <a:ext uri="{FF2B5EF4-FFF2-40B4-BE49-F238E27FC236}">
+                    <a16:creationId xmlns:a16="http://schemas.microsoft.com/office/drawing/2014/main" id="{DFAB4226-9991-4F5E-B43B-D873A909D2AB}"/>
+                  </a:ext>
+                  <a:ext uri="{C183D7F6-B498-43B3-948B-1728B52AA6E4}">
+                    <adec:decorative xmlns:adec="http://schemas.microsoft.com/office/drawing/2017/decorative" val="1"/>
+                  </a:ext>
+                </a:extLst>
+              </p:cNvPr>
+              <p:cNvCxnSpPr/>
+              <p:nvPr>
+                <p:extLst>
+                  <p:ext uri="{386F3935-93C4-4BCD-93E2-E3B085C9AB24}">
+                    <p16:designElem xmlns:p16="http://schemas.microsoft.com/office/powerpoint/2015/main" val="1"/>
+                  </p:ext>
+                </p:extLst>
+              </p:nvPr>
+            </p:nvCxnSpPr>
+            <p:spPr>
+              <a:xfrm rot="-6900000" flipH="1">
+                <a:off x="5900410" y="5342458"/>
+                <a:ext cx="3394" cy="182880"/>
+              </a:xfrm>
+              <a:prstGeom prst="line">
+                <a:avLst/>
+              </a:prstGeom>
+              <a:ln>
+                <a:solidFill>
+                  <a:srgbClr val="FFFFFF">
+                    <a:alpha val="30196"/>
+                  </a:srgbClr>
+                </a:solidFill>
+              </a:ln>
+            </p:spPr>
+            <p:style>
+              <a:lnRef idx="1">
+                <a:schemeClr val="accent1"/>
+              </a:lnRef>
+              <a:fillRef idx="0">
+                <a:schemeClr val="accent1"/>
+              </a:fillRef>
+              <a:effectRef idx="0">
+                <a:schemeClr val="accent1"/>
+              </a:effectRef>
+              <a:fontRef idx="minor">
+                <a:schemeClr val="tx1"/>
+              </a:fontRef>
+            </p:style>
+          </p:cxnSp>
+          <p:cxnSp>
+            <p:nvCxnSpPr>
+              <p:cNvPr id="244" name="Straight Connector 243">
+                <a:extLst>
+                  <a:ext uri="{FF2B5EF4-FFF2-40B4-BE49-F238E27FC236}">
+                    <a16:creationId xmlns:a16="http://schemas.microsoft.com/office/drawing/2014/main" id="{C8548911-9FE4-446D-BD3E-DC72AEF2D6DA}"/>
+                  </a:ext>
+                  <a:ext uri="{C183D7F6-B498-43B3-948B-1728B52AA6E4}">
+                    <adec:decorative xmlns:adec="http://schemas.microsoft.com/office/drawing/2017/decorative" val="1"/>
+                  </a:ext>
+                </a:extLst>
+              </p:cNvPr>
+              <p:cNvCxnSpPr/>
+              <p:nvPr>
+                <p:extLst>
+                  <p:ext uri="{386F3935-93C4-4BCD-93E2-E3B085C9AB24}">
+                    <p16:designElem xmlns:p16="http://schemas.microsoft.com/office/powerpoint/2015/main" val="1"/>
+                  </p:ext>
+                </p:extLst>
+              </p:nvPr>
+            </p:nvCxnSpPr>
+            <p:spPr>
+              <a:xfrm rot="-7020000" flipH="1">
+                <a:off x="5955760" y="5473693"/>
+                <a:ext cx="3394" cy="182880"/>
+              </a:xfrm>
+              <a:prstGeom prst="line">
+                <a:avLst/>
+              </a:prstGeom>
+              <a:ln>
+                <a:solidFill>
+                  <a:srgbClr val="FFFFFF">
+                    <a:alpha val="30196"/>
+                  </a:srgbClr>
+                </a:solidFill>
+              </a:ln>
+            </p:spPr>
+            <p:style>
+              <a:lnRef idx="1">
+                <a:schemeClr val="accent1"/>
+              </a:lnRef>
+              <a:fillRef idx="0">
+                <a:schemeClr val="accent1"/>
+              </a:fillRef>
+              <a:effectRef idx="0">
+                <a:schemeClr val="accent1"/>
+              </a:effectRef>
+              <a:fontRef idx="minor">
+                <a:schemeClr val="tx1"/>
+              </a:fontRef>
+            </p:style>
+          </p:cxnSp>
+        </p:grpSp>
+      </p:grpSp>
+      <p:grpSp>
+        <p:nvGrpSpPr>
+          <p:cNvPr id="246" name="Group 245">
+            <a:extLst>
+              <a:ext uri="{FF2B5EF4-FFF2-40B4-BE49-F238E27FC236}">
+                <a16:creationId xmlns:a16="http://schemas.microsoft.com/office/drawing/2014/main" id="{811B40AE-63DC-41CA-B0D1-EF99F055F5E6}"/>
+              </a:ext>
+              <a:ext uri="{C183D7F6-B498-43B3-948B-1728B52AA6E4}">
+                <adec:decorative xmlns:adec="http://schemas.microsoft.com/office/drawing/2017/decorative" val="1"/>
+              </a:ext>
+            </a:extLst>
+          </p:cNvPr>
+          <p:cNvGrpSpPr>
+            <a:grpSpLocks noGrp="1" noUngrp="1" noRot="1" noChangeAspect="1" noMove="1" noResize="1"/>
+          </p:cNvGrpSpPr>
+          <p:nvPr>
+            <p:extLst>
+              <p:ext uri="{386F3935-93C4-4BCD-93E2-E3B085C9AB24}">
+                <p16:designElem xmlns:p16="http://schemas.microsoft.com/office/powerpoint/2015/main" val="1"/>
+              </p:ext>
+            </p:extLst>
+          </p:nvPr>
+        </p:nvGrpSpPr>
+        <p:grpSpPr>
+          <a:xfrm rot="15392608">
+            <a:off x="7397406" y="-618857"/>
+            <a:ext cx="4915057" cy="4271437"/>
+            <a:chOff x="5281603" y="104899"/>
+            <a:chExt cx="6910397" cy="6005491"/>
+          </a:xfrm>
+        </p:grpSpPr>
+        <p:sp>
+          <p:nvSpPr>
+            <p:cNvPr id="247" name="Freeform 17">
+              <a:extLst>
+                <a:ext uri="{FF2B5EF4-FFF2-40B4-BE49-F238E27FC236}">
+                  <a16:creationId xmlns:a16="http://schemas.microsoft.com/office/drawing/2014/main" id="{07BB2A43-A75C-4A17-B68F-E6AB75EE03FF}"/>
+                </a:ext>
+                <a:ext uri="{C183D7F6-B498-43B3-948B-1728B52AA6E4}">
+                  <adec:decorative xmlns:adec="http://schemas.microsoft.com/office/drawing/2017/decorative" val="1"/>
+                </a:ext>
+              </a:extLst>
+            </p:cNvPr>
+            <p:cNvSpPr/>
+            <p:nvPr>
+              <p:extLst>
+                <p:ext uri="{386F3935-93C4-4BCD-93E2-E3B085C9AB24}">
+                  <p16:designElem xmlns:p16="http://schemas.microsoft.com/office/powerpoint/2015/main" val="1"/>
+                </p:ext>
+              </p:extLst>
+            </p:nvPr>
+          </p:nvSpPr>
+          <p:spPr>
+            <a:xfrm>
+              <a:off x="5281603" y="104899"/>
+              <a:ext cx="6896713" cy="6005491"/>
+            </a:xfrm>
+            <a:custGeom>
+              <a:avLst/>
+              <a:gdLst>
+                <a:gd name="connsiteX0" fmla="*/ 3912717 w 6896713"/>
+                <a:gd name="connsiteY0" fmla="*/ 0 h 6005491"/>
+                <a:gd name="connsiteX1" fmla="*/ 6679426 w 6896713"/>
+                <a:gd name="connsiteY1" fmla="*/ 1146008 h 6005491"/>
+                <a:gd name="connsiteX2" fmla="*/ 6896713 w 6896713"/>
+                <a:gd name="connsiteY2" fmla="*/ 1385085 h 6005491"/>
+                <a:gd name="connsiteX3" fmla="*/ 6896713 w 6896713"/>
+                <a:gd name="connsiteY3" fmla="*/ 1431256 h 6005491"/>
+                <a:gd name="connsiteX4" fmla="*/ 6657442 w 6896713"/>
+                <a:gd name="connsiteY4" fmla="*/ 1167992 h 6005491"/>
+                <a:gd name="connsiteX5" fmla="*/ 3912717 w 6896713"/>
+                <a:gd name="connsiteY5" fmla="*/ 31089 h 6005491"/>
+                <a:gd name="connsiteX6" fmla="*/ 31089 w 6896713"/>
+                <a:gd name="connsiteY6" fmla="*/ 3912717 h 6005491"/>
+                <a:gd name="connsiteX7" fmla="*/ 593046 w 6896713"/>
+                <a:gd name="connsiteY7" fmla="*/ 5925483 h 6005491"/>
+                <a:gd name="connsiteX8" fmla="*/ 633874 w 6896713"/>
+                <a:gd name="connsiteY8" fmla="*/ 5989169 h 6005491"/>
+                <a:gd name="connsiteX9" fmla="*/ 607415 w 6896713"/>
+                <a:gd name="connsiteY9" fmla="*/ 6005491 h 6005491"/>
+                <a:gd name="connsiteX10" fmla="*/ 566458 w 6896713"/>
+                <a:gd name="connsiteY10" fmla="*/ 5941603 h 6005491"/>
+                <a:gd name="connsiteX11" fmla="*/ 0 w 6896713"/>
+                <a:gd name="connsiteY11" fmla="*/ 3912717 h 6005491"/>
+                <a:gd name="connsiteX12" fmla="*/ 3912717 w 6896713"/>
+                <a:gd name="connsiteY12" fmla="*/ 0 h 6005491"/>
+              </a:gdLst>
+              <a:ahLst/>
+              <a:cxnLst>
+                <a:cxn ang="0">
+                  <a:pos x="connsiteX0" y="connsiteY0"/>
+                </a:cxn>
+                <a:cxn ang="0">
+                  <a:pos x="connsiteX1" y="connsiteY1"/>
+                </a:cxn>
+                <a:cxn ang="0">
+                  <a:pos x="connsiteX2" y="connsiteY2"/>
+                </a:cxn>
+                <a:cxn ang="0">
+                  <a:pos x="connsiteX3" y="connsiteY3"/>
+                </a:cxn>
+                <a:cxn ang="0">
+                  <a:pos x="connsiteX4" y="connsiteY4"/>
+                </a:cxn>
+                <a:cxn ang="0">
+                  <a:pos x="connsiteX5" y="connsiteY5"/>
+                </a:cxn>
+                <a:cxn ang="0">
+                  <a:pos x="connsiteX6" y="connsiteY6"/>
+                </a:cxn>
+                <a:cxn ang="0">
+                  <a:pos x="connsiteX7" y="connsiteY7"/>
+                </a:cxn>
+                <a:cxn ang="0">
+                  <a:pos x="connsiteX8" y="connsiteY8"/>
+                </a:cxn>
+                <a:cxn ang="0">
+                  <a:pos x="connsiteX9" y="connsiteY9"/>
+                </a:cxn>
+                <a:cxn ang="0">
+                  <a:pos x="connsiteX10" y="connsiteY10"/>
+                </a:cxn>
+                <a:cxn ang="0">
+                  <a:pos x="connsiteX11" y="connsiteY11"/>
+                </a:cxn>
+                <a:cxn ang="0">
+                  <a:pos x="connsiteX12" y="connsiteY12"/>
+                </a:cxn>
+              </a:cxnLst>
+              <a:rect l="l" t="t" r="r" b="b"/>
+              <a:pathLst>
+                <a:path w="6896713" h="6005491">
+                  <a:moveTo>
+                    <a:pt x="3912717" y="0"/>
+                  </a:moveTo>
+                  <a:cubicBezTo>
+                    <a:pt x="4993184" y="0"/>
+                    <a:pt x="5971363" y="437946"/>
+                    <a:pt x="6679426" y="1146008"/>
+                  </a:cubicBezTo>
+                  <a:lnTo>
+                    <a:pt x="6896713" y="1385085"/>
+                  </a:lnTo>
+                  <a:lnTo>
+                    <a:pt x="6896713" y="1431256"/>
+                  </a:lnTo>
+                  <a:lnTo>
+                    <a:pt x="6657442" y="1167992"/>
+                  </a:lnTo>
+                  <a:cubicBezTo>
+                    <a:pt x="5955006" y="465555"/>
+                    <a:pt x="4984599" y="31089"/>
+                    <a:pt x="3912717" y="31089"/>
+                  </a:cubicBezTo>
+                  <a:cubicBezTo>
+                    <a:pt x="1768953" y="31089"/>
+                    <a:pt x="31089" y="1768953"/>
+                    <a:pt x="31089" y="3912717"/>
+                  </a:cubicBezTo>
+                  <a:cubicBezTo>
+                    <a:pt x="31089" y="4649636"/>
+                    <a:pt x="236442" y="5338592"/>
+                    <a:pt x="593046" y="5925483"/>
+                  </a:cubicBezTo>
+                  <a:lnTo>
+                    <a:pt x="633874" y="5989169"/>
+                  </a:lnTo>
+                  <a:lnTo>
+                    <a:pt x="607415" y="6005491"/>
+                  </a:lnTo>
+                  <a:lnTo>
+                    <a:pt x="566458" y="5941603"/>
+                  </a:lnTo>
+                  <a:cubicBezTo>
+                    <a:pt x="206998" y="5350013"/>
+                    <a:pt x="0" y="4655538"/>
+                    <a:pt x="0" y="3912717"/>
+                  </a:cubicBezTo>
+                  <a:cubicBezTo>
+                    <a:pt x="0" y="1751783"/>
+                    <a:pt x="1751783" y="0"/>
+                    <a:pt x="3912717" y="0"/>
+                  </a:cubicBezTo>
+                  <a:close/>
+                </a:path>
+              </a:pathLst>
+            </a:custGeom>
+            <a:solidFill>
+              <a:srgbClr val="FFFFFF">
+                <a:alpha val="25000"/>
+              </a:srgbClr>
+            </a:solidFill>
+            <a:ln>
+              <a:noFill/>
+            </a:ln>
+          </p:spPr>
+          <p:style>
+            <a:lnRef idx="2">
+              <a:schemeClr val="accent1">
+                <a:shade val="50000"/>
+              </a:schemeClr>
+            </a:lnRef>
+            <a:fillRef idx="1">
+              <a:schemeClr val="accent1"/>
+            </a:fillRef>
+            <a:effectRef idx="0">
+              <a:schemeClr val="accent1"/>
+            </a:effectRef>
+            <a:fontRef idx="minor">
+              <a:schemeClr val="lt1"/>
+            </a:fontRef>
+          </p:style>
+          <p:txBody>
+            <a:bodyPr rtlCol="0" anchor="ctr"/>
+            <a:lstStyle/>
+            <a:p>
+              <a:pPr algn="ctr"/>
+              <a:endParaRPr lang="en-US"/>
+            </a:p>
+          </p:txBody>
+        </p:sp>
+        <p:grpSp>
+          <p:nvGrpSpPr>
+            <p:cNvPr id="248" name="Group 247">
+              <a:extLst>
+                <a:ext uri="{FF2B5EF4-FFF2-40B4-BE49-F238E27FC236}">
+                  <a16:creationId xmlns:a16="http://schemas.microsoft.com/office/drawing/2014/main" id="{40A0BDF4-301A-4EE4-A77D-BD245F18EEAC}"/>
+                </a:ext>
+                <a:ext uri="{C183D7F6-B498-43B3-948B-1728B52AA6E4}">
+                  <adec:decorative xmlns:adec="http://schemas.microsoft.com/office/drawing/2017/decorative" val="1"/>
+                </a:ext>
+              </a:extLst>
+            </p:cNvPr>
+            <p:cNvGrpSpPr/>
+            <p:nvPr>
+              <p:extLst>
+                <p:ext uri="{386F3935-93C4-4BCD-93E2-E3B085C9AB24}">
+                  <p16:designElem xmlns:p16="http://schemas.microsoft.com/office/powerpoint/2015/main" val="1"/>
+                </p:ext>
+              </p:extLst>
+            </p:nvPr>
+          </p:nvGrpSpPr>
+          <p:grpSpPr>
+            <a:xfrm>
+              <a:off x="5516018" y="331504"/>
+              <a:ext cx="6675982" cy="5235326"/>
+              <a:chOff x="5516018" y="331504"/>
+              <a:chExt cx="6675982" cy="5235326"/>
+            </a:xfrm>
+          </p:grpSpPr>
+          <p:cxnSp>
+            <p:nvCxnSpPr>
+              <p:cNvPr id="249" name="Straight Connector 248">
+                <a:extLst>
+                  <a:ext uri="{FF2B5EF4-FFF2-40B4-BE49-F238E27FC236}">
+                    <a16:creationId xmlns:a16="http://schemas.microsoft.com/office/drawing/2014/main" id="{C4924D57-94BA-40F5-BF53-9B23F7213F36}"/>
+                  </a:ext>
+                  <a:ext uri="{C183D7F6-B498-43B3-948B-1728B52AA6E4}">
+                    <adec:decorative xmlns:adec="http://schemas.microsoft.com/office/drawing/2017/decorative" val="1"/>
+                  </a:ext>
+                </a:extLst>
+              </p:cNvPr>
+              <p:cNvCxnSpPr/>
+              <p:nvPr>
+                <p:extLst>
+                  <p:ext uri="{386F3935-93C4-4BCD-93E2-E3B085C9AB24}">
+                    <p16:designElem xmlns:p16="http://schemas.microsoft.com/office/powerpoint/2015/main" val="1"/>
+                  </p:ext>
+                </p:extLst>
+              </p:nvPr>
+            </p:nvCxnSpPr>
+            <p:spPr>
+              <a:xfrm flipH="1">
+                <a:off x="9266830" y="331504"/>
+                <a:ext cx="3394" cy="182880"/>
+              </a:xfrm>
+              <a:prstGeom prst="line">
+                <a:avLst/>
+              </a:prstGeom>
+              <a:ln>
+                <a:solidFill>
+                  <a:srgbClr val="FFFFFF">
+                    <a:alpha val="30196"/>
+                  </a:srgbClr>
+                </a:solidFill>
+              </a:ln>
+            </p:spPr>
+            <p:style>
+              <a:lnRef idx="1">
+                <a:schemeClr val="accent1"/>
+              </a:lnRef>
+              <a:fillRef idx="0">
+                <a:schemeClr val="accent1"/>
+              </a:fillRef>
+              <a:effectRef idx="0">
+                <a:schemeClr val="accent1"/>
+              </a:effectRef>
+              <a:fontRef idx="minor">
+                <a:schemeClr val="tx1"/>
+              </a:fontRef>
+            </p:style>
+          </p:cxnSp>
+          <p:cxnSp>
+            <p:nvCxnSpPr>
+              <p:cNvPr id="250" name="Straight Connector 249">
+                <a:extLst>
+                  <a:ext uri="{FF2B5EF4-FFF2-40B4-BE49-F238E27FC236}">
+                    <a16:creationId xmlns:a16="http://schemas.microsoft.com/office/drawing/2014/main" id="{A14F8BCB-338A-49F5-BB9D-626C7A0CC95F}"/>
+                  </a:ext>
+                  <a:ext uri="{C183D7F6-B498-43B3-948B-1728B52AA6E4}">
+                    <adec:decorative xmlns:adec="http://schemas.microsoft.com/office/drawing/2017/decorative" val="1"/>
+                  </a:ext>
+                </a:extLst>
+              </p:cNvPr>
+              <p:cNvCxnSpPr/>
+              <p:nvPr>
+                <p:extLst>
+                  <p:ext uri="{386F3935-93C4-4BCD-93E2-E3B085C9AB24}">
+                    <p16:designElem xmlns:p16="http://schemas.microsoft.com/office/powerpoint/2015/main" val="1"/>
+                  </p:ext>
+                </p:extLst>
+              </p:nvPr>
+            </p:nvCxnSpPr>
+            <p:spPr>
+              <a:xfrm rot="120000" flipH="1">
+                <a:off x="9408861" y="338328"/>
+                <a:ext cx="3394" cy="182880"/>
+              </a:xfrm>
+              <a:prstGeom prst="line">
+                <a:avLst/>
+              </a:prstGeom>
+              <a:ln>
+                <a:solidFill>
+                  <a:srgbClr val="FFFFFF">
+                    <a:alpha val="30196"/>
+                  </a:srgbClr>
+                </a:solidFill>
+              </a:ln>
+            </p:spPr>
+            <p:style>
+              <a:lnRef idx="1">
+                <a:schemeClr val="accent1"/>
+              </a:lnRef>
+              <a:fillRef idx="0">
+                <a:schemeClr val="accent1"/>
+              </a:fillRef>
+              <a:effectRef idx="0">
+                <a:schemeClr val="accent1"/>
+              </a:effectRef>
+              <a:fontRef idx="minor">
+                <a:schemeClr val="tx1"/>
+              </a:fontRef>
+            </p:style>
+          </p:cxnSp>
+          <p:cxnSp>
+            <p:nvCxnSpPr>
+              <p:cNvPr id="251" name="Straight Connector 250">
+                <a:extLst>
+                  <a:ext uri="{FF2B5EF4-FFF2-40B4-BE49-F238E27FC236}">
+                    <a16:creationId xmlns:a16="http://schemas.microsoft.com/office/drawing/2014/main" id="{DEFC0D9E-285A-4D86-8A71-B985BA833533}"/>
+                  </a:ext>
+                  <a:ext uri="{C183D7F6-B498-43B3-948B-1728B52AA6E4}">
+                    <adec:decorative xmlns:adec="http://schemas.microsoft.com/office/drawing/2017/decorative" val="1"/>
+                  </a:ext>
+                </a:extLst>
+              </p:cNvPr>
+              <p:cNvCxnSpPr/>
+              <p:nvPr>
+                <p:extLst>
+                  <p:ext uri="{386F3935-93C4-4BCD-93E2-E3B085C9AB24}">
+                    <p16:designElem xmlns:p16="http://schemas.microsoft.com/office/powerpoint/2015/main" val="1"/>
+                  </p:ext>
+                </p:extLst>
+              </p:nvPr>
+            </p:nvCxnSpPr>
+            <p:spPr>
+              <a:xfrm rot="240000" flipH="1">
+                <a:off x="9551700" y="347636"/>
+                <a:ext cx="3394" cy="182880"/>
+              </a:xfrm>
+              <a:prstGeom prst="line">
+                <a:avLst/>
+              </a:prstGeom>
+              <a:ln>
+                <a:solidFill>
+                  <a:srgbClr val="FFFFFF">
+                    <a:alpha val="30196"/>
+                  </a:srgbClr>
+                </a:solidFill>
+              </a:ln>
+            </p:spPr>
+            <p:style>
+              <a:lnRef idx="1">
+                <a:schemeClr val="accent1"/>
+              </a:lnRef>
+              <a:fillRef idx="0">
+                <a:schemeClr val="accent1"/>
+              </a:fillRef>
+              <a:effectRef idx="0">
+                <a:schemeClr val="accent1"/>
+              </a:effectRef>
+              <a:fontRef idx="minor">
+                <a:schemeClr val="tx1"/>
+              </a:fontRef>
+            </p:style>
+          </p:cxnSp>
+          <p:cxnSp>
+            <p:nvCxnSpPr>
+              <p:cNvPr id="252" name="Straight Connector 251">
+                <a:extLst>
+                  <a:ext uri="{FF2B5EF4-FFF2-40B4-BE49-F238E27FC236}">
+                    <a16:creationId xmlns:a16="http://schemas.microsoft.com/office/drawing/2014/main" id="{57015B3C-B28A-40F0-B53A-91B3B9C5FA74}"/>
+                  </a:ext>
+                  <a:ext uri="{C183D7F6-B498-43B3-948B-1728B52AA6E4}">
+                    <adec:decorative xmlns:adec="http://schemas.microsoft.com/office/drawing/2017/decorative" val="1"/>
+                  </a:ext>
+                </a:extLst>
+              </p:cNvPr>
+              <p:cNvCxnSpPr/>
+              <p:nvPr>
+                <p:extLst>
+                  <p:ext uri="{386F3935-93C4-4BCD-93E2-E3B085C9AB24}">
+                    <p16:designElem xmlns:p16="http://schemas.microsoft.com/office/powerpoint/2015/main" val="1"/>
+                  </p:ext>
+                </p:extLst>
+              </p:nvPr>
+            </p:nvCxnSpPr>
+            <p:spPr>
+              <a:xfrm rot="360000" flipH="1">
+                <a:off x="9688748" y="368088"/>
+                <a:ext cx="3394" cy="182880"/>
+              </a:xfrm>
+              <a:prstGeom prst="line">
+                <a:avLst/>
+              </a:prstGeom>
+              <a:ln>
+                <a:solidFill>
+                  <a:srgbClr val="FFFFFF">
+                    <a:alpha val="30196"/>
+                  </a:srgbClr>
+                </a:solidFill>
+              </a:ln>
+            </p:spPr>
+            <p:style>
+              <a:lnRef idx="1">
+                <a:schemeClr val="accent1"/>
+              </a:lnRef>
+              <a:fillRef idx="0">
+                <a:schemeClr val="accent1"/>
+              </a:fillRef>
+              <a:effectRef idx="0">
+                <a:schemeClr val="accent1"/>
+              </a:effectRef>
+              <a:fontRef idx="minor">
+                <a:schemeClr val="tx1"/>
+              </a:fontRef>
+            </p:style>
+          </p:cxnSp>
+          <p:cxnSp>
+            <p:nvCxnSpPr>
+              <p:cNvPr id="253" name="Straight Connector 252">
+                <a:extLst>
+                  <a:ext uri="{FF2B5EF4-FFF2-40B4-BE49-F238E27FC236}">
+                    <a16:creationId xmlns:a16="http://schemas.microsoft.com/office/drawing/2014/main" id="{1DFD7530-F83D-4D23-9B1F-F8DA8CD5AF9D}"/>
+                  </a:ext>
+                  <a:ext uri="{C183D7F6-B498-43B3-948B-1728B52AA6E4}">
+                    <adec:decorative xmlns:adec="http://schemas.microsoft.com/office/drawing/2017/decorative" val="1"/>
+                  </a:ext>
+                </a:extLst>
+              </p:cNvPr>
+              <p:cNvCxnSpPr/>
+              <p:nvPr>
+                <p:extLst>
+                  <p:ext uri="{386F3935-93C4-4BCD-93E2-E3B085C9AB24}">
+                    <p16:designElem xmlns:p16="http://schemas.microsoft.com/office/powerpoint/2015/main" val="1"/>
+                  </p:ext>
+                </p:extLst>
+              </p:nvPr>
+            </p:nvCxnSpPr>
+            <p:spPr>
+              <a:xfrm rot="540000" flipH="1">
+                <a:off x="9824866" y="389224"/>
+                <a:ext cx="3394" cy="182880"/>
+              </a:xfrm>
+              <a:prstGeom prst="line">
+                <a:avLst/>
+              </a:prstGeom>
+              <a:ln>
+                <a:solidFill>
+                  <a:srgbClr val="FFFFFF">
+                    <a:alpha val="30196"/>
+                  </a:srgbClr>
+                </a:solidFill>
+              </a:ln>
+            </p:spPr>
+            <p:style>
+              <a:lnRef idx="1">
+                <a:schemeClr val="accent1"/>
+              </a:lnRef>
+              <a:fillRef idx="0">
+                <a:schemeClr val="accent1"/>
+              </a:fillRef>
+              <a:effectRef idx="0">
+                <a:schemeClr val="accent1"/>
+              </a:effectRef>
+              <a:fontRef idx="minor">
+                <a:schemeClr val="tx1"/>
+              </a:fontRef>
+            </p:style>
+          </p:cxnSp>
+          <p:cxnSp>
+            <p:nvCxnSpPr>
+              <p:cNvPr id="254" name="Straight Connector 253">
+                <a:extLst>
+                  <a:ext uri="{FF2B5EF4-FFF2-40B4-BE49-F238E27FC236}">
+                    <a16:creationId xmlns:a16="http://schemas.microsoft.com/office/drawing/2014/main" id="{4DC34F9A-64D4-48B5-8E5A-ED0E33925394}"/>
+                  </a:ext>
+                  <a:ext uri="{C183D7F6-B498-43B3-948B-1728B52AA6E4}">
+                    <adec:decorative xmlns:adec="http://schemas.microsoft.com/office/drawing/2017/decorative" val="1"/>
+                  </a:ext>
+                </a:extLst>
+              </p:cNvPr>
+              <p:cNvCxnSpPr/>
+              <p:nvPr>
+                <p:extLst>
+                  <p:ext uri="{386F3935-93C4-4BCD-93E2-E3B085C9AB24}">
+                    <p16:designElem xmlns:p16="http://schemas.microsoft.com/office/powerpoint/2015/main" val="1"/>
+                  </p:ext>
+                </p:extLst>
+              </p:nvPr>
+            </p:nvCxnSpPr>
+            <p:spPr>
+              <a:xfrm rot="660000" flipH="1">
+                <a:off x="9966867" y="417549"/>
+                <a:ext cx="3394" cy="182880"/>
+              </a:xfrm>
+              <a:prstGeom prst="line">
+                <a:avLst/>
+              </a:prstGeom>
+              <a:ln>
+                <a:solidFill>
+                  <a:srgbClr val="FFFFFF">
+                    <a:alpha val="30196"/>
+                  </a:srgbClr>
+                </a:solidFill>
+              </a:ln>
+            </p:spPr>
+            <p:style>
+              <a:lnRef idx="1">
+                <a:schemeClr val="accent1"/>
+              </a:lnRef>
+              <a:fillRef idx="0">
+                <a:schemeClr val="accent1"/>
+              </a:fillRef>
+              <a:effectRef idx="0">
+                <a:schemeClr val="accent1"/>
+              </a:effectRef>
+              <a:fontRef idx="minor">
+                <a:schemeClr val="tx1"/>
+              </a:fontRef>
+            </p:style>
+          </p:cxnSp>
+          <p:cxnSp>
+            <p:nvCxnSpPr>
+              <p:cNvPr id="255" name="Straight Connector 254">
+                <a:extLst>
+                  <a:ext uri="{FF2B5EF4-FFF2-40B4-BE49-F238E27FC236}">
+                    <a16:creationId xmlns:a16="http://schemas.microsoft.com/office/drawing/2014/main" id="{3ED77B99-47E0-4D0B-B185-7F5E1B61C07F}"/>
+                  </a:ext>
+                  <a:ext uri="{C183D7F6-B498-43B3-948B-1728B52AA6E4}">
+                    <adec:decorative xmlns:adec="http://schemas.microsoft.com/office/drawing/2017/decorative" val="1"/>
+                  </a:ext>
+                </a:extLst>
+              </p:cNvPr>
+              <p:cNvCxnSpPr/>
+              <p:nvPr>
+                <p:extLst>
+                  <p:ext uri="{386F3935-93C4-4BCD-93E2-E3B085C9AB24}">
+                    <p16:designElem xmlns:p16="http://schemas.microsoft.com/office/powerpoint/2015/main" val="1"/>
+                  </p:ext>
+                </p:extLst>
+              </p:nvPr>
+            </p:nvCxnSpPr>
+            <p:spPr>
+              <a:xfrm rot="780000" flipH="1">
+                <a:off x="10104425" y="445874"/>
+                <a:ext cx="3394" cy="182880"/>
+              </a:xfrm>
+              <a:prstGeom prst="line">
+                <a:avLst/>
+              </a:prstGeom>
+              <a:ln>
+                <a:solidFill>
+                  <a:srgbClr val="FFFFFF">
+                    <a:alpha val="30196"/>
+                  </a:srgbClr>
+                </a:solidFill>
+              </a:ln>
+            </p:spPr>
+            <p:style>
+              <a:lnRef idx="1">
+                <a:schemeClr val="accent1"/>
+              </a:lnRef>
+              <a:fillRef idx="0">
+                <a:schemeClr val="accent1"/>
+              </a:fillRef>
+              <a:effectRef idx="0">
+                <a:schemeClr val="accent1"/>
+              </a:effectRef>
+              <a:fontRef idx="minor">
+                <a:schemeClr val="tx1"/>
+              </a:fontRef>
+            </p:style>
+          </p:cxnSp>
+          <p:cxnSp>
+            <p:nvCxnSpPr>
+              <p:cNvPr id="256" name="Straight Connector 255">
+                <a:extLst>
+                  <a:ext uri="{FF2B5EF4-FFF2-40B4-BE49-F238E27FC236}">
+                    <a16:creationId xmlns:a16="http://schemas.microsoft.com/office/drawing/2014/main" id="{EC09C835-22F6-4E14-9BBE-11DD2333460E}"/>
+                  </a:ext>
+                  <a:ext uri="{C183D7F6-B498-43B3-948B-1728B52AA6E4}">
+                    <adec:decorative xmlns:adec="http://schemas.microsoft.com/office/drawing/2017/decorative" val="1"/>
+                  </a:ext>
+                </a:extLst>
+              </p:cNvPr>
+              <p:cNvCxnSpPr/>
+              <p:nvPr>
+                <p:extLst>
+                  <p:ext uri="{386F3935-93C4-4BCD-93E2-E3B085C9AB24}">
+                    <p16:designElem xmlns:p16="http://schemas.microsoft.com/office/powerpoint/2015/main" val="1"/>
+                  </p:ext>
+                </p:extLst>
+              </p:nvPr>
+            </p:nvCxnSpPr>
+            <p:spPr>
+              <a:xfrm rot="900000" flipH="1">
+                <a:off x="10240513" y="479483"/>
+                <a:ext cx="3394" cy="182880"/>
+              </a:xfrm>
+              <a:prstGeom prst="line">
+                <a:avLst/>
+              </a:prstGeom>
+              <a:ln>
+                <a:solidFill>
+                  <a:srgbClr val="FFFFFF">
+                    <a:alpha val="30196"/>
+                  </a:srgbClr>
+                </a:solidFill>
+              </a:ln>
+            </p:spPr>
+            <p:style>
+              <a:lnRef idx="1">
+                <a:schemeClr val="accent1"/>
+              </a:lnRef>
+              <a:fillRef idx="0">
+                <a:schemeClr val="accent1"/>
+              </a:fillRef>
+              <a:effectRef idx="0">
+                <a:schemeClr val="accent1"/>
+              </a:effectRef>
+              <a:fontRef idx="minor">
+                <a:schemeClr val="tx1"/>
+              </a:fontRef>
+            </p:style>
+          </p:cxnSp>
+          <p:cxnSp>
+            <p:nvCxnSpPr>
+              <p:cNvPr id="257" name="Straight Connector 256">
+                <a:extLst>
+                  <a:ext uri="{FF2B5EF4-FFF2-40B4-BE49-F238E27FC236}">
+                    <a16:creationId xmlns:a16="http://schemas.microsoft.com/office/drawing/2014/main" id="{A02419A0-4AA5-4985-B606-94268DE4159A}"/>
+                  </a:ext>
+                  <a:ext uri="{C183D7F6-B498-43B3-948B-1728B52AA6E4}">
+                    <adec:decorative xmlns:adec="http://schemas.microsoft.com/office/drawing/2017/decorative" val="1"/>
+                  </a:ext>
+                </a:extLst>
+              </p:cNvPr>
+              <p:cNvCxnSpPr/>
+              <p:nvPr>
+                <p:extLst>
+                  <p:ext uri="{386F3935-93C4-4BCD-93E2-E3B085C9AB24}">
+                    <p16:designElem xmlns:p16="http://schemas.microsoft.com/office/powerpoint/2015/main" val="1"/>
+                  </p:ext>
+                </p:extLst>
+              </p:nvPr>
+            </p:nvCxnSpPr>
+            <p:spPr>
+              <a:xfrm rot="1080000" flipH="1">
+                <a:off x="10373882" y="524355"/>
+                <a:ext cx="3394" cy="182880"/>
+              </a:xfrm>
+              <a:prstGeom prst="line">
+                <a:avLst/>
+              </a:prstGeom>
+              <a:ln>
+                <a:solidFill>
+                  <a:srgbClr val="FFFFFF">
+                    <a:alpha val="30196"/>
+                  </a:srgbClr>
+                </a:solidFill>
+              </a:ln>
+            </p:spPr>
+            <p:style>
+              <a:lnRef idx="1">
+                <a:schemeClr val="accent1"/>
+              </a:lnRef>
+              <a:fillRef idx="0">
+                <a:schemeClr val="accent1"/>
+              </a:fillRef>
+              <a:effectRef idx="0">
+                <a:schemeClr val="accent1"/>
+              </a:effectRef>
+              <a:fontRef idx="minor">
+                <a:schemeClr val="tx1"/>
+              </a:fontRef>
+            </p:style>
+          </p:cxnSp>
+          <p:cxnSp>
+            <p:nvCxnSpPr>
+              <p:cNvPr id="258" name="Straight Connector 257">
+                <a:extLst>
+                  <a:ext uri="{FF2B5EF4-FFF2-40B4-BE49-F238E27FC236}">
+                    <a16:creationId xmlns:a16="http://schemas.microsoft.com/office/drawing/2014/main" id="{1503FA27-7544-400B-8706-FE12A9B316BF}"/>
+                  </a:ext>
+                  <a:ext uri="{C183D7F6-B498-43B3-948B-1728B52AA6E4}">
+                    <adec:decorative xmlns:adec="http://schemas.microsoft.com/office/drawing/2017/decorative" val="1"/>
+                  </a:ext>
+                </a:extLst>
+              </p:cNvPr>
+              <p:cNvCxnSpPr/>
+              <p:nvPr>
+                <p:extLst>
+                  <p:ext uri="{386F3935-93C4-4BCD-93E2-E3B085C9AB24}">
+                    <p16:designElem xmlns:p16="http://schemas.microsoft.com/office/powerpoint/2015/main" val="1"/>
+                  </p:ext>
+                </p:extLst>
+              </p:nvPr>
+            </p:nvCxnSpPr>
+            <p:spPr>
+              <a:xfrm rot="1200000" flipH="1">
+                <a:off x="10505632" y="570628"/>
+                <a:ext cx="3394" cy="182880"/>
+              </a:xfrm>
+              <a:prstGeom prst="line">
+                <a:avLst/>
+              </a:prstGeom>
+              <a:ln>
+                <a:solidFill>
+                  <a:srgbClr val="FFFFFF">
+                    <a:alpha val="30196"/>
+                  </a:srgbClr>
+                </a:solidFill>
+              </a:ln>
+            </p:spPr>
+            <p:style>
+              <a:lnRef idx="1">
+                <a:schemeClr val="accent1"/>
+              </a:lnRef>
+              <a:fillRef idx="0">
+                <a:schemeClr val="accent1"/>
+              </a:fillRef>
+              <a:effectRef idx="0">
+                <a:schemeClr val="accent1"/>
+              </a:effectRef>
+              <a:fontRef idx="minor">
+                <a:schemeClr val="tx1"/>
+              </a:fontRef>
+            </p:style>
+          </p:cxnSp>
+          <p:cxnSp>
+            <p:nvCxnSpPr>
+              <p:cNvPr id="259" name="Straight Connector 258">
+                <a:extLst>
+                  <a:ext uri="{FF2B5EF4-FFF2-40B4-BE49-F238E27FC236}">
+                    <a16:creationId xmlns:a16="http://schemas.microsoft.com/office/drawing/2014/main" id="{DD404C57-DD6C-454E-BE13-90369095B133}"/>
+                  </a:ext>
+                  <a:ext uri="{C183D7F6-B498-43B3-948B-1728B52AA6E4}">
+                    <adec:decorative xmlns:adec="http://schemas.microsoft.com/office/drawing/2017/decorative" val="1"/>
+                  </a:ext>
+                </a:extLst>
+              </p:cNvPr>
+              <p:cNvCxnSpPr/>
+              <p:nvPr>
+                <p:extLst>
+                  <p:ext uri="{386F3935-93C4-4BCD-93E2-E3B085C9AB24}">
+                    <p16:designElem xmlns:p16="http://schemas.microsoft.com/office/powerpoint/2015/main" val="1"/>
+                  </p:ext>
+                </p:extLst>
+              </p:nvPr>
+            </p:nvCxnSpPr>
+            <p:spPr>
+              <a:xfrm rot="1320000" flipH="1">
+                <a:off x="10637382" y="621344"/>
+                <a:ext cx="3394" cy="182880"/>
+              </a:xfrm>
+              <a:prstGeom prst="line">
+                <a:avLst/>
+              </a:prstGeom>
+              <a:ln>
+                <a:solidFill>
+                  <a:srgbClr val="FFFFFF">
+                    <a:alpha val="30196"/>
+                  </a:srgbClr>
+                </a:solidFill>
+              </a:ln>
+            </p:spPr>
+            <p:style>
+              <a:lnRef idx="1">
+                <a:schemeClr val="accent1"/>
+              </a:lnRef>
+              <a:fillRef idx="0">
+                <a:schemeClr val="accent1"/>
+              </a:fillRef>
+              <a:effectRef idx="0">
+                <a:schemeClr val="accent1"/>
+              </a:effectRef>
+              <a:fontRef idx="minor">
+                <a:schemeClr val="tx1"/>
+              </a:fontRef>
+            </p:style>
+          </p:cxnSp>
+          <p:cxnSp>
+            <p:nvCxnSpPr>
+              <p:cNvPr id="260" name="Straight Connector 259">
+                <a:extLst>
+                  <a:ext uri="{FF2B5EF4-FFF2-40B4-BE49-F238E27FC236}">
+                    <a16:creationId xmlns:a16="http://schemas.microsoft.com/office/drawing/2014/main" id="{5ABEA11C-C6F5-4FAB-9F3F-384EF23D6CA6}"/>
+                  </a:ext>
+                  <a:ext uri="{C183D7F6-B498-43B3-948B-1728B52AA6E4}">
+                    <adec:decorative xmlns:adec="http://schemas.microsoft.com/office/drawing/2017/decorative" val="1"/>
+                  </a:ext>
+                </a:extLst>
+              </p:cNvPr>
+              <p:cNvCxnSpPr/>
+              <p:nvPr>
+                <p:extLst>
+                  <p:ext uri="{386F3935-93C4-4BCD-93E2-E3B085C9AB24}">
+                    <p16:designElem xmlns:p16="http://schemas.microsoft.com/office/powerpoint/2015/main" val="1"/>
+                  </p:ext>
+                </p:extLst>
+              </p:nvPr>
+            </p:nvCxnSpPr>
+            <p:spPr>
+              <a:xfrm rot="1440000" flipH="1">
+                <a:off x="10760965" y="690439"/>
+                <a:ext cx="3394" cy="182880"/>
+              </a:xfrm>
+              <a:prstGeom prst="line">
+                <a:avLst/>
+              </a:prstGeom>
+              <a:ln>
+                <a:solidFill>
+                  <a:srgbClr val="FFFFFF">
+                    <a:alpha val="30196"/>
+                  </a:srgbClr>
+                </a:solidFill>
+              </a:ln>
+            </p:spPr>
+            <p:style>
+              <a:lnRef idx="1">
+                <a:schemeClr val="accent1"/>
+              </a:lnRef>
+              <a:fillRef idx="0">
+                <a:schemeClr val="accent1"/>
+              </a:fillRef>
+              <a:effectRef idx="0">
+                <a:schemeClr val="accent1"/>
+              </a:effectRef>
+              <a:fontRef idx="minor">
+                <a:schemeClr val="tx1"/>
+              </a:fontRef>
+            </p:style>
+          </p:cxnSp>
+          <p:cxnSp>
+            <p:nvCxnSpPr>
+              <p:cNvPr id="261" name="Straight Connector 260">
+                <a:extLst>
+                  <a:ext uri="{FF2B5EF4-FFF2-40B4-BE49-F238E27FC236}">
+                    <a16:creationId xmlns:a16="http://schemas.microsoft.com/office/drawing/2014/main" id="{7CAEDBBC-2C01-496B-929B-849F1CB53499}"/>
+                  </a:ext>
+                  <a:ext uri="{C183D7F6-B498-43B3-948B-1728B52AA6E4}">
+                    <adec:decorative xmlns:adec="http://schemas.microsoft.com/office/drawing/2017/decorative" val="1"/>
+                  </a:ext>
+                </a:extLst>
+              </p:cNvPr>
+              <p:cNvCxnSpPr/>
+              <p:nvPr>
+                <p:extLst>
+                  <p:ext uri="{386F3935-93C4-4BCD-93E2-E3B085C9AB24}">
+                    <p16:designElem xmlns:p16="http://schemas.microsoft.com/office/powerpoint/2015/main" val="1"/>
+                  </p:ext>
+                </p:extLst>
+              </p:nvPr>
+            </p:nvCxnSpPr>
+            <p:spPr>
+              <a:xfrm rot="1620000" flipH="1">
+                <a:off x="10888991" y="755091"/>
+                <a:ext cx="3394" cy="182880"/>
+              </a:xfrm>
+              <a:prstGeom prst="line">
+                <a:avLst/>
+              </a:prstGeom>
+              <a:ln>
+                <a:solidFill>
+                  <a:srgbClr val="FFFFFF">
+                    <a:alpha val="30196"/>
+                  </a:srgbClr>
+                </a:solidFill>
+              </a:ln>
+            </p:spPr>
+            <p:style>
+              <a:lnRef idx="1">
+                <a:schemeClr val="accent1"/>
+              </a:lnRef>
+              <a:fillRef idx="0">
+                <a:schemeClr val="accent1"/>
+              </a:fillRef>
+              <a:effectRef idx="0">
+                <a:schemeClr val="accent1"/>
+              </a:effectRef>
+              <a:fontRef idx="minor">
+                <a:schemeClr val="tx1"/>
+              </a:fontRef>
+            </p:style>
+          </p:cxnSp>
+          <p:cxnSp>
+            <p:nvCxnSpPr>
+              <p:cNvPr id="262" name="Straight Connector 261">
+                <a:extLst>
+                  <a:ext uri="{FF2B5EF4-FFF2-40B4-BE49-F238E27FC236}">
+                    <a16:creationId xmlns:a16="http://schemas.microsoft.com/office/drawing/2014/main" id="{2894D4ED-61CE-46A2-9092-A00B9E837722}"/>
+                  </a:ext>
+                  <a:ext uri="{C183D7F6-B498-43B3-948B-1728B52AA6E4}">
+                    <adec:decorative xmlns:adec="http://schemas.microsoft.com/office/drawing/2017/decorative" val="1"/>
+                  </a:ext>
+                </a:extLst>
+              </p:cNvPr>
+              <p:cNvCxnSpPr/>
+              <p:nvPr>
+                <p:extLst>
+                  <p:ext uri="{386F3935-93C4-4BCD-93E2-E3B085C9AB24}">
+                    <p16:designElem xmlns:p16="http://schemas.microsoft.com/office/powerpoint/2015/main" val="1"/>
+                  </p:ext>
+                </p:extLst>
+              </p:nvPr>
+            </p:nvCxnSpPr>
+            <p:spPr>
+              <a:xfrm rot="1740000" flipH="1">
+                <a:off x="11010193" y="819743"/>
+                <a:ext cx="3394" cy="182880"/>
+              </a:xfrm>
+              <a:prstGeom prst="line">
+                <a:avLst/>
+              </a:prstGeom>
+              <a:ln>
+                <a:solidFill>
+                  <a:srgbClr val="FFFFFF">
+                    <a:alpha val="30196"/>
+                  </a:srgbClr>
+                </a:solidFill>
+              </a:ln>
+            </p:spPr>
+            <p:style>
+              <a:lnRef idx="1">
+                <a:schemeClr val="accent1"/>
+              </a:lnRef>
+              <a:fillRef idx="0">
+                <a:schemeClr val="accent1"/>
+              </a:fillRef>
+              <a:effectRef idx="0">
+                <a:schemeClr val="accent1"/>
+              </a:effectRef>
+              <a:fontRef idx="minor">
+                <a:schemeClr val="tx1"/>
+              </a:fontRef>
+            </p:style>
+          </p:cxnSp>
+          <p:cxnSp>
+            <p:nvCxnSpPr>
+              <p:cNvPr id="263" name="Straight Connector 262">
+                <a:extLst>
+                  <a:ext uri="{FF2B5EF4-FFF2-40B4-BE49-F238E27FC236}">
+                    <a16:creationId xmlns:a16="http://schemas.microsoft.com/office/drawing/2014/main" id="{1C5D0262-1B14-45D6-937F-B6D6A915DC32}"/>
+                  </a:ext>
+                  <a:ext uri="{C183D7F6-B498-43B3-948B-1728B52AA6E4}">
+                    <adec:decorative xmlns:adec="http://schemas.microsoft.com/office/drawing/2017/decorative" val="1"/>
+                  </a:ext>
+                </a:extLst>
+              </p:cNvPr>
+              <p:cNvCxnSpPr/>
+              <p:nvPr>
+                <p:extLst>
+                  <p:ext uri="{386F3935-93C4-4BCD-93E2-E3B085C9AB24}">
+                    <p16:designElem xmlns:p16="http://schemas.microsoft.com/office/powerpoint/2015/main" val="1"/>
+                  </p:ext>
+                </p:extLst>
+              </p:nvPr>
+            </p:nvCxnSpPr>
+            <p:spPr>
+              <a:xfrm rot="1860000" flipH="1">
+                <a:off x="11129014" y="895662"/>
+                <a:ext cx="3394" cy="182880"/>
+              </a:xfrm>
+              <a:prstGeom prst="line">
+                <a:avLst/>
+              </a:prstGeom>
+              <a:ln>
+                <a:solidFill>
+                  <a:srgbClr val="FFFFFF">
+                    <a:alpha val="30196"/>
+                  </a:srgbClr>
+                </a:solidFill>
+              </a:ln>
+            </p:spPr>
+            <p:style>
+              <a:lnRef idx="1">
+                <a:schemeClr val="accent1"/>
+              </a:lnRef>
+              <a:fillRef idx="0">
+                <a:schemeClr val="accent1"/>
+              </a:fillRef>
+              <a:effectRef idx="0">
+                <a:schemeClr val="accent1"/>
+              </a:effectRef>
+              <a:fontRef idx="minor">
+                <a:schemeClr val="tx1"/>
+              </a:fontRef>
+            </p:style>
+          </p:cxnSp>
+          <p:cxnSp>
+            <p:nvCxnSpPr>
+              <p:cNvPr id="264" name="Straight Connector 263">
+                <a:extLst>
+                  <a:ext uri="{FF2B5EF4-FFF2-40B4-BE49-F238E27FC236}">
+                    <a16:creationId xmlns:a16="http://schemas.microsoft.com/office/drawing/2014/main" id="{3C7684CB-4F98-4EC9-A35B-1E903CEE6678}"/>
+                  </a:ext>
+                  <a:ext uri="{C183D7F6-B498-43B3-948B-1728B52AA6E4}">
+                    <adec:decorative xmlns:adec="http://schemas.microsoft.com/office/drawing/2017/decorative" val="1"/>
+                  </a:ext>
+                </a:extLst>
+              </p:cNvPr>
+              <p:cNvCxnSpPr/>
+              <p:nvPr>
+                <p:extLst>
+                  <p:ext uri="{386F3935-93C4-4BCD-93E2-E3B085C9AB24}">
+                    <p16:designElem xmlns:p16="http://schemas.microsoft.com/office/powerpoint/2015/main" val="1"/>
+                  </p:ext>
+                </p:extLst>
+              </p:nvPr>
+            </p:nvCxnSpPr>
+            <p:spPr>
+              <a:xfrm rot="1980000" flipH="1">
+                <a:off x="11249872" y="968091"/>
+                <a:ext cx="3394" cy="182880"/>
+              </a:xfrm>
+              <a:prstGeom prst="line">
+                <a:avLst/>
+              </a:prstGeom>
+              <a:ln>
+                <a:solidFill>
+                  <a:srgbClr val="FFFFFF">
+                    <a:alpha val="30196"/>
+                  </a:srgbClr>
+                </a:solidFill>
+              </a:ln>
+            </p:spPr>
+            <p:style>
+              <a:lnRef idx="1">
+                <a:schemeClr val="accent1"/>
+              </a:lnRef>
+              <a:fillRef idx="0">
+                <a:schemeClr val="accent1"/>
+              </a:fillRef>
+              <a:effectRef idx="0">
+                <a:schemeClr val="accent1"/>
+              </a:effectRef>
+              <a:fontRef idx="minor">
+                <a:schemeClr val="tx1"/>
+              </a:fontRef>
+            </p:style>
+          </p:cxnSp>
+          <p:cxnSp>
+            <p:nvCxnSpPr>
+              <p:cNvPr id="265" name="Straight Connector 264">
+                <a:extLst>
+                  <a:ext uri="{FF2B5EF4-FFF2-40B4-BE49-F238E27FC236}">
+                    <a16:creationId xmlns:a16="http://schemas.microsoft.com/office/drawing/2014/main" id="{5C25B956-861C-47EE-9D4D-E31C24538EFC}"/>
+                  </a:ext>
+                  <a:ext uri="{C183D7F6-B498-43B3-948B-1728B52AA6E4}">
+                    <adec:decorative xmlns:adec="http://schemas.microsoft.com/office/drawing/2017/decorative" val="1"/>
+                  </a:ext>
+                </a:extLst>
+              </p:cNvPr>
+              <p:cNvCxnSpPr/>
+              <p:nvPr>
+                <p:extLst>
+                  <p:ext uri="{386F3935-93C4-4BCD-93E2-E3B085C9AB24}">
+                    <p16:designElem xmlns:p16="http://schemas.microsoft.com/office/powerpoint/2015/main" val="1"/>
+                  </p:ext>
+                </p:extLst>
+              </p:nvPr>
+            </p:nvCxnSpPr>
+            <p:spPr>
+              <a:xfrm rot="2160000" flipH="1">
+                <a:off x="11366875" y="1048084"/>
+                <a:ext cx="3394" cy="182880"/>
+              </a:xfrm>
+              <a:prstGeom prst="line">
+                <a:avLst/>
+              </a:prstGeom>
+              <a:ln>
+                <a:solidFill>
+                  <a:srgbClr val="FFFFFF">
+                    <a:alpha val="30196"/>
+                  </a:srgbClr>
+                </a:solidFill>
+              </a:ln>
+            </p:spPr>
+            <p:style>
+              <a:lnRef idx="1">
+                <a:schemeClr val="accent1"/>
+              </a:lnRef>
+              <a:fillRef idx="0">
+                <a:schemeClr val="accent1"/>
+              </a:fillRef>
+              <a:effectRef idx="0">
+                <a:schemeClr val="accent1"/>
+              </a:effectRef>
+              <a:fontRef idx="minor">
+                <a:schemeClr val="tx1"/>
+              </a:fontRef>
+            </p:style>
+          </p:cxnSp>
+          <p:cxnSp>
+            <p:nvCxnSpPr>
+              <p:cNvPr id="266" name="Straight Connector 265">
+                <a:extLst>
+                  <a:ext uri="{FF2B5EF4-FFF2-40B4-BE49-F238E27FC236}">
+                    <a16:creationId xmlns:a16="http://schemas.microsoft.com/office/drawing/2014/main" id="{3DD61AAC-D277-4D2E-AB51-8DDB489040AB}"/>
+                  </a:ext>
+                  <a:ext uri="{C183D7F6-B498-43B3-948B-1728B52AA6E4}">
+                    <adec:decorative xmlns:adec="http://schemas.microsoft.com/office/drawing/2017/decorative" val="1"/>
+                  </a:ext>
+                </a:extLst>
+              </p:cNvPr>
+              <p:cNvCxnSpPr/>
+              <p:nvPr>
+                <p:extLst>
+                  <p:ext uri="{386F3935-93C4-4BCD-93E2-E3B085C9AB24}">
+                    <p16:designElem xmlns:p16="http://schemas.microsoft.com/office/powerpoint/2015/main" val="1"/>
+                  </p:ext>
+                </p:extLst>
+              </p:nvPr>
+            </p:nvCxnSpPr>
+            <p:spPr>
+              <a:xfrm rot="2280000" flipH="1">
+                <a:off x="11474058" y="1131525"/>
+                <a:ext cx="3394" cy="182880"/>
+              </a:xfrm>
+              <a:prstGeom prst="line">
+                <a:avLst/>
+              </a:prstGeom>
+              <a:ln>
+                <a:solidFill>
+                  <a:srgbClr val="FFFFFF">
+                    <a:alpha val="30196"/>
+                  </a:srgbClr>
+                </a:solidFill>
+              </a:ln>
+            </p:spPr>
+            <p:style>
+              <a:lnRef idx="1">
+                <a:schemeClr val="accent1"/>
+              </a:lnRef>
+              <a:fillRef idx="0">
+                <a:schemeClr val="accent1"/>
+              </a:fillRef>
+              <a:effectRef idx="0">
+                <a:schemeClr val="accent1"/>
+              </a:effectRef>
+              <a:fontRef idx="minor">
+                <a:schemeClr val="tx1"/>
+              </a:fontRef>
+            </p:style>
+          </p:cxnSp>
+          <p:cxnSp>
+            <p:nvCxnSpPr>
+              <p:cNvPr id="267" name="Straight Connector 266">
+                <a:extLst>
+                  <a:ext uri="{FF2B5EF4-FFF2-40B4-BE49-F238E27FC236}">
+                    <a16:creationId xmlns:a16="http://schemas.microsoft.com/office/drawing/2014/main" id="{4A4BA2A9-697F-45E1-8363-5E61A4207E93}"/>
+                  </a:ext>
+                  <a:ext uri="{C183D7F6-B498-43B3-948B-1728B52AA6E4}">
+                    <adec:decorative xmlns:adec="http://schemas.microsoft.com/office/drawing/2017/decorative" val="1"/>
+                  </a:ext>
+                </a:extLst>
+              </p:cNvPr>
+              <p:cNvCxnSpPr/>
+              <p:nvPr>
+                <p:extLst>
+                  <p:ext uri="{386F3935-93C4-4BCD-93E2-E3B085C9AB24}">
+                    <p16:designElem xmlns:p16="http://schemas.microsoft.com/office/powerpoint/2015/main" val="1"/>
+                  </p:ext>
+                </p:extLst>
+              </p:nvPr>
+            </p:nvCxnSpPr>
+            <p:spPr>
+              <a:xfrm rot="2400000" flipH="1">
+                <a:off x="11583303" y="1221790"/>
+                <a:ext cx="3394" cy="182880"/>
+              </a:xfrm>
+              <a:prstGeom prst="line">
+                <a:avLst/>
+              </a:prstGeom>
+              <a:ln>
+                <a:solidFill>
+                  <a:srgbClr val="FFFFFF">
+                    <a:alpha val="30196"/>
+                  </a:srgbClr>
+                </a:solidFill>
+              </a:ln>
+            </p:spPr>
+            <p:style>
+              <a:lnRef idx="1">
+                <a:schemeClr val="accent1"/>
+              </a:lnRef>
+              <a:fillRef idx="0">
+                <a:schemeClr val="accent1"/>
+              </a:fillRef>
+              <a:effectRef idx="0">
+                <a:schemeClr val="accent1"/>
+              </a:effectRef>
+              <a:fontRef idx="minor">
+                <a:schemeClr val="tx1"/>
+              </a:fontRef>
+            </p:style>
+          </p:cxnSp>
+          <p:cxnSp>
+            <p:nvCxnSpPr>
+              <p:cNvPr id="268" name="Straight Connector 267">
+                <a:extLst>
+                  <a:ext uri="{FF2B5EF4-FFF2-40B4-BE49-F238E27FC236}">
+                    <a16:creationId xmlns:a16="http://schemas.microsoft.com/office/drawing/2014/main" id="{FD517C0E-A6EE-4A86-9F4C-434CD7191516}"/>
+                  </a:ext>
+                  <a:ext uri="{C183D7F6-B498-43B3-948B-1728B52AA6E4}">
+                    <adec:decorative xmlns:adec="http://schemas.microsoft.com/office/drawing/2017/decorative" val="1"/>
+                  </a:ext>
+                </a:extLst>
+              </p:cNvPr>
+              <p:cNvCxnSpPr/>
+              <p:nvPr>
+                <p:extLst>
+                  <p:ext uri="{386F3935-93C4-4BCD-93E2-E3B085C9AB24}">
+                    <p16:designElem xmlns:p16="http://schemas.microsoft.com/office/powerpoint/2015/main" val="1"/>
+                  </p:ext>
+                </p:extLst>
+              </p:nvPr>
+            </p:nvCxnSpPr>
+            <p:spPr>
+              <a:xfrm rot="2520000" flipH="1">
+                <a:off x="11685344" y="1321772"/>
+                <a:ext cx="3394" cy="182880"/>
+              </a:xfrm>
+              <a:prstGeom prst="line">
+                <a:avLst/>
+              </a:prstGeom>
+              <a:ln>
+                <a:solidFill>
+                  <a:srgbClr val="FFFFFF">
+                    <a:alpha val="30196"/>
+                  </a:srgbClr>
+                </a:solidFill>
+              </a:ln>
+            </p:spPr>
+            <p:style>
+              <a:lnRef idx="1">
+                <a:schemeClr val="accent1"/>
+              </a:lnRef>
+              <a:fillRef idx="0">
+                <a:schemeClr val="accent1"/>
+              </a:fillRef>
+              <a:effectRef idx="0">
+                <a:schemeClr val="accent1"/>
+              </a:effectRef>
+              <a:fontRef idx="minor">
+                <a:schemeClr val="tx1"/>
+              </a:fontRef>
+            </p:style>
+          </p:cxnSp>
+          <p:cxnSp>
+            <p:nvCxnSpPr>
+              <p:cNvPr id="269" name="Straight Connector 268">
+                <a:extLst>
+                  <a:ext uri="{FF2B5EF4-FFF2-40B4-BE49-F238E27FC236}">
+                    <a16:creationId xmlns:a16="http://schemas.microsoft.com/office/drawing/2014/main" id="{98C170BA-831C-4BA4-A286-65E66E9C465E}"/>
+                  </a:ext>
+                  <a:ext uri="{C183D7F6-B498-43B3-948B-1728B52AA6E4}">
+                    <adec:decorative xmlns:adec="http://schemas.microsoft.com/office/drawing/2017/decorative" val="1"/>
+                  </a:ext>
+                </a:extLst>
+              </p:cNvPr>
+              <p:cNvCxnSpPr/>
+              <p:nvPr>
+                <p:extLst>
+                  <p:ext uri="{386F3935-93C4-4BCD-93E2-E3B085C9AB24}">
+                    <p16:designElem xmlns:p16="http://schemas.microsoft.com/office/powerpoint/2015/main" val="1"/>
+                  </p:ext>
+                </p:extLst>
+              </p:nvPr>
+            </p:nvCxnSpPr>
+            <p:spPr>
+              <a:xfrm rot="2700000" flipH="1">
+                <a:off x="11787704" y="1417630"/>
+                <a:ext cx="3394" cy="182880"/>
+              </a:xfrm>
+              <a:prstGeom prst="line">
+                <a:avLst/>
+              </a:prstGeom>
+              <a:ln>
+                <a:solidFill>
+                  <a:srgbClr val="FFFFFF">
+                    <a:alpha val="30196"/>
+                  </a:srgbClr>
+                </a:solidFill>
+              </a:ln>
+            </p:spPr>
+            <p:style>
+              <a:lnRef idx="1">
+                <a:schemeClr val="accent1"/>
+              </a:lnRef>
+              <a:fillRef idx="0">
+                <a:schemeClr val="accent1"/>
+              </a:fillRef>
+              <a:effectRef idx="0">
+                <a:schemeClr val="accent1"/>
+              </a:effectRef>
+              <a:fontRef idx="minor">
+                <a:schemeClr val="tx1"/>
+              </a:fontRef>
+            </p:style>
+          </p:cxnSp>
+          <p:cxnSp>
+            <p:nvCxnSpPr>
+              <p:cNvPr id="270" name="Straight Connector 269">
+                <a:extLst>
+                  <a:ext uri="{FF2B5EF4-FFF2-40B4-BE49-F238E27FC236}">
+                    <a16:creationId xmlns:a16="http://schemas.microsoft.com/office/drawing/2014/main" id="{0EAA6EC5-E2BD-492B-9A8B-C27A76AC6C9F}"/>
+                  </a:ext>
+                  <a:ext uri="{C183D7F6-B498-43B3-948B-1728B52AA6E4}">
+                    <adec:decorative xmlns:adec="http://schemas.microsoft.com/office/drawing/2017/decorative" val="1"/>
+                  </a:ext>
+                </a:extLst>
+              </p:cNvPr>
+              <p:cNvCxnSpPr/>
+              <p:nvPr>
+                <p:extLst>
+                  <p:ext uri="{386F3935-93C4-4BCD-93E2-E3B085C9AB24}">
+                    <p16:designElem xmlns:p16="http://schemas.microsoft.com/office/powerpoint/2015/main" val="1"/>
+                  </p:ext>
+                </p:extLst>
+              </p:nvPr>
+            </p:nvCxnSpPr>
+            <p:spPr>
+              <a:xfrm rot="2820000" flipH="1">
+                <a:off x="11880859" y="1517931"/>
+                <a:ext cx="3394" cy="182880"/>
+              </a:xfrm>
+              <a:prstGeom prst="line">
+                <a:avLst/>
+              </a:prstGeom>
+              <a:ln>
+                <a:solidFill>
+                  <a:srgbClr val="FFFFFF">
+                    <a:alpha val="30196"/>
+                  </a:srgbClr>
+                </a:solidFill>
+              </a:ln>
+            </p:spPr>
+            <p:style>
+              <a:lnRef idx="1">
+                <a:schemeClr val="accent1"/>
+              </a:lnRef>
+              <a:fillRef idx="0">
+                <a:schemeClr val="accent1"/>
+              </a:fillRef>
+              <a:effectRef idx="0">
+                <a:schemeClr val="accent1"/>
+              </a:effectRef>
+              <a:fontRef idx="minor">
+                <a:schemeClr val="tx1"/>
+              </a:fontRef>
+            </p:style>
+          </p:cxnSp>
+          <p:cxnSp>
+            <p:nvCxnSpPr>
+              <p:cNvPr id="271" name="Straight Connector 270">
+                <a:extLst>
+                  <a:ext uri="{FF2B5EF4-FFF2-40B4-BE49-F238E27FC236}">
+                    <a16:creationId xmlns:a16="http://schemas.microsoft.com/office/drawing/2014/main" id="{8485DB25-AEEB-4180-9A14-2CEB267D4FFE}"/>
+                  </a:ext>
+                  <a:ext uri="{C183D7F6-B498-43B3-948B-1728B52AA6E4}">
+                    <adec:decorative xmlns:adec="http://schemas.microsoft.com/office/drawing/2017/decorative" val="1"/>
+                  </a:ext>
+                </a:extLst>
+              </p:cNvPr>
+              <p:cNvCxnSpPr/>
+              <p:nvPr>
+                <p:extLst>
+                  <p:ext uri="{386F3935-93C4-4BCD-93E2-E3B085C9AB24}">
+                    <p16:designElem xmlns:p16="http://schemas.microsoft.com/office/powerpoint/2015/main" val="1"/>
+                  </p:ext>
+                </p:extLst>
+              </p:nvPr>
+            </p:nvCxnSpPr>
+            <p:spPr>
+              <a:xfrm rot="2940000" flipH="1">
+                <a:off x="11969252" y="1627437"/>
+                <a:ext cx="3394" cy="182880"/>
+              </a:xfrm>
+              <a:prstGeom prst="line">
+                <a:avLst/>
+              </a:prstGeom>
+              <a:ln>
+                <a:solidFill>
+                  <a:srgbClr val="FFFFFF">
+                    <a:alpha val="30196"/>
+                  </a:srgbClr>
+                </a:solidFill>
+              </a:ln>
+            </p:spPr>
+            <p:style>
+              <a:lnRef idx="1">
+                <a:schemeClr val="accent1"/>
+              </a:lnRef>
+              <a:fillRef idx="0">
+                <a:schemeClr val="accent1"/>
+              </a:fillRef>
+              <a:effectRef idx="0">
+                <a:schemeClr val="accent1"/>
+              </a:effectRef>
+              <a:fontRef idx="minor">
+                <a:schemeClr val="tx1"/>
+              </a:fontRef>
+            </p:style>
+          </p:cxnSp>
+          <p:cxnSp>
+            <p:nvCxnSpPr>
+              <p:cNvPr id="272" name="Straight Connector 271">
+                <a:extLst>
+                  <a:ext uri="{FF2B5EF4-FFF2-40B4-BE49-F238E27FC236}">
+                    <a16:creationId xmlns:a16="http://schemas.microsoft.com/office/drawing/2014/main" id="{807A4361-79A5-47AA-98FE-01640EE424C3}"/>
+                  </a:ext>
+                  <a:ext uri="{C183D7F6-B498-43B3-948B-1728B52AA6E4}">
+                    <adec:decorative xmlns:adec="http://schemas.microsoft.com/office/drawing/2017/decorative" val="1"/>
+                  </a:ext>
+                </a:extLst>
+              </p:cNvPr>
+              <p:cNvCxnSpPr/>
+              <p:nvPr>
+                <p:extLst>
+                  <p:ext uri="{386F3935-93C4-4BCD-93E2-E3B085C9AB24}">
+                    <p16:designElem xmlns:p16="http://schemas.microsoft.com/office/powerpoint/2015/main" val="1"/>
+                  </p:ext>
+                </p:extLst>
+              </p:nvPr>
+            </p:nvCxnSpPr>
+            <p:spPr>
+              <a:xfrm rot="3060000" flipH="1">
+                <a:off x="12062016" y="1736011"/>
+                <a:ext cx="3394" cy="182880"/>
+              </a:xfrm>
+              <a:prstGeom prst="line">
+                <a:avLst/>
+              </a:prstGeom>
+              <a:ln>
+                <a:solidFill>
+                  <a:srgbClr val="FFFFFF">
+                    <a:alpha val="30196"/>
+                  </a:srgbClr>
+                </a:solidFill>
+              </a:ln>
+            </p:spPr>
+            <p:style>
+              <a:lnRef idx="1">
+                <a:schemeClr val="accent1"/>
+              </a:lnRef>
+              <a:fillRef idx="0">
+                <a:schemeClr val="accent1"/>
+              </a:fillRef>
+              <a:effectRef idx="0">
+                <a:schemeClr val="accent1"/>
+              </a:effectRef>
+              <a:fontRef idx="minor">
+                <a:schemeClr val="tx1"/>
+              </a:fontRef>
+            </p:style>
+          </p:cxnSp>
+          <p:cxnSp>
+            <p:nvCxnSpPr>
+              <p:cNvPr id="273" name="Straight Connector 272">
+                <a:extLst>
+                  <a:ext uri="{FF2B5EF4-FFF2-40B4-BE49-F238E27FC236}">
+                    <a16:creationId xmlns:a16="http://schemas.microsoft.com/office/drawing/2014/main" id="{F672975E-CAD3-46F3-BDA2-902C8237DC5A}"/>
+                  </a:ext>
+                  <a:ext uri="{C183D7F6-B498-43B3-948B-1728B52AA6E4}">
+                    <adec:decorative xmlns:adec="http://schemas.microsoft.com/office/drawing/2017/decorative" val="1"/>
+                  </a:ext>
+                </a:extLst>
+              </p:cNvPr>
+              <p:cNvCxnSpPr/>
+              <p:nvPr>
+                <p:extLst>
+                  <p:ext uri="{386F3935-93C4-4BCD-93E2-E3B085C9AB24}">
+                    <p16:designElem xmlns:p16="http://schemas.microsoft.com/office/powerpoint/2015/main" val="1"/>
+                  </p:ext>
+                </p:extLst>
+              </p:nvPr>
+            </p:nvCxnSpPr>
+            <p:spPr>
+              <a:xfrm flipH="1">
+                <a:off x="12074680" y="1910249"/>
+                <a:ext cx="117320" cy="82912"/>
+              </a:xfrm>
+              <a:prstGeom prst="line">
+                <a:avLst/>
+              </a:prstGeom>
+              <a:ln>
+                <a:solidFill>
+                  <a:srgbClr val="FFFFFF">
+                    <a:alpha val="30196"/>
+                  </a:srgbClr>
+                </a:solidFill>
+              </a:ln>
+            </p:spPr>
+            <p:style>
+              <a:lnRef idx="1">
+                <a:schemeClr val="accent1"/>
+              </a:lnRef>
+              <a:fillRef idx="0">
+                <a:schemeClr val="accent1"/>
+              </a:fillRef>
+              <a:effectRef idx="0">
+                <a:schemeClr val="accent1"/>
+              </a:effectRef>
+              <a:fontRef idx="minor">
+                <a:schemeClr val="tx1"/>
+              </a:fontRef>
+            </p:style>
+          </p:cxnSp>
+          <p:cxnSp>
+            <p:nvCxnSpPr>
+              <p:cNvPr id="274" name="Straight Connector 273">
+                <a:extLst>
+                  <a:ext uri="{FF2B5EF4-FFF2-40B4-BE49-F238E27FC236}">
+                    <a16:creationId xmlns:a16="http://schemas.microsoft.com/office/drawing/2014/main" id="{15679262-AA08-4D50-AB3F-E6F9B4D1D810}"/>
+                  </a:ext>
+                  <a:ext uri="{C183D7F6-B498-43B3-948B-1728B52AA6E4}">
+                    <adec:decorative xmlns:adec="http://schemas.microsoft.com/office/drawing/2017/decorative" val="1"/>
+                  </a:ext>
+                </a:extLst>
+              </p:cNvPr>
+              <p:cNvCxnSpPr/>
+              <p:nvPr>
+                <p:extLst>
+                  <p:ext uri="{386F3935-93C4-4BCD-93E2-E3B085C9AB24}">
+                    <p16:designElem xmlns:p16="http://schemas.microsoft.com/office/powerpoint/2015/main" val="1"/>
+                  </p:ext>
+                </p:extLst>
+              </p:nvPr>
+            </p:nvCxnSpPr>
+            <p:spPr>
+              <a:xfrm flipH="1">
+                <a:off x="12149943" y="2083594"/>
+                <a:ext cx="39676" cy="21436"/>
+              </a:xfrm>
+              <a:prstGeom prst="line">
+                <a:avLst/>
+              </a:prstGeom>
+              <a:ln>
+                <a:solidFill>
+                  <a:srgbClr val="FFFFFF">
+                    <a:alpha val="30196"/>
+                  </a:srgbClr>
+                </a:solidFill>
+              </a:ln>
+            </p:spPr>
+            <p:style>
+              <a:lnRef idx="1">
+                <a:schemeClr val="accent1"/>
+              </a:lnRef>
+              <a:fillRef idx="0">
+                <a:schemeClr val="accent1"/>
+              </a:fillRef>
+              <a:effectRef idx="0">
+                <a:schemeClr val="accent1"/>
+              </a:effectRef>
+              <a:fontRef idx="minor">
+                <a:schemeClr val="tx1"/>
+              </a:fontRef>
+            </p:style>
+          </p:cxnSp>
+          <p:cxnSp>
+            <p:nvCxnSpPr>
+              <p:cNvPr id="275" name="Straight Connector 274">
+                <a:extLst>
+                  <a:ext uri="{FF2B5EF4-FFF2-40B4-BE49-F238E27FC236}">
+                    <a16:creationId xmlns:a16="http://schemas.microsoft.com/office/drawing/2014/main" id="{61E32D5A-0C93-4E13-B049-914A2F1D299C}"/>
+                  </a:ext>
+                  <a:ext uri="{C183D7F6-B498-43B3-948B-1728B52AA6E4}">
+                    <adec:decorative xmlns:adec="http://schemas.microsoft.com/office/drawing/2017/decorative" val="1"/>
+                  </a:ext>
+                </a:extLst>
+              </p:cNvPr>
+              <p:cNvCxnSpPr/>
+              <p:nvPr>
+                <p:extLst>
+                  <p:ext uri="{386F3935-93C4-4BCD-93E2-E3B085C9AB24}">
+                    <p16:designElem xmlns:p16="http://schemas.microsoft.com/office/powerpoint/2015/main" val="1"/>
+                  </p:ext>
+                </p:extLst>
+              </p:nvPr>
+            </p:nvCxnSpPr>
+            <p:spPr>
+              <a:xfrm rot="-180000" flipH="1">
+                <a:off x="9127990" y="334251"/>
+                <a:ext cx="3394" cy="182880"/>
+              </a:xfrm>
+              <a:prstGeom prst="line">
+                <a:avLst/>
+              </a:prstGeom>
+              <a:ln>
+                <a:solidFill>
+                  <a:srgbClr val="FFFFFF">
+                    <a:alpha val="30196"/>
+                  </a:srgbClr>
+                </a:solidFill>
+              </a:ln>
+            </p:spPr>
+            <p:style>
+              <a:lnRef idx="1">
+                <a:schemeClr val="accent1"/>
+              </a:lnRef>
+              <a:fillRef idx="0">
+                <a:schemeClr val="accent1"/>
+              </a:fillRef>
+              <a:effectRef idx="0">
+                <a:schemeClr val="accent1"/>
+              </a:effectRef>
+              <a:fontRef idx="minor">
+                <a:schemeClr val="tx1"/>
+              </a:fontRef>
+            </p:style>
+          </p:cxnSp>
+          <p:cxnSp>
+            <p:nvCxnSpPr>
+              <p:cNvPr id="276" name="Straight Connector 275">
+                <a:extLst>
+                  <a:ext uri="{FF2B5EF4-FFF2-40B4-BE49-F238E27FC236}">
+                    <a16:creationId xmlns:a16="http://schemas.microsoft.com/office/drawing/2014/main" id="{941EC8F6-AF84-43B6-9400-F73F6FBADE53}"/>
+                  </a:ext>
+                  <a:ext uri="{C183D7F6-B498-43B3-948B-1728B52AA6E4}">
+                    <adec:decorative xmlns:adec="http://schemas.microsoft.com/office/drawing/2017/decorative" val="1"/>
+                  </a:ext>
+                </a:extLst>
+              </p:cNvPr>
+              <p:cNvCxnSpPr/>
+              <p:nvPr>
+                <p:extLst>
+                  <p:ext uri="{386F3935-93C4-4BCD-93E2-E3B085C9AB24}">
+                    <p16:designElem xmlns:p16="http://schemas.microsoft.com/office/powerpoint/2015/main" val="1"/>
+                  </p:ext>
+                </p:extLst>
+              </p:nvPr>
+            </p:nvCxnSpPr>
+            <p:spPr>
+              <a:xfrm rot="-300000" flipH="1">
+                <a:off x="8987576" y="336633"/>
+                <a:ext cx="3394" cy="182880"/>
+              </a:xfrm>
+              <a:prstGeom prst="line">
+                <a:avLst/>
+              </a:prstGeom>
+              <a:ln>
+                <a:solidFill>
+                  <a:srgbClr val="FFFFFF">
+                    <a:alpha val="30196"/>
+                  </a:srgbClr>
+                </a:solidFill>
+              </a:ln>
+            </p:spPr>
+            <p:style>
+              <a:lnRef idx="1">
+                <a:schemeClr val="accent1"/>
+              </a:lnRef>
+              <a:fillRef idx="0">
+                <a:schemeClr val="accent1"/>
+              </a:fillRef>
+              <a:effectRef idx="0">
+                <a:schemeClr val="accent1"/>
+              </a:effectRef>
+              <a:fontRef idx="minor">
+                <a:schemeClr val="tx1"/>
+              </a:fontRef>
+            </p:style>
+          </p:cxnSp>
+          <p:cxnSp>
+            <p:nvCxnSpPr>
+              <p:cNvPr id="277" name="Straight Connector 276">
+                <a:extLst>
+                  <a:ext uri="{FF2B5EF4-FFF2-40B4-BE49-F238E27FC236}">
+                    <a16:creationId xmlns:a16="http://schemas.microsoft.com/office/drawing/2014/main" id="{E75F074A-16C0-4748-BD13-64A7C32F6A0E}"/>
+                  </a:ext>
+                  <a:ext uri="{C183D7F6-B498-43B3-948B-1728B52AA6E4}">
+                    <adec:decorative xmlns:adec="http://schemas.microsoft.com/office/drawing/2017/decorative" val="1"/>
+                  </a:ext>
+                </a:extLst>
+              </p:cNvPr>
+              <p:cNvCxnSpPr/>
+              <p:nvPr>
+                <p:extLst>
+                  <p:ext uri="{386F3935-93C4-4BCD-93E2-E3B085C9AB24}">
+                    <p16:designElem xmlns:p16="http://schemas.microsoft.com/office/powerpoint/2015/main" val="1"/>
+                  </p:ext>
+                </p:extLst>
+              </p:nvPr>
+            </p:nvCxnSpPr>
+            <p:spPr>
+              <a:xfrm rot="-420000" flipH="1">
+                <a:off x="8844859" y="351176"/>
+                <a:ext cx="3394" cy="182880"/>
+              </a:xfrm>
+              <a:prstGeom prst="line">
+                <a:avLst/>
+              </a:prstGeom>
+              <a:ln>
+                <a:solidFill>
+                  <a:srgbClr val="FFFFFF">
+                    <a:alpha val="30196"/>
+                  </a:srgbClr>
+                </a:solidFill>
+              </a:ln>
+            </p:spPr>
+            <p:style>
+              <a:lnRef idx="1">
+                <a:schemeClr val="accent1"/>
+              </a:lnRef>
+              <a:fillRef idx="0">
+                <a:schemeClr val="accent1"/>
+              </a:fillRef>
+              <a:effectRef idx="0">
+                <a:schemeClr val="accent1"/>
+              </a:effectRef>
+              <a:fontRef idx="minor">
+                <a:schemeClr val="tx1"/>
+              </a:fontRef>
+            </p:style>
+          </p:cxnSp>
+          <p:cxnSp>
+            <p:nvCxnSpPr>
+              <p:cNvPr id="278" name="Straight Connector 277">
+                <a:extLst>
+                  <a:ext uri="{FF2B5EF4-FFF2-40B4-BE49-F238E27FC236}">
+                    <a16:creationId xmlns:a16="http://schemas.microsoft.com/office/drawing/2014/main" id="{ECB3D608-CA7C-470E-9AAA-8389005F5367}"/>
+                  </a:ext>
+                  <a:ext uri="{C183D7F6-B498-43B3-948B-1728B52AA6E4}">
+                    <adec:decorative xmlns:adec="http://schemas.microsoft.com/office/drawing/2017/decorative" val="1"/>
+                  </a:ext>
+                </a:extLst>
+              </p:cNvPr>
+              <p:cNvCxnSpPr/>
+              <p:nvPr>
+                <p:extLst>
+                  <p:ext uri="{386F3935-93C4-4BCD-93E2-E3B085C9AB24}">
+                    <p16:designElem xmlns:p16="http://schemas.microsoft.com/office/powerpoint/2015/main" val="1"/>
+                  </p:ext>
+                </p:extLst>
+              </p:nvPr>
+            </p:nvCxnSpPr>
+            <p:spPr>
+              <a:xfrm rot="-540000" flipH="1">
+                <a:off x="8706904" y="365719"/>
+                <a:ext cx="3394" cy="182880"/>
+              </a:xfrm>
+              <a:prstGeom prst="line">
+                <a:avLst/>
+              </a:prstGeom>
+              <a:ln>
+                <a:solidFill>
+                  <a:srgbClr val="FFFFFF">
+                    <a:alpha val="30196"/>
+                  </a:srgbClr>
+                </a:solidFill>
+              </a:ln>
+            </p:spPr>
+            <p:style>
+              <a:lnRef idx="1">
+                <a:schemeClr val="accent1"/>
+              </a:lnRef>
+              <a:fillRef idx="0">
+                <a:schemeClr val="accent1"/>
+              </a:fillRef>
+              <a:effectRef idx="0">
+                <a:schemeClr val="accent1"/>
+              </a:effectRef>
+              <a:fontRef idx="minor">
+                <a:schemeClr val="tx1"/>
+              </a:fontRef>
+            </p:style>
+          </p:cxnSp>
+          <p:cxnSp>
+            <p:nvCxnSpPr>
+              <p:cNvPr id="279" name="Straight Connector 278">
+                <a:extLst>
+                  <a:ext uri="{FF2B5EF4-FFF2-40B4-BE49-F238E27FC236}">
+                    <a16:creationId xmlns:a16="http://schemas.microsoft.com/office/drawing/2014/main" id="{7AB4FD7D-4E8A-4455-933E-99E52E0B490D}"/>
+                  </a:ext>
+                  <a:ext uri="{C183D7F6-B498-43B3-948B-1728B52AA6E4}">
+                    <adec:decorative xmlns:adec="http://schemas.microsoft.com/office/drawing/2017/decorative" val="1"/>
+                  </a:ext>
+                </a:extLst>
+              </p:cNvPr>
+              <p:cNvCxnSpPr/>
+              <p:nvPr>
+                <p:extLst>
+                  <p:ext uri="{386F3935-93C4-4BCD-93E2-E3B085C9AB24}">
+                    <p16:designElem xmlns:p16="http://schemas.microsoft.com/office/powerpoint/2015/main" val="1"/>
+                  </p:ext>
+                </p:extLst>
+              </p:nvPr>
+            </p:nvCxnSpPr>
+            <p:spPr>
+              <a:xfrm rot="-720000" flipH="1">
+                <a:off x="8568008" y="387891"/>
+                <a:ext cx="3394" cy="182880"/>
+              </a:xfrm>
+              <a:prstGeom prst="line">
+                <a:avLst/>
+              </a:prstGeom>
+              <a:ln>
+                <a:solidFill>
+                  <a:srgbClr val="FFFFFF">
+                    <a:alpha val="30196"/>
+                  </a:srgbClr>
+                </a:solidFill>
+              </a:ln>
+            </p:spPr>
+            <p:style>
+              <a:lnRef idx="1">
+                <a:schemeClr val="accent1"/>
+              </a:lnRef>
+              <a:fillRef idx="0">
+                <a:schemeClr val="accent1"/>
+              </a:fillRef>
+              <a:effectRef idx="0">
+                <a:schemeClr val="accent1"/>
+              </a:effectRef>
+              <a:fontRef idx="minor">
+                <a:schemeClr val="tx1"/>
+              </a:fontRef>
+            </p:style>
+          </p:cxnSp>
+          <p:cxnSp>
+            <p:nvCxnSpPr>
+              <p:cNvPr id="280" name="Straight Connector 279">
+                <a:extLst>
+                  <a:ext uri="{FF2B5EF4-FFF2-40B4-BE49-F238E27FC236}">
+                    <a16:creationId xmlns:a16="http://schemas.microsoft.com/office/drawing/2014/main" id="{7416DF40-A568-431F-B63F-C32A9175B87E}"/>
+                  </a:ext>
+                  <a:ext uri="{C183D7F6-B498-43B3-948B-1728B52AA6E4}">
+                    <adec:decorative xmlns:adec="http://schemas.microsoft.com/office/drawing/2017/decorative" val="1"/>
+                  </a:ext>
+                </a:extLst>
+              </p:cNvPr>
+              <p:cNvCxnSpPr/>
+              <p:nvPr>
+                <p:extLst>
+                  <p:ext uri="{386F3935-93C4-4BCD-93E2-E3B085C9AB24}">
+                    <p16:designElem xmlns:p16="http://schemas.microsoft.com/office/powerpoint/2015/main" val="1"/>
+                  </p:ext>
+                </p:extLst>
+              </p:nvPr>
+            </p:nvCxnSpPr>
+            <p:spPr>
+              <a:xfrm rot="-840000" flipH="1">
+                <a:off x="8429112" y="410063"/>
+                <a:ext cx="3394" cy="182880"/>
+              </a:xfrm>
+              <a:prstGeom prst="line">
+                <a:avLst/>
+              </a:prstGeom>
+              <a:ln>
+                <a:solidFill>
+                  <a:srgbClr val="FFFFFF">
+                    <a:alpha val="30196"/>
+                  </a:srgbClr>
+                </a:solidFill>
+              </a:ln>
+            </p:spPr>
+            <p:style>
+              <a:lnRef idx="1">
+                <a:schemeClr val="accent1"/>
+              </a:lnRef>
+              <a:fillRef idx="0">
+                <a:schemeClr val="accent1"/>
+              </a:fillRef>
+              <a:effectRef idx="0">
+                <a:schemeClr val="accent1"/>
+              </a:effectRef>
+              <a:fontRef idx="minor">
+                <a:schemeClr val="tx1"/>
+              </a:fontRef>
+            </p:style>
+          </p:cxnSp>
+          <p:cxnSp>
+            <p:nvCxnSpPr>
+              <p:cNvPr id="281" name="Straight Connector 280">
+                <a:extLst>
+                  <a:ext uri="{FF2B5EF4-FFF2-40B4-BE49-F238E27FC236}">
+                    <a16:creationId xmlns:a16="http://schemas.microsoft.com/office/drawing/2014/main" id="{1B25E07C-A0EC-4DCF-88EC-51BB5C3FC349}"/>
+                  </a:ext>
+                  <a:ext uri="{C183D7F6-B498-43B3-948B-1728B52AA6E4}">
+                    <adec:decorative xmlns:adec="http://schemas.microsoft.com/office/drawing/2017/decorative" val="1"/>
+                  </a:ext>
+                </a:extLst>
+              </p:cNvPr>
+              <p:cNvCxnSpPr/>
+              <p:nvPr>
+                <p:extLst>
+                  <p:ext uri="{386F3935-93C4-4BCD-93E2-E3B085C9AB24}">
+                    <p16:designElem xmlns:p16="http://schemas.microsoft.com/office/powerpoint/2015/main" val="1"/>
+                  </p:ext>
+                </p:extLst>
+              </p:nvPr>
+            </p:nvCxnSpPr>
+            <p:spPr>
+              <a:xfrm rot="-960000" flipH="1">
+                <a:off x="8294968" y="446219"/>
+                <a:ext cx="3394" cy="182880"/>
+              </a:xfrm>
+              <a:prstGeom prst="line">
+                <a:avLst/>
+              </a:prstGeom>
+              <a:ln>
+                <a:solidFill>
+                  <a:srgbClr val="FFFFFF">
+                    <a:alpha val="30196"/>
+                  </a:srgbClr>
+                </a:solidFill>
+              </a:ln>
+            </p:spPr>
+            <p:style>
+              <a:lnRef idx="1">
+                <a:schemeClr val="accent1"/>
+              </a:lnRef>
+              <a:fillRef idx="0">
+                <a:schemeClr val="accent1"/>
+              </a:fillRef>
+              <a:effectRef idx="0">
+                <a:schemeClr val="accent1"/>
+              </a:effectRef>
+              <a:fontRef idx="minor">
+                <a:schemeClr val="tx1"/>
+              </a:fontRef>
+            </p:style>
+          </p:cxnSp>
+          <p:cxnSp>
+            <p:nvCxnSpPr>
+              <p:cNvPr id="282" name="Straight Connector 281">
+                <a:extLst>
+                  <a:ext uri="{FF2B5EF4-FFF2-40B4-BE49-F238E27FC236}">
+                    <a16:creationId xmlns:a16="http://schemas.microsoft.com/office/drawing/2014/main" id="{96C7DC41-3ADA-4989-AE2A-0F8D9DFCC9E7}"/>
+                  </a:ext>
+                  <a:ext uri="{C183D7F6-B498-43B3-948B-1728B52AA6E4}">
+                    <adec:decorative xmlns:adec="http://schemas.microsoft.com/office/drawing/2017/decorative" val="1"/>
+                  </a:ext>
+                </a:extLst>
+              </p:cNvPr>
+              <p:cNvCxnSpPr/>
+              <p:nvPr>
+                <p:extLst>
+                  <p:ext uri="{386F3935-93C4-4BCD-93E2-E3B085C9AB24}">
+                    <p16:designElem xmlns:p16="http://schemas.microsoft.com/office/powerpoint/2015/main" val="1"/>
+                  </p:ext>
+                </p:extLst>
+              </p:nvPr>
+            </p:nvCxnSpPr>
+            <p:spPr>
+              <a:xfrm rot="-1080000" flipH="1">
+                <a:off x="8160824" y="482375"/>
+                <a:ext cx="3394" cy="182880"/>
+              </a:xfrm>
+              <a:prstGeom prst="line">
+                <a:avLst/>
+              </a:prstGeom>
+              <a:ln>
+                <a:solidFill>
+                  <a:srgbClr val="FFFFFF">
+                    <a:alpha val="30196"/>
+                  </a:srgbClr>
+                </a:solidFill>
+              </a:ln>
+            </p:spPr>
+            <p:style>
+              <a:lnRef idx="1">
+                <a:schemeClr val="accent1"/>
+              </a:lnRef>
+              <a:fillRef idx="0">
+                <a:schemeClr val="accent1"/>
+              </a:fillRef>
+              <a:effectRef idx="0">
+                <a:schemeClr val="accent1"/>
+              </a:effectRef>
+              <a:fontRef idx="minor">
+                <a:schemeClr val="tx1"/>
+              </a:fontRef>
+            </p:style>
+          </p:cxnSp>
+          <p:cxnSp>
+            <p:nvCxnSpPr>
+              <p:cNvPr id="283" name="Straight Connector 282">
+                <a:extLst>
+                  <a:ext uri="{FF2B5EF4-FFF2-40B4-BE49-F238E27FC236}">
+                    <a16:creationId xmlns:a16="http://schemas.microsoft.com/office/drawing/2014/main" id="{6AE2AB88-5EAC-41EC-98BF-FACD6A211552}"/>
+                  </a:ext>
+                  <a:ext uri="{C183D7F6-B498-43B3-948B-1728B52AA6E4}">
+                    <adec:decorative xmlns:adec="http://schemas.microsoft.com/office/drawing/2017/decorative" val="1"/>
+                  </a:ext>
+                </a:extLst>
+              </p:cNvPr>
+              <p:cNvCxnSpPr/>
+              <p:nvPr>
+                <p:extLst>
+                  <p:ext uri="{386F3935-93C4-4BCD-93E2-E3B085C9AB24}">
+                    <p16:designElem xmlns:p16="http://schemas.microsoft.com/office/powerpoint/2015/main" val="1"/>
+                  </p:ext>
+                </p:extLst>
+              </p:nvPr>
+            </p:nvCxnSpPr>
+            <p:spPr>
+              <a:xfrm rot="-1260000" flipH="1">
+                <a:off x="8027689" y="531848"/>
+                <a:ext cx="3394" cy="182880"/>
+              </a:xfrm>
+              <a:prstGeom prst="line">
+                <a:avLst/>
+              </a:prstGeom>
+              <a:ln>
+                <a:solidFill>
+                  <a:srgbClr val="FFFFFF">
+                    <a:alpha val="30196"/>
+                  </a:srgbClr>
+                </a:solidFill>
+              </a:ln>
+            </p:spPr>
+            <p:style>
+              <a:lnRef idx="1">
+                <a:schemeClr val="accent1"/>
+              </a:lnRef>
+              <a:fillRef idx="0">
+                <a:schemeClr val="accent1"/>
+              </a:fillRef>
+              <a:effectRef idx="0">
+                <a:schemeClr val="accent1"/>
+              </a:effectRef>
+              <a:fontRef idx="minor">
+                <a:schemeClr val="tx1"/>
+              </a:fontRef>
+            </p:style>
+          </p:cxnSp>
+          <p:cxnSp>
+            <p:nvCxnSpPr>
+              <p:cNvPr id="284" name="Straight Connector 283">
+                <a:extLst>
+                  <a:ext uri="{FF2B5EF4-FFF2-40B4-BE49-F238E27FC236}">
+                    <a16:creationId xmlns:a16="http://schemas.microsoft.com/office/drawing/2014/main" id="{94E0B17E-9282-4983-AEB1-2B123998A339}"/>
+                  </a:ext>
+                  <a:ext uri="{C183D7F6-B498-43B3-948B-1728B52AA6E4}">
+                    <adec:decorative xmlns:adec="http://schemas.microsoft.com/office/drawing/2017/decorative" val="1"/>
+                  </a:ext>
+                </a:extLst>
+              </p:cNvPr>
+              <p:cNvCxnSpPr/>
+              <p:nvPr>
+                <p:extLst>
+                  <p:ext uri="{386F3935-93C4-4BCD-93E2-E3B085C9AB24}">
+                    <p16:designElem xmlns:p16="http://schemas.microsoft.com/office/powerpoint/2015/main" val="1"/>
+                  </p:ext>
+                </p:extLst>
+              </p:nvPr>
+            </p:nvCxnSpPr>
+            <p:spPr>
+              <a:xfrm rot="-1380000" flipH="1">
+                <a:off x="7894554" y="581321"/>
+                <a:ext cx="3394" cy="182880"/>
+              </a:xfrm>
+              <a:prstGeom prst="line">
+                <a:avLst/>
+              </a:prstGeom>
+              <a:ln>
+                <a:solidFill>
+                  <a:srgbClr val="FFFFFF">
+                    <a:alpha val="30196"/>
+                  </a:srgbClr>
+                </a:solidFill>
+              </a:ln>
+            </p:spPr>
+            <p:style>
+              <a:lnRef idx="1">
+                <a:schemeClr val="accent1"/>
+              </a:lnRef>
+              <a:fillRef idx="0">
+                <a:schemeClr val="accent1"/>
+              </a:fillRef>
+              <a:effectRef idx="0">
+                <a:schemeClr val="accent1"/>
+              </a:effectRef>
+              <a:fontRef idx="minor">
+                <a:schemeClr val="tx1"/>
+              </a:fontRef>
+            </p:style>
+          </p:cxnSp>
+          <p:cxnSp>
+            <p:nvCxnSpPr>
+              <p:cNvPr id="285" name="Straight Connector 284">
+                <a:extLst>
+                  <a:ext uri="{FF2B5EF4-FFF2-40B4-BE49-F238E27FC236}">
+                    <a16:creationId xmlns:a16="http://schemas.microsoft.com/office/drawing/2014/main" id="{986E83F1-9CCB-448B-89C9-F55B273BFC04}"/>
+                  </a:ext>
+                  <a:ext uri="{C183D7F6-B498-43B3-948B-1728B52AA6E4}">
+                    <adec:decorative xmlns:adec="http://schemas.microsoft.com/office/drawing/2017/decorative" val="1"/>
+                  </a:ext>
+                </a:extLst>
+              </p:cNvPr>
+              <p:cNvCxnSpPr/>
+              <p:nvPr>
+                <p:extLst>
+                  <p:ext uri="{386F3935-93C4-4BCD-93E2-E3B085C9AB24}">
+                    <p16:designElem xmlns:p16="http://schemas.microsoft.com/office/powerpoint/2015/main" val="1"/>
+                  </p:ext>
+                </p:extLst>
+              </p:nvPr>
+            </p:nvCxnSpPr>
+            <p:spPr>
+              <a:xfrm rot="-1500000" flipH="1">
+                <a:off x="7761419" y="630794"/>
+                <a:ext cx="3394" cy="182880"/>
+              </a:xfrm>
+              <a:prstGeom prst="line">
+                <a:avLst/>
+              </a:prstGeom>
+              <a:ln>
+                <a:solidFill>
+                  <a:srgbClr val="FFFFFF">
+                    <a:alpha val="30196"/>
+                  </a:srgbClr>
+                </a:solidFill>
+              </a:ln>
+            </p:spPr>
+            <p:style>
+              <a:lnRef idx="1">
+                <a:schemeClr val="accent1"/>
+              </a:lnRef>
+              <a:fillRef idx="0">
+                <a:schemeClr val="accent1"/>
+              </a:fillRef>
+              <a:effectRef idx="0">
+                <a:schemeClr val="accent1"/>
+              </a:effectRef>
+              <a:fontRef idx="minor">
+                <a:schemeClr val="tx1"/>
+              </a:fontRef>
+            </p:style>
+          </p:cxnSp>
+          <p:cxnSp>
+            <p:nvCxnSpPr>
+              <p:cNvPr id="286" name="Straight Connector 285">
+                <a:extLst>
+                  <a:ext uri="{FF2B5EF4-FFF2-40B4-BE49-F238E27FC236}">
+                    <a16:creationId xmlns:a16="http://schemas.microsoft.com/office/drawing/2014/main" id="{1621D911-2A84-468C-9244-743E3E18D733}"/>
+                  </a:ext>
+                  <a:ext uri="{C183D7F6-B498-43B3-948B-1728B52AA6E4}">
+                    <adec:decorative xmlns:adec="http://schemas.microsoft.com/office/drawing/2017/decorative" val="1"/>
+                  </a:ext>
+                </a:extLst>
+              </p:cNvPr>
+              <p:cNvCxnSpPr/>
+              <p:nvPr>
+                <p:extLst>
+                  <p:ext uri="{386F3935-93C4-4BCD-93E2-E3B085C9AB24}">
+                    <p16:designElem xmlns:p16="http://schemas.microsoft.com/office/powerpoint/2015/main" val="1"/>
+                  </p:ext>
+                </p:extLst>
+              </p:nvPr>
+            </p:nvCxnSpPr>
+            <p:spPr>
+              <a:xfrm rot="-1620000" flipH="1">
+                <a:off x="7636645" y="689804"/>
+                <a:ext cx="3394" cy="182880"/>
+              </a:xfrm>
+              <a:prstGeom prst="line">
+                <a:avLst/>
+              </a:prstGeom>
+              <a:ln>
+                <a:solidFill>
+                  <a:srgbClr val="FFFFFF">
+                    <a:alpha val="30196"/>
+                  </a:srgbClr>
+                </a:solidFill>
+              </a:ln>
+            </p:spPr>
+            <p:style>
+              <a:lnRef idx="1">
+                <a:schemeClr val="accent1"/>
+              </a:lnRef>
+              <a:fillRef idx="0">
+                <a:schemeClr val="accent1"/>
+              </a:fillRef>
+              <a:effectRef idx="0">
+                <a:schemeClr val="accent1"/>
+              </a:effectRef>
+              <a:fontRef idx="minor">
+                <a:schemeClr val="tx1"/>
+              </a:fontRef>
+            </p:style>
+          </p:cxnSp>
+          <p:cxnSp>
+            <p:nvCxnSpPr>
+              <p:cNvPr id="287" name="Straight Connector 286">
+                <a:extLst>
+                  <a:ext uri="{FF2B5EF4-FFF2-40B4-BE49-F238E27FC236}">
+                    <a16:creationId xmlns:a16="http://schemas.microsoft.com/office/drawing/2014/main" id="{B29971DC-3B38-4403-ABC9-880A06EBAC9A}"/>
+                  </a:ext>
+                  <a:ext uri="{C183D7F6-B498-43B3-948B-1728B52AA6E4}">
+                    <adec:decorative xmlns:adec="http://schemas.microsoft.com/office/drawing/2017/decorative" val="1"/>
+                  </a:ext>
+                </a:extLst>
+              </p:cNvPr>
+              <p:cNvCxnSpPr/>
+              <p:nvPr>
+                <p:extLst>
+                  <p:ext uri="{386F3935-93C4-4BCD-93E2-E3B085C9AB24}">
+                    <p16:designElem xmlns:p16="http://schemas.microsoft.com/office/powerpoint/2015/main" val="1"/>
+                  </p:ext>
+                </p:extLst>
+              </p:nvPr>
+            </p:nvCxnSpPr>
+            <p:spPr>
+              <a:xfrm rot="-1800000" flipH="1">
+                <a:off x="7511871" y="751195"/>
+                <a:ext cx="3394" cy="182880"/>
+              </a:xfrm>
+              <a:prstGeom prst="line">
+                <a:avLst/>
+              </a:prstGeom>
+              <a:ln>
+                <a:solidFill>
+                  <a:srgbClr val="FFFFFF">
+                    <a:alpha val="30196"/>
+                  </a:srgbClr>
+                </a:solidFill>
+              </a:ln>
+            </p:spPr>
+            <p:style>
+              <a:lnRef idx="1">
+                <a:schemeClr val="accent1"/>
+              </a:lnRef>
+              <a:fillRef idx="0">
+                <a:schemeClr val="accent1"/>
+              </a:fillRef>
+              <a:effectRef idx="0">
+                <a:schemeClr val="accent1"/>
+              </a:effectRef>
+              <a:fontRef idx="minor">
+                <a:schemeClr val="tx1"/>
+              </a:fontRef>
+            </p:style>
+          </p:cxnSp>
+          <p:cxnSp>
+            <p:nvCxnSpPr>
+              <p:cNvPr id="288" name="Straight Connector 287">
+                <a:extLst>
+                  <a:ext uri="{FF2B5EF4-FFF2-40B4-BE49-F238E27FC236}">
+                    <a16:creationId xmlns:a16="http://schemas.microsoft.com/office/drawing/2014/main" id="{F2D65D61-4C71-4851-B377-83369B38899E}"/>
+                  </a:ext>
+                  <a:ext uri="{C183D7F6-B498-43B3-948B-1728B52AA6E4}">
+                    <adec:decorative xmlns:adec="http://schemas.microsoft.com/office/drawing/2017/decorative" val="1"/>
+                  </a:ext>
+                </a:extLst>
+              </p:cNvPr>
+              <p:cNvCxnSpPr/>
+              <p:nvPr>
+                <p:extLst>
+                  <p:ext uri="{386F3935-93C4-4BCD-93E2-E3B085C9AB24}">
+                    <p16:designElem xmlns:p16="http://schemas.microsoft.com/office/powerpoint/2015/main" val="1"/>
+                  </p:ext>
+                </p:extLst>
+              </p:nvPr>
+            </p:nvCxnSpPr>
+            <p:spPr>
+              <a:xfrm rot="-1920000" flipH="1">
+                <a:off x="7387899" y="819771"/>
+                <a:ext cx="3394" cy="182880"/>
+              </a:xfrm>
+              <a:prstGeom prst="line">
+                <a:avLst/>
+              </a:prstGeom>
+              <a:ln>
+                <a:solidFill>
+                  <a:srgbClr val="FFFFFF">
+                    <a:alpha val="30196"/>
+                  </a:srgbClr>
+                </a:solidFill>
+              </a:ln>
+            </p:spPr>
+            <p:style>
+              <a:lnRef idx="1">
+                <a:schemeClr val="accent1"/>
+              </a:lnRef>
+              <a:fillRef idx="0">
+                <a:schemeClr val="accent1"/>
+              </a:fillRef>
+              <a:effectRef idx="0">
+                <a:schemeClr val="accent1"/>
+              </a:effectRef>
+              <a:fontRef idx="minor">
+                <a:schemeClr val="tx1"/>
+              </a:fontRef>
+            </p:style>
+          </p:cxnSp>
+          <p:cxnSp>
+            <p:nvCxnSpPr>
+              <p:cNvPr id="289" name="Straight Connector 288">
+                <a:extLst>
+                  <a:ext uri="{FF2B5EF4-FFF2-40B4-BE49-F238E27FC236}">
+                    <a16:creationId xmlns:a16="http://schemas.microsoft.com/office/drawing/2014/main" id="{804A736D-4A39-4E06-B7A7-2217CEB4ECE2}"/>
+                  </a:ext>
+                  <a:ext uri="{C183D7F6-B498-43B3-948B-1728B52AA6E4}">
+                    <adec:decorative xmlns:adec="http://schemas.microsoft.com/office/drawing/2017/decorative" val="1"/>
+                  </a:ext>
+                </a:extLst>
+              </p:cNvPr>
+              <p:cNvCxnSpPr/>
+              <p:nvPr>
+                <p:extLst>
+                  <p:ext uri="{386F3935-93C4-4BCD-93E2-E3B085C9AB24}">
+                    <p16:designElem xmlns:p16="http://schemas.microsoft.com/office/powerpoint/2015/main" val="1"/>
+                  </p:ext>
+                </p:extLst>
+              </p:nvPr>
+            </p:nvCxnSpPr>
+            <p:spPr>
+              <a:xfrm rot="-2040000" flipH="1">
+                <a:off x="7268530" y="893163"/>
+                <a:ext cx="3394" cy="182880"/>
+              </a:xfrm>
+              <a:prstGeom prst="line">
+                <a:avLst/>
+              </a:prstGeom>
+              <a:ln>
+                <a:solidFill>
+                  <a:srgbClr val="FFFFFF">
+                    <a:alpha val="30196"/>
+                  </a:srgbClr>
+                </a:solidFill>
+              </a:ln>
+            </p:spPr>
+            <p:style>
+              <a:lnRef idx="1">
+                <a:schemeClr val="accent1"/>
+              </a:lnRef>
+              <a:fillRef idx="0">
+                <a:schemeClr val="accent1"/>
+              </a:fillRef>
+              <a:effectRef idx="0">
+                <a:schemeClr val="accent1"/>
+              </a:effectRef>
+              <a:fontRef idx="minor">
+                <a:schemeClr val="tx1"/>
+              </a:fontRef>
+            </p:style>
+          </p:cxnSp>
+          <p:cxnSp>
+            <p:nvCxnSpPr>
+              <p:cNvPr id="290" name="Straight Connector 289">
+                <a:extLst>
+                  <a:ext uri="{FF2B5EF4-FFF2-40B4-BE49-F238E27FC236}">
+                    <a16:creationId xmlns:a16="http://schemas.microsoft.com/office/drawing/2014/main" id="{33B1531E-B3AC-480D-A8CD-836E8C1788BE}"/>
+                  </a:ext>
+                  <a:ext uri="{C183D7F6-B498-43B3-948B-1728B52AA6E4}">
+                    <adec:decorative xmlns:adec="http://schemas.microsoft.com/office/drawing/2017/decorative" val="1"/>
+                  </a:ext>
+                </a:extLst>
+              </p:cNvPr>
+              <p:cNvCxnSpPr/>
+              <p:nvPr>
+                <p:extLst>
+                  <p:ext uri="{386F3935-93C4-4BCD-93E2-E3B085C9AB24}">
+                    <p16:designElem xmlns:p16="http://schemas.microsoft.com/office/powerpoint/2015/main" val="1"/>
+                  </p:ext>
+                </p:extLst>
+              </p:nvPr>
+            </p:nvCxnSpPr>
+            <p:spPr>
+              <a:xfrm rot="-2160000" flipH="1">
+                <a:off x="7152030" y="976584"/>
+                <a:ext cx="3394" cy="182880"/>
+              </a:xfrm>
+              <a:prstGeom prst="line">
+                <a:avLst/>
+              </a:prstGeom>
+              <a:ln>
+                <a:solidFill>
+                  <a:srgbClr val="FFFFFF">
+                    <a:alpha val="30196"/>
+                  </a:srgbClr>
+                </a:solidFill>
+              </a:ln>
+            </p:spPr>
+            <p:style>
+              <a:lnRef idx="1">
+                <a:schemeClr val="accent1"/>
+              </a:lnRef>
+              <a:fillRef idx="0">
+                <a:schemeClr val="accent1"/>
+              </a:fillRef>
+              <a:effectRef idx="0">
+                <a:schemeClr val="accent1"/>
+              </a:effectRef>
+              <a:fontRef idx="minor">
+                <a:schemeClr val="tx1"/>
+              </a:fontRef>
+            </p:style>
+          </p:cxnSp>
+          <p:cxnSp>
+            <p:nvCxnSpPr>
+              <p:cNvPr id="291" name="Straight Connector 290">
+                <a:extLst>
+                  <a:ext uri="{FF2B5EF4-FFF2-40B4-BE49-F238E27FC236}">
+                    <a16:creationId xmlns:a16="http://schemas.microsoft.com/office/drawing/2014/main" id="{CF076B49-2AA3-4C05-9E50-CFF9137184BF}"/>
+                  </a:ext>
+                  <a:ext uri="{C183D7F6-B498-43B3-948B-1728B52AA6E4}">
+                    <adec:decorative xmlns:adec="http://schemas.microsoft.com/office/drawing/2017/decorative" val="1"/>
+                  </a:ext>
+                </a:extLst>
+              </p:cNvPr>
+              <p:cNvCxnSpPr/>
+              <p:nvPr>
+                <p:extLst>
+                  <p:ext uri="{386F3935-93C4-4BCD-93E2-E3B085C9AB24}">
+                    <p16:designElem xmlns:p16="http://schemas.microsoft.com/office/powerpoint/2015/main" val="1"/>
+                  </p:ext>
+                </p:extLst>
+              </p:nvPr>
+            </p:nvCxnSpPr>
+            <p:spPr>
+              <a:xfrm rot="-2340000" flipH="1">
+                <a:off x="7041695" y="1060025"/>
+                <a:ext cx="3394" cy="182880"/>
+              </a:xfrm>
+              <a:prstGeom prst="line">
+                <a:avLst/>
+              </a:prstGeom>
+              <a:ln>
+                <a:solidFill>
+                  <a:srgbClr val="FFFFFF">
+                    <a:alpha val="30196"/>
+                  </a:srgbClr>
+                </a:solidFill>
+              </a:ln>
+            </p:spPr>
+            <p:style>
+              <a:lnRef idx="1">
+                <a:schemeClr val="accent1"/>
+              </a:lnRef>
+              <a:fillRef idx="0">
+                <a:schemeClr val="accent1"/>
+              </a:fillRef>
+              <a:effectRef idx="0">
+                <a:schemeClr val="accent1"/>
+              </a:effectRef>
+              <a:fontRef idx="minor">
+                <a:schemeClr val="tx1"/>
+              </a:fontRef>
+            </p:style>
+          </p:cxnSp>
+          <p:cxnSp>
+            <p:nvCxnSpPr>
+              <p:cNvPr id="292" name="Straight Connector 291">
+                <a:extLst>
+                  <a:ext uri="{FF2B5EF4-FFF2-40B4-BE49-F238E27FC236}">
+                    <a16:creationId xmlns:a16="http://schemas.microsoft.com/office/drawing/2014/main" id="{FE506FE5-22A7-42E7-BEB9-5442E791844F}"/>
+                  </a:ext>
+                  <a:ext uri="{C183D7F6-B498-43B3-948B-1728B52AA6E4}">
+                    <adec:decorative xmlns:adec="http://schemas.microsoft.com/office/drawing/2017/decorative" val="1"/>
+                  </a:ext>
+                </a:extLst>
+              </p:cNvPr>
+              <p:cNvCxnSpPr/>
+              <p:nvPr>
+                <p:extLst>
+                  <p:ext uri="{386F3935-93C4-4BCD-93E2-E3B085C9AB24}">
+                    <p16:designElem xmlns:p16="http://schemas.microsoft.com/office/powerpoint/2015/main" val="1"/>
+                  </p:ext>
+                </p:extLst>
+              </p:nvPr>
+            </p:nvCxnSpPr>
+            <p:spPr>
+              <a:xfrm rot="-2460000" flipH="1">
+                <a:off x="6931360" y="1143466"/>
+                <a:ext cx="3394" cy="182880"/>
+              </a:xfrm>
+              <a:prstGeom prst="line">
+                <a:avLst/>
+              </a:prstGeom>
+              <a:ln>
+                <a:solidFill>
+                  <a:srgbClr val="FFFFFF">
+                    <a:alpha val="30196"/>
+                  </a:srgbClr>
+                </a:solidFill>
+              </a:ln>
+            </p:spPr>
+            <p:style>
+              <a:lnRef idx="1">
+                <a:schemeClr val="accent1"/>
+              </a:lnRef>
+              <a:fillRef idx="0">
+                <a:schemeClr val="accent1"/>
+              </a:fillRef>
+              <a:effectRef idx="0">
+                <a:schemeClr val="accent1"/>
+              </a:effectRef>
+              <a:fontRef idx="minor">
+                <a:schemeClr val="tx1"/>
+              </a:fontRef>
+            </p:style>
+          </p:cxnSp>
+          <p:cxnSp>
+            <p:nvCxnSpPr>
+              <p:cNvPr id="293" name="Straight Connector 292">
+                <a:extLst>
+                  <a:ext uri="{FF2B5EF4-FFF2-40B4-BE49-F238E27FC236}">
+                    <a16:creationId xmlns:a16="http://schemas.microsoft.com/office/drawing/2014/main" id="{5D634CEF-DD74-4EC0-B7F4-3884BAF10662}"/>
+                  </a:ext>
+                  <a:ext uri="{C183D7F6-B498-43B3-948B-1728B52AA6E4}">
+                    <adec:decorative xmlns:adec="http://schemas.microsoft.com/office/drawing/2017/decorative" val="1"/>
+                  </a:ext>
+                </a:extLst>
+              </p:cNvPr>
+              <p:cNvCxnSpPr/>
+              <p:nvPr>
+                <p:extLst>
+                  <p:ext uri="{386F3935-93C4-4BCD-93E2-E3B085C9AB24}">
+                    <p16:designElem xmlns:p16="http://schemas.microsoft.com/office/powerpoint/2015/main" val="1"/>
+                  </p:ext>
+                </p:extLst>
+              </p:nvPr>
+            </p:nvCxnSpPr>
+            <p:spPr>
+              <a:xfrm rot="-2580000" flipH="1">
+                <a:off x="6819070" y="1235864"/>
+                <a:ext cx="3394" cy="182880"/>
+              </a:xfrm>
+              <a:prstGeom prst="line">
+                <a:avLst/>
+              </a:prstGeom>
+              <a:ln>
+                <a:solidFill>
+                  <a:srgbClr val="FFFFFF">
+                    <a:alpha val="30196"/>
+                  </a:srgbClr>
+                </a:solidFill>
+              </a:ln>
+            </p:spPr>
+            <p:style>
+              <a:lnRef idx="1">
+                <a:schemeClr val="accent1"/>
+              </a:lnRef>
+              <a:fillRef idx="0">
+                <a:schemeClr val="accent1"/>
+              </a:fillRef>
+              <a:effectRef idx="0">
+                <a:schemeClr val="accent1"/>
+              </a:effectRef>
+              <a:fontRef idx="minor">
+                <a:schemeClr val="tx1"/>
+              </a:fontRef>
+            </p:style>
+          </p:cxnSp>
+          <p:cxnSp>
+            <p:nvCxnSpPr>
+              <p:cNvPr id="294" name="Straight Connector 293">
+                <a:extLst>
+                  <a:ext uri="{FF2B5EF4-FFF2-40B4-BE49-F238E27FC236}">
+                    <a16:creationId xmlns:a16="http://schemas.microsoft.com/office/drawing/2014/main" id="{C4AD2728-E4B9-487D-A682-5E21DD15BB7B}"/>
+                  </a:ext>
+                  <a:ext uri="{C183D7F6-B498-43B3-948B-1728B52AA6E4}">
+                    <adec:decorative xmlns:adec="http://schemas.microsoft.com/office/drawing/2017/decorative" val="1"/>
+                  </a:ext>
+                </a:extLst>
+              </p:cNvPr>
+              <p:cNvCxnSpPr/>
+              <p:nvPr>
+                <p:extLst>
+                  <p:ext uri="{386F3935-93C4-4BCD-93E2-E3B085C9AB24}">
+                    <p16:designElem xmlns:p16="http://schemas.microsoft.com/office/powerpoint/2015/main" val="1"/>
+                  </p:ext>
+                </p:extLst>
+              </p:nvPr>
+            </p:nvCxnSpPr>
+            <p:spPr>
+              <a:xfrm rot="-2700000" flipH="1">
+                <a:off x="6721359" y="1332746"/>
+                <a:ext cx="3394" cy="182880"/>
+              </a:xfrm>
+              <a:prstGeom prst="line">
+                <a:avLst/>
+              </a:prstGeom>
+              <a:ln>
+                <a:solidFill>
+                  <a:srgbClr val="FFFFFF">
+                    <a:alpha val="30196"/>
+                  </a:srgbClr>
+                </a:solidFill>
+              </a:ln>
+            </p:spPr>
+            <p:style>
+              <a:lnRef idx="1">
+                <a:schemeClr val="accent1"/>
+              </a:lnRef>
+              <a:fillRef idx="0">
+                <a:schemeClr val="accent1"/>
+              </a:fillRef>
+              <a:effectRef idx="0">
+                <a:schemeClr val="accent1"/>
+              </a:effectRef>
+              <a:fontRef idx="minor">
+                <a:schemeClr val="tx1"/>
+              </a:fontRef>
+            </p:style>
+          </p:cxnSp>
+          <p:cxnSp>
+            <p:nvCxnSpPr>
+              <p:cNvPr id="295" name="Straight Connector 294">
+                <a:extLst>
+                  <a:ext uri="{FF2B5EF4-FFF2-40B4-BE49-F238E27FC236}">
+                    <a16:creationId xmlns:a16="http://schemas.microsoft.com/office/drawing/2014/main" id="{C422CD3C-92C4-473C-9E31-85A594F6BE27}"/>
+                  </a:ext>
+                  <a:ext uri="{C183D7F6-B498-43B3-948B-1728B52AA6E4}">
+                    <adec:decorative xmlns:adec="http://schemas.microsoft.com/office/drawing/2017/decorative" val="1"/>
+                  </a:ext>
+                </a:extLst>
+              </p:cNvPr>
+              <p:cNvCxnSpPr/>
+              <p:nvPr>
+                <p:extLst>
+                  <p:ext uri="{386F3935-93C4-4BCD-93E2-E3B085C9AB24}">
+                    <p16:designElem xmlns:p16="http://schemas.microsoft.com/office/powerpoint/2015/main" val="1"/>
+                  </p:ext>
+                </p:extLst>
+              </p:nvPr>
+            </p:nvCxnSpPr>
+            <p:spPr>
+              <a:xfrm rot="-2880000" flipH="1">
+                <a:off x="6617467" y="1429423"/>
+                <a:ext cx="3394" cy="182880"/>
+              </a:xfrm>
+              <a:prstGeom prst="line">
+                <a:avLst/>
+              </a:prstGeom>
+              <a:ln>
+                <a:solidFill>
+                  <a:srgbClr val="FFFFFF">
+                    <a:alpha val="30196"/>
+                  </a:srgbClr>
+                </a:solidFill>
+              </a:ln>
+            </p:spPr>
+            <p:style>
+              <a:lnRef idx="1">
+                <a:schemeClr val="accent1"/>
+              </a:lnRef>
+              <a:fillRef idx="0">
+                <a:schemeClr val="accent1"/>
+              </a:fillRef>
+              <a:effectRef idx="0">
+                <a:schemeClr val="accent1"/>
+              </a:effectRef>
+              <a:fontRef idx="minor">
+                <a:schemeClr val="tx1"/>
+              </a:fontRef>
+            </p:style>
+          </p:cxnSp>
+          <p:cxnSp>
+            <p:nvCxnSpPr>
+              <p:cNvPr id="296" name="Straight Connector 295">
+                <a:extLst>
+                  <a:ext uri="{FF2B5EF4-FFF2-40B4-BE49-F238E27FC236}">
+                    <a16:creationId xmlns:a16="http://schemas.microsoft.com/office/drawing/2014/main" id="{71509C2B-9D23-4008-B6A1-240768820976}"/>
+                  </a:ext>
+                  <a:ext uri="{C183D7F6-B498-43B3-948B-1728B52AA6E4}">
+                    <adec:decorative xmlns:adec="http://schemas.microsoft.com/office/drawing/2017/decorative" val="1"/>
+                  </a:ext>
+                </a:extLst>
+              </p:cNvPr>
+              <p:cNvCxnSpPr/>
+              <p:nvPr>
+                <p:extLst>
+                  <p:ext uri="{386F3935-93C4-4BCD-93E2-E3B085C9AB24}">
+                    <p16:designElem xmlns:p16="http://schemas.microsoft.com/office/powerpoint/2015/main" val="1"/>
+                  </p:ext>
+                </p:extLst>
+              </p:nvPr>
+            </p:nvCxnSpPr>
+            <p:spPr>
+              <a:xfrm rot="-3000000" flipH="1">
+                <a:off x="6520032" y="1527285"/>
+                <a:ext cx="3394" cy="182880"/>
+              </a:xfrm>
+              <a:prstGeom prst="line">
+                <a:avLst/>
+              </a:prstGeom>
+              <a:ln>
+                <a:solidFill>
+                  <a:srgbClr val="FFFFFF">
+                    <a:alpha val="30196"/>
+                  </a:srgbClr>
+                </a:solidFill>
+              </a:ln>
+            </p:spPr>
+            <p:style>
+              <a:lnRef idx="1">
+                <a:schemeClr val="accent1"/>
+              </a:lnRef>
+              <a:fillRef idx="0">
+                <a:schemeClr val="accent1"/>
+              </a:fillRef>
+              <a:effectRef idx="0">
+                <a:schemeClr val="accent1"/>
+              </a:effectRef>
+              <a:fontRef idx="minor">
+                <a:schemeClr val="tx1"/>
+              </a:fontRef>
+            </p:style>
+          </p:cxnSp>
+          <p:cxnSp>
+            <p:nvCxnSpPr>
+              <p:cNvPr id="297" name="Straight Connector 296">
+                <a:extLst>
+                  <a:ext uri="{FF2B5EF4-FFF2-40B4-BE49-F238E27FC236}">
+                    <a16:creationId xmlns:a16="http://schemas.microsoft.com/office/drawing/2014/main" id="{007ACD51-E44F-4AF8-8F61-F276D71343FA}"/>
+                  </a:ext>
+                  <a:ext uri="{C183D7F6-B498-43B3-948B-1728B52AA6E4}">
+                    <adec:decorative xmlns:adec="http://schemas.microsoft.com/office/drawing/2017/decorative" val="1"/>
+                  </a:ext>
+                </a:extLst>
+              </p:cNvPr>
+              <p:cNvCxnSpPr/>
+              <p:nvPr>
+                <p:extLst>
+                  <p:ext uri="{386F3935-93C4-4BCD-93E2-E3B085C9AB24}">
+                    <p16:designElem xmlns:p16="http://schemas.microsoft.com/office/powerpoint/2015/main" val="1"/>
+                  </p:ext>
+                </p:extLst>
+              </p:nvPr>
+            </p:nvCxnSpPr>
+            <p:spPr>
+              <a:xfrm rot="-3120000" flipH="1">
+                <a:off x="6429579" y="1641610"/>
+                <a:ext cx="3394" cy="182880"/>
+              </a:xfrm>
+              <a:prstGeom prst="line">
+                <a:avLst/>
+              </a:prstGeom>
+              <a:ln>
+                <a:solidFill>
+                  <a:srgbClr val="FFFFFF">
+                    <a:alpha val="30196"/>
+                  </a:srgbClr>
+                </a:solidFill>
+              </a:ln>
+            </p:spPr>
+            <p:style>
+              <a:lnRef idx="1">
+                <a:schemeClr val="accent1"/>
+              </a:lnRef>
+              <a:fillRef idx="0">
+                <a:schemeClr val="accent1"/>
+              </a:fillRef>
+              <a:effectRef idx="0">
+                <a:schemeClr val="accent1"/>
+              </a:effectRef>
+              <a:fontRef idx="minor">
+                <a:schemeClr val="tx1"/>
+              </a:fontRef>
+            </p:style>
+          </p:cxnSp>
+          <p:cxnSp>
+            <p:nvCxnSpPr>
+              <p:cNvPr id="298" name="Straight Connector 297">
+                <a:extLst>
+                  <a:ext uri="{FF2B5EF4-FFF2-40B4-BE49-F238E27FC236}">
+                    <a16:creationId xmlns:a16="http://schemas.microsoft.com/office/drawing/2014/main" id="{EF5BDAF9-2B69-4209-BE1F-6C5D8A1DFF77}"/>
+                  </a:ext>
+                  <a:ext uri="{C183D7F6-B498-43B3-948B-1728B52AA6E4}">
+                    <adec:decorative xmlns:adec="http://schemas.microsoft.com/office/drawing/2017/decorative" val="1"/>
+                  </a:ext>
+                </a:extLst>
+              </p:cNvPr>
+              <p:cNvCxnSpPr/>
+              <p:nvPr>
+                <p:extLst>
+                  <p:ext uri="{386F3935-93C4-4BCD-93E2-E3B085C9AB24}">
+                    <p16:designElem xmlns:p16="http://schemas.microsoft.com/office/powerpoint/2015/main" val="1"/>
+                  </p:ext>
+                </p:extLst>
+              </p:nvPr>
+            </p:nvCxnSpPr>
+            <p:spPr>
+              <a:xfrm rot="-3240000" flipH="1">
+                <a:off x="6340532" y="1750423"/>
+                <a:ext cx="3394" cy="182880"/>
+              </a:xfrm>
+              <a:prstGeom prst="line">
+                <a:avLst/>
+              </a:prstGeom>
+              <a:ln>
+                <a:solidFill>
+                  <a:srgbClr val="FFFFFF">
+                    <a:alpha val="30196"/>
+                  </a:srgbClr>
+                </a:solidFill>
+              </a:ln>
+            </p:spPr>
+            <p:style>
+              <a:lnRef idx="1">
+                <a:schemeClr val="accent1"/>
+              </a:lnRef>
+              <a:fillRef idx="0">
+                <a:schemeClr val="accent1"/>
+              </a:fillRef>
+              <a:effectRef idx="0">
+                <a:schemeClr val="accent1"/>
+              </a:effectRef>
+              <a:fontRef idx="minor">
+                <a:schemeClr val="tx1"/>
+              </a:fontRef>
+            </p:style>
+          </p:cxnSp>
+          <p:cxnSp>
+            <p:nvCxnSpPr>
+              <p:cNvPr id="299" name="Straight Connector 298">
+                <a:extLst>
+                  <a:ext uri="{FF2B5EF4-FFF2-40B4-BE49-F238E27FC236}">
+                    <a16:creationId xmlns:a16="http://schemas.microsoft.com/office/drawing/2014/main" id="{9DA27782-8E1F-422F-B106-31C0E1216D59}"/>
+                  </a:ext>
+                  <a:ext uri="{C183D7F6-B498-43B3-948B-1728B52AA6E4}">
+                    <adec:decorative xmlns:adec="http://schemas.microsoft.com/office/drawing/2017/decorative" val="1"/>
+                  </a:ext>
+                </a:extLst>
+              </p:cNvPr>
+              <p:cNvCxnSpPr/>
+              <p:nvPr>
+                <p:extLst>
+                  <p:ext uri="{386F3935-93C4-4BCD-93E2-E3B085C9AB24}">
+                    <p16:designElem xmlns:p16="http://schemas.microsoft.com/office/powerpoint/2015/main" val="1"/>
+                  </p:ext>
+                </p:extLst>
+              </p:nvPr>
+            </p:nvCxnSpPr>
+            <p:spPr>
+              <a:xfrm rot="-3420000" flipH="1">
+                <a:off x="6261757" y="1860178"/>
+                <a:ext cx="3394" cy="182880"/>
+              </a:xfrm>
+              <a:prstGeom prst="line">
+                <a:avLst/>
+              </a:prstGeom>
+              <a:ln>
+                <a:solidFill>
+                  <a:srgbClr val="FFFFFF">
+                    <a:alpha val="30196"/>
+                  </a:srgbClr>
+                </a:solidFill>
+              </a:ln>
+            </p:spPr>
+            <p:style>
+              <a:lnRef idx="1">
+                <a:schemeClr val="accent1"/>
+              </a:lnRef>
+              <a:fillRef idx="0">
+                <a:schemeClr val="accent1"/>
+              </a:fillRef>
+              <a:effectRef idx="0">
+                <a:schemeClr val="accent1"/>
+              </a:effectRef>
+              <a:fontRef idx="minor">
+                <a:schemeClr val="tx1"/>
+              </a:fontRef>
+            </p:style>
+          </p:cxnSp>
+          <p:cxnSp>
+            <p:nvCxnSpPr>
+              <p:cNvPr id="300" name="Straight Connector 299">
+                <a:extLst>
+                  <a:ext uri="{FF2B5EF4-FFF2-40B4-BE49-F238E27FC236}">
+                    <a16:creationId xmlns:a16="http://schemas.microsoft.com/office/drawing/2014/main" id="{8E8A221D-84EC-47C2-A895-825385815322}"/>
+                  </a:ext>
+                  <a:ext uri="{C183D7F6-B498-43B3-948B-1728B52AA6E4}">
+                    <adec:decorative xmlns:adec="http://schemas.microsoft.com/office/drawing/2017/decorative" val="1"/>
+                  </a:ext>
+                </a:extLst>
+              </p:cNvPr>
+              <p:cNvCxnSpPr/>
+              <p:nvPr>
+                <p:extLst>
+                  <p:ext uri="{386F3935-93C4-4BCD-93E2-E3B085C9AB24}">
+                    <p16:designElem xmlns:p16="http://schemas.microsoft.com/office/powerpoint/2015/main" val="1"/>
+                  </p:ext>
+                </p:extLst>
+              </p:nvPr>
+            </p:nvCxnSpPr>
+            <p:spPr>
+              <a:xfrm rot="-3540000" flipH="1">
+                <a:off x="6184144" y="1979619"/>
+                <a:ext cx="3394" cy="182880"/>
+              </a:xfrm>
+              <a:prstGeom prst="line">
+                <a:avLst/>
+              </a:prstGeom>
+              <a:ln>
+                <a:solidFill>
+                  <a:srgbClr val="FFFFFF">
+                    <a:alpha val="30196"/>
+                  </a:srgbClr>
+                </a:solidFill>
+              </a:ln>
+            </p:spPr>
+            <p:style>
+              <a:lnRef idx="1">
+                <a:schemeClr val="accent1"/>
+              </a:lnRef>
+              <a:fillRef idx="0">
+                <a:schemeClr val="accent1"/>
+              </a:fillRef>
+              <a:effectRef idx="0">
+                <a:schemeClr val="accent1"/>
+              </a:effectRef>
+              <a:fontRef idx="minor">
+                <a:schemeClr val="tx1"/>
+              </a:fontRef>
+            </p:style>
+          </p:cxnSp>
+          <p:cxnSp>
+            <p:nvCxnSpPr>
+              <p:cNvPr id="301" name="Straight Connector 300">
+                <a:extLst>
+                  <a:ext uri="{FF2B5EF4-FFF2-40B4-BE49-F238E27FC236}">
+                    <a16:creationId xmlns:a16="http://schemas.microsoft.com/office/drawing/2014/main" id="{F08A0E1C-6626-4DD8-83BE-E83E2DFC840C}"/>
+                  </a:ext>
+                  <a:ext uri="{C183D7F6-B498-43B3-948B-1728B52AA6E4}">
+                    <adec:decorative xmlns:adec="http://schemas.microsoft.com/office/drawing/2017/decorative" val="1"/>
+                  </a:ext>
+                </a:extLst>
+              </p:cNvPr>
+              <p:cNvCxnSpPr/>
+              <p:nvPr>
+                <p:extLst>
+                  <p:ext uri="{386F3935-93C4-4BCD-93E2-E3B085C9AB24}">
+                    <p16:designElem xmlns:p16="http://schemas.microsoft.com/office/powerpoint/2015/main" val="1"/>
+                  </p:ext>
+                </p:extLst>
+              </p:nvPr>
+            </p:nvCxnSpPr>
+            <p:spPr>
+              <a:xfrm rot="-3660000" flipH="1">
+                <a:off x="6106531" y="2099060"/>
+                <a:ext cx="3394" cy="182880"/>
+              </a:xfrm>
+              <a:prstGeom prst="line">
+                <a:avLst/>
+              </a:prstGeom>
+              <a:ln>
+                <a:solidFill>
+                  <a:srgbClr val="FFFFFF">
+                    <a:alpha val="30196"/>
+                  </a:srgbClr>
+                </a:solidFill>
+              </a:ln>
+            </p:spPr>
+            <p:style>
+              <a:lnRef idx="1">
+                <a:schemeClr val="accent1"/>
+              </a:lnRef>
+              <a:fillRef idx="0">
+                <a:schemeClr val="accent1"/>
+              </a:fillRef>
+              <a:effectRef idx="0">
+                <a:schemeClr val="accent1"/>
+              </a:effectRef>
+              <a:fontRef idx="minor">
+                <a:schemeClr val="tx1"/>
+              </a:fontRef>
+            </p:style>
+          </p:cxnSp>
+          <p:cxnSp>
+            <p:nvCxnSpPr>
+              <p:cNvPr id="302" name="Straight Connector 301">
+                <a:extLst>
+                  <a:ext uri="{FF2B5EF4-FFF2-40B4-BE49-F238E27FC236}">
+                    <a16:creationId xmlns:a16="http://schemas.microsoft.com/office/drawing/2014/main" id="{7360D67F-521C-4D9A-B2B1-392386EA51E6}"/>
+                  </a:ext>
+                  <a:ext uri="{C183D7F6-B498-43B3-948B-1728B52AA6E4}">
+                    <adec:decorative xmlns:adec="http://schemas.microsoft.com/office/drawing/2017/decorative" val="1"/>
+                  </a:ext>
+                </a:extLst>
+              </p:cNvPr>
+              <p:cNvCxnSpPr/>
+              <p:nvPr>
+                <p:extLst>
+                  <p:ext uri="{386F3935-93C4-4BCD-93E2-E3B085C9AB24}">
+                    <p16:designElem xmlns:p16="http://schemas.microsoft.com/office/powerpoint/2015/main" val="1"/>
+                  </p:ext>
+                </p:extLst>
+              </p:nvPr>
+            </p:nvCxnSpPr>
+            <p:spPr>
+              <a:xfrm rot="-3780000" flipH="1">
+                <a:off x="6043206" y="2222556"/>
+                <a:ext cx="3394" cy="182880"/>
+              </a:xfrm>
+              <a:prstGeom prst="line">
+                <a:avLst/>
+              </a:prstGeom>
+              <a:ln>
+                <a:solidFill>
+                  <a:srgbClr val="FFFFFF">
+                    <a:alpha val="30196"/>
+                  </a:srgbClr>
+                </a:solidFill>
+              </a:ln>
+            </p:spPr>
+            <p:style>
+              <a:lnRef idx="1">
+                <a:schemeClr val="accent1"/>
+              </a:lnRef>
+              <a:fillRef idx="0">
+                <a:schemeClr val="accent1"/>
+              </a:fillRef>
+              <a:effectRef idx="0">
+                <a:schemeClr val="accent1"/>
+              </a:effectRef>
+              <a:fontRef idx="minor">
+                <a:schemeClr val="tx1"/>
+              </a:fontRef>
+            </p:style>
+          </p:cxnSp>
+          <p:cxnSp>
+            <p:nvCxnSpPr>
+              <p:cNvPr id="303" name="Straight Connector 302">
+                <a:extLst>
+                  <a:ext uri="{FF2B5EF4-FFF2-40B4-BE49-F238E27FC236}">
+                    <a16:creationId xmlns:a16="http://schemas.microsoft.com/office/drawing/2014/main" id="{F29669A1-CC36-41F4-B0F1-B720DB989420}"/>
+                  </a:ext>
+                  <a:ext uri="{C183D7F6-B498-43B3-948B-1728B52AA6E4}">
+                    <adec:decorative xmlns:adec="http://schemas.microsoft.com/office/drawing/2017/decorative" val="1"/>
+                  </a:ext>
+                </a:extLst>
+              </p:cNvPr>
+              <p:cNvCxnSpPr/>
+              <p:nvPr>
+                <p:extLst>
+                  <p:ext uri="{386F3935-93C4-4BCD-93E2-E3B085C9AB24}">
+                    <p16:designElem xmlns:p16="http://schemas.microsoft.com/office/powerpoint/2015/main" val="1"/>
+                  </p:ext>
+                </p:extLst>
+              </p:nvPr>
+            </p:nvCxnSpPr>
+            <p:spPr>
+              <a:xfrm rot="-3960000" flipH="1">
+                <a:off x="5978913" y="2344301"/>
+                <a:ext cx="3394" cy="182880"/>
+              </a:xfrm>
+              <a:prstGeom prst="line">
+                <a:avLst/>
+              </a:prstGeom>
+              <a:ln>
+                <a:solidFill>
+                  <a:srgbClr val="FFFFFF">
+                    <a:alpha val="30196"/>
+                  </a:srgbClr>
+                </a:solidFill>
+              </a:ln>
+            </p:spPr>
+            <p:style>
+              <a:lnRef idx="1">
+                <a:schemeClr val="accent1"/>
+              </a:lnRef>
+              <a:fillRef idx="0">
+                <a:schemeClr val="accent1"/>
+              </a:fillRef>
+              <a:effectRef idx="0">
+                <a:schemeClr val="accent1"/>
+              </a:effectRef>
+              <a:fontRef idx="minor">
+                <a:schemeClr val="tx1"/>
+              </a:fontRef>
+            </p:style>
+          </p:cxnSp>
+          <p:cxnSp>
+            <p:nvCxnSpPr>
+              <p:cNvPr id="304" name="Straight Connector 303">
+                <a:extLst>
+                  <a:ext uri="{FF2B5EF4-FFF2-40B4-BE49-F238E27FC236}">
+                    <a16:creationId xmlns:a16="http://schemas.microsoft.com/office/drawing/2014/main" id="{7DC3ADA6-152F-4D7B-9ABD-30DC8F7A2510}"/>
+                  </a:ext>
+                  <a:ext uri="{C183D7F6-B498-43B3-948B-1728B52AA6E4}">
+                    <adec:decorative xmlns:adec="http://schemas.microsoft.com/office/drawing/2017/decorative" val="1"/>
+                  </a:ext>
+                </a:extLst>
+              </p:cNvPr>
+              <p:cNvCxnSpPr/>
+              <p:nvPr>
+                <p:extLst>
+                  <p:ext uri="{386F3935-93C4-4BCD-93E2-E3B085C9AB24}">
+                    <p16:designElem xmlns:p16="http://schemas.microsoft.com/office/powerpoint/2015/main" val="1"/>
+                  </p:ext>
+                </p:extLst>
+              </p:nvPr>
+            </p:nvCxnSpPr>
+            <p:spPr>
+              <a:xfrm rot="-4080000" flipH="1">
+                <a:off x="5912438" y="2470678"/>
+                <a:ext cx="3394" cy="182880"/>
+              </a:xfrm>
+              <a:prstGeom prst="line">
+                <a:avLst/>
+              </a:prstGeom>
+              <a:ln>
+                <a:solidFill>
+                  <a:srgbClr val="FFFFFF">
+                    <a:alpha val="30196"/>
+                  </a:srgbClr>
+                </a:solidFill>
+              </a:ln>
+            </p:spPr>
+            <p:style>
+              <a:lnRef idx="1">
+                <a:schemeClr val="accent1"/>
+              </a:lnRef>
+              <a:fillRef idx="0">
+                <a:schemeClr val="accent1"/>
+              </a:fillRef>
+              <a:effectRef idx="0">
+                <a:schemeClr val="accent1"/>
+              </a:effectRef>
+              <a:fontRef idx="minor">
+                <a:schemeClr val="tx1"/>
+              </a:fontRef>
+            </p:style>
+          </p:cxnSp>
+          <p:cxnSp>
+            <p:nvCxnSpPr>
+              <p:cNvPr id="305" name="Straight Connector 304">
+                <a:extLst>
+                  <a:ext uri="{FF2B5EF4-FFF2-40B4-BE49-F238E27FC236}">
+                    <a16:creationId xmlns:a16="http://schemas.microsoft.com/office/drawing/2014/main" id="{1F6CA5EE-56FA-4EF7-9EC7-BC3FB217ED90}"/>
+                  </a:ext>
+                  <a:ext uri="{C183D7F6-B498-43B3-948B-1728B52AA6E4}">
+                    <adec:decorative xmlns:adec="http://schemas.microsoft.com/office/drawing/2017/decorative" val="1"/>
+                  </a:ext>
+                </a:extLst>
+              </p:cNvPr>
+              <p:cNvCxnSpPr/>
+              <p:nvPr>
+                <p:extLst>
+                  <p:ext uri="{386F3935-93C4-4BCD-93E2-E3B085C9AB24}">
+                    <p16:designElem xmlns:p16="http://schemas.microsoft.com/office/powerpoint/2015/main" val="1"/>
+                  </p:ext>
+                </p:extLst>
+              </p:nvPr>
+            </p:nvCxnSpPr>
+            <p:spPr>
+              <a:xfrm rot="-4200000" flipH="1">
+                <a:off x="5858875" y="2600922"/>
+                <a:ext cx="3394" cy="182880"/>
+              </a:xfrm>
+              <a:prstGeom prst="line">
+                <a:avLst/>
+              </a:prstGeom>
+              <a:ln>
+                <a:solidFill>
+                  <a:srgbClr val="FFFFFF">
+                    <a:alpha val="30196"/>
+                  </a:srgbClr>
+                </a:solidFill>
+              </a:ln>
+            </p:spPr>
+            <p:style>
+              <a:lnRef idx="1">
+                <a:schemeClr val="accent1"/>
+              </a:lnRef>
+              <a:fillRef idx="0">
+                <a:schemeClr val="accent1"/>
+              </a:fillRef>
+              <a:effectRef idx="0">
+                <a:schemeClr val="accent1"/>
+              </a:effectRef>
+              <a:fontRef idx="minor">
+                <a:schemeClr val="tx1"/>
+              </a:fontRef>
+            </p:style>
+          </p:cxnSp>
+          <p:cxnSp>
+            <p:nvCxnSpPr>
+              <p:cNvPr id="306" name="Straight Connector 305">
+                <a:extLst>
+                  <a:ext uri="{FF2B5EF4-FFF2-40B4-BE49-F238E27FC236}">
+                    <a16:creationId xmlns:a16="http://schemas.microsoft.com/office/drawing/2014/main" id="{703F9222-217B-48EB-8878-EC0B32E32256}"/>
+                  </a:ext>
+                  <a:ext uri="{C183D7F6-B498-43B3-948B-1728B52AA6E4}">
+                    <adec:decorative xmlns:adec="http://schemas.microsoft.com/office/drawing/2017/decorative" val="1"/>
+                  </a:ext>
+                </a:extLst>
+              </p:cNvPr>
+              <p:cNvCxnSpPr/>
+              <p:nvPr>
+                <p:extLst>
+                  <p:ext uri="{386F3935-93C4-4BCD-93E2-E3B085C9AB24}">
+                    <p16:designElem xmlns:p16="http://schemas.microsoft.com/office/powerpoint/2015/main" val="1"/>
+                  </p:ext>
+                </p:extLst>
+              </p:nvPr>
+            </p:nvCxnSpPr>
+            <p:spPr>
+              <a:xfrm rot="-4320000" flipH="1">
+                <a:off x="5808182" y="2734040"/>
+                <a:ext cx="3394" cy="182880"/>
+              </a:xfrm>
+              <a:prstGeom prst="line">
+                <a:avLst/>
+              </a:prstGeom>
+              <a:ln>
+                <a:solidFill>
+                  <a:srgbClr val="FFFFFF">
+                    <a:alpha val="30196"/>
+                  </a:srgbClr>
+                </a:solidFill>
+              </a:ln>
+            </p:spPr>
+            <p:style>
+              <a:lnRef idx="1">
+                <a:schemeClr val="accent1"/>
+              </a:lnRef>
+              <a:fillRef idx="0">
+                <a:schemeClr val="accent1"/>
+              </a:fillRef>
+              <a:effectRef idx="0">
+                <a:schemeClr val="accent1"/>
+              </a:effectRef>
+              <a:fontRef idx="minor">
+                <a:schemeClr val="tx1"/>
+              </a:fontRef>
+            </p:style>
+          </p:cxnSp>
+          <p:cxnSp>
+            <p:nvCxnSpPr>
+              <p:cNvPr id="307" name="Straight Connector 306">
+                <a:extLst>
+                  <a:ext uri="{FF2B5EF4-FFF2-40B4-BE49-F238E27FC236}">
+                    <a16:creationId xmlns:a16="http://schemas.microsoft.com/office/drawing/2014/main" id="{B48B9A73-A26B-43DB-9BB2-5658871FEA2B}"/>
+                  </a:ext>
+                  <a:ext uri="{C183D7F6-B498-43B3-948B-1728B52AA6E4}">
+                    <adec:decorative xmlns:adec="http://schemas.microsoft.com/office/drawing/2017/decorative" val="1"/>
+                  </a:ext>
+                </a:extLst>
+              </p:cNvPr>
+              <p:cNvCxnSpPr/>
+              <p:nvPr>
+                <p:extLst>
+                  <p:ext uri="{386F3935-93C4-4BCD-93E2-E3B085C9AB24}">
+                    <p16:designElem xmlns:p16="http://schemas.microsoft.com/office/powerpoint/2015/main" val="1"/>
+                  </p:ext>
+                </p:extLst>
+              </p:nvPr>
+            </p:nvCxnSpPr>
+            <p:spPr>
+              <a:xfrm rot="-4500000" flipH="1">
+                <a:off x="5773263" y="2866860"/>
+                <a:ext cx="3394" cy="182880"/>
+              </a:xfrm>
+              <a:prstGeom prst="line">
+                <a:avLst/>
+              </a:prstGeom>
+              <a:ln>
+                <a:solidFill>
+                  <a:srgbClr val="FFFFFF">
+                    <a:alpha val="30196"/>
+                  </a:srgbClr>
+                </a:solidFill>
+              </a:ln>
+            </p:spPr>
+            <p:style>
+              <a:lnRef idx="1">
+                <a:schemeClr val="accent1"/>
+              </a:lnRef>
+              <a:fillRef idx="0">
+                <a:schemeClr val="accent1"/>
+              </a:fillRef>
+              <a:effectRef idx="0">
+                <a:schemeClr val="accent1"/>
+              </a:effectRef>
+              <a:fontRef idx="minor">
+                <a:schemeClr val="tx1"/>
+              </a:fontRef>
+            </p:style>
+          </p:cxnSp>
+          <p:cxnSp>
+            <p:nvCxnSpPr>
+              <p:cNvPr id="308" name="Straight Connector 307">
+                <a:extLst>
+                  <a:ext uri="{FF2B5EF4-FFF2-40B4-BE49-F238E27FC236}">
+                    <a16:creationId xmlns:a16="http://schemas.microsoft.com/office/drawing/2014/main" id="{EDF9DD53-6F04-4203-B61A-240676B7FDB5}"/>
+                  </a:ext>
+                  <a:ext uri="{C183D7F6-B498-43B3-948B-1728B52AA6E4}">
+                    <adec:decorative xmlns:adec="http://schemas.microsoft.com/office/drawing/2017/decorative" val="1"/>
+                  </a:ext>
+                </a:extLst>
+              </p:cNvPr>
+              <p:cNvCxnSpPr/>
+              <p:nvPr>
+                <p:extLst>
+                  <p:ext uri="{386F3935-93C4-4BCD-93E2-E3B085C9AB24}">
+                    <p16:designElem xmlns:p16="http://schemas.microsoft.com/office/powerpoint/2015/main" val="1"/>
+                  </p:ext>
+                </p:extLst>
+              </p:nvPr>
+            </p:nvCxnSpPr>
+            <p:spPr>
+              <a:xfrm rot="-4620000" flipH="1">
+                <a:off x="5735963" y="3002061"/>
+                <a:ext cx="3394" cy="182880"/>
+              </a:xfrm>
+              <a:prstGeom prst="line">
+                <a:avLst/>
+              </a:prstGeom>
+              <a:ln>
+                <a:solidFill>
+                  <a:srgbClr val="FFFFFF">
+                    <a:alpha val="30196"/>
+                  </a:srgbClr>
+                </a:solidFill>
+              </a:ln>
+            </p:spPr>
+            <p:style>
+              <a:lnRef idx="1">
+                <a:schemeClr val="accent1"/>
+              </a:lnRef>
+              <a:fillRef idx="0">
+                <a:schemeClr val="accent1"/>
+              </a:fillRef>
+              <a:effectRef idx="0">
+                <a:schemeClr val="accent1"/>
+              </a:effectRef>
+              <a:fontRef idx="minor">
+                <a:schemeClr val="tx1"/>
+              </a:fontRef>
+            </p:style>
+          </p:cxnSp>
+          <p:cxnSp>
+            <p:nvCxnSpPr>
+              <p:cNvPr id="309" name="Straight Connector 308">
+                <a:extLst>
+                  <a:ext uri="{FF2B5EF4-FFF2-40B4-BE49-F238E27FC236}">
+                    <a16:creationId xmlns:a16="http://schemas.microsoft.com/office/drawing/2014/main" id="{01065752-DE28-425C-8987-168FE9F51028}"/>
+                  </a:ext>
+                  <a:ext uri="{C183D7F6-B498-43B3-948B-1728B52AA6E4}">
+                    <adec:decorative xmlns:adec="http://schemas.microsoft.com/office/drawing/2017/decorative" val="1"/>
+                  </a:ext>
+                </a:extLst>
+              </p:cNvPr>
+              <p:cNvCxnSpPr/>
+              <p:nvPr>
+                <p:extLst>
+                  <p:ext uri="{386F3935-93C4-4BCD-93E2-E3B085C9AB24}">
+                    <p16:designElem xmlns:p16="http://schemas.microsoft.com/office/powerpoint/2015/main" val="1"/>
+                  </p:ext>
+                </p:extLst>
+              </p:nvPr>
+            </p:nvCxnSpPr>
+            <p:spPr>
+              <a:xfrm rot="-4740000" flipH="1">
+                <a:off x="5700105" y="3138910"/>
+                <a:ext cx="3394" cy="182880"/>
+              </a:xfrm>
+              <a:prstGeom prst="line">
+                <a:avLst/>
+              </a:prstGeom>
+              <a:ln>
+                <a:solidFill>
+                  <a:srgbClr val="FFFFFF">
+                    <a:alpha val="30196"/>
+                  </a:srgbClr>
+                </a:solidFill>
+              </a:ln>
+            </p:spPr>
+            <p:style>
+              <a:lnRef idx="1">
+                <a:schemeClr val="accent1"/>
+              </a:lnRef>
+              <a:fillRef idx="0">
+                <a:schemeClr val="accent1"/>
+              </a:fillRef>
+              <a:effectRef idx="0">
+                <a:schemeClr val="accent1"/>
+              </a:effectRef>
+              <a:fontRef idx="minor">
+                <a:schemeClr val="tx1"/>
+              </a:fontRef>
+            </p:style>
+          </p:cxnSp>
+          <p:cxnSp>
+            <p:nvCxnSpPr>
+              <p:cNvPr id="310" name="Straight Connector 309">
+                <a:extLst>
+                  <a:ext uri="{FF2B5EF4-FFF2-40B4-BE49-F238E27FC236}">
+                    <a16:creationId xmlns:a16="http://schemas.microsoft.com/office/drawing/2014/main" id="{4B78A37C-B329-45F9-AF83-26D5CD826542}"/>
+                  </a:ext>
+                  <a:ext uri="{C183D7F6-B498-43B3-948B-1728B52AA6E4}">
+                    <adec:decorative xmlns:adec="http://schemas.microsoft.com/office/drawing/2017/decorative" val="1"/>
+                  </a:ext>
+                </a:extLst>
+              </p:cNvPr>
+              <p:cNvCxnSpPr/>
+              <p:nvPr>
+                <p:extLst>
+                  <p:ext uri="{386F3935-93C4-4BCD-93E2-E3B085C9AB24}">
+                    <p16:designElem xmlns:p16="http://schemas.microsoft.com/office/powerpoint/2015/main" val="1"/>
+                  </p:ext>
+                </p:extLst>
+              </p:nvPr>
+            </p:nvCxnSpPr>
+            <p:spPr>
+              <a:xfrm rot="-4860000" flipH="1">
+                <a:off x="5665939" y="3275489"/>
+                <a:ext cx="3394" cy="182880"/>
+              </a:xfrm>
+              <a:prstGeom prst="line">
+                <a:avLst/>
+              </a:prstGeom>
+              <a:ln>
+                <a:solidFill>
+                  <a:srgbClr val="FFFFFF">
+                    <a:alpha val="30196"/>
+                  </a:srgbClr>
+                </a:solidFill>
+              </a:ln>
+            </p:spPr>
+            <p:style>
+              <a:lnRef idx="1">
+                <a:schemeClr val="accent1"/>
+              </a:lnRef>
+              <a:fillRef idx="0">
+                <a:schemeClr val="accent1"/>
+              </a:fillRef>
+              <a:effectRef idx="0">
+                <a:schemeClr val="accent1"/>
+              </a:effectRef>
+              <a:fontRef idx="minor">
+                <a:schemeClr val="tx1"/>
+              </a:fontRef>
+            </p:style>
+          </p:cxnSp>
+          <p:cxnSp>
+            <p:nvCxnSpPr>
+              <p:cNvPr id="311" name="Straight Connector 310">
+                <a:extLst>
+                  <a:ext uri="{FF2B5EF4-FFF2-40B4-BE49-F238E27FC236}">
+                    <a16:creationId xmlns:a16="http://schemas.microsoft.com/office/drawing/2014/main" id="{FB70B126-9812-487A-AB78-CBCB1B32D760}"/>
+                  </a:ext>
+                  <a:ext uri="{C183D7F6-B498-43B3-948B-1728B52AA6E4}">
+                    <adec:decorative xmlns:adec="http://schemas.microsoft.com/office/drawing/2017/decorative" val="1"/>
+                  </a:ext>
+                </a:extLst>
+              </p:cNvPr>
+              <p:cNvCxnSpPr/>
+              <p:nvPr>
+                <p:extLst>
+                  <p:ext uri="{386F3935-93C4-4BCD-93E2-E3B085C9AB24}">
+                    <p16:designElem xmlns:p16="http://schemas.microsoft.com/office/powerpoint/2015/main" val="1"/>
+                  </p:ext>
+                </p:extLst>
+              </p:nvPr>
+            </p:nvCxnSpPr>
+            <p:spPr>
+              <a:xfrm rot="-5040000" flipH="1">
+                <a:off x="5644476" y="3414251"/>
+                <a:ext cx="3394" cy="182880"/>
+              </a:xfrm>
+              <a:prstGeom prst="line">
+                <a:avLst/>
+              </a:prstGeom>
+              <a:ln>
+                <a:solidFill>
+                  <a:srgbClr val="FFFFFF">
+                    <a:alpha val="30196"/>
+                  </a:srgbClr>
+                </a:solidFill>
+              </a:ln>
+            </p:spPr>
+            <p:style>
+              <a:lnRef idx="1">
+                <a:schemeClr val="accent1"/>
+              </a:lnRef>
+              <a:fillRef idx="0">
+                <a:schemeClr val="accent1"/>
+              </a:fillRef>
+              <a:effectRef idx="0">
+                <a:schemeClr val="accent1"/>
+              </a:effectRef>
+              <a:fontRef idx="minor">
+                <a:schemeClr val="tx1"/>
+              </a:fontRef>
+            </p:style>
+          </p:cxnSp>
+          <p:cxnSp>
+            <p:nvCxnSpPr>
+              <p:cNvPr id="312" name="Straight Connector 311">
+                <a:extLst>
+                  <a:ext uri="{FF2B5EF4-FFF2-40B4-BE49-F238E27FC236}">
+                    <a16:creationId xmlns:a16="http://schemas.microsoft.com/office/drawing/2014/main" id="{62A622F7-EC16-4F46-83B7-7A7DBCF99A26}"/>
+                  </a:ext>
+                  <a:ext uri="{C183D7F6-B498-43B3-948B-1728B52AA6E4}">
+                    <adec:decorative xmlns:adec="http://schemas.microsoft.com/office/drawing/2017/decorative" val="1"/>
+                  </a:ext>
+                </a:extLst>
+              </p:cNvPr>
+              <p:cNvCxnSpPr/>
+              <p:nvPr>
+                <p:extLst>
+                  <p:ext uri="{386F3935-93C4-4BCD-93E2-E3B085C9AB24}">
+                    <p16:designElem xmlns:p16="http://schemas.microsoft.com/office/powerpoint/2015/main" val="1"/>
+                  </p:ext>
+                </p:extLst>
+              </p:nvPr>
+            </p:nvCxnSpPr>
+            <p:spPr>
+              <a:xfrm rot="-5160000" flipH="1">
+                <a:off x="5626530" y="3554628"/>
+                <a:ext cx="3394" cy="182880"/>
+              </a:xfrm>
+              <a:prstGeom prst="line">
+                <a:avLst/>
+              </a:prstGeom>
+              <a:ln>
+                <a:solidFill>
+                  <a:srgbClr val="FFFFFF">
+                    <a:alpha val="30196"/>
+                  </a:srgbClr>
+                </a:solidFill>
+              </a:ln>
+            </p:spPr>
+            <p:style>
+              <a:lnRef idx="1">
+                <a:schemeClr val="accent1"/>
+              </a:lnRef>
+              <a:fillRef idx="0">
+                <a:schemeClr val="accent1"/>
+              </a:fillRef>
+              <a:effectRef idx="0">
+                <a:schemeClr val="accent1"/>
+              </a:effectRef>
+              <a:fontRef idx="minor">
+                <a:schemeClr val="tx1"/>
+              </a:fontRef>
+            </p:style>
+          </p:cxnSp>
+          <p:cxnSp>
+            <p:nvCxnSpPr>
+              <p:cNvPr id="313" name="Straight Connector 312">
+                <a:extLst>
+                  <a:ext uri="{FF2B5EF4-FFF2-40B4-BE49-F238E27FC236}">
+                    <a16:creationId xmlns:a16="http://schemas.microsoft.com/office/drawing/2014/main" id="{5607D488-F3A1-4FF6-9C5C-B4C1E147A2CB}"/>
+                  </a:ext>
+                  <a:ext uri="{C183D7F6-B498-43B3-948B-1728B52AA6E4}">
+                    <adec:decorative xmlns:adec="http://schemas.microsoft.com/office/drawing/2017/decorative" val="1"/>
+                  </a:ext>
+                </a:extLst>
+              </p:cNvPr>
+              <p:cNvCxnSpPr/>
+              <p:nvPr>
+                <p:extLst>
+                  <p:ext uri="{386F3935-93C4-4BCD-93E2-E3B085C9AB24}">
+                    <p16:designElem xmlns:p16="http://schemas.microsoft.com/office/powerpoint/2015/main" val="1"/>
+                  </p:ext>
+                </p:extLst>
+              </p:nvPr>
+            </p:nvCxnSpPr>
+            <p:spPr>
+              <a:xfrm rot="-5280000" flipH="1">
+                <a:off x="5616429" y="3691831"/>
+                <a:ext cx="3394" cy="182880"/>
+              </a:xfrm>
+              <a:prstGeom prst="line">
+                <a:avLst/>
+              </a:prstGeom>
+              <a:ln>
+                <a:solidFill>
+                  <a:srgbClr val="FFFFFF">
+                    <a:alpha val="30196"/>
+                  </a:srgbClr>
+                </a:solidFill>
+              </a:ln>
+            </p:spPr>
+            <p:style>
+              <a:lnRef idx="1">
+                <a:schemeClr val="accent1"/>
+              </a:lnRef>
+              <a:fillRef idx="0">
+                <a:schemeClr val="accent1"/>
+              </a:fillRef>
+              <a:effectRef idx="0">
+                <a:schemeClr val="accent1"/>
+              </a:effectRef>
+              <a:fontRef idx="minor">
+                <a:schemeClr val="tx1"/>
+              </a:fontRef>
+            </p:style>
+          </p:cxnSp>
+          <p:cxnSp>
+            <p:nvCxnSpPr>
+              <p:cNvPr id="314" name="Straight Connector 313">
+                <a:extLst>
+                  <a:ext uri="{FF2B5EF4-FFF2-40B4-BE49-F238E27FC236}">
+                    <a16:creationId xmlns:a16="http://schemas.microsoft.com/office/drawing/2014/main" id="{FDD48CAD-8E9A-434C-9F7E-6031DA9A6A95}"/>
+                  </a:ext>
+                  <a:ext uri="{C183D7F6-B498-43B3-948B-1728B52AA6E4}">
+                    <adec:decorative xmlns:adec="http://schemas.microsoft.com/office/drawing/2017/decorative" val="1"/>
+                  </a:ext>
+                </a:extLst>
+              </p:cNvPr>
+              <p:cNvCxnSpPr/>
+              <p:nvPr>
+                <p:extLst>
+                  <p:ext uri="{386F3935-93C4-4BCD-93E2-E3B085C9AB24}">
+                    <p16:designElem xmlns:p16="http://schemas.microsoft.com/office/powerpoint/2015/main" val="1"/>
+                  </p:ext>
+                </p:extLst>
+              </p:nvPr>
+            </p:nvCxnSpPr>
+            <p:spPr>
+              <a:xfrm rot="-5400000" flipH="1">
+                <a:off x="5611319" y="3835374"/>
+                <a:ext cx="3394" cy="182880"/>
+              </a:xfrm>
+              <a:prstGeom prst="line">
+                <a:avLst/>
+              </a:prstGeom>
+              <a:ln>
+                <a:solidFill>
+                  <a:srgbClr val="FFFFFF">
+                    <a:alpha val="30196"/>
+                  </a:srgbClr>
+                </a:solidFill>
+              </a:ln>
+            </p:spPr>
+            <p:style>
+              <a:lnRef idx="1">
+                <a:schemeClr val="accent1"/>
+              </a:lnRef>
+              <a:fillRef idx="0">
+                <a:schemeClr val="accent1"/>
+              </a:fillRef>
+              <a:effectRef idx="0">
+                <a:schemeClr val="accent1"/>
+              </a:effectRef>
+              <a:fontRef idx="minor">
+                <a:schemeClr val="tx1"/>
+              </a:fontRef>
+            </p:style>
+          </p:cxnSp>
+          <p:cxnSp>
+            <p:nvCxnSpPr>
+              <p:cNvPr id="315" name="Straight Connector 314">
+                <a:extLst>
+                  <a:ext uri="{FF2B5EF4-FFF2-40B4-BE49-F238E27FC236}">
+                    <a16:creationId xmlns:a16="http://schemas.microsoft.com/office/drawing/2014/main" id="{F70B9979-DEC4-48B9-9462-E3631AC96A9B}"/>
+                  </a:ext>
+                  <a:ext uri="{C183D7F6-B498-43B3-948B-1728B52AA6E4}">
+                    <adec:decorative xmlns:adec="http://schemas.microsoft.com/office/drawing/2017/decorative" val="1"/>
+                  </a:ext>
+                </a:extLst>
+              </p:cNvPr>
+              <p:cNvCxnSpPr/>
+              <p:nvPr>
+                <p:extLst>
+                  <p:ext uri="{386F3935-93C4-4BCD-93E2-E3B085C9AB24}">
+                    <p16:designElem xmlns:p16="http://schemas.microsoft.com/office/powerpoint/2015/main" val="1"/>
+                  </p:ext>
+                </p:extLst>
+              </p:nvPr>
+            </p:nvCxnSpPr>
+            <p:spPr>
+              <a:xfrm rot="-5580000" flipH="1">
+                <a:off x="5608540" y="3975726"/>
+                <a:ext cx="3394" cy="182880"/>
+              </a:xfrm>
+              <a:prstGeom prst="line">
+                <a:avLst/>
+              </a:prstGeom>
+              <a:ln>
+                <a:solidFill>
+                  <a:srgbClr val="FFFFFF">
+                    <a:alpha val="30196"/>
+                  </a:srgbClr>
+                </a:solidFill>
+              </a:ln>
+            </p:spPr>
+            <p:style>
+              <a:lnRef idx="1">
+                <a:schemeClr val="accent1"/>
+              </a:lnRef>
+              <a:fillRef idx="0">
+                <a:schemeClr val="accent1"/>
+              </a:fillRef>
+              <a:effectRef idx="0">
+                <a:schemeClr val="accent1"/>
+              </a:effectRef>
+              <a:fontRef idx="minor">
+                <a:schemeClr val="tx1"/>
+              </a:fontRef>
+            </p:style>
+          </p:cxnSp>
+          <p:cxnSp>
+            <p:nvCxnSpPr>
+              <p:cNvPr id="316" name="Straight Connector 315">
+                <a:extLst>
+                  <a:ext uri="{FF2B5EF4-FFF2-40B4-BE49-F238E27FC236}">
+                    <a16:creationId xmlns:a16="http://schemas.microsoft.com/office/drawing/2014/main" id="{ADB15ACD-534F-474C-8B1A-8F5B94AEFDCD}"/>
+                  </a:ext>
+                  <a:ext uri="{C183D7F6-B498-43B3-948B-1728B52AA6E4}">
+                    <adec:decorative xmlns:adec="http://schemas.microsoft.com/office/drawing/2017/decorative" val="1"/>
+                  </a:ext>
+                </a:extLst>
+              </p:cNvPr>
+              <p:cNvCxnSpPr/>
+              <p:nvPr>
+                <p:extLst>
+                  <p:ext uri="{386F3935-93C4-4BCD-93E2-E3B085C9AB24}">
+                    <p16:designElem xmlns:p16="http://schemas.microsoft.com/office/powerpoint/2015/main" val="1"/>
+                  </p:ext>
+                </p:extLst>
+              </p:nvPr>
+            </p:nvCxnSpPr>
+            <p:spPr>
+              <a:xfrm rot="-5700000" flipH="1">
+                <a:off x="5605761" y="4116078"/>
+                <a:ext cx="3394" cy="182880"/>
+              </a:xfrm>
+              <a:prstGeom prst="line">
+                <a:avLst/>
+              </a:prstGeom>
+              <a:ln>
+                <a:solidFill>
+                  <a:srgbClr val="FFFFFF">
+                    <a:alpha val="30196"/>
+                  </a:srgbClr>
+                </a:solidFill>
+              </a:ln>
+            </p:spPr>
+            <p:style>
+              <a:lnRef idx="1">
+                <a:schemeClr val="accent1"/>
+              </a:lnRef>
+              <a:fillRef idx="0">
+                <a:schemeClr val="accent1"/>
+              </a:fillRef>
+              <a:effectRef idx="0">
+                <a:schemeClr val="accent1"/>
+              </a:effectRef>
+              <a:fontRef idx="minor">
+                <a:schemeClr val="tx1"/>
+              </a:fontRef>
+            </p:style>
+          </p:cxnSp>
+          <p:cxnSp>
+            <p:nvCxnSpPr>
+              <p:cNvPr id="317" name="Straight Connector 316">
+                <a:extLst>
+                  <a:ext uri="{FF2B5EF4-FFF2-40B4-BE49-F238E27FC236}">
+                    <a16:creationId xmlns:a16="http://schemas.microsoft.com/office/drawing/2014/main" id="{8DFFE368-637C-4309-ABAC-BDCED29B6BCD}"/>
+                  </a:ext>
+                  <a:ext uri="{C183D7F6-B498-43B3-948B-1728B52AA6E4}">
+                    <adec:decorative xmlns:adec="http://schemas.microsoft.com/office/drawing/2017/decorative" val="1"/>
+                  </a:ext>
+                </a:extLst>
+              </p:cNvPr>
+              <p:cNvCxnSpPr/>
+              <p:nvPr>
+                <p:extLst>
+                  <p:ext uri="{386F3935-93C4-4BCD-93E2-E3B085C9AB24}">
+                    <p16:designElem xmlns:p16="http://schemas.microsoft.com/office/powerpoint/2015/main" val="1"/>
+                  </p:ext>
+                </p:extLst>
+              </p:nvPr>
+            </p:nvCxnSpPr>
+            <p:spPr>
+              <a:xfrm rot="-5820000" flipH="1">
+                <a:off x="5624195" y="4254218"/>
+                <a:ext cx="3394" cy="182880"/>
+              </a:xfrm>
+              <a:prstGeom prst="line">
+                <a:avLst/>
+              </a:prstGeom>
+              <a:ln>
+                <a:solidFill>
+                  <a:srgbClr val="FFFFFF">
+                    <a:alpha val="30196"/>
+                  </a:srgbClr>
+                </a:solidFill>
+              </a:ln>
+            </p:spPr>
+            <p:style>
+              <a:lnRef idx="1">
+                <a:schemeClr val="accent1"/>
+              </a:lnRef>
+              <a:fillRef idx="0">
+                <a:schemeClr val="accent1"/>
+              </a:fillRef>
+              <a:effectRef idx="0">
+                <a:schemeClr val="accent1"/>
+              </a:effectRef>
+              <a:fontRef idx="minor">
+                <a:schemeClr val="tx1"/>
+              </a:fontRef>
+            </p:style>
+          </p:cxnSp>
+          <p:cxnSp>
+            <p:nvCxnSpPr>
+              <p:cNvPr id="318" name="Straight Connector 317">
+                <a:extLst>
+                  <a:ext uri="{FF2B5EF4-FFF2-40B4-BE49-F238E27FC236}">
+                    <a16:creationId xmlns:a16="http://schemas.microsoft.com/office/drawing/2014/main" id="{7D3E8255-AD5A-48F8-B948-7BF97DBEE7A3}"/>
+                  </a:ext>
+                  <a:ext uri="{C183D7F6-B498-43B3-948B-1728B52AA6E4}">
+                    <adec:decorative xmlns:adec="http://schemas.microsoft.com/office/drawing/2017/decorative" val="1"/>
+                  </a:ext>
+                </a:extLst>
+              </p:cNvPr>
+              <p:cNvCxnSpPr/>
+              <p:nvPr>
+                <p:extLst>
+                  <p:ext uri="{386F3935-93C4-4BCD-93E2-E3B085C9AB24}">
+                    <p16:designElem xmlns:p16="http://schemas.microsoft.com/office/powerpoint/2015/main" val="1"/>
+                  </p:ext>
+                </p:extLst>
+              </p:nvPr>
+            </p:nvCxnSpPr>
+            <p:spPr>
+              <a:xfrm rot="-5940000" flipH="1">
+                <a:off x="5642629" y="4392358"/>
+                <a:ext cx="3394" cy="182880"/>
+              </a:xfrm>
+              <a:prstGeom prst="line">
+                <a:avLst/>
+              </a:prstGeom>
+              <a:ln>
+                <a:solidFill>
+                  <a:srgbClr val="FFFFFF">
+                    <a:alpha val="30196"/>
+                  </a:srgbClr>
+                </a:solidFill>
+              </a:ln>
+            </p:spPr>
+            <p:style>
+              <a:lnRef idx="1">
+                <a:schemeClr val="accent1"/>
+              </a:lnRef>
+              <a:fillRef idx="0">
+                <a:schemeClr val="accent1"/>
+              </a:fillRef>
+              <a:effectRef idx="0">
+                <a:schemeClr val="accent1"/>
+              </a:effectRef>
+              <a:fontRef idx="minor">
+                <a:schemeClr val="tx1"/>
+              </a:fontRef>
+            </p:style>
+          </p:cxnSp>
+          <p:cxnSp>
+            <p:nvCxnSpPr>
+              <p:cNvPr id="319" name="Straight Connector 318">
+                <a:extLst>
+                  <a:ext uri="{FF2B5EF4-FFF2-40B4-BE49-F238E27FC236}">
+                    <a16:creationId xmlns:a16="http://schemas.microsoft.com/office/drawing/2014/main" id="{784682BD-D253-4704-BB29-6D9C7D3006A1}"/>
+                  </a:ext>
+                  <a:ext uri="{C183D7F6-B498-43B3-948B-1728B52AA6E4}">
+                    <adec:decorative xmlns:adec="http://schemas.microsoft.com/office/drawing/2017/decorative" val="1"/>
+                  </a:ext>
+                </a:extLst>
+              </p:cNvPr>
+              <p:cNvCxnSpPr/>
+              <p:nvPr>
+                <p:extLst>
+                  <p:ext uri="{386F3935-93C4-4BCD-93E2-E3B085C9AB24}">
+                    <p16:designElem xmlns:p16="http://schemas.microsoft.com/office/powerpoint/2015/main" val="1"/>
+                  </p:ext>
+                </p:extLst>
+              </p:nvPr>
+            </p:nvCxnSpPr>
+            <p:spPr>
+              <a:xfrm rot="-6120000" flipH="1">
+                <a:off x="5654818" y="4536385"/>
+                <a:ext cx="3394" cy="182880"/>
+              </a:xfrm>
+              <a:prstGeom prst="line">
+                <a:avLst/>
+              </a:prstGeom>
+              <a:ln>
+                <a:solidFill>
+                  <a:srgbClr val="FFFFFF">
+                    <a:alpha val="30196"/>
+                  </a:srgbClr>
+                </a:solidFill>
+              </a:ln>
+            </p:spPr>
+            <p:style>
+              <a:lnRef idx="1">
+                <a:schemeClr val="accent1"/>
+              </a:lnRef>
+              <a:fillRef idx="0">
+                <a:schemeClr val="accent1"/>
+              </a:fillRef>
+              <a:effectRef idx="0">
+                <a:schemeClr val="accent1"/>
+              </a:effectRef>
+              <a:fontRef idx="minor">
+                <a:schemeClr val="tx1"/>
+              </a:fontRef>
+            </p:style>
+          </p:cxnSp>
+          <p:cxnSp>
+            <p:nvCxnSpPr>
+              <p:cNvPr id="320" name="Straight Connector 319">
+                <a:extLst>
+                  <a:ext uri="{FF2B5EF4-FFF2-40B4-BE49-F238E27FC236}">
+                    <a16:creationId xmlns:a16="http://schemas.microsoft.com/office/drawing/2014/main" id="{34113DE4-AE89-4F45-9B12-61B04E3E78AA}"/>
+                  </a:ext>
+                  <a:ext uri="{C183D7F6-B498-43B3-948B-1728B52AA6E4}">
+                    <adec:decorative xmlns:adec="http://schemas.microsoft.com/office/drawing/2017/decorative" val="1"/>
+                  </a:ext>
+                </a:extLst>
+              </p:cNvPr>
+              <p:cNvCxnSpPr/>
+              <p:nvPr>
+                <p:extLst>
+                  <p:ext uri="{386F3935-93C4-4BCD-93E2-E3B085C9AB24}">
+                    <p16:designElem xmlns:p16="http://schemas.microsoft.com/office/powerpoint/2015/main" val="1"/>
+                  </p:ext>
+                </p:extLst>
+              </p:nvPr>
+            </p:nvCxnSpPr>
+            <p:spPr>
+              <a:xfrm rot="-6240000" flipH="1">
+                <a:off x="5684446" y="4671367"/>
+                <a:ext cx="3394" cy="182880"/>
+              </a:xfrm>
+              <a:prstGeom prst="line">
+                <a:avLst/>
+              </a:prstGeom>
+              <a:ln>
+                <a:solidFill>
+                  <a:srgbClr val="FFFFFF">
+                    <a:alpha val="30196"/>
+                  </a:srgbClr>
+                </a:solidFill>
+              </a:ln>
+            </p:spPr>
+            <p:style>
+              <a:lnRef idx="1">
+                <a:schemeClr val="accent1"/>
+              </a:lnRef>
+              <a:fillRef idx="0">
+                <a:schemeClr val="accent1"/>
+              </a:fillRef>
+              <a:effectRef idx="0">
+                <a:schemeClr val="accent1"/>
+              </a:effectRef>
+              <a:fontRef idx="minor">
+                <a:schemeClr val="tx1"/>
+              </a:fontRef>
+            </p:style>
+          </p:cxnSp>
+          <p:cxnSp>
+            <p:nvCxnSpPr>
+              <p:cNvPr id="321" name="Straight Connector 320">
+                <a:extLst>
+                  <a:ext uri="{FF2B5EF4-FFF2-40B4-BE49-F238E27FC236}">
+                    <a16:creationId xmlns:a16="http://schemas.microsoft.com/office/drawing/2014/main" id="{8437CF76-AF2F-46BC-9579-872625F1AB74}"/>
+                  </a:ext>
+                  <a:ext uri="{C183D7F6-B498-43B3-948B-1728B52AA6E4}">
+                    <adec:decorative xmlns:adec="http://schemas.microsoft.com/office/drawing/2017/decorative" val="1"/>
+                  </a:ext>
+                </a:extLst>
+              </p:cNvPr>
+              <p:cNvCxnSpPr/>
+              <p:nvPr>
+                <p:extLst>
+                  <p:ext uri="{386F3935-93C4-4BCD-93E2-E3B085C9AB24}">
+                    <p16:designElem xmlns:p16="http://schemas.microsoft.com/office/powerpoint/2015/main" val="1"/>
+                  </p:ext>
+                </p:extLst>
+              </p:nvPr>
+            </p:nvCxnSpPr>
+            <p:spPr>
+              <a:xfrm rot="-6360000" flipH="1">
+                <a:off x="5714074" y="4808730"/>
+                <a:ext cx="3394" cy="182880"/>
+              </a:xfrm>
+              <a:prstGeom prst="line">
+                <a:avLst/>
+              </a:prstGeom>
+              <a:ln>
+                <a:solidFill>
+                  <a:srgbClr val="FFFFFF">
+                    <a:alpha val="30196"/>
+                  </a:srgbClr>
+                </a:solidFill>
+              </a:ln>
+            </p:spPr>
+            <p:style>
+              <a:lnRef idx="1">
+                <a:schemeClr val="accent1"/>
+              </a:lnRef>
+              <a:fillRef idx="0">
+                <a:schemeClr val="accent1"/>
+              </a:fillRef>
+              <a:effectRef idx="0">
+                <a:schemeClr val="accent1"/>
+              </a:effectRef>
+              <a:fontRef idx="minor">
+                <a:schemeClr val="tx1"/>
+              </a:fontRef>
+            </p:style>
+          </p:cxnSp>
+          <p:cxnSp>
+            <p:nvCxnSpPr>
+              <p:cNvPr id="322" name="Straight Connector 321">
+                <a:extLst>
+                  <a:ext uri="{FF2B5EF4-FFF2-40B4-BE49-F238E27FC236}">
+                    <a16:creationId xmlns:a16="http://schemas.microsoft.com/office/drawing/2014/main" id="{AF2AF364-8140-40A5-9AC8-00C03DA479CC}"/>
+                  </a:ext>
+                  <a:ext uri="{C183D7F6-B498-43B3-948B-1728B52AA6E4}">
+                    <adec:decorative xmlns:adec="http://schemas.microsoft.com/office/drawing/2017/decorative" val="1"/>
+                  </a:ext>
+                </a:extLst>
+              </p:cNvPr>
+              <p:cNvCxnSpPr/>
+              <p:nvPr>
+                <p:extLst>
+                  <p:ext uri="{386F3935-93C4-4BCD-93E2-E3B085C9AB24}">
+                    <p16:designElem xmlns:p16="http://schemas.microsoft.com/office/powerpoint/2015/main" val="1"/>
+                  </p:ext>
+                </p:extLst>
+              </p:nvPr>
+            </p:nvCxnSpPr>
+            <p:spPr>
+              <a:xfrm rot="-6480000" flipH="1">
+                <a:off x="5748464" y="4948474"/>
+                <a:ext cx="3394" cy="182880"/>
+              </a:xfrm>
+              <a:prstGeom prst="line">
+                <a:avLst/>
+              </a:prstGeom>
+              <a:ln>
+                <a:solidFill>
+                  <a:srgbClr val="FFFFFF">
+                    <a:alpha val="30196"/>
+                  </a:srgbClr>
+                </a:solidFill>
+              </a:ln>
+            </p:spPr>
+            <p:style>
+              <a:lnRef idx="1">
+                <a:schemeClr val="accent1"/>
+              </a:lnRef>
+              <a:fillRef idx="0">
+                <a:schemeClr val="accent1"/>
+              </a:fillRef>
+              <a:effectRef idx="0">
+                <a:schemeClr val="accent1"/>
+              </a:effectRef>
+              <a:fontRef idx="minor">
+                <a:schemeClr val="tx1"/>
+              </a:fontRef>
+            </p:style>
+          </p:cxnSp>
+          <p:cxnSp>
+            <p:nvCxnSpPr>
+              <p:cNvPr id="323" name="Straight Connector 322">
+                <a:extLst>
+                  <a:ext uri="{FF2B5EF4-FFF2-40B4-BE49-F238E27FC236}">
+                    <a16:creationId xmlns:a16="http://schemas.microsoft.com/office/drawing/2014/main" id="{AFBA166C-DB92-475D-B0D3-1F7EB2B81ABF}"/>
+                  </a:ext>
+                  <a:ext uri="{C183D7F6-B498-43B3-948B-1728B52AA6E4}">
+                    <adec:decorative xmlns:adec="http://schemas.microsoft.com/office/drawing/2017/decorative" val="1"/>
+                  </a:ext>
+                </a:extLst>
+              </p:cNvPr>
+              <p:cNvCxnSpPr/>
+              <p:nvPr>
+                <p:extLst>
+                  <p:ext uri="{386F3935-93C4-4BCD-93E2-E3B085C9AB24}">
+                    <p16:designElem xmlns:p16="http://schemas.microsoft.com/office/powerpoint/2015/main" val="1"/>
+                  </p:ext>
+                </p:extLst>
+              </p:nvPr>
+            </p:nvCxnSpPr>
+            <p:spPr>
+              <a:xfrm rot="-6660000" flipH="1">
+                <a:off x="5792091" y="5077607"/>
+                <a:ext cx="3394" cy="182880"/>
+              </a:xfrm>
+              <a:prstGeom prst="line">
+                <a:avLst/>
+              </a:prstGeom>
+              <a:ln>
+                <a:solidFill>
+                  <a:srgbClr val="FFFFFF">
+                    <a:alpha val="30196"/>
+                  </a:srgbClr>
+                </a:solidFill>
+              </a:ln>
+            </p:spPr>
+            <p:style>
+              <a:lnRef idx="1">
+                <a:schemeClr val="accent1"/>
+              </a:lnRef>
+              <a:fillRef idx="0">
+                <a:schemeClr val="accent1"/>
+              </a:fillRef>
+              <a:effectRef idx="0">
+                <a:schemeClr val="accent1"/>
+              </a:effectRef>
+              <a:fontRef idx="minor">
+                <a:schemeClr val="tx1"/>
+              </a:fontRef>
+            </p:style>
+          </p:cxnSp>
+          <p:cxnSp>
+            <p:nvCxnSpPr>
+              <p:cNvPr id="324" name="Straight Connector 323">
+                <a:extLst>
+                  <a:ext uri="{FF2B5EF4-FFF2-40B4-BE49-F238E27FC236}">
+                    <a16:creationId xmlns:a16="http://schemas.microsoft.com/office/drawing/2014/main" id="{583F60B4-E774-4D4F-BC7C-A171BB61743F}"/>
+                  </a:ext>
+                  <a:ext uri="{C183D7F6-B498-43B3-948B-1728B52AA6E4}">
+                    <adec:decorative xmlns:adec="http://schemas.microsoft.com/office/drawing/2017/decorative" val="1"/>
+                  </a:ext>
+                </a:extLst>
+              </p:cNvPr>
+              <p:cNvCxnSpPr/>
+              <p:nvPr>
+                <p:extLst>
+                  <p:ext uri="{386F3935-93C4-4BCD-93E2-E3B085C9AB24}">
+                    <p16:designElem xmlns:p16="http://schemas.microsoft.com/office/powerpoint/2015/main" val="1"/>
+                  </p:ext>
+                </p:extLst>
+              </p:nvPr>
+            </p:nvCxnSpPr>
+            <p:spPr>
+              <a:xfrm rot="-6780000" flipH="1">
+                <a:off x="5847441" y="5211223"/>
+                <a:ext cx="3394" cy="182880"/>
+              </a:xfrm>
+              <a:prstGeom prst="line">
+                <a:avLst/>
+              </a:prstGeom>
+              <a:ln>
+                <a:solidFill>
+                  <a:srgbClr val="FFFFFF">
+                    <a:alpha val="30196"/>
+                  </a:srgbClr>
+                </a:solidFill>
+              </a:ln>
+            </p:spPr>
+            <p:style>
+              <a:lnRef idx="1">
+                <a:schemeClr val="accent1"/>
+              </a:lnRef>
+              <a:fillRef idx="0">
+                <a:schemeClr val="accent1"/>
+              </a:fillRef>
+              <a:effectRef idx="0">
+                <a:schemeClr val="accent1"/>
+              </a:effectRef>
+              <a:fontRef idx="minor">
+                <a:schemeClr val="tx1"/>
+              </a:fontRef>
+            </p:style>
+          </p:cxnSp>
+          <p:cxnSp>
+            <p:nvCxnSpPr>
+              <p:cNvPr id="325" name="Straight Connector 324">
+                <a:extLst>
+                  <a:ext uri="{FF2B5EF4-FFF2-40B4-BE49-F238E27FC236}">
+                    <a16:creationId xmlns:a16="http://schemas.microsoft.com/office/drawing/2014/main" id="{EF18C06C-0984-4FAA-952A-9CBFC0F95C17}"/>
+                  </a:ext>
+                  <a:ext uri="{C183D7F6-B498-43B3-948B-1728B52AA6E4}">
+                    <adec:decorative xmlns:adec="http://schemas.microsoft.com/office/drawing/2017/decorative" val="1"/>
+                  </a:ext>
+                </a:extLst>
+              </p:cNvPr>
+              <p:cNvCxnSpPr/>
+              <p:nvPr>
+                <p:extLst>
+                  <p:ext uri="{386F3935-93C4-4BCD-93E2-E3B085C9AB24}">
+                    <p16:designElem xmlns:p16="http://schemas.microsoft.com/office/powerpoint/2015/main" val="1"/>
+                  </p:ext>
+                </p:extLst>
+              </p:nvPr>
+            </p:nvCxnSpPr>
+            <p:spPr>
+              <a:xfrm rot="-6900000" flipH="1">
+                <a:off x="5900410" y="5342458"/>
+                <a:ext cx="3394" cy="182880"/>
+              </a:xfrm>
+              <a:prstGeom prst="line">
+                <a:avLst/>
+              </a:prstGeom>
+              <a:ln>
+                <a:solidFill>
+                  <a:srgbClr val="FFFFFF">
+                    <a:alpha val="30196"/>
+                  </a:srgbClr>
+                </a:solidFill>
+              </a:ln>
+            </p:spPr>
+            <p:style>
+              <a:lnRef idx="1">
+                <a:schemeClr val="accent1"/>
+              </a:lnRef>
+              <a:fillRef idx="0">
+                <a:schemeClr val="accent1"/>
+              </a:fillRef>
+              <a:effectRef idx="0">
+                <a:schemeClr val="accent1"/>
+              </a:effectRef>
+              <a:fontRef idx="minor">
+                <a:schemeClr val="tx1"/>
+              </a:fontRef>
+            </p:style>
+          </p:cxnSp>
+          <p:cxnSp>
+            <p:nvCxnSpPr>
+              <p:cNvPr id="326" name="Straight Connector 325">
+                <a:extLst>
+                  <a:ext uri="{FF2B5EF4-FFF2-40B4-BE49-F238E27FC236}">
+                    <a16:creationId xmlns:a16="http://schemas.microsoft.com/office/drawing/2014/main" id="{BDE44802-FF06-46DC-9F7E-D2A329BB29B5}"/>
+                  </a:ext>
+                  <a:ext uri="{C183D7F6-B498-43B3-948B-1728B52AA6E4}">
+                    <adec:decorative xmlns:adec="http://schemas.microsoft.com/office/drawing/2017/decorative" val="1"/>
+                  </a:ext>
+                </a:extLst>
+              </p:cNvPr>
+              <p:cNvCxnSpPr/>
+              <p:nvPr>
+                <p:extLst>
+                  <p:ext uri="{386F3935-93C4-4BCD-93E2-E3B085C9AB24}">
+                    <p16:designElem xmlns:p16="http://schemas.microsoft.com/office/powerpoint/2015/main" val="1"/>
+                  </p:ext>
+                </p:extLst>
+              </p:nvPr>
+            </p:nvCxnSpPr>
+            <p:spPr>
+              <a:xfrm rot="-7020000" flipH="1">
+                <a:off x="5955760" y="5473693"/>
+                <a:ext cx="3394" cy="182880"/>
+              </a:xfrm>
+              <a:prstGeom prst="line">
+                <a:avLst/>
+              </a:prstGeom>
+              <a:ln>
+                <a:solidFill>
+                  <a:srgbClr val="FFFFFF">
+                    <a:alpha val="30196"/>
+                  </a:srgbClr>
+                </a:solidFill>
+              </a:ln>
+            </p:spPr>
+            <p:style>
+              <a:lnRef idx="1">
+                <a:schemeClr val="accent1"/>
+              </a:lnRef>
+              <a:fillRef idx="0">
+                <a:schemeClr val="accent1"/>
+              </a:fillRef>
+              <a:effectRef idx="0">
+                <a:schemeClr val="accent1"/>
+              </a:effectRef>
+              <a:fontRef idx="minor">
+                <a:schemeClr val="tx1"/>
+              </a:fontRef>
+            </p:style>
+          </p:cxnSp>
+        </p:grpSp>
+      </p:grpSp>
+      <p:pic>
+        <p:nvPicPr>
+          <p:cNvPr id="173" name="Content Placeholder 4">
+            <a:extLst>
+              <a:ext uri="{FF2B5EF4-FFF2-40B4-BE49-F238E27FC236}">
+                <a16:creationId xmlns:a16="http://schemas.microsoft.com/office/drawing/2014/main" id="{7B4456B2-3CCF-4067-A50F-363E647736CD}"/>
+              </a:ext>
+            </a:extLst>
+          </p:cNvPr>
+          <p:cNvPicPr>
+            <a:picLocks noChangeAspect="1"/>
+          </p:cNvPicPr>
+          <p:nvPr/>
+        </p:nvPicPr>
+        <p:blipFill rotWithShape="1">
+          <a:blip r:embed="rId4">
+            <a:extLst>
+              <a:ext uri="{28A0092B-C50C-407E-A947-70E740481C1C}">
+                <a14:useLocalDpi xmlns:a14="http://schemas.microsoft.com/office/drawing/2010/main" val="0"/>
+              </a:ext>
+            </a:extLst>
+          </a:blip>
+          <a:srcRect r="10048" b="-4"/>
+          <a:stretch/>
+        </p:blipFill>
+        <p:spPr>
+          <a:xfrm>
+            <a:off x="8055588" y="-3863"/>
+            <a:ext cx="4132754" cy="3445946"/>
+          </a:xfrm>
+          <a:custGeom>
+            <a:avLst/>
+            <a:gdLst>
+              <a:gd name="connsiteX0" fmla="*/ 303228 w 4638368"/>
+              <a:gd name="connsiteY0" fmla="*/ 0 h 3867534"/>
+              <a:gd name="connsiteX1" fmla="*/ 4638368 w 4638368"/>
+              <a:gd name="connsiteY1" fmla="*/ 0 h 3867534"/>
+              <a:gd name="connsiteX2" fmla="*/ 4638368 w 4638368"/>
+              <a:gd name="connsiteY2" fmla="*/ 2952747 h 3867534"/>
+              <a:gd name="connsiteX3" fmla="*/ 4585825 w 4638368"/>
+              <a:gd name="connsiteY3" fmla="*/ 3013864 h 3867534"/>
+              <a:gd name="connsiteX4" fmla="*/ 2641346 w 4638368"/>
+              <a:gd name="connsiteY4" fmla="*/ 3867534 h 3867534"/>
+              <a:gd name="connsiteX5" fmla="*/ 0 w 4638368"/>
+              <a:gd name="connsiteY5" fmla="*/ 1226188 h 3867534"/>
+              <a:gd name="connsiteX6" fmla="*/ 260466 w 4638368"/>
+              <a:gd name="connsiteY6" fmla="*/ 81056 h 3867534"/>
+            </a:gdLst>
+            <a:ahLst/>
+            <a:cxnLst>
+              <a:cxn ang="0">
+                <a:pos x="connsiteX0" y="connsiteY0"/>
+              </a:cxn>
+              <a:cxn ang="0">
+                <a:pos x="connsiteX1" y="connsiteY1"/>
+              </a:cxn>
+              <a:cxn ang="0">
+                <a:pos x="connsiteX2" y="connsiteY2"/>
+              </a:cxn>
+              <a:cxn ang="0">
+                <a:pos x="connsiteX3" y="connsiteY3"/>
+              </a:cxn>
+              <a:cxn ang="0">
+                <a:pos x="connsiteX4" y="connsiteY4"/>
+              </a:cxn>
+              <a:cxn ang="0">
+                <a:pos x="connsiteX5" y="connsiteY5"/>
+              </a:cxn>
+              <a:cxn ang="0">
+                <a:pos x="connsiteX6" y="connsiteY6"/>
+              </a:cxn>
+            </a:cxnLst>
+            <a:rect l="l" t="t" r="r" b="b"/>
+            <a:pathLst>
+              <a:path w="4638368" h="3867534">
+                <a:moveTo>
+                  <a:pt x="303228" y="0"/>
+                </a:moveTo>
+                <a:lnTo>
+                  <a:pt x="4638368" y="0"/>
+                </a:lnTo>
+                <a:lnTo>
+                  <a:pt x="4638368" y="2952747"/>
+                </a:lnTo>
+                <a:lnTo>
+                  <a:pt x="4585825" y="3013864"/>
+                </a:lnTo>
+                <a:cubicBezTo>
+                  <a:pt x="4103088" y="3538671"/>
+                  <a:pt x="3410622" y="3867534"/>
+                  <a:pt x="2641346" y="3867534"/>
+                </a:cubicBezTo>
+                <a:cubicBezTo>
+                  <a:pt x="1182571" y="3867534"/>
+                  <a:pt x="0" y="2684963"/>
+                  <a:pt x="0" y="1226188"/>
+                </a:cubicBezTo>
+                <a:cubicBezTo>
+                  <a:pt x="0" y="815907"/>
+                  <a:pt x="93544" y="427475"/>
+                  <a:pt x="260466" y="81056"/>
+                </a:cubicBezTo>
+                <a:close/>
+              </a:path>
+            </a:pathLst>
+          </a:custGeom>
+        </p:spPr>
+      </p:pic>
+    </p:spTree>
+    <p:extLst>
+      <p:ext uri="{BB962C8B-B14F-4D97-AF65-F5344CB8AC3E}">
+        <p14:creationId xmlns:p14="http://schemas.microsoft.com/office/powerpoint/2010/main" val="846757122"/>
+      </p:ext>
+    </p:extLst>
+  </p:cSld>
+  <p:clrMapOvr>
+    <a:masterClrMapping/>
+  </p:clrMapOvr>
+</p:sld>
+</file>
+
+<file path=ppt/slides/slide3.xml><?xml version="1.0" encoding="utf-8"?>
+<p:sld xmlns:a="http://schemas.openxmlformats.org/drawingml/2006/main" xmlns:r="http://schemas.openxmlformats.org/officeDocument/2006/relationships" xmlns:p="http://schemas.openxmlformats.org/presentationml/2006/main">
+  <p:cSld>
+    <p:bg>
+      <p:bgPr>
+        <a:blipFill>
+          <a:blip r:embed="rId2">
+            <a:extLst/>
+          </a:blip>
+          <a:stretch/>
+        </a:blipFill>
+        <a:effectLst/>
+      </p:bgPr>
+    </p:bg>
+    <p:spTree>
+      <p:nvGrpSpPr>
+        <p:cNvPr id="1" name=""/>
+        <p:cNvGrpSpPr/>
+        <p:nvPr/>
+      </p:nvGrpSpPr>
+      <p:grpSpPr>
+        <a:xfrm>
+          <a:off x="0" y="0"/>
+          <a:ext cx="0" cy="0"/>
+          <a:chOff x="0" y="0"/>
+          <a:chExt cx="0" cy="0"/>
+        </a:xfrm>
+      </p:grpSpPr>
+      <p:sp>
+        <p:nvSpPr>
+          <p:cNvPr id="2" name="Title 1">
+            <a:extLst>
+              <a:ext uri="{FF2B5EF4-FFF2-40B4-BE49-F238E27FC236}">
+                <a16:creationId xmlns:a16="http://schemas.microsoft.com/office/drawing/2014/main" id="{10B9D0BB-2D3E-4B64-B355-19E3BE21C116}"/>
+              </a:ext>
+            </a:extLst>
+          </p:cNvPr>
+          <p:cNvSpPr>
+            <a:spLocks noGrp="1"/>
+          </p:cNvSpPr>
+          <p:nvPr>
+            <p:ph type="title"/>
+          </p:nvPr>
+        </p:nvSpPr>
+        <p:spPr>
+          <a:xfrm>
+            <a:off x="685801" y="1030289"/>
+            <a:ext cx="6814749" cy="1035578"/>
+          </a:xfrm>
+        </p:spPr>
+        <p:txBody>
+          <a:bodyPr>
+            <a:normAutofit/>
+          </a:bodyPr>
+          <a:lstStyle/>
+          <a:p>
+            <a:r>
+              <a:rPr lang="en-US"/>
+              <a:t>Banner Organization</a:t>
+            </a:r>
+          </a:p>
+        </p:txBody>
+      </p:sp>
+      <p:sp>
+        <p:nvSpPr>
+          <p:cNvPr id="3" name="Content Placeholder 2">
+            <a:extLst>
+              <a:ext uri="{FF2B5EF4-FFF2-40B4-BE49-F238E27FC236}">
+                <a16:creationId xmlns:a16="http://schemas.microsoft.com/office/drawing/2014/main" id="{03FF4479-662E-4513-9375-35CD7B8D40E2}"/>
+              </a:ext>
+            </a:extLst>
+          </p:cNvPr>
+          <p:cNvSpPr>
+            <a:spLocks noGrp="1"/>
+          </p:cNvSpPr>
+          <p:nvPr>
+            <p:ph idx="1"/>
+          </p:nvPr>
+        </p:nvSpPr>
+        <p:spPr>
+          <a:xfrm>
+            <a:off x="685801" y="2142067"/>
+            <a:ext cx="6814749" cy="3649133"/>
+          </a:xfrm>
+        </p:spPr>
+        <p:txBody>
+          <a:bodyPr>
+            <a:normAutofit/>
+          </a:bodyPr>
+          <a:lstStyle/>
+          <a:p>
+            <a:pPr>
+              <a:lnSpc>
+                <a:spcPct val="90000"/>
+              </a:lnSpc>
+            </a:pPr>
+            <a:r>
+              <a:rPr lang="en-US" sz="1500" dirty="0"/>
+              <a:t>Currently everything is identified manually by referring the appropriate documents. </a:t>
+            </a:r>
+          </a:p>
+          <a:p>
+            <a:pPr>
+              <a:lnSpc>
+                <a:spcPct val="90000"/>
+              </a:lnSpc>
+            </a:pPr>
+            <a:r>
+              <a:rPr lang="en-US" sz="1500" dirty="0"/>
+              <a:t>There is no track of when is the banner used last time and how many times it has been used.</a:t>
+            </a:r>
+          </a:p>
+          <a:p>
+            <a:pPr>
+              <a:lnSpc>
+                <a:spcPct val="90000"/>
+              </a:lnSpc>
+            </a:pPr>
+            <a:r>
+              <a:rPr lang="en-US" sz="1500" dirty="0"/>
+              <a:t>They should refer documents to identify the festival dates and parament colors.</a:t>
+            </a:r>
+          </a:p>
+          <a:p>
+            <a:pPr>
+              <a:lnSpc>
+                <a:spcPct val="90000"/>
+              </a:lnSpc>
+            </a:pPr>
+            <a:r>
+              <a:rPr lang="en-US" sz="1500" dirty="0"/>
+              <a:t>Banners are color coded and numbered, but not all are associated with seasons.</a:t>
+            </a:r>
+          </a:p>
+          <a:p>
+            <a:pPr>
+              <a:lnSpc>
+                <a:spcPct val="90000"/>
+              </a:lnSpc>
+            </a:pPr>
+            <a:r>
+              <a:rPr lang="en-US" sz="1500" dirty="0"/>
+              <a:t>No good coordination of information.</a:t>
+            </a:r>
+          </a:p>
+          <a:p>
+            <a:pPr>
+              <a:lnSpc>
+                <a:spcPct val="90000"/>
+              </a:lnSpc>
+            </a:pPr>
+            <a:r>
+              <a:rPr lang="en-US" sz="1500" dirty="0"/>
+              <a:t>Banner notebook stored in the basement with banners, whereas schedule and contact information is located upstairs near sanctuary which involves a lot of time and effort.</a:t>
+            </a:r>
+          </a:p>
+          <a:p>
+            <a:pPr>
+              <a:lnSpc>
+                <a:spcPct val="90000"/>
+              </a:lnSpc>
+            </a:pPr>
+            <a:endParaRPr lang="en-US" sz="1500" dirty="0"/>
+          </a:p>
+          <a:p>
+            <a:pPr>
+              <a:lnSpc>
+                <a:spcPct val="90000"/>
+              </a:lnSpc>
+            </a:pPr>
+            <a:endParaRPr lang="en-US" sz="1500" dirty="0"/>
+          </a:p>
+        </p:txBody>
+      </p:sp>
+      <p:pic>
+        <p:nvPicPr>
+          <p:cNvPr id="5" name="Picture 4">
+            <a:extLst>
+              <a:ext uri="{FF2B5EF4-FFF2-40B4-BE49-F238E27FC236}">
+                <a16:creationId xmlns:a16="http://schemas.microsoft.com/office/drawing/2014/main" id="{A5DDFBD5-9E98-45C8-A033-90A4AA8F3E33}"/>
+              </a:ext>
+            </a:extLst>
+          </p:cNvPr>
+          <p:cNvPicPr>
+            <a:picLocks noChangeAspect="1"/>
+          </p:cNvPicPr>
+          <p:nvPr/>
+        </p:nvPicPr>
+        <p:blipFill>
+          <a:blip r:embed="rId3">
+            <a:extLst>
+              <a:ext uri="{28A0092B-C50C-407E-A947-70E740481C1C}">
+                <a14:useLocalDpi xmlns:a14="http://schemas.microsoft.com/office/drawing/2010/main" val="0"/>
+              </a:ext>
+            </a:extLst>
+          </a:blip>
+          <a:stretch>
+            <a:fillRect/>
+          </a:stretch>
+        </p:blipFill>
+        <p:spPr>
+          <a:xfrm rot="5400000">
+            <a:off x="8688988" y="1319611"/>
+            <a:ext cx="2314574" cy="1735930"/>
+          </a:xfrm>
+          <a:prstGeom prst="roundRect">
+            <a:avLst>
+              <a:gd name="adj" fmla="val 7306"/>
+            </a:avLst>
+          </a:prstGeom>
+          <a:ln w="50800" cap="sq" cmpd="dbl">
+            <a:gradFill flip="none" rotWithShape="1">
+              <a:gsLst>
+                <a:gs pos="0">
+                  <a:srgbClr val="FFFFFF"/>
+                </a:gs>
+                <a:gs pos="100000">
+                  <a:schemeClr val="tx1">
+                    <a:alpha val="0"/>
+                  </a:schemeClr>
+                </a:gs>
+              </a:gsLst>
+              <a:path path="circle">
+                <a:fillToRect l="50000" t="50000" r="50000" b="50000"/>
+              </a:path>
+              <a:tileRect/>
+            </a:gradFill>
+            <a:miter lim="800000"/>
+          </a:ln>
+          <a:effectLst>
+            <a:outerShdw blurRad="254000" algn="tl" rotWithShape="0">
+              <a:srgbClr val="000000">
+                <a:alpha val="43000"/>
+              </a:srgbClr>
+            </a:outerShdw>
+          </a:effectLst>
+        </p:spPr>
+      </p:pic>
+      <p:pic>
+        <p:nvPicPr>
+          <p:cNvPr id="4" name="Content Placeholder 4">
+            <a:extLst>
+              <a:ext uri="{FF2B5EF4-FFF2-40B4-BE49-F238E27FC236}">
+                <a16:creationId xmlns:a16="http://schemas.microsoft.com/office/drawing/2014/main" id="{C673C34F-980B-491F-BDB5-D0630C48C881}"/>
+              </a:ext>
+            </a:extLst>
+          </p:cNvPr>
+          <p:cNvPicPr>
+            <a:picLocks noChangeAspect="1"/>
+          </p:cNvPicPr>
+          <p:nvPr/>
+        </p:nvPicPr>
+        <p:blipFill>
+          <a:blip r:embed="rId4">
+            <a:extLst>
+              <a:ext uri="{28A0092B-C50C-407E-A947-70E740481C1C}">
+                <a14:useLocalDpi xmlns:a14="http://schemas.microsoft.com/office/drawing/2010/main" val="0"/>
+              </a:ext>
+            </a:extLst>
+          </a:blip>
+          <a:stretch>
+            <a:fillRect/>
+          </a:stretch>
+        </p:blipFill>
+        <p:spPr>
+          <a:xfrm>
+            <a:off x="8303226" y="3508376"/>
+            <a:ext cx="3086098" cy="2314574"/>
+          </a:xfrm>
+          <a:prstGeom prst="roundRect">
+            <a:avLst>
+              <a:gd name="adj" fmla="val 7306"/>
+            </a:avLst>
+          </a:prstGeom>
+          <a:ln w="50800" cap="sq" cmpd="dbl">
+            <a:gradFill flip="none" rotWithShape="1">
+              <a:gsLst>
+                <a:gs pos="0">
+                  <a:srgbClr val="FFFFFF"/>
+                </a:gs>
+                <a:gs pos="100000">
+                  <a:schemeClr val="tx1">
+                    <a:alpha val="0"/>
+                  </a:schemeClr>
+                </a:gs>
+              </a:gsLst>
+              <a:path path="circle">
+                <a:fillToRect l="50000" t="50000" r="50000" b="50000"/>
+              </a:path>
+              <a:tileRect/>
+            </a:gradFill>
+            <a:miter lim="800000"/>
+          </a:ln>
+          <a:effectLst>
+            <a:outerShdw blurRad="254000" algn="tl" rotWithShape="0">
+              <a:srgbClr val="000000">
+                <a:alpha val="43000"/>
+              </a:srgbClr>
+            </a:outerShdw>
+          </a:effectLst>
+        </p:spPr>
+      </p:pic>
+    </p:spTree>
+    <p:extLst>
+      <p:ext uri="{BB962C8B-B14F-4D97-AF65-F5344CB8AC3E}">
+        <p14:creationId xmlns:p14="http://schemas.microsoft.com/office/powerpoint/2010/main" val="1629876656"/>
+      </p:ext>
+    </p:extLst>
+  </p:cSld>
+  <p:clrMapOvr>
+    <a:masterClrMapping/>
+  </p:clrMapOvr>
+</p:sld>
+</file>
+
+<file path=ppt/slides/slide4.xml><?xml version="1.0" encoding="utf-8"?>
+<p:sld xmlns:a="http://schemas.openxmlformats.org/drawingml/2006/main" xmlns:r="http://schemas.openxmlformats.org/officeDocument/2006/relationships" xmlns:p="http://schemas.openxmlformats.org/presentationml/2006/main">
+  <p:cSld>
     <p:spTree>
       <p:nvGrpSpPr>
         <p:cNvPr id="1" name=""/>
@@ -5865,14 +15263,19 @@
             <p:ph type="title"/>
           </p:nvPr>
         </p:nvSpPr>
-        <p:spPr/>
+        <p:spPr>
+          <a:xfrm>
+            <a:off x="685800" y="0"/>
+            <a:ext cx="10131425" cy="1456267"/>
+          </a:xfrm>
+        </p:spPr>
         <p:txBody>
           <a:bodyPr/>
           <a:lstStyle/>
           <a:p>
             <a:r>
               <a:rPr lang="en-US" dirty="0"/>
-              <a:t>Introduction to the problem</a:t>
+              <a:t>Things done by Altar guild</a:t>
             </a:r>
           </a:p>
         </p:txBody>
@@ -5895,100 +15298,176 @@
         </p:nvSpPr>
         <p:spPr>
           <a:xfrm>
-            <a:off x="685801" y="1921565"/>
+            <a:off x="685800" y="2139280"/>
             <a:ext cx="10131425" cy="3869635"/>
           </a:xfrm>
         </p:spPr>
         <p:txBody>
-          <a:bodyPr/>
+          <a:bodyPr>
+            <a:noAutofit/>
+          </a:bodyPr>
           <a:lstStyle/>
+          <a:p>
+            <a:pPr marL="0" indent="0">
+              <a:buNone/>
+            </a:pPr>
+            <a:endParaRPr lang="en-US" sz="1400" dirty="0"/>
+          </a:p>
           <a:p>
             <a:pPr marL="0" indent="0">
               <a:buNone/>
             </a:pPr>
             <a:r>
-              <a:rPr lang="en-US" dirty="0"/>
+              <a:rPr lang="en-US" sz="1400" dirty="0"/>
               <a:t>There are many things that need to be identified to celebrate the festivals at church.</a:t>
             </a:r>
           </a:p>
           <a:p>
-            <a:pPr marL="0" indent="0">
-              <a:buNone/>
+            <a:pPr>
+              <a:buFont typeface="Wingdings" panose="05000000000000000000" pitchFamily="2" charset="2"/>
+              <a:buChar char="ü"/>
             </a:pPr>
-            <a:endParaRPr lang="en-US" dirty="0"/>
+            <a:endParaRPr lang="en-US" sz="1400" dirty="0"/>
+          </a:p>
+          <a:p>
+            <a:pPr>
+              <a:buFont typeface="Wingdings" panose="05000000000000000000" pitchFamily="2" charset="2"/>
+              <a:buChar char="ü"/>
+            </a:pPr>
+            <a:r>
+              <a:rPr lang="en-US" sz="1400" dirty="0"/>
+              <a:t>What is the date of particular festival?</a:t>
+            </a:r>
+          </a:p>
+          <a:p>
+            <a:pPr>
+              <a:buFont typeface="Wingdings" panose="05000000000000000000" pitchFamily="2" charset="2"/>
+              <a:buChar char="ü"/>
+            </a:pPr>
+            <a:r>
+              <a:rPr lang="en-US" sz="1400" dirty="0"/>
+              <a:t>Identify the color of the parament for each week of the church year</a:t>
+            </a:r>
+          </a:p>
+          <a:p>
+            <a:pPr>
+              <a:buFont typeface="Wingdings" panose="05000000000000000000" pitchFamily="2" charset="2"/>
+              <a:buChar char="ü"/>
+            </a:pPr>
+            <a:r>
+              <a:rPr lang="en-US" sz="1400" dirty="0"/>
+              <a:t>Identify banners associated with each season</a:t>
+            </a:r>
+          </a:p>
+          <a:p>
+            <a:pPr>
+              <a:buFont typeface="Wingdings" panose="05000000000000000000" pitchFamily="2" charset="2"/>
+              <a:buChar char="ü"/>
+            </a:pPr>
+            <a:r>
+              <a:rPr lang="en-US" sz="1400" dirty="0"/>
+              <a:t>Identify whether the banners are front banners, side banners or aisle banners</a:t>
+            </a:r>
+          </a:p>
+          <a:p>
+            <a:pPr>
+              <a:buFont typeface="Wingdings" panose="05000000000000000000" pitchFamily="2" charset="2"/>
+              <a:buChar char="ü"/>
+            </a:pPr>
+            <a:r>
+              <a:rPr lang="en-US" sz="1400" dirty="0"/>
+              <a:t>Identify banner pairs (2 banners that are always hung together in the front)</a:t>
+            </a:r>
+          </a:p>
+          <a:p>
+            <a:pPr>
+              <a:buFont typeface="Wingdings" panose="05000000000000000000" pitchFamily="2" charset="2"/>
+              <a:buChar char="ü"/>
+            </a:pPr>
+            <a:r>
+              <a:rPr lang="en-US" sz="1400" dirty="0"/>
+              <a:t>Identify any special preparations for each banner</a:t>
+            </a:r>
+          </a:p>
+          <a:p>
+            <a:pPr>
+              <a:buFont typeface="Wingdings" panose="05000000000000000000" pitchFamily="2" charset="2"/>
+              <a:buChar char="ü"/>
+            </a:pPr>
+            <a:r>
+              <a:rPr lang="en-US" sz="1400" dirty="0"/>
+              <a:t>Identify where the banner is stored</a:t>
+            </a:r>
+          </a:p>
+          <a:p>
+            <a:pPr>
+              <a:buFont typeface="Wingdings" panose="05000000000000000000" pitchFamily="2" charset="2"/>
+              <a:buChar char="ü"/>
+            </a:pPr>
+            <a:r>
+              <a:rPr lang="en-US" sz="1400" dirty="0"/>
+              <a:t>When is a particular banner used last time?</a:t>
+            </a:r>
+          </a:p>
+          <a:p>
+            <a:pPr>
+              <a:buFont typeface="Wingdings" panose="05000000000000000000" pitchFamily="2" charset="2"/>
+              <a:buChar char="ü"/>
+            </a:pPr>
+            <a:r>
+              <a:rPr lang="en-US" sz="1400" dirty="0"/>
+              <a:t>Who are responsible for that particular festival?</a:t>
+            </a:r>
+          </a:p>
+          <a:p>
+            <a:pPr>
+              <a:buFont typeface="Wingdings" panose="05000000000000000000" pitchFamily="2" charset="2"/>
+              <a:buChar char="ü"/>
+            </a:pPr>
+            <a:r>
+              <a:rPr lang="en-US" sz="1400" dirty="0"/>
+              <a:t>Identify Guild members and their contact information</a:t>
+            </a:r>
+          </a:p>
+          <a:p>
+            <a:pPr>
+              <a:buFont typeface="Wingdings" panose="05000000000000000000" pitchFamily="2" charset="2"/>
+              <a:buChar char="ü"/>
+            </a:pPr>
+            <a:r>
+              <a:rPr lang="en-US" sz="1400" dirty="0"/>
+              <a:t>What are the things to be done by the person when assigned to the festival?</a:t>
+            </a:r>
+          </a:p>
+          <a:p>
+            <a:pPr>
+              <a:buFont typeface="Wingdings" panose="05000000000000000000" pitchFamily="2" charset="2"/>
+              <a:buChar char="ü"/>
+            </a:pPr>
+            <a:r>
+              <a:rPr lang="en-US" sz="1400" dirty="0"/>
+              <a:t>Identify which months the guild members are assigned to work</a:t>
+            </a:r>
           </a:p>
           <a:p>
             <a:pPr>
               <a:buFont typeface="Wingdings" panose="05000000000000000000" pitchFamily="2" charset="2"/>
               <a:buChar char="§"/>
             </a:pPr>
-            <a:r>
-              <a:rPr lang="en-US" dirty="0"/>
-              <a:t>What is the date of particular festival?</a:t>
-            </a:r>
+            <a:endParaRPr lang="en-US" sz="1400" dirty="0"/>
           </a:p>
           <a:p>
             <a:pPr>
               <a:buFont typeface="Wingdings" panose="05000000000000000000" pitchFamily="2" charset="2"/>
               <a:buChar char="§"/>
             </a:pPr>
-            <a:r>
-              <a:rPr lang="en-US" dirty="0"/>
-              <a:t>What is the color of the parament that has to be used for a particular festival?</a:t>
-            </a:r>
-          </a:p>
-          <a:p>
-            <a:pPr>
-              <a:buFont typeface="Wingdings" panose="05000000000000000000" pitchFamily="2" charset="2"/>
-              <a:buChar char="§"/>
-            </a:pPr>
-            <a:r>
-              <a:rPr lang="en-US" dirty="0"/>
-              <a:t>What are the different banners available for the particular festival?</a:t>
-            </a:r>
-          </a:p>
-          <a:p>
-            <a:pPr>
-              <a:buFont typeface="Wingdings" panose="05000000000000000000" pitchFamily="2" charset="2"/>
-              <a:buChar char="§"/>
-            </a:pPr>
-            <a:r>
-              <a:rPr lang="en-US" dirty="0"/>
-              <a:t>When is a particular banner used last time?</a:t>
-            </a:r>
-          </a:p>
-          <a:p>
-            <a:pPr>
-              <a:buFont typeface="Wingdings" panose="05000000000000000000" pitchFamily="2" charset="2"/>
-              <a:buChar char="§"/>
-            </a:pPr>
-            <a:r>
-              <a:rPr lang="en-US" dirty="0"/>
-              <a:t>Who are responsible for that particular festival?</a:t>
-            </a:r>
-          </a:p>
-          <a:p>
-            <a:pPr>
-              <a:buFont typeface="Wingdings" panose="05000000000000000000" pitchFamily="2" charset="2"/>
-              <a:buChar char="§"/>
-            </a:pPr>
-            <a:r>
-              <a:rPr lang="en-US" dirty="0"/>
-              <a:t>What are the things to be done by the person when assigned to the festival?</a:t>
-            </a:r>
-          </a:p>
-          <a:p>
-            <a:pPr>
-              <a:buFont typeface="Wingdings" panose="05000000000000000000" pitchFamily="2" charset="2"/>
-              <a:buChar char="§"/>
-            </a:pPr>
-            <a:endParaRPr lang="en-US" dirty="0"/>
+            <a:endParaRPr lang="en-US" sz="1400" dirty="0"/>
           </a:p>
           <a:p>
             <a:pPr marL="0" indent="0">
               <a:buNone/>
             </a:pPr>
-            <a:endParaRPr lang="en-US" dirty="0"/>
+            <a:endParaRPr lang="en-US" sz="1400" dirty="0"/>
           </a:p>
         </p:txBody>
       </p:sp>
@@ -6005,125 +15484,7 @@
 </p:sld>
 </file>
 
-<file path=ppt/slides/slide3.xml><?xml version="1.0" encoding="utf-8"?>
-<p:sld xmlns:a="http://schemas.openxmlformats.org/drawingml/2006/main" xmlns:r="http://schemas.openxmlformats.org/officeDocument/2006/relationships" xmlns:p="http://schemas.openxmlformats.org/presentationml/2006/main">
-  <p:cSld>
-    <p:spTree>
-      <p:nvGrpSpPr>
-        <p:cNvPr id="1" name=""/>
-        <p:cNvGrpSpPr/>
-        <p:nvPr/>
-      </p:nvGrpSpPr>
-      <p:grpSpPr>
-        <a:xfrm>
-          <a:off x="0" y="0"/>
-          <a:ext cx="0" cy="0"/>
-          <a:chOff x="0" y="0"/>
-          <a:chExt cx="0" cy="0"/>
-        </a:xfrm>
-      </p:grpSpPr>
-      <p:sp>
-        <p:nvSpPr>
-          <p:cNvPr id="2" name="Title 1">
-            <a:extLst>
-              <a:ext uri="{FF2B5EF4-FFF2-40B4-BE49-F238E27FC236}">
-                <a16:creationId xmlns:a16="http://schemas.microsoft.com/office/drawing/2014/main" id="{10B9D0BB-2D3E-4B64-B355-19E3BE21C116}"/>
-              </a:ext>
-            </a:extLst>
-          </p:cNvPr>
-          <p:cNvSpPr>
-            <a:spLocks noGrp="1"/>
-          </p:cNvSpPr>
-          <p:nvPr>
-            <p:ph type="title"/>
-          </p:nvPr>
-        </p:nvSpPr>
-        <p:spPr/>
-        <p:txBody>
-          <a:bodyPr/>
-          <a:lstStyle/>
-          <a:p>
-            <a:r>
-              <a:rPr lang="en-US" dirty="0"/>
-              <a:t>Existing system</a:t>
-            </a:r>
-          </a:p>
-        </p:txBody>
-      </p:sp>
-      <p:sp>
-        <p:nvSpPr>
-          <p:cNvPr id="3" name="Content Placeholder 2">
-            <a:extLst>
-              <a:ext uri="{FF2B5EF4-FFF2-40B4-BE49-F238E27FC236}">
-                <a16:creationId xmlns:a16="http://schemas.microsoft.com/office/drawing/2014/main" id="{03FF4479-662E-4513-9375-35CD7B8D40E2}"/>
-              </a:ext>
-            </a:extLst>
-          </p:cNvPr>
-          <p:cNvSpPr>
-            <a:spLocks noGrp="1"/>
-          </p:cNvSpPr>
-          <p:nvPr>
-            <p:ph idx="1"/>
-          </p:nvPr>
-        </p:nvSpPr>
-        <p:spPr>
-          <a:xfrm>
-            <a:off x="685800" y="1337733"/>
-            <a:ext cx="10131425" cy="3649133"/>
-          </a:xfrm>
-        </p:spPr>
-        <p:txBody>
-          <a:bodyPr/>
-          <a:lstStyle/>
-          <a:p>
-            <a:r>
-              <a:rPr lang="en-US" dirty="0"/>
-              <a:t>Currently everything is identified manually by referring the appropriate documents. </a:t>
-            </a:r>
-          </a:p>
-          <a:p>
-            <a:r>
-              <a:rPr lang="en-US" dirty="0"/>
-              <a:t>There is no track of when is the banner used last time and how many times it has been used.</a:t>
-            </a:r>
-          </a:p>
-          <a:p>
-            <a:r>
-              <a:rPr lang="en-US" dirty="0"/>
-              <a:t>To check the available banners they should go through all the documents which consists the of the banner information which involves lot of time and effort.</a:t>
-            </a:r>
-          </a:p>
-          <a:p>
-            <a:r>
-              <a:rPr lang="en-US" dirty="0"/>
-              <a:t>They should refer documents to identify the festival dates and parament colors.</a:t>
-            </a:r>
-          </a:p>
-          <a:p>
-            <a:r>
-              <a:rPr lang="en-US" dirty="0"/>
-              <a:t>Documents containing information can be misplaced or lost.</a:t>
-            </a:r>
-          </a:p>
-          <a:p>
-            <a:endParaRPr lang="en-US" dirty="0"/>
-          </a:p>
-        </p:txBody>
-      </p:sp>
-    </p:spTree>
-    <p:extLst>
-      <p:ext uri="{BB962C8B-B14F-4D97-AF65-F5344CB8AC3E}">
-        <p14:creationId xmlns:p14="http://schemas.microsoft.com/office/powerpoint/2010/main" val="1629876656"/>
-      </p:ext>
-    </p:extLst>
-  </p:cSld>
-  <p:clrMapOvr>
-    <a:masterClrMapping/>
-  </p:clrMapOvr>
-</p:sld>
-</file>
-
-<file path=ppt/slides/slide4.xml><?xml version="1.0" encoding="utf-8"?>
+<file path=ppt/slides/slide5.xml><?xml version="1.0" encoding="utf-8"?>
 <p:sld xmlns:a="http://schemas.openxmlformats.org/drawingml/2006/main" xmlns:r="http://schemas.openxmlformats.org/officeDocument/2006/relationships" xmlns:p="http://schemas.openxmlformats.org/presentationml/2006/main">
   <p:cSld>
     <p:spTree>

--- a/Powerpoints/finalpresentationintro.pptx
+++ b/Powerpoints/finalpresentationintro.pptx
@@ -7,8 +7,8 @@
   <p:sldIdLst>
     <p:sldId id="256" r:id="rId2"/>
     <p:sldId id="261" r:id="rId3"/>
-    <p:sldId id="258" r:id="rId4"/>
-    <p:sldId id="257" r:id="rId5"/>
+    <p:sldId id="257" r:id="rId4"/>
+    <p:sldId id="258" r:id="rId5"/>
     <p:sldId id="259" r:id="rId6"/>
   </p:sldIdLst>
   <p:sldSz cx="12192000" cy="6858000"/>
@@ -5830,6 +5830,138 @@
   <p:clrMapOvr>
     <a:masterClrMapping/>
   </p:clrMapOvr>
+  <p:timing>
+    <p:tnLst>
+      <p:par>
+        <p:cTn id="1" dur="indefinite" restart="never" nodeType="tmRoot">
+          <p:childTnLst>
+            <p:seq concurrent="1" nextAc="seek">
+              <p:cTn id="2" dur="indefinite" nodeType="mainSeq">
+                <p:childTnLst>
+                  <p:par>
+                    <p:cTn id="3" fill="hold">
+                      <p:stCondLst>
+                        <p:cond delay="indefinite"/>
+                      </p:stCondLst>
+                      <p:childTnLst>
+                        <p:par>
+                          <p:cTn id="4" fill="hold">
+                            <p:stCondLst>
+                              <p:cond delay="0"/>
+                            </p:stCondLst>
+                            <p:childTnLst>
+                              <p:par>
+                                <p:cTn id="5" presetID="42" presetClass="entr" presetSubtype="0" fill="hold" grpId="0" nodeType="clickEffect">
+                                  <p:stCondLst>
+                                    <p:cond delay="0"/>
+                                  </p:stCondLst>
+                                  <p:childTnLst>
+                                    <p:set>
+                                      <p:cBhvr>
+                                        <p:cTn id="6" dur="1" fill="hold">
+                                          <p:stCondLst>
+                                            <p:cond delay="0"/>
+                                          </p:stCondLst>
+                                        </p:cTn>
+                                        <p:tgtEl>
+                                          <p:spTgt spid="2"/>
+                                        </p:tgtEl>
+                                        <p:attrNameLst>
+                                          <p:attrName>style.visibility</p:attrName>
+                                        </p:attrNameLst>
+                                      </p:cBhvr>
+                                      <p:to>
+                                        <p:strVal val="visible"/>
+                                      </p:to>
+                                    </p:set>
+                                    <p:animEffect transition="in" filter="fade">
+                                      <p:cBhvr>
+                                        <p:cTn id="7" dur="1000"/>
+                                        <p:tgtEl>
+                                          <p:spTgt spid="2"/>
+                                        </p:tgtEl>
+                                      </p:cBhvr>
+                                    </p:animEffect>
+                                    <p:anim calcmode="lin" valueType="num">
+                                      <p:cBhvr>
+                                        <p:cTn id="8" dur="1000" fill="hold"/>
+                                        <p:tgtEl>
+                                          <p:spTgt spid="2"/>
+                                        </p:tgtEl>
+                                        <p:attrNameLst>
+                                          <p:attrName>ppt_x</p:attrName>
+                                        </p:attrNameLst>
+                                      </p:cBhvr>
+                                      <p:tavLst>
+                                        <p:tav tm="0">
+                                          <p:val>
+                                            <p:strVal val="#ppt_x"/>
+                                          </p:val>
+                                        </p:tav>
+                                        <p:tav tm="100000">
+                                          <p:val>
+                                            <p:strVal val="#ppt_x"/>
+                                          </p:val>
+                                        </p:tav>
+                                      </p:tavLst>
+                                    </p:anim>
+                                    <p:anim calcmode="lin" valueType="num">
+                                      <p:cBhvr>
+                                        <p:cTn id="9" dur="1000" fill="hold"/>
+                                        <p:tgtEl>
+                                          <p:spTgt spid="2"/>
+                                        </p:tgtEl>
+                                        <p:attrNameLst>
+                                          <p:attrName>ppt_y</p:attrName>
+                                        </p:attrNameLst>
+                                      </p:cBhvr>
+                                      <p:tavLst>
+                                        <p:tav tm="0">
+                                          <p:val>
+                                            <p:strVal val="#ppt_y+.1"/>
+                                          </p:val>
+                                        </p:tav>
+                                        <p:tav tm="100000">
+                                          <p:val>
+                                            <p:strVal val="#ppt_y"/>
+                                          </p:val>
+                                        </p:tav>
+                                      </p:tavLst>
+                                    </p:anim>
+                                  </p:childTnLst>
+                                </p:cTn>
+                              </p:par>
+                            </p:childTnLst>
+                          </p:cTn>
+                        </p:par>
+                      </p:childTnLst>
+                    </p:cTn>
+                  </p:par>
+                </p:childTnLst>
+              </p:cTn>
+              <p:prevCondLst>
+                <p:cond evt="onPrev" delay="0">
+                  <p:tgtEl>
+                    <p:sldTgt/>
+                  </p:tgtEl>
+                </p:cond>
+              </p:prevCondLst>
+              <p:nextCondLst>
+                <p:cond evt="onNext" delay="0">
+                  <p:tgtEl>
+                    <p:sldTgt/>
+                  </p:tgtEl>
+                </p:cond>
+              </p:nextCondLst>
+            </p:seq>
+          </p:childTnLst>
+        </p:cTn>
+      </p:par>
+    </p:tnLst>
+    <p:bldLst>
+      <p:bldP spid="2" grpId="0"/>
+    </p:bldLst>
+  </p:timing>
 </p:sld>
 </file>
 
@@ -14912,10 +15044,279 @@
   <p:clrMapOvr>
     <a:masterClrMapping/>
   </p:clrMapOvr>
+  <p:transition spd="slow">
+    <p:push dir="u"/>
+  </p:transition>
 </p:sld>
 </file>
 
 <file path=ppt/slides/slide3.xml><?xml version="1.0" encoding="utf-8"?>
+<p:sld xmlns:a="http://schemas.openxmlformats.org/drawingml/2006/main" xmlns:r="http://schemas.openxmlformats.org/officeDocument/2006/relationships" xmlns:p="http://schemas.openxmlformats.org/presentationml/2006/main">
+  <p:cSld>
+    <p:spTree>
+      <p:nvGrpSpPr>
+        <p:cNvPr id="1" name=""/>
+        <p:cNvGrpSpPr/>
+        <p:nvPr/>
+      </p:nvGrpSpPr>
+      <p:grpSpPr>
+        <a:xfrm>
+          <a:off x="0" y="0"/>
+          <a:ext cx="0" cy="0"/>
+          <a:chOff x="0" y="0"/>
+          <a:chExt cx="0" cy="0"/>
+        </a:xfrm>
+      </p:grpSpPr>
+      <p:sp>
+        <p:nvSpPr>
+          <p:cNvPr id="2" name="Title 1">
+            <a:extLst>
+              <a:ext uri="{FF2B5EF4-FFF2-40B4-BE49-F238E27FC236}">
+                <a16:creationId xmlns:a16="http://schemas.microsoft.com/office/drawing/2014/main" id="{83853495-D3A7-4204-86B8-E00157CB7685}"/>
+              </a:ext>
+            </a:extLst>
+          </p:cNvPr>
+          <p:cNvSpPr>
+            <a:spLocks noGrp="1"/>
+          </p:cNvSpPr>
+          <p:nvPr>
+            <p:ph type="title"/>
+          </p:nvPr>
+        </p:nvSpPr>
+        <p:spPr>
+          <a:xfrm>
+            <a:off x="685800" y="0"/>
+            <a:ext cx="10131425" cy="1456267"/>
+          </a:xfrm>
+        </p:spPr>
+        <p:txBody>
+          <a:bodyPr/>
+          <a:lstStyle/>
+          <a:p>
+            <a:r>
+              <a:rPr lang="en-US" dirty="0"/>
+              <a:t>Things done by Altar guild</a:t>
+            </a:r>
+          </a:p>
+        </p:txBody>
+      </p:sp>
+      <p:sp>
+        <p:nvSpPr>
+          <p:cNvPr id="3" name="Content Placeholder 2">
+            <a:extLst>
+              <a:ext uri="{FF2B5EF4-FFF2-40B4-BE49-F238E27FC236}">
+                <a16:creationId xmlns:a16="http://schemas.microsoft.com/office/drawing/2014/main" id="{A9B2D447-565D-4AB7-8140-0C6249EBC52C}"/>
+              </a:ext>
+            </a:extLst>
+          </p:cNvPr>
+          <p:cNvSpPr>
+            <a:spLocks noGrp="1"/>
+          </p:cNvSpPr>
+          <p:nvPr>
+            <p:ph idx="1"/>
+          </p:nvPr>
+        </p:nvSpPr>
+        <p:spPr>
+          <a:xfrm>
+            <a:off x="685800" y="2139280"/>
+            <a:ext cx="10131425" cy="3869635"/>
+          </a:xfrm>
+        </p:spPr>
+        <p:txBody>
+          <a:bodyPr>
+            <a:noAutofit/>
+          </a:bodyPr>
+          <a:lstStyle/>
+          <a:p>
+            <a:pPr marL="0" indent="0">
+              <a:buNone/>
+            </a:pPr>
+            <a:endParaRPr lang="en-US" sz="1400" dirty="0"/>
+          </a:p>
+          <a:p>
+            <a:pPr marL="0" indent="0">
+              <a:buNone/>
+            </a:pPr>
+            <a:r>
+              <a:rPr lang="en-US" sz="1400" dirty="0"/>
+              <a:t>There are many things that need to be identified to celebrate the festivals at church.</a:t>
+            </a:r>
+          </a:p>
+          <a:p>
+            <a:pPr>
+              <a:buFont typeface="Wingdings" panose="05000000000000000000" pitchFamily="2" charset="2"/>
+              <a:buChar char="ü"/>
+            </a:pPr>
+            <a:endParaRPr lang="en-US" sz="1400" dirty="0"/>
+          </a:p>
+          <a:p>
+            <a:pPr>
+              <a:buFont typeface="Wingdings" panose="05000000000000000000" pitchFamily="2" charset="2"/>
+              <a:buChar char="ü"/>
+            </a:pPr>
+            <a:r>
+              <a:rPr lang="en-US" sz="1400" dirty="0"/>
+              <a:t>What is the date of particular festival?</a:t>
+            </a:r>
+          </a:p>
+          <a:p>
+            <a:pPr>
+              <a:buFont typeface="Wingdings" panose="05000000000000000000" pitchFamily="2" charset="2"/>
+              <a:buChar char="ü"/>
+            </a:pPr>
+            <a:r>
+              <a:rPr lang="en-US" sz="1400" dirty="0"/>
+              <a:t>Identify the color of the parament for each week of the church year</a:t>
+            </a:r>
+          </a:p>
+          <a:p>
+            <a:pPr>
+              <a:buFont typeface="Wingdings" panose="05000000000000000000" pitchFamily="2" charset="2"/>
+              <a:buChar char="ü"/>
+            </a:pPr>
+            <a:r>
+              <a:rPr lang="en-US" sz="1400" dirty="0"/>
+              <a:t>Identify banners associated with each season</a:t>
+            </a:r>
+          </a:p>
+          <a:p>
+            <a:pPr>
+              <a:buFont typeface="Wingdings" panose="05000000000000000000" pitchFamily="2" charset="2"/>
+              <a:buChar char="ü"/>
+            </a:pPr>
+            <a:r>
+              <a:rPr lang="en-US" sz="1400" dirty="0"/>
+              <a:t>Identify whether the banners are front banners, side banners or aisle banners</a:t>
+            </a:r>
+          </a:p>
+          <a:p>
+            <a:pPr>
+              <a:buFont typeface="Wingdings" panose="05000000000000000000" pitchFamily="2" charset="2"/>
+              <a:buChar char="ü"/>
+            </a:pPr>
+            <a:r>
+              <a:rPr lang="en-US" sz="1400" dirty="0"/>
+              <a:t>Identify banner pairs (2 banners that are always hung together in the front)</a:t>
+            </a:r>
+          </a:p>
+          <a:p>
+            <a:pPr>
+              <a:buFont typeface="Wingdings" panose="05000000000000000000" pitchFamily="2" charset="2"/>
+              <a:buChar char="ü"/>
+            </a:pPr>
+            <a:r>
+              <a:rPr lang="en-US" sz="1400" dirty="0"/>
+              <a:t>Identify any special preparations for each banner</a:t>
+            </a:r>
+          </a:p>
+          <a:p>
+            <a:pPr>
+              <a:buFont typeface="Wingdings" panose="05000000000000000000" pitchFamily="2" charset="2"/>
+              <a:buChar char="ü"/>
+            </a:pPr>
+            <a:r>
+              <a:rPr lang="en-US" sz="1400" dirty="0"/>
+              <a:t>Identify where the banner is stored</a:t>
+            </a:r>
+          </a:p>
+          <a:p>
+            <a:pPr>
+              <a:buFont typeface="Wingdings" panose="05000000000000000000" pitchFamily="2" charset="2"/>
+              <a:buChar char="ü"/>
+            </a:pPr>
+            <a:r>
+              <a:rPr lang="en-US" sz="1400" dirty="0"/>
+              <a:t>When is a particular banner used last time?</a:t>
+            </a:r>
+          </a:p>
+          <a:p>
+            <a:pPr>
+              <a:buFont typeface="Wingdings" panose="05000000000000000000" pitchFamily="2" charset="2"/>
+              <a:buChar char="ü"/>
+            </a:pPr>
+            <a:r>
+              <a:rPr lang="en-US" sz="1400" dirty="0"/>
+              <a:t>Who are responsible for that particular festival?</a:t>
+            </a:r>
+          </a:p>
+          <a:p>
+            <a:pPr>
+              <a:buFont typeface="Wingdings" panose="05000000000000000000" pitchFamily="2" charset="2"/>
+              <a:buChar char="ü"/>
+            </a:pPr>
+            <a:r>
+              <a:rPr lang="en-US" sz="1400" dirty="0"/>
+              <a:t>Identify Guild members and their contact information</a:t>
+            </a:r>
+          </a:p>
+          <a:p>
+            <a:pPr>
+              <a:buFont typeface="Wingdings" panose="05000000000000000000" pitchFamily="2" charset="2"/>
+              <a:buChar char="ü"/>
+            </a:pPr>
+            <a:r>
+              <a:rPr lang="en-US" sz="1400" dirty="0"/>
+              <a:t>What are the things to be done by the person when assigned to the festival?</a:t>
+            </a:r>
+          </a:p>
+          <a:p>
+            <a:pPr>
+              <a:buFont typeface="Wingdings" panose="05000000000000000000" pitchFamily="2" charset="2"/>
+              <a:buChar char="ü"/>
+            </a:pPr>
+            <a:r>
+              <a:rPr lang="en-US" sz="1400" dirty="0"/>
+              <a:t>Identify which months the guild members are assigned to work</a:t>
+            </a:r>
+          </a:p>
+          <a:p>
+            <a:pPr>
+              <a:buFont typeface="Wingdings" panose="05000000000000000000" pitchFamily="2" charset="2"/>
+              <a:buChar char="§"/>
+            </a:pPr>
+            <a:endParaRPr lang="en-US" sz="1400" dirty="0"/>
+          </a:p>
+          <a:p>
+            <a:pPr>
+              <a:buFont typeface="Wingdings" panose="05000000000000000000" pitchFamily="2" charset="2"/>
+              <a:buChar char="§"/>
+            </a:pPr>
+            <a:endParaRPr lang="en-US" sz="1400" dirty="0"/>
+          </a:p>
+          <a:p>
+            <a:pPr marL="0" indent="0">
+              <a:buNone/>
+            </a:pPr>
+            <a:endParaRPr lang="en-US" sz="1400" dirty="0"/>
+          </a:p>
+        </p:txBody>
+      </p:sp>
+    </p:spTree>
+    <p:extLst>
+      <p:ext uri="{BB962C8B-B14F-4D97-AF65-F5344CB8AC3E}">
+        <p14:creationId xmlns:p14="http://schemas.microsoft.com/office/powerpoint/2010/main" val="498426177"/>
+      </p:ext>
+    </p:extLst>
+  </p:cSld>
+  <p:clrMapOvr>
+    <a:masterClrMapping/>
+  </p:clrMapOvr>
+  <mc:AlternateContent xmlns:mc="http://schemas.openxmlformats.org/markup-compatibility/2006">
+    <mc:Choice xmlns:p14="http://schemas.microsoft.com/office/powerpoint/2010/main" Requires="p14">
+      <p:transition spd="slow">
+        <p14:flash/>
+      </p:transition>
+    </mc:Choice>
+    <mc:Fallback>
+      <p:transition spd="slow">
+        <p:fade/>
+      </p:transition>
+    </mc:Fallback>
+  </mc:AlternateContent>
+</p:sld>
+</file>
+
+<file path=ppt/slides/slide4.xml><?xml version="1.0" encoding="utf-8"?>
 <p:sld xmlns:a="http://schemas.openxmlformats.org/drawingml/2006/main" xmlns:r="http://schemas.openxmlformats.org/officeDocument/2006/relationships" xmlns:p="http://schemas.openxmlformats.org/presentationml/2006/main">
   <p:cSld>
     <p:bg>
@@ -14972,8 +15373,8 @@
           <a:lstStyle/>
           <a:p>
             <a:r>
-              <a:rPr lang="en-US"/>
-              <a:t>Banner Organization</a:t>
+              <a:rPr lang="en-US" dirty="0"/>
+              <a:t>Introduction to the Problem </a:t>
             </a:r>
           </a:p>
         </p:txBody>
@@ -15227,260 +15628,18 @@
   <p:clrMapOvr>
     <a:masterClrMapping/>
   </p:clrMapOvr>
-</p:sld>
-</file>
-
-<file path=ppt/slides/slide4.xml><?xml version="1.0" encoding="utf-8"?>
-<p:sld xmlns:a="http://schemas.openxmlformats.org/drawingml/2006/main" xmlns:r="http://schemas.openxmlformats.org/officeDocument/2006/relationships" xmlns:p="http://schemas.openxmlformats.org/presentationml/2006/main">
-  <p:cSld>
-    <p:spTree>
-      <p:nvGrpSpPr>
-        <p:cNvPr id="1" name=""/>
-        <p:cNvGrpSpPr/>
-        <p:nvPr/>
-      </p:nvGrpSpPr>
-      <p:grpSpPr>
-        <a:xfrm>
-          <a:off x="0" y="0"/>
-          <a:ext cx="0" cy="0"/>
-          <a:chOff x="0" y="0"/>
-          <a:chExt cx="0" cy="0"/>
-        </a:xfrm>
-      </p:grpSpPr>
-      <p:sp>
-        <p:nvSpPr>
-          <p:cNvPr id="2" name="Title 1">
-            <a:extLst>
-              <a:ext uri="{FF2B5EF4-FFF2-40B4-BE49-F238E27FC236}">
-                <a16:creationId xmlns:a16="http://schemas.microsoft.com/office/drawing/2014/main" id="{83853495-D3A7-4204-86B8-E00157CB7685}"/>
-              </a:ext>
-            </a:extLst>
-          </p:cNvPr>
-          <p:cNvSpPr>
-            <a:spLocks noGrp="1"/>
-          </p:cNvSpPr>
-          <p:nvPr>
-            <p:ph type="title"/>
-          </p:nvPr>
-        </p:nvSpPr>
-        <p:spPr>
-          <a:xfrm>
-            <a:off x="685800" y="0"/>
-            <a:ext cx="10131425" cy="1456267"/>
-          </a:xfrm>
-        </p:spPr>
-        <p:txBody>
-          <a:bodyPr/>
-          <a:lstStyle/>
-          <a:p>
-            <a:r>
-              <a:rPr lang="en-US" dirty="0"/>
-              <a:t>Things done by Altar guild</a:t>
-            </a:r>
-          </a:p>
-        </p:txBody>
-      </p:sp>
-      <p:sp>
-        <p:nvSpPr>
-          <p:cNvPr id="3" name="Content Placeholder 2">
-            <a:extLst>
-              <a:ext uri="{FF2B5EF4-FFF2-40B4-BE49-F238E27FC236}">
-                <a16:creationId xmlns:a16="http://schemas.microsoft.com/office/drawing/2014/main" id="{A9B2D447-565D-4AB7-8140-0C6249EBC52C}"/>
-              </a:ext>
-            </a:extLst>
-          </p:cNvPr>
-          <p:cNvSpPr>
-            <a:spLocks noGrp="1"/>
-          </p:cNvSpPr>
-          <p:nvPr>
-            <p:ph idx="1"/>
-          </p:nvPr>
-        </p:nvSpPr>
-        <p:spPr>
-          <a:xfrm>
-            <a:off x="685800" y="2139280"/>
-            <a:ext cx="10131425" cy="3869635"/>
-          </a:xfrm>
-        </p:spPr>
-        <p:txBody>
-          <a:bodyPr>
-            <a:noAutofit/>
-          </a:bodyPr>
-          <a:lstStyle/>
-          <a:p>
-            <a:pPr marL="0" indent="0">
-              <a:buNone/>
-            </a:pPr>
-            <a:endParaRPr lang="en-US" sz="1400" dirty="0"/>
-          </a:p>
-          <a:p>
-            <a:pPr marL="0" indent="0">
-              <a:buNone/>
-            </a:pPr>
-            <a:r>
-              <a:rPr lang="en-US" sz="1400" dirty="0"/>
-              <a:t>There are many things that need to be identified to celebrate the festivals at church.</a:t>
-            </a:r>
-          </a:p>
-          <a:p>
-            <a:pPr>
-              <a:buFont typeface="Wingdings" panose="05000000000000000000" pitchFamily="2" charset="2"/>
-              <a:buChar char="ü"/>
-            </a:pPr>
-            <a:endParaRPr lang="en-US" sz="1400" dirty="0"/>
-          </a:p>
-          <a:p>
-            <a:pPr>
-              <a:buFont typeface="Wingdings" panose="05000000000000000000" pitchFamily="2" charset="2"/>
-              <a:buChar char="ü"/>
-            </a:pPr>
-            <a:r>
-              <a:rPr lang="en-US" sz="1400" dirty="0"/>
-              <a:t>What is the date of particular festival?</a:t>
-            </a:r>
-          </a:p>
-          <a:p>
-            <a:pPr>
-              <a:buFont typeface="Wingdings" panose="05000000000000000000" pitchFamily="2" charset="2"/>
-              <a:buChar char="ü"/>
-            </a:pPr>
-            <a:r>
-              <a:rPr lang="en-US" sz="1400" dirty="0"/>
-              <a:t>Identify the color of the parament for each week of the church year</a:t>
-            </a:r>
-          </a:p>
-          <a:p>
-            <a:pPr>
-              <a:buFont typeface="Wingdings" panose="05000000000000000000" pitchFamily="2" charset="2"/>
-              <a:buChar char="ü"/>
-            </a:pPr>
-            <a:r>
-              <a:rPr lang="en-US" sz="1400" dirty="0"/>
-              <a:t>Identify banners associated with each season</a:t>
-            </a:r>
-          </a:p>
-          <a:p>
-            <a:pPr>
-              <a:buFont typeface="Wingdings" panose="05000000000000000000" pitchFamily="2" charset="2"/>
-              <a:buChar char="ü"/>
-            </a:pPr>
-            <a:r>
-              <a:rPr lang="en-US" sz="1400" dirty="0"/>
-              <a:t>Identify whether the banners are front banners, side banners or aisle banners</a:t>
-            </a:r>
-          </a:p>
-          <a:p>
-            <a:pPr>
-              <a:buFont typeface="Wingdings" panose="05000000000000000000" pitchFamily="2" charset="2"/>
-              <a:buChar char="ü"/>
-            </a:pPr>
-            <a:r>
-              <a:rPr lang="en-US" sz="1400" dirty="0"/>
-              <a:t>Identify banner pairs (2 banners that are always hung together in the front)</a:t>
-            </a:r>
-          </a:p>
-          <a:p>
-            <a:pPr>
-              <a:buFont typeface="Wingdings" panose="05000000000000000000" pitchFamily="2" charset="2"/>
-              <a:buChar char="ü"/>
-            </a:pPr>
-            <a:r>
-              <a:rPr lang="en-US" sz="1400" dirty="0"/>
-              <a:t>Identify any special preparations for each banner</a:t>
-            </a:r>
-          </a:p>
-          <a:p>
-            <a:pPr>
-              <a:buFont typeface="Wingdings" panose="05000000000000000000" pitchFamily="2" charset="2"/>
-              <a:buChar char="ü"/>
-            </a:pPr>
-            <a:r>
-              <a:rPr lang="en-US" sz="1400" dirty="0"/>
-              <a:t>Identify where the banner is stored</a:t>
-            </a:r>
-          </a:p>
-          <a:p>
-            <a:pPr>
-              <a:buFont typeface="Wingdings" panose="05000000000000000000" pitchFamily="2" charset="2"/>
-              <a:buChar char="ü"/>
-            </a:pPr>
-            <a:r>
-              <a:rPr lang="en-US" sz="1400" dirty="0"/>
-              <a:t>When is a particular banner used last time?</a:t>
-            </a:r>
-          </a:p>
-          <a:p>
-            <a:pPr>
-              <a:buFont typeface="Wingdings" panose="05000000000000000000" pitchFamily="2" charset="2"/>
-              <a:buChar char="ü"/>
-            </a:pPr>
-            <a:r>
-              <a:rPr lang="en-US" sz="1400" dirty="0"/>
-              <a:t>Who are responsible for that particular festival?</a:t>
-            </a:r>
-          </a:p>
-          <a:p>
-            <a:pPr>
-              <a:buFont typeface="Wingdings" panose="05000000000000000000" pitchFamily="2" charset="2"/>
-              <a:buChar char="ü"/>
-            </a:pPr>
-            <a:r>
-              <a:rPr lang="en-US" sz="1400" dirty="0"/>
-              <a:t>Identify Guild members and their contact information</a:t>
-            </a:r>
-          </a:p>
-          <a:p>
-            <a:pPr>
-              <a:buFont typeface="Wingdings" panose="05000000000000000000" pitchFamily="2" charset="2"/>
-              <a:buChar char="ü"/>
-            </a:pPr>
-            <a:r>
-              <a:rPr lang="en-US" sz="1400" dirty="0"/>
-              <a:t>What are the things to be done by the person when assigned to the festival?</a:t>
-            </a:r>
-          </a:p>
-          <a:p>
-            <a:pPr>
-              <a:buFont typeface="Wingdings" panose="05000000000000000000" pitchFamily="2" charset="2"/>
-              <a:buChar char="ü"/>
-            </a:pPr>
-            <a:r>
-              <a:rPr lang="en-US" sz="1400" dirty="0"/>
-              <a:t>Identify which months the guild members are assigned to work</a:t>
-            </a:r>
-          </a:p>
-          <a:p>
-            <a:pPr>
-              <a:buFont typeface="Wingdings" panose="05000000000000000000" pitchFamily="2" charset="2"/>
-              <a:buChar char="§"/>
-            </a:pPr>
-            <a:endParaRPr lang="en-US" sz="1400" dirty="0"/>
-          </a:p>
-          <a:p>
-            <a:pPr>
-              <a:buFont typeface="Wingdings" panose="05000000000000000000" pitchFamily="2" charset="2"/>
-              <a:buChar char="§"/>
-            </a:pPr>
-            <a:endParaRPr lang="en-US" sz="1400" dirty="0"/>
-          </a:p>
-          <a:p>
-            <a:pPr marL="0" indent="0">
-              <a:buNone/>
-            </a:pPr>
-            <a:endParaRPr lang="en-US" sz="1400" dirty="0"/>
-          </a:p>
-        </p:txBody>
-      </p:sp>
-    </p:spTree>
-    <p:extLst>
-      <p:ext uri="{BB962C8B-B14F-4D97-AF65-F5344CB8AC3E}">
-        <p14:creationId xmlns:p14="http://schemas.microsoft.com/office/powerpoint/2010/main" val="498426177"/>
-      </p:ext>
-    </p:extLst>
-  </p:cSld>
-  <p:clrMapOvr>
-    <a:masterClrMapping/>
-  </p:clrMapOvr>
+  <mc:AlternateContent xmlns:mc="http://schemas.openxmlformats.org/markup-compatibility/2006">
+    <mc:Choice xmlns:p14="http://schemas.microsoft.com/office/powerpoint/2010/main" Requires="p14">
+      <p:transition spd="slow" p14:dur="3400">
+        <p14:reveal/>
+      </p:transition>
+    </mc:Choice>
+    <mc:Fallback>
+      <p:transition spd="slow">
+        <p:fade/>
+      </p:transition>
+    </mc:Fallback>
+  </mc:AlternateContent>
 </p:sld>
 </file>
 
@@ -15606,6 +15765,18 @@
   <p:clrMapOvr>
     <a:masterClrMapping/>
   </p:clrMapOvr>
+  <mc:AlternateContent xmlns:mc="http://schemas.openxmlformats.org/markup-compatibility/2006">
+    <mc:Choice xmlns:p15="http://schemas.microsoft.com/office/powerpoint/2012/main" Requires="p15">
+      <p:transition xmlns:p14="http://schemas.microsoft.com/office/powerpoint/2010/main" spd="slow" p14:dur="2000">
+        <p15:prstTrans prst="drape"/>
+      </p:transition>
+    </mc:Choice>
+    <mc:Fallback>
+      <p:transition spd="slow">
+        <p:fade/>
+      </p:transition>
+    </mc:Fallback>
+  </mc:AlternateContent>
 </p:sld>
 </file>
 
